--- a/media/template/Master ppt.pptx
+++ b/media/template/Master ppt.pptx
@@ -5,14 +5,16 @@
     <p:sldMasterId id="2147483659" r:id="rId1"/>
   </p:sldMasterIdLst>
   <p:notesMasterIdLst>
-    <p:notesMasterId r:id="rId7"/>
+    <p:notesMasterId r:id="rId9"/>
   </p:notesMasterIdLst>
   <p:sldIdLst>
     <p:sldId id="265" r:id="rId2"/>
-    <p:sldId id="262" r:id="rId3"/>
-    <p:sldId id="266" r:id="rId4"/>
-    <p:sldId id="268" r:id="rId5"/>
-    <p:sldId id="267" r:id="rId6"/>
+    <p:sldId id="269" r:id="rId3"/>
+    <p:sldId id="262" r:id="rId4"/>
+    <p:sldId id="266" r:id="rId5"/>
+    <p:sldId id="268" r:id="rId6"/>
+    <p:sldId id="267" r:id="rId7"/>
+    <p:sldId id="270" r:id="rId8"/>
   </p:sldIdLst>
   <p:sldSz cx="12192000" cy="6858000"/>
   <p:notesSz cx="6858000" cy="9144000"/>
@@ -256,7 +258,7 @@
 <file path=ppt/revisionInfo.xml><?xml version="1.0" encoding="utf-8"?>
 <p1510:revInfo xmlns:a="http://schemas.openxmlformats.org/drawingml/2006/main" xmlns:r="http://schemas.openxmlformats.org/officeDocument/2006/relationships" xmlns:p1510="http://schemas.microsoft.com/office/powerpoint/2015/10/main">
   <p1510:revLst>
-    <p1510:client id="{2A7D277F-C42F-4FA1-A183-7B91CB01427B}" v="196" dt="2025-04-02T02:01:38.844"/>
+    <p1510:client id="{2A7D277F-C42F-4FA1-A183-7B91CB01427B}" v="254" dt="2025-04-03T12:42:02.662"/>
   </p1510:revLst>
 </p1510:revInfo>
 </file>
@@ -266,7 +268,7 @@
   <pc:docChgLst>
     <pc:chgData name="Muhammad Zainur Rifai" userId="c76fe9f89b69102c" providerId="LiveId" clId="{2A7D277F-C42F-4FA1-A183-7B91CB01427B}"/>
     <pc:docChg chg="undo custSel addSld delSld modSld sldOrd modMainMaster">
-      <pc:chgData name="Muhammad Zainur Rifai" userId="c76fe9f89b69102c" providerId="LiveId" clId="{2A7D277F-C42F-4FA1-A183-7B91CB01427B}" dt="2025-04-02T02:01:38.844" v="723" actId="20577"/>
+      <pc:chgData name="Muhammad Zainur Rifai" userId="c76fe9f89b69102c" providerId="LiveId" clId="{2A7D277F-C42F-4FA1-A183-7B91CB01427B}" dt="2025-04-03T12:43:01.835" v="866" actId="680"/>
       <pc:docMkLst>
         <pc:docMk/>
       </pc:docMkLst>
@@ -566,12 +568,20 @@
           </ac:spMkLst>
         </pc:spChg>
       </pc:sldChg>
-      <pc:sldChg chg="addSp modSp new">
-        <pc:chgData name="Muhammad Zainur Rifai" userId="c76fe9f89b69102c" providerId="LiveId" clId="{2A7D277F-C42F-4FA1-A183-7B91CB01427B}" dt="2025-04-02T02:01:19.313" v="720"/>
+      <pc:sldChg chg="addSp delSp modSp new mod">
+        <pc:chgData name="Muhammad Zainur Rifai" userId="c76fe9f89b69102c" providerId="LiveId" clId="{2A7D277F-C42F-4FA1-A183-7B91CB01427B}" dt="2025-04-03T12:40:28.328" v="851" actId="21"/>
         <pc:sldMkLst>
           <pc:docMk/>
           <pc:sldMk cId="3166045441" sldId="268"/>
         </pc:sldMkLst>
+        <pc:spChg chg="add del mod">
+          <ac:chgData name="Muhammad Zainur Rifai" userId="c76fe9f89b69102c" providerId="LiveId" clId="{2A7D277F-C42F-4FA1-A183-7B91CB01427B}" dt="2025-04-03T12:40:28.328" v="851" actId="21"/>
+          <ac:spMkLst>
+            <pc:docMk/>
+            <pc:sldMk cId="3166045441" sldId="268"/>
+            <ac:spMk id="3" creationId="{E6B1A4FF-2E08-B809-889E-4A917FB1FB67}"/>
+          </ac:spMkLst>
+        </pc:spChg>
         <pc:spChg chg="mod">
           <ac:chgData name="Muhammad Zainur Rifai" userId="c76fe9f89b69102c" providerId="LiveId" clId="{2A7D277F-C42F-4FA1-A183-7B91CB01427B}" dt="2025-04-02T02:01:19.313" v="720"/>
           <ac:spMkLst>
@@ -653,14 +663,43 @@
           </ac:spMkLst>
         </pc:spChg>
       </pc:sldChg>
+      <pc:sldChg chg="modSp new mod">
+        <pc:chgData name="Muhammad Zainur Rifai" userId="c76fe9f89b69102c" providerId="LiveId" clId="{2A7D277F-C42F-4FA1-A183-7B91CB01427B}" dt="2025-04-03T12:40:13.529" v="850" actId="27636"/>
+        <pc:sldMkLst>
+          <pc:docMk/>
+          <pc:sldMk cId="4007519493" sldId="269"/>
+        </pc:sldMkLst>
+        <pc:spChg chg="mod">
+          <ac:chgData name="Muhammad Zainur Rifai" userId="c76fe9f89b69102c" providerId="LiveId" clId="{2A7D277F-C42F-4FA1-A183-7B91CB01427B}" dt="2025-04-03T12:40:13.529" v="850" actId="27636"/>
+          <ac:spMkLst>
+            <pc:docMk/>
+            <pc:sldMk cId="4007519493" sldId="269"/>
+            <ac:spMk id="3" creationId="{A1AE2557-1130-417E-C7E7-E6A04EAE12B6}"/>
+          </ac:spMkLst>
+        </pc:spChg>
+      </pc:sldChg>
+      <pc:sldChg chg="new del">
+        <pc:chgData name="Muhammad Zainur Rifai" userId="c76fe9f89b69102c" providerId="LiveId" clId="{2A7D277F-C42F-4FA1-A183-7B91CB01427B}" dt="2025-04-03T12:42:54.106" v="865" actId="47"/>
+        <pc:sldMkLst>
+          <pc:docMk/>
+          <pc:sldMk cId="472022453" sldId="270"/>
+        </pc:sldMkLst>
+      </pc:sldChg>
+      <pc:sldChg chg="new">
+        <pc:chgData name="Muhammad Zainur Rifai" userId="c76fe9f89b69102c" providerId="LiveId" clId="{2A7D277F-C42F-4FA1-A183-7B91CB01427B}" dt="2025-04-03T12:43:01.835" v="866" actId="680"/>
+        <pc:sldMkLst>
+          <pc:docMk/>
+          <pc:sldMk cId="4095535346" sldId="270"/>
+        </pc:sldMkLst>
+      </pc:sldChg>
       <pc:sldMasterChg chg="addSldLayout modSldLayout sldLayoutOrd">
-        <pc:chgData name="Muhammad Zainur Rifai" userId="c76fe9f89b69102c" providerId="LiveId" clId="{2A7D277F-C42F-4FA1-A183-7B91CB01427B}" dt="2025-04-02T02:01:38.844" v="723" actId="20577"/>
+        <pc:chgData name="Muhammad Zainur Rifai" userId="c76fe9f89b69102c" providerId="LiveId" clId="{2A7D277F-C42F-4FA1-A183-7B91CB01427B}" dt="2025-04-03T12:42:14.398" v="863" actId="1076"/>
         <pc:sldMasterMkLst>
           <pc:docMk/>
           <pc:sldMasterMk cId="0" sldId="2147483659"/>
         </pc:sldMasterMkLst>
         <pc:sldLayoutChg chg="addSp delSp modSp mod">
-          <pc:chgData name="Muhammad Zainur Rifai" userId="c76fe9f89b69102c" providerId="LiveId" clId="{2A7D277F-C42F-4FA1-A183-7B91CB01427B}" dt="2025-04-02T02:01:38.844" v="723" actId="20577"/>
+          <pc:chgData name="Muhammad Zainur Rifai" userId="c76fe9f89b69102c" providerId="LiveId" clId="{2A7D277F-C42F-4FA1-A183-7B91CB01427B}" dt="2025-04-03T05:59:29.602" v="758" actId="207"/>
           <pc:sldLayoutMkLst>
             <pc:docMk/>
             <pc:sldMasterMk cId="0" sldId="2147483659"/>
@@ -748,7 +787,7 @@
             </ac:spMkLst>
           </pc:spChg>
           <pc:spChg chg="add mod">
-            <ac:chgData name="Muhammad Zainur Rifai" userId="c76fe9f89b69102c" providerId="LiveId" clId="{2A7D277F-C42F-4FA1-A183-7B91CB01427B}" dt="2025-04-02T02:01:38.844" v="723" actId="20577"/>
+            <ac:chgData name="Muhammad Zainur Rifai" userId="c76fe9f89b69102c" providerId="LiveId" clId="{2A7D277F-C42F-4FA1-A183-7B91CB01427B}" dt="2025-04-03T05:59:29.602" v="758" actId="207"/>
             <ac:spMkLst>
               <pc:docMk/>
               <pc:sldMasterMk cId="0" sldId="2147483659"/>
@@ -1196,8 +1235,8 @@
             </ac:cxnSpMkLst>
           </pc:cxnChg>
         </pc:sldLayoutChg>
-        <pc:sldLayoutChg chg="addSp modSp mod ord">
-          <pc:chgData name="Muhammad Zainur Rifai" userId="c76fe9f89b69102c" providerId="LiveId" clId="{2A7D277F-C42F-4FA1-A183-7B91CB01427B}" dt="2025-04-02T01:46:24.457" v="583" actId="1076"/>
+        <pc:sldLayoutChg chg="addSp delSp modSp mod ord">
+          <pc:chgData name="Muhammad Zainur Rifai" userId="c76fe9f89b69102c" providerId="LiveId" clId="{2A7D277F-C42F-4FA1-A183-7B91CB01427B}" dt="2025-04-03T12:42:14.398" v="863" actId="1076"/>
           <pc:sldLayoutMkLst>
             <pc:docMk/>
             <pc:sldMasterMk cId="0" sldId="2147483659"/>
@@ -1212,8 +1251,8 @@
               <ac:spMk id="2" creationId="{C6BB2243-FA0D-FFCB-9C9F-91470E0BA3CE}"/>
             </ac:spMkLst>
           </pc:spChg>
-          <pc:spChg chg="add mod">
-            <ac:chgData name="Muhammad Zainur Rifai" userId="c76fe9f89b69102c" providerId="LiveId" clId="{2A7D277F-C42F-4FA1-A183-7B91CB01427B}" dt="2025-04-02T01:40:29.444" v="503" actId="1076"/>
+          <pc:spChg chg="add del mod">
+            <ac:chgData name="Muhammad Zainur Rifai" userId="c76fe9f89b69102c" providerId="LiveId" clId="{2A7D277F-C42F-4FA1-A183-7B91CB01427B}" dt="2025-04-03T12:40:41.934" v="852" actId="478"/>
             <ac:spMkLst>
               <pc:docMk/>
               <pc:sldMasterMk cId="0" sldId="2147483659"/>
@@ -1228,6 +1267,24 @@
               <pc:sldMasterMk cId="0" sldId="2147483659"/>
               <pc:sldLayoutMk cId="0" sldId="2147483653"/>
               <ac:spMk id="4" creationId="{66E5A5A2-E506-1832-69E9-A05D71C9A0F3}"/>
+            </ac:spMkLst>
+          </pc:spChg>
+          <pc:spChg chg="add del mod">
+            <ac:chgData name="Muhammad Zainur Rifai" userId="c76fe9f89b69102c" providerId="LiveId" clId="{2A7D277F-C42F-4FA1-A183-7B91CB01427B}" dt="2025-04-03T12:41:55.648" v="858" actId="478"/>
+            <ac:spMkLst>
+              <pc:docMk/>
+              <pc:sldMasterMk cId="0" sldId="2147483659"/>
+              <pc:sldLayoutMk cId="0" sldId="2147483653"/>
+              <ac:spMk id="6" creationId="{E6B1A4FF-2E08-B809-889E-4A917FB1FB67}"/>
+            </ac:spMkLst>
+          </pc:spChg>
+          <pc:spChg chg="add mod">
+            <ac:chgData name="Muhammad Zainur Rifai" userId="c76fe9f89b69102c" providerId="LiveId" clId="{2A7D277F-C42F-4FA1-A183-7B91CB01427B}" dt="2025-04-03T12:42:14.398" v="863" actId="1076"/>
+            <ac:spMkLst>
+              <pc:docMk/>
+              <pc:sldMasterMk cId="0" sldId="2147483659"/>
+              <pc:sldLayoutMk cId="0" sldId="2147483653"/>
+              <ac:spMk id="7" creationId="{138EAC00-8F6D-971A-A32E-C058A9F91624}"/>
             </ac:spMkLst>
           </pc:spChg>
           <pc:spChg chg="mod">
@@ -1248,6 +1305,212 @@
               <ac:cxnSpMk id="5" creationId="{8C64CADA-F833-3999-0980-1FCA1E67FDBC}"/>
             </ac:cxnSpMkLst>
           </pc:cxnChg>
+        </pc:sldLayoutChg>
+        <pc:sldLayoutChg chg="addSp delSp modSp mod ord">
+          <pc:chgData name="Muhammad Zainur Rifai" userId="c76fe9f89b69102c" providerId="LiveId" clId="{2A7D277F-C42F-4FA1-A183-7B91CB01427B}" dt="2025-04-03T06:08:48.658" v="847"/>
+          <pc:sldLayoutMkLst>
+            <pc:docMk/>
+            <pc:sldMasterMk cId="0" sldId="2147483659"/>
+            <pc:sldLayoutMk cId="0" sldId="2147483654"/>
+          </pc:sldLayoutMkLst>
+          <pc:spChg chg="add del mod">
+            <ac:chgData name="Muhammad Zainur Rifai" userId="c76fe9f89b69102c" providerId="LiveId" clId="{2A7D277F-C42F-4FA1-A183-7B91CB01427B}" dt="2025-04-03T06:03:36.738" v="770" actId="478"/>
+            <ac:spMkLst>
+              <pc:docMk/>
+              <pc:sldMasterMk cId="0" sldId="2147483659"/>
+              <pc:sldLayoutMk cId="0" sldId="2147483654"/>
+              <ac:spMk id="2" creationId="{472694DC-8F41-0979-A839-BB7E367B9083}"/>
+            </ac:spMkLst>
+          </pc:spChg>
+          <pc:spChg chg="mod topLvl">
+            <ac:chgData name="Muhammad Zainur Rifai" userId="c76fe9f89b69102c" providerId="LiveId" clId="{2A7D277F-C42F-4FA1-A183-7B91CB01427B}" dt="2025-04-03T06:06:11.323" v="800" actId="207"/>
+            <ac:spMkLst>
+              <pc:docMk/>
+              <pc:sldMasterMk cId="0" sldId="2147483659"/>
+              <pc:sldLayoutMk cId="0" sldId="2147483654"/>
+              <ac:spMk id="4" creationId="{D8CFC9D4-8906-886E-39E7-1D4808B860CC}"/>
+            </ac:spMkLst>
+          </pc:spChg>
+          <pc:spChg chg="mod topLvl">
+            <ac:chgData name="Muhammad Zainur Rifai" userId="c76fe9f89b69102c" providerId="LiveId" clId="{2A7D277F-C42F-4FA1-A183-7B91CB01427B}" dt="2025-04-03T06:06:11.323" v="800" actId="207"/>
+            <ac:spMkLst>
+              <pc:docMk/>
+              <pc:sldMasterMk cId="0" sldId="2147483659"/>
+              <pc:sldLayoutMk cId="0" sldId="2147483654"/>
+              <ac:spMk id="5" creationId="{11407C09-A178-A4A0-686F-691143CD4F09}"/>
+            </ac:spMkLst>
+          </pc:spChg>
+          <pc:spChg chg="mod topLvl">
+            <ac:chgData name="Muhammad Zainur Rifai" userId="c76fe9f89b69102c" providerId="LiveId" clId="{2A7D277F-C42F-4FA1-A183-7B91CB01427B}" dt="2025-04-03T06:07:47.646" v="842" actId="207"/>
+            <ac:spMkLst>
+              <pc:docMk/>
+              <pc:sldMasterMk cId="0" sldId="2147483659"/>
+              <pc:sldLayoutMk cId="0" sldId="2147483654"/>
+              <ac:spMk id="7" creationId="{CD40529C-34E7-C622-ADC8-2B7FD3FB771A}"/>
+            </ac:spMkLst>
+          </pc:spChg>
+          <pc:spChg chg="mod topLvl">
+            <ac:chgData name="Muhammad Zainur Rifai" userId="c76fe9f89b69102c" providerId="LiveId" clId="{2A7D277F-C42F-4FA1-A183-7B91CB01427B}" dt="2025-04-03T06:06:11.323" v="800" actId="207"/>
+            <ac:spMkLst>
+              <pc:docMk/>
+              <pc:sldMasterMk cId="0" sldId="2147483659"/>
+              <pc:sldLayoutMk cId="0" sldId="2147483654"/>
+              <ac:spMk id="8" creationId="{F3306136-60D1-F437-C3A6-AFDD472EEDDC}"/>
+            </ac:spMkLst>
+          </pc:spChg>
+          <pc:spChg chg="del mod">
+            <ac:chgData name="Muhammad Zainur Rifai" userId="c76fe9f89b69102c" providerId="LiveId" clId="{2A7D277F-C42F-4FA1-A183-7B91CB01427B}" dt="2025-04-03T06:04:31.837" v="788" actId="478"/>
+            <ac:spMkLst>
+              <pc:docMk/>
+              <pc:sldMasterMk cId="0" sldId="2147483659"/>
+              <pc:sldLayoutMk cId="0" sldId="2147483654"/>
+              <ac:spMk id="10" creationId="{89EBE5C4-D827-6422-D116-5DE17AD7FC56}"/>
+            </ac:spMkLst>
+          </pc:spChg>
+          <pc:spChg chg="del mod">
+            <ac:chgData name="Muhammad Zainur Rifai" userId="c76fe9f89b69102c" providerId="LiveId" clId="{2A7D277F-C42F-4FA1-A183-7B91CB01427B}" dt="2025-04-03T06:04:35.651" v="789" actId="478"/>
+            <ac:spMkLst>
+              <pc:docMk/>
+              <pc:sldMasterMk cId="0" sldId="2147483659"/>
+              <pc:sldLayoutMk cId="0" sldId="2147483654"/>
+              <ac:spMk id="11" creationId="{82F6008A-F11E-E98F-8BCB-86FA52BF6100}"/>
+            </ac:spMkLst>
+          </pc:spChg>
+          <pc:spChg chg="add del mod">
+            <ac:chgData name="Muhammad Zainur Rifai" userId="c76fe9f89b69102c" providerId="LiveId" clId="{2A7D277F-C42F-4FA1-A183-7B91CB01427B}" dt="2025-04-03T06:03:35.801" v="769" actId="478"/>
+            <ac:spMkLst>
+              <pc:docMk/>
+              <pc:sldMasterMk cId="0" sldId="2147483659"/>
+              <pc:sldLayoutMk cId="0" sldId="2147483654"/>
+              <ac:spMk id="12" creationId="{503D2A8D-9740-7DA1-E833-4527D2E35450}"/>
+            </ac:spMkLst>
+          </pc:spChg>
+          <pc:spChg chg="del mod">
+            <ac:chgData name="Muhammad Zainur Rifai" userId="c76fe9f89b69102c" providerId="LiveId" clId="{2A7D277F-C42F-4FA1-A183-7B91CB01427B}" dt="2025-04-03T06:03:32.515" v="766" actId="478"/>
+            <ac:spMkLst>
+              <pc:docMk/>
+              <pc:sldMasterMk cId="0" sldId="2147483659"/>
+              <pc:sldLayoutMk cId="0" sldId="2147483654"/>
+              <ac:spMk id="13" creationId="{29E9AAFA-BF31-7AAF-B419-B903B568229A}"/>
+            </ac:spMkLst>
+          </pc:spChg>
+          <pc:spChg chg="add del mod">
+            <ac:chgData name="Muhammad Zainur Rifai" userId="c76fe9f89b69102c" providerId="LiveId" clId="{2A7D277F-C42F-4FA1-A183-7B91CB01427B}" dt="2025-04-03T06:03:34.410" v="768" actId="478"/>
+            <ac:spMkLst>
+              <pc:docMk/>
+              <pc:sldMasterMk cId="0" sldId="2147483659"/>
+              <pc:sldLayoutMk cId="0" sldId="2147483654"/>
+              <ac:spMk id="14" creationId="{7A10786F-ABF2-7904-5372-D43383FF4ABB}"/>
+            </ac:spMkLst>
+          </pc:spChg>
+          <pc:spChg chg="add del mod">
+            <ac:chgData name="Muhammad Zainur Rifai" userId="c76fe9f89b69102c" providerId="LiveId" clId="{2A7D277F-C42F-4FA1-A183-7B91CB01427B}" dt="2025-04-03T06:03:33.502" v="767" actId="478"/>
+            <ac:spMkLst>
+              <pc:docMk/>
+              <pc:sldMasterMk cId="0" sldId="2147483659"/>
+              <pc:sldLayoutMk cId="0" sldId="2147483654"/>
+              <ac:spMk id="15" creationId="{7A787504-E12A-B41C-C398-EFF1107D66F4}"/>
+            </ac:spMkLst>
+          </pc:spChg>
+          <pc:spChg chg="add mod">
+            <ac:chgData name="Muhammad Zainur Rifai" userId="c76fe9f89b69102c" providerId="LiveId" clId="{2A7D277F-C42F-4FA1-A183-7B91CB01427B}" dt="2025-04-03T06:06:39.562" v="816" actId="20577"/>
+            <ac:spMkLst>
+              <pc:docMk/>
+              <pc:sldMasterMk cId="0" sldId="2147483659"/>
+              <pc:sldLayoutMk cId="0" sldId="2147483654"/>
+              <ac:spMk id="18" creationId="{84CA50A7-53B1-5774-6E5F-18960E1E4513}"/>
+            </ac:spMkLst>
+          </pc:spChg>
+          <pc:spChg chg="add mod">
+            <ac:chgData name="Muhammad Zainur Rifai" userId="c76fe9f89b69102c" providerId="LiveId" clId="{2A7D277F-C42F-4FA1-A183-7B91CB01427B}" dt="2025-04-03T06:08:19.932" v="845" actId="242"/>
+            <ac:spMkLst>
+              <pc:docMk/>
+              <pc:sldMasterMk cId="0" sldId="2147483659"/>
+              <pc:sldLayoutMk cId="0" sldId="2147483654"/>
+              <ac:spMk id="19" creationId="{0B633885-D8F5-02E8-799C-8A5CCEA02588}"/>
+            </ac:spMkLst>
+          </pc:spChg>
+          <pc:spChg chg="add mod">
+            <ac:chgData name="Muhammad Zainur Rifai" userId="c76fe9f89b69102c" providerId="LiveId" clId="{2A7D277F-C42F-4FA1-A183-7B91CB01427B}" dt="2025-04-03T06:08:48.658" v="847"/>
+            <ac:spMkLst>
+              <pc:docMk/>
+              <pc:sldMasterMk cId="0" sldId="2147483659"/>
+              <pc:sldLayoutMk cId="0" sldId="2147483654"/>
+              <ac:spMk id="20" creationId="{FCC2E323-B2C4-1430-18E2-EE29197A0779}"/>
+            </ac:spMkLst>
+          </pc:spChg>
+          <pc:spChg chg="del">
+            <ac:chgData name="Muhammad Zainur Rifai" userId="c76fe9f89b69102c" providerId="LiveId" clId="{2A7D277F-C42F-4FA1-A183-7B91CB01427B}" dt="2025-04-03T06:03:15.542" v="762" actId="478"/>
+            <ac:spMkLst>
+              <pc:docMk/>
+              <pc:sldMasterMk cId="0" sldId="2147483659"/>
+              <pc:sldLayoutMk cId="0" sldId="2147483654"/>
+              <ac:spMk id="51" creationId="{00000000-0000-0000-0000-000000000000}"/>
+            </ac:spMkLst>
+          </pc:spChg>
+          <pc:spChg chg="del">
+            <ac:chgData name="Muhammad Zainur Rifai" userId="c76fe9f89b69102c" providerId="LiveId" clId="{2A7D277F-C42F-4FA1-A183-7B91CB01427B}" dt="2025-04-03T06:03:13.246" v="761" actId="478"/>
+            <ac:spMkLst>
+              <pc:docMk/>
+              <pc:sldMasterMk cId="0" sldId="2147483659"/>
+              <pc:sldLayoutMk cId="0" sldId="2147483654"/>
+              <ac:spMk id="52" creationId="{00000000-0000-0000-0000-000000000000}"/>
+            </ac:spMkLst>
+          </pc:spChg>
+          <pc:spChg chg="del">
+            <ac:chgData name="Muhammad Zainur Rifai" userId="c76fe9f89b69102c" providerId="LiveId" clId="{2A7D277F-C42F-4FA1-A183-7B91CB01427B}" dt="2025-04-03T06:03:13.246" v="761" actId="478"/>
+            <ac:spMkLst>
+              <pc:docMk/>
+              <pc:sldMasterMk cId="0" sldId="2147483659"/>
+              <pc:sldLayoutMk cId="0" sldId="2147483654"/>
+              <ac:spMk id="53" creationId="{00000000-0000-0000-0000-000000000000}"/>
+            </ac:spMkLst>
+          </pc:spChg>
+          <pc:grpChg chg="del mod topLvl">
+            <ac:chgData name="Muhammad Zainur Rifai" userId="c76fe9f89b69102c" providerId="LiveId" clId="{2A7D277F-C42F-4FA1-A183-7B91CB01427B}" dt="2025-04-03T06:05:19.181" v="794" actId="165"/>
+            <ac:grpSpMkLst>
+              <pc:docMk/>
+              <pc:sldMasterMk cId="0" sldId="2147483659"/>
+              <pc:sldLayoutMk cId="0" sldId="2147483654"/>
+              <ac:grpSpMk id="3" creationId="{70CE45C6-E881-073B-DB17-A7DE9908836B}"/>
+            </ac:grpSpMkLst>
+          </pc:grpChg>
+          <pc:grpChg chg="del mod topLvl">
+            <ac:chgData name="Muhammad Zainur Rifai" userId="c76fe9f89b69102c" providerId="LiveId" clId="{2A7D277F-C42F-4FA1-A183-7B91CB01427B}" dt="2025-04-03T06:05:19.181" v="794" actId="165"/>
+            <ac:grpSpMkLst>
+              <pc:docMk/>
+              <pc:sldMasterMk cId="0" sldId="2147483659"/>
+              <pc:sldLayoutMk cId="0" sldId="2147483654"/>
+              <ac:grpSpMk id="6" creationId="{54B7BFD9-FEA5-87B7-B632-444F3FB97034}"/>
+            </ac:grpSpMkLst>
+          </pc:grpChg>
+          <pc:grpChg chg="del mod">
+            <ac:chgData name="Muhammad Zainur Rifai" userId="c76fe9f89b69102c" providerId="LiveId" clId="{2A7D277F-C42F-4FA1-A183-7B91CB01427B}" dt="2025-04-03T06:04:31.837" v="788" actId="478"/>
+            <ac:grpSpMkLst>
+              <pc:docMk/>
+              <pc:sldMasterMk cId="0" sldId="2147483659"/>
+              <pc:sldLayoutMk cId="0" sldId="2147483654"/>
+              <ac:grpSpMk id="9" creationId="{0B2571C7-6393-C83F-8590-49C760C1F0F1}"/>
+            </ac:grpSpMkLst>
+          </pc:grpChg>
+          <pc:grpChg chg="add del mod">
+            <ac:chgData name="Muhammad Zainur Rifai" userId="c76fe9f89b69102c" providerId="LiveId" clId="{2A7D277F-C42F-4FA1-A183-7B91CB01427B}" dt="2025-04-03T06:04:54.702" v="791" actId="165"/>
+            <ac:grpSpMkLst>
+              <pc:docMk/>
+              <pc:sldMasterMk cId="0" sldId="2147483659"/>
+              <pc:sldLayoutMk cId="0" sldId="2147483654"/>
+              <ac:grpSpMk id="16" creationId="{597F1857-31A7-E342-22DC-50D929327646}"/>
+            </ac:grpSpMkLst>
+          </pc:grpChg>
+          <pc:grpChg chg="add mod">
+            <ac:chgData name="Muhammad Zainur Rifai" userId="c76fe9f89b69102c" providerId="LiveId" clId="{2A7D277F-C42F-4FA1-A183-7B91CB01427B}" dt="2025-04-03T06:05:45.269" v="797" actId="164"/>
+            <ac:grpSpMkLst>
+              <pc:docMk/>
+              <pc:sldMasterMk cId="0" sldId="2147483659"/>
+              <pc:sldLayoutMk cId="0" sldId="2147483654"/>
+              <ac:grpSpMk id="17" creationId="{8ABDE501-909E-51DD-3E39-CF0F6FA4452B}"/>
+            </ac:grpSpMkLst>
+          </pc:grpChg>
         </pc:sldLayoutChg>
         <pc:sldLayoutChg chg="addSp delSp modSp add mod ord replId modTransition">
           <pc:chgData name="Muhammad Zainur Rifai" userId="c76fe9f89b69102c" providerId="LiveId" clId="{2A7D277F-C42F-4FA1-A183-7B91CB01427B}" dt="2025-04-02T01:46:36.974" v="584" actId="1076"/>
@@ -1371,6 +1634,77 @@
               <pc:sldMasterMk cId="0" sldId="2147483659"/>
               <pc:sldLayoutMk cId="3523406488" sldId="2147483660"/>
               <ac:picMk id="4" creationId="{1A34D0AC-1C19-4300-7BA4-EBB9C4A88D1A}"/>
+            </ac:picMkLst>
+          </pc:picChg>
+        </pc:sldLayoutChg>
+        <pc:sldLayoutChg chg="addSp delSp modSp add mod ord modTransition">
+          <pc:chgData name="Muhammad Zainur Rifai" userId="c76fe9f89b69102c" providerId="LiveId" clId="{2A7D277F-C42F-4FA1-A183-7B91CB01427B}" dt="2025-04-03T06:00:16.483" v="760" actId="14100"/>
+          <pc:sldLayoutMkLst>
+            <pc:docMk/>
+            <pc:sldMasterMk cId="0" sldId="2147483659"/>
+            <pc:sldLayoutMk cId="1131683709" sldId="2147483661"/>
+          </pc:sldLayoutMkLst>
+          <pc:spChg chg="add mod">
+            <ac:chgData name="Muhammad Zainur Rifai" userId="c76fe9f89b69102c" providerId="LiveId" clId="{2A7D277F-C42F-4FA1-A183-7B91CB01427B}" dt="2025-04-03T05:59:50.258" v="759"/>
+            <ac:spMkLst>
+              <pc:docMk/>
+              <pc:sldMasterMk cId="0" sldId="2147483659"/>
+              <pc:sldLayoutMk cId="1131683709" sldId="2147483661"/>
+              <ac:spMk id="4" creationId="{C6F4CD0E-3E1C-8F40-85E8-A9EAF9C789D6}"/>
+            </ac:spMkLst>
+          </pc:spChg>
+          <pc:spChg chg="del">
+            <ac:chgData name="Muhammad Zainur Rifai" userId="c76fe9f89b69102c" providerId="LiveId" clId="{2A7D277F-C42F-4FA1-A183-7B91CB01427B}" dt="2025-04-03T05:59:00.013" v="746" actId="478"/>
+            <ac:spMkLst>
+              <pc:docMk/>
+              <pc:sldMasterMk cId="0" sldId="2147483659"/>
+              <pc:sldLayoutMk cId="1131683709" sldId="2147483661"/>
+              <ac:spMk id="7" creationId="{89F06342-2FCF-B80F-FCEA-30DE6F9884A4}"/>
+            </ac:spMkLst>
+          </pc:spChg>
+          <pc:spChg chg="del">
+            <ac:chgData name="Muhammad Zainur Rifai" userId="c76fe9f89b69102c" providerId="LiveId" clId="{2A7D277F-C42F-4FA1-A183-7B91CB01427B}" dt="2025-04-03T05:57:30.942" v="726" actId="478"/>
+            <ac:spMkLst>
+              <pc:docMk/>
+              <pc:sldMasterMk cId="0" sldId="2147483659"/>
+              <pc:sldLayoutMk cId="1131683709" sldId="2147483661"/>
+              <ac:spMk id="8" creationId="{B8124B9D-9F77-D868-AC33-95991DA6456D}"/>
+            </ac:spMkLst>
+          </pc:spChg>
+          <pc:spChg chg="mod">
+            <ac:chgData name="Muhammad Zainur Rifai" userId="c76fe9f89b69102c" providerId="LiveId" clId="{2A7D277F-C42F-4FA1-A183-7B91CB01427B}" dt="2025-04-03T05:59:17.469" v="756" actId="20577"/>
+            <ac:spMkLst>
+              <pc:docMk/>
+              <pc:sldMasterMk cId="0" sldId="2147483659"/>
+              <pc:sldLayoutMk cId="1131683709" sldId="2147483661"/>
+              <ac:spMk id="30" creationId="{00000000-0000-0000-0000-000000000000}"/>
+            </ac:spMkLst>
+          </pc:spChg>
+          <pc:spChg chg="mod">
+            <ac:chgData name="Muhammad Zainur Rifai" userId="c76fe9f89b69102c" providerId="LiveId" clId="{2A7D277F-C42F-4FA1-A183-7B91CB01427B}" dt="2025-04-03T05:59:09.665" v="749" actId="14100"/>
+            <ac:spMkLst>
+              <pc:docMk/>
+              <pc:sldMasterMk cId="0" sldId="2147483659"/>
+              <pc:sldLayoutMk cId="1131683709" sldId="2147483661"/>
+              <ac:spMk id="31" creationId="{00000000-0000-0000-0000-000000000000}"/>
+            </ac:spMkLst>
+          </pc:spChg>
+          <pc:grpChg chg="add del mod">
+            <ac:chgData name="Muhammad Zainur Rifai" userId="c76fe9f89b69102c" providerId="LiveId" clId="{2A7D277F-C42F-4FA1-A183-7B91CB01427B}" dt="2025-04-03T05:58:34.656" v="739" actId="165"/>
+            <ac:grpSpMkLst>
+              <pc:docMk/>
+              <pc:sldMasterMk cId="0" sldId="2147483659"/>
+              <pc:sldLayoutMk cId="1131683709" sldId="2147483661"/>
+              <ac:grpSpMk id="2" creationId="{E0DB7664-01A1-ED03-CE58-0E12F200E7AB}"/>
+            </ac:grpSpMkLst>
+          </pc:grpChg>
+          <pc:picChg chg="mod topLvl">
+            <ac:chgData name="Muhammad Zainur Rifai" userId="c76fe9f89b69102c" providerId="LiveId" clId="{2A7D277F-C42F-4FA1-A183-7B91CB01427B}" dt="2025-04-03T06:00:16.483" v="760" actId="14100"/>
+            <ac:picMkLst>
+              <pc:docMk/>
+              <pc:sldMasterMk cId="0" sldId="2147483659"/>
+              <pc:sldLayoutMk cId="1131683709" sldId="2147483661"/>
+              <ac:picMk id="3" creationId="{AC9FAE53-DA16-294E-4A99-87C83E64456D}"/>
             </ac:picMkLst>
           </pc:picChg>
         </pc:sldLayoutChg>
@@ -2459,7 +2793,7 @@
               <a:buNone/>
               <a:defRPr sz="6000" b="0" i="0" u="none" strike="noStrike" cap="none">
                 <a:solidFill>
-                  <a:schemeClr val="dk1"/>
+                  <a:schemeClr val="bg2"/>
                 </a:solidFill>
                 <a:latin typeface="+mj-lt"/>
                 <a:ea typeface="Calibri"/>
@@ -2972,6 +3306,1170 @@
 </file>
 
 <file path=ppt/slideLayouts/slideLayout10.xml><?xml version="1.0" encoding="utf-8"?>
+<p:sldLayout xmlns:a="http://schemas.openxmlformats.org/drawingml/2006/main" xmlns:r="http://schemas.openxmlformats.org/officeDocument/2006/relationships" xmlns:p="http://schemas.openxmlformats.org/presentationml/2006/main" matchingName="Content with Caption" type="objTx">
+  <p:cSld name="OBJECT_WITH_CAPTION_TEXT">
+    <p:spTree>
+      <p:nvGrpSpPr>
+        <p:cNvPr id="1" name="Shape 54"/>
+        <p:cNvGrpSpPr/>
+        <p:nvPr/>
+      </p:nvGrpSpPr>
+      <p:grpSpPr>
+        <a:xfrm>
+          <a:off x="0" y="0"/>
+          <a:ext cx="0" cy="0"/>
+          <a:chOff x="0" y="0"/>
+          <a:chExt cx="0" cy="0"/>
+        </a:xfrm>
+      </p:grpSpPr>
+      <p:sp>
+        <p:nvSpPr>
+          <p:cNvPr id="55" name="Google Shape;55;p9"/>
+          <p:cNvSpPr txBox="1">
+            <a:spLocks noGrp="1"/>
+          </p:cNvSpPr>
+          <p:nvPr>
+            <p:ph type="title"/>
+          </p:nvPr>
+        </p:nvSpPr>
+        <p:spPr>
+          <a:xfrm>
+            <a:off x="839788" y="457200"/>
+            <a:ext cx="3932237" cy="1600200"/>
+          </a:xfrm>
+          <a:prstGeom prst="rect">
+            <a:avLst/>
+          </a:prstGeom>
+          <a:noFill/>
+          <a:ln>
+            <a:noFill/>
+          </a:ln>
+        </p:spPr>
+        <p:txBody>
+          <a:bodyPr spcFirstLastPara="1" wrap="square" lIns="91425" tIns="45700" rIns="91425" bIns="45700" anchor="b" anchorCtr="0">
+            <a:normAutofit/>
+          </a:bodyPr>
+          <a:lstStyle>
+            <a:lvl1pPr lvl="0" algn="l">
+              <a:lnSpc>
+                <a:spcPct val="90000"/>
+              </a:lnSpc>
+              <a:spcBef>
+                <a:spcPts val="0"/>
+              </a:spcBef>
+              <a:spcAft>
+                <a:spcPts val="0"/>
+              </a:spcAft>
+              <a:buClr>
+                <a:schemeClr val="dk1"/>
+              </a:buClr>
+              <a:buSzPts val="3200"/>
+              <a:buFont typeface="Calibri"/>
+              <a:buNone/>
+              <a:defRPr sz="3200"/>
+            </a:lvl1pPr>
+            <a:lvl2pPr lvl="1" algn="l">
+              <a:lnSpc>
+                <a:spcPct val="100000"/>
+              </a:lnSpc>
+              <a:spcBef>
+                <a:spcPts val="0"/>
+              </a:spcBef>
+              <a:spcAft>
+                <a:spcPts val="0"/>
+              </a:spcAft>
+              <a:buSzPts val="1400"/>
+              <a:buNone/>
+              <a:defRPr/>
+            </a:lvl2pPr>
+            <a:lvl3pPr lvl="2" algn="l">
+              <a:lnSpc>
+                <a:spcPct val="100000"/>
+              </a:lnSpc>
+              <a:spcBef>
+                <a:spcPts val="0"/>
+              </a:spcBef>
+              <a:spcAft>
+                <a:spcPts val="0"/>
+              </a:spcAft>
+              <a:buSzPts val="1400"/>
+              <a:buNone/>
+              <a:defRPr/>
+            </a:lvl3pPr>
+            <a:lvl4pPr lvl="3" algn="l">
+              <a:lnSpc>
+                <a:spcPct val="100000"/>
+              </a:lnSpc>
+              <a:spcBef>
+                <a:spcPts val="0"/>
+              </a:spcBef>
+              <a:spcAft>
+                <a:spcPts val="0"/>
+              </a:spcAft>
+              <a:buSzPts val="1400"/>
+              <a:buNone/>
+              <a:defRPr/>
+            </a:lvl4pPr>
+            <a:lvl5pPr lvl="4" algn="l">
+              <a:lnSpc>
+                <a:spcPct val="100000"/>
+              </a:lnSpc>
+              <a:spcBef>
+                <a:spcPts val="0"/>
+              </a:spcBef>
+              <a:spcAft>
+                <a:spcPts val="0"/>
+              </a:spcAft>
+              <a:buSzPts val="1400"/>
+              <a:buNone/>
+              <a:defRPr/>
+            </a:lvl5pPr>
+            <a:lvl6pPr lvl="5" algn="l">
+              <a:lnSpc>
+                <a:spcPct val="100000"/>
+              </a:lnSpc>
+              <a:spcBef>
+                <a:spcPts val="0"/>
+              </a:spcBef>
+              <a:spcAft>
+                <a:spcPts val="0"/>
+              </a:spcAft>
+              <a:buSzPts val="1400"/>
+              <a:buNone/>
+              <a:defRPr/>
+            </a:lvl6pPr>
+            <a:lvl7pPr lvl="6" algn="l">
+              <a:lnSpc>
+                <a:spcPct val="100000"/>
+              </a:lnSpc>
+              <a:spcBef>
+                <a:spcPts val="0"/>
+              </a:spcBef>
+              <a:spcAft>
+                <a:spcPts val="0"/>
+              </a:spcAft>
+              <a:buSzPts val="1400"/>
+              <a:buNone/>
+              <a:defRPr/>
+            </a:lvl7pPr>
+            <a:lvl8pPr lvl="7" algn="l">
+              <a:lnSpc>
+                <a:spcPct val="100000"/>
+              </a:lnSpc>
+              <a:spcBef>
+                <a:spcPts val="0"/>
+              </a:spcBef>
+              <a:spcAft>
+                <a:spcPts val="0"/>
+              </a:spcAft>
+              <a:buSzPts val="1400"/>
+              <a:buNone/>
+              <a:defRPr/>
+            </a:lvl8pPr>
+            <a:lvl9pPr lvl="8" algn="l">
+              <a:lnSpc>
+                <a:spcPct val="100000"/>
+              </a:lnSpc>
+              <a:spcBef>
+                <a:spcPts val="0"/>
+              </a:spcBef>
+              <a:spcAft>
+                <a:spcPts val="0"/>
+              </a:spcAft>
+              <a:buSzPts val="1400"/>
+              <a:buNone/>
+              <a:defRPr/>
+            </a:lvl9pPr>
+          </a:lstStyle>
+          <a:p>
+            <a:endParaRPr/>
+          </a:p>
+        </p:txBody>
+      </p:sp>
+      <p:sp>
+        <p:nvSpPr>
+          <p:cNvPr id="56" name="Google Shape;56;p9"/>
+          <p:cNvSpPr txBox="1">
+            <a:spLocks noGrp="1"/>
+          </p:cNvSpPr>
+          <p:nvPr>
+            <p:ph type="body" idx="1"/>
+          </p:nvPr>
+        </p:nvSpPr>
+        <p:spPr>
+          <a:xfrm>
+            <a:off x="5183188" y="987425"/>
+            <a:ext cx="6172200" cy="4873625"/>
+          </a:xfrm>
+          <a:prstGeom prst="rect">
+            <a:avLst/>
+          </a:prstGeom>
+          <a:noFill/>
+          <a:ln>
+            <a:noFill/>
+          </a:ln>
+        </p:spPr>
+        <p:txBody>
+          <a:bodyPr spcFirstLastPara="1" wrap="square" lIns="91425" tIns="45700" rIns="91425" bIns="45700" anchor="t" anchorCtr="0">
+            <a:normAutofit/>
+          </a:bodyPr>
+          <a:lstStyle>
+            <a:lvl1pPr marL="457200" lvl="0" indent="-431800" algn="l">
+              <a:lnSpc>
+                <a:spcPct val="90000"/>
+              </a:lnSpc>
+              <a:spcBef>
+                <a:spcPts val="1000"/>
+              </a:spcBef>
+              <a:spcAft>
+                <a:spcPts val="0"/>
+              </a:spcAft>
+              <a:buClr>
+                <a:schemeClr val="dk1"/>
+              </a:buClr>
+              <a:buSzPts val="3200"/>
+              <a:buChar char="•"/>
+              <a:defRPr sz="3200"/>
+            </a:lvl1pPr>
+            <a:lvl2pPr marL="914400" lvl="1" indent="-406400" algn="l">
+              <a:lnSpc>
+                <a:spcPct val="90000"/>
+              </a:lnSpc>
+              <a:spcBef>
+                <a:spcPts val="500"/>
+              </a:spcBef>
+              <a:spcAft>
+                <a:spcPts val="0"/>
+              </a:spcAft>
+              <a:buClr>
+                <a:schemeClr val="dk1"/>
+              </a:buClr>
+              <a:buSzPts val="2800"/>
+              <a:buChar char="•"/>
+              <a:defRPr sz="2800"/>
+            </a:lvl2pPr>
+            <a:lvl3pPr marL="1371600" lvl="2" indent="-381000" algn="l">
+              <a:lnSpc>
+                <a:spcPct val="90000"/>
+              </a:lnSpc>
+              <a:spcBef>
+                <a:spcPts val="500"/>
+              </a:spcBef>
+              <a:spcAft>
+                <a:spcPts val="0"/>
+              </a:spcAft>
+              <a:buClr>
+                <a:schemeClr val="dk1"/>
+              </a:buClr>
+              <a:buSzPts val="2400"/>
+              <a:buChar char="•"/>
+              <a:defRPr sz="2400"/>
+            </a:lvl3pPr>
+            <a:lvl4pPr marL="1828800" lvl="3" indent="-355600" algn="l">
+              <a:lnSpc>
+                <a:spcPct val="90000"/>
+              </a:lnSpc>
+              <a:spcBef>
+                <a:spcPts val="500"/>
+              </a:spcBef>
+              <a:spcAft>
+                <a:spcPts val="0"/>
+              </a:spcAft>
+              <a:buClr>
+                <a:schemeClr val="dk1"/>
+              </a:buClr>
+              <a:buSzPts val="2000"/>
+              <a:buChar char="•"/>
+              <a:defRPr sz="2000"/>
+            </a:lvl4pPr>
+            <a:lvl5pPr marL="2286000" lvl="4" indent="-355600" algn="l">
+              <a:lnSpc>
+                <a:spcPct val="90000"/>
+              </a:lnSpc>
+              <a:spcBef>
+                <a:spcPts val="500"/>
+              </a:spcBef>
+              <a:spcAft>
+                <a:spcPts val="0"/>
+              </a:spcAft>
+              <a:buClr>
+                <a:schemeClr val="dk1"/>
+              </a:buClr>
+              <a:buSzPts val="2000"/>
+              <a:buChar char="•"/>
+              <a:defRPr sz="2000"/>
+            </a:lvl5pPr>
+            <a:lvl6pPr marL="2743200" lvl="5" indent="-355600" algn="l">
+              <a:lnSpc>
+                <a:spcPct val="90000"/>
+              </a:lnSpc>
+              <a:spcBef>
+                <a:spcPts val="500"/>
+              </a:spcBef>
+              <a:spcAft>
+                <a:spcPts val="0"/>
+              </a:spcAft>
+              <a:buClr>
+                <a:schemeClr val="dk1"/>
+              </a:buClr>
+              <a:buSzPts val="2000"/>
+              <a:buChar char="•"/>
+              <a:defRPr sz="2000"/>
+            </a:lvl6pPr>
+            <a:lvl7pPr marL="3200400" lvl="6" indent="-355600" algn="l">
+              <a:lnSpc>
+                <a:spcPct val="90000"/>
+              </a:lnSpc>
+              <a:spcBef>
+                <a:spcPts val="500"/>
+              </a:spcBef>
+              <a:spcAft>
+                <a:spcPts val="0"/>
+              </a:spcAft>
+              <a:buClr>
+                <a:schemeClr val="dk1"/>
+              </a:buClr>
+              <a:buSzPts val="2000"/>
+              <a:buChar char="•"/>
+              <a:defRPr sz="2000"/>
+            </a:lvl7pPr>
+            <a:lvl8pPr marL="3657600" lvl="7" indent="-355600" algn="l">
+              <a:lnSpc>
+                <a:spcPct val="90000"/>
+              </a:lnSpc>
+              <a:spcBef>
+                <a:spcPts val="500"/>
+              </a:spcBef>
+              <a:spcAft>
+                <a:spcPts val="0"/>
+              </a:spcAft>
+              <a:buClr>
+                <a:schemeClr val="dk1"/>
+              </a:buClr>
+              <a:buSzPts val="2000"/>
+              <a:buChar char="•"/>
+              <a:defRPr sz="2000"/>
+            </a:lvl8pPr>
+            <a:lvl9pPr marL="4114800" lvl="8" indent="-355600" algn="l">
+              <a:lnSpc>
+                <a:spcPct val="90000"/>
+              </a:lnSpc>
+              <a:spcBef>
+                <a:spcPts val="500"/>
+              </a:spcBef>
+              <a:spcAft>
+                <a:spcPts val="0"/>
+              </a:spcAft>
+              <a:buClr>
+                <a:schemeClr val="dk1"/>
+              </a:buClr>
+              <a:buSzPts val="2000"/>
+              <a:buChar char="•"/>
+              <a:defRPr sz="2000"/>
+            </a:lvl9pPr>
+          </a:lstStyle>
+          <a:p>
+            <a:endParaRPr/>
+          </a:p>
+        </p:txBody>
+      </p:sp>
+      <p:sp>
+        <p:nvSpPr>
+          <p:cNvPr id="57" name="Google Shape;57;p9"/>
+          <p:cNvSpPr txBox="1">
+            <a:spLocks noGrp="1"/>
+          </p:cNvSpPr>
+          <p:nvPr>
+            <p:ph type="body" idx="2"/>
+          </p:nvPr>
+        </p:nvSpPr>
+        <p:spPr>
+          <a:xfrm>
+            <a:off x="839788" y="2057400"/>
+            <a:ext cx="3932237" cy="3811588"/>
+          </a:xfrm>
+          <a:prstGeom prst="rect">
+            <a:avLst/>
+          </a:prstGeom>
+          <a:noFill/>
+          <a:ln>
+            <a:noFill/>
+          </a:ln>
+        </p:spPr>
+        <p:txBody>
+          <a:bodyPr spcFirstLastPara="1" wrap="square" lIns="91425" tIns="45700" rIns="91425" bIns="45700" anchor="t" anchorCtr="0">
+            <a:normAutofit/>
+          </a:bodyPr>
+          <a:lstStyle>
+            <a:lvl1pPr marL="457200" lvl="0" indent="-228600" algn="l">
+              <a:lnSpc>
+                <a:spcPct val="90000"/>
+              </a:lnSpc>
+              <a:spcBef>
+                <a:spcPts val="1000"/>
+              </a:spcBef>
+              <a:spcAft>
+                <a:spcPts val="0"/>
+              </a:spcAft>
+              <a:buClr>
+                <a:schemeClr val="dk1"/>
+              </a:buClr>
+              <a:buSzPts val="1600"/>
+              <a:buNone/>
+              <a:defRPr sz="1600"/>
+            </a:lvl1pPr>
+            <a:lvl2pPr marL="914400" lvl="1" indent="-228600" algn="l">
+              <a:lnSpc>
+                <a:spcPct val="90000"/>
+              </a:lnSpc>
+              <a:spcBef>
+                <a:spcPts val="500"/>
+              </a:spcBef>
+              <a:spcAft>
+                <a:spcPts val="0"/>
+              </a:spcAft>
+              <a:buClr>
+                <a:schemeClr val="dk1"/>
+              </a:buClr>
+              <a:buSzPts val="1400"/>
+              <a:buNone/>
+              <a:defRPr sz="1400"/>
+            </a:lvl2pPr>
+            <a:lvl3pPr marL="1371600" lvl="2" indent="-228600" algn="l">
+              <a:lnSpc>
+                <a:spcPct val="90000"/>
+              </a:lnSpc>
+              <a:spcBef>
+                <a:spcPts val="500"/>
+              </a:spcBef>
+              <a:spcAft>
+                <a:spcPts val="0"/>
+              </a:spcAft>
+              <a:buClr>
+                <a:schemeClr val="dk1"/>
+              </a:buClr>
+              <a:buSzPts val="1200"/>
+              <a:buNone/>
+              <a:defRPr sz="1200"/>
+            </a:lvl3pPr>
+            <a:lvl4pPr marL="1828800" lvl="3" indent="-228600" algn="l">
+              <a:lnSpc>
+                <a:spcPct val="90000"/>
+              </a:lnSpc>
+              <a:spcBef>
+                <a:spcPts val="500"/>
+              </a:spcBef>
+              <a:spcAft>
+                <a:spcPts val="0"/>
+              </a:spcAft>
+              <a:buClr>
+                <a:schemeClr val="dk1"/>
+              </a:buClr>
+              <a:buSzPts val="1000"/>
+              <a:buNone/>
+              <a:defRPr sz="1000"/>
+            </a:lvl4pPr>
+            <a:lvl5pPr marL="2286000" lvl="4" indent="-228600" algn="l">
+              <a:lnSpc>
+                <a:spcPct val="90000"/>
+              </a:lnSpc>
+              <a:spcBef>
+                <a:spcPts val="500"/>
+              </a:spcBef>
+              <a:spcAft>
+                <a:spcPts val="0"/>
+              </a:spcAft>
+              <a:buClr>
+                <a:schemeClr val="dk1"/>
+              </a:buClr>
+              <a:buSzPts val="1000"/>
+              <a:buNone/>
+              <a:defRPr sz="1000"/>
+            </a:lvl5pPr>
+            <a:lvl6pPr marL="2743200" lvl="5" indent="-228600" algn="l">
+              <a:lnSpc>
+                <a:spcPct val="90000"/>
+              </a:lnSpc>
+              <a:spcBef>
+                <a:spcPts val="500"/>
+              </a:spcBef>
+              <a:spcAft>
+                <a:spcPts val="0"/>
+              </a:spcAft>
+              <a:buClr>
+                <a:schemeClr val="dk1"/>
+              </a:buClr>
+              <a:buSzPts val="1000"/>
+              <a:buNone/>
+              <a:defRPr sz="1000"/>
+            </a:lvl6pPr>
+            <a:lvl7pPr marL="3200400" lvl="6" indent="-228600" algn="l">
+              <a:lnSpc>
+                <a:spcPct val="90000"/>
+              </a:lnSpc>
+              <a:spcBef>
+                <a:spcPts val="500"/>
+              </a:spcBef>
+              <a:spcAft>
+                <a:spcPts val="0"/>
+              </a:spcAft>
+              <a:buClr>
+                <a:schemeClr val="dk1"/>
+              </a:buClr>
+              <a:buSzPts val="1000"/>
+              <a:buNone/>
+              <a:defRPr sz="1000"/>
+            </a:lvl7pPr>
+            <a:lvl8pPr marL="3657600" lvl="7" indent="-228600" algn="l">
+              <a:lnSpc>
+                <a:spcPct val="90000"/>
+              </a:lnSpc>
+              <a:spcBef>
+                <a:spcPts val="500"/>
+              </a:spcBef>
+              <a:spcAft>
+                <a:spcPts val="0"/>
+              </a:spcAft>
+              <a:buClr>
+                <a:schemeClr val="dk1"/>
+              </a:buClr>
+              <a:buSzPts val="1000"/>
+              <a:buNone/>
+              <a:defRPr sz="1000"/>
+            </a:lvl8pPr>
+            <a:lvl9pPr marL="4114800" lvl="8" indent="-228600" algn="l">
+              <a:lnSpc>
+                <a:spcPct val="90000"/>
+              </a:lnSpc>
+              <a:spcBef>
+                <a:spcPts val="500"/>
+              </a:spcBef>
+              <a:spcAft>
+                <a:spcPts val="0"/>
+              </a:spcAft>
+              <a:buClr>
+                <a:schemeClr val="dk1"/>
+              </a:buClr>
+              <a:buSzPts val="1000"/>
+              <a:buNone/>
+              <a:defRPr sz="1000"/>
+            </a:lvl9pPr>
+          </a:lstStyle>
+          <a:p>
+            <a:endParaRPr/>
+          </a:p>
+        </p:txBody>
+      </p:sp>
+      <p:sp>
+        <p:nvSpPr>
+          <p:cNvPr id="58" name="Google Shape;58;p9"/>
+          <p:cNvSpPr txBox="1">
+            <a:spLocks noGrp="1"/>
+          </p:cNvSpPr>
+          <p:nvPr>
+            <p:ph type="dt" idx="10"/>
+          </p:nvPr>
+        </p:nvSpPr>
+        <p:spPr>
+          <a:xfrm>
+            <a:off x="838200" y="6356350"/>
+            <a:ext cx="2743200" cy="365125"/>
+          </a:xfrm>
+          <a:prstGeom prst="rect">
+            <a:avLst/>
+          </a:prstGeom>
+          <a:noFill/>
+          <a:ln>
+            <a:noFill/>
+          </a:ln>
+        </p:spPr>
+        <p:txBody>
+          <a:bodyPr spcFirstLastPara="1" wrap="square" lIns="91425" tIns="45700" rIns="91425" bIns="45700" anchor="ctr" anchorCtr="0">
+            <a:noAutofit/>
+          </a:bodyPr>
+          <a:lstStyle>
+            <a:lvl1pPr lvl="0" algn="l">
+              <a:lnSpc>
+                <a:spcPct val="100000"/>
+              </a:lnSpc>
+              <a:spcBef>
+                <a:spcPts val="0"/>
+              </a:spcBef>
+              <a:spcAft>
+                <a:spcPts val="0"/>
+              </a:spcAft>
+              <a:buSzPts val="1400"/>
+              <a:buNone/>
+              <a:defRPr/>
+            </a:lvl1pPr>
+            <a:lvl2pPr lvl="1" algn="l">
+              <a:lnSpc>
+                <a:spcPct val="100000"/>
+              </a:lnSpc>
+              <a:spcBef>
+                <a:spcPts val="0"/>
+              </a:spcBef>
+              <a:spcAft>
+                <a:spcPts val="0"/>
+              </a:spcAft>
+              <a:buSzPts val="1400"/>
+              <a:buNone/>
+              <a:defRPr/>
+            </a:lvl2pPr>
+            <a:lvl3pPr lvl="2" algn="l">
+              <a:lnSpc>
+                <a:spcPct val="100000"/>
+              </a:lnSpc>
+              <a:spcBef>
+                <a:spcPts val="0"/>
+              </a:spcBef>
+              <a:spcAft>
+                <a:spcPts val="0"/>
+              </a:spcAft>
+              <a:buSzPts val="1400"/>
+              <a:buNone/>
+              <a:defRPr/>
+            </a:lvl3pPr>
+            <a:lvl4pPr lvl="3" algn="l">
+              <a:lnSpc>
+                <a:spcPct val="100000"/>
+              </a:lnSpc>
+              <a:spcBef>
+                <a:spcPts val="0"/>
+              </a:spcBef>
+              <a:spcAft>
+                <a:spcPts val="0"/>
+              </a:spcAft>
+              <a:buSzPts val="1400"/>
+              <a:buNone/>
+              <a:defRPr/>
+            </a:lvl4pPr>
+            <a:lvl5pPr lvl="4" algn="l">
+              <a:lnSpc>
+                <a:spcPct val="100000"/>
+              </a:lnSpc>
+              <a:spcBef>
+                <a:spcPts val="0"/>
+              </a:spcBef>
+              <a:spcAft>
+                <a:spcPts val="0"/>
+              </a:spcAft>
+              <a:buSzPts val="1400"/>
+              <a:buNone/>
+              <a:defRPr/>
+            </a:lvl5pPr>
+            <a:lvl6pPr lvl="5" algn="l">
+              <a:lnSpc>
+                <a:spcPct val="100000"/>
+              </a:lnSpc>
+              <a:spcBef>
+                <a:spcPts val="0"/>
+              </a:spcBef>
+              <a:spcAft>
+                <a:spcPts val="0"/>
+              </a:spcAft>
+              <a:buSzPts val="1400"/>
+              <a:buNone/>
+              <a:defRPr/>
+            </a:lvl6pPr>
+            <a:lvl7pPr lvl="6" algn="l">
+              <a:lnSpc>
+                <a:spcPct val="100000"/>
+              </a:lnSpc>
+              <a:spcBef>
+                <a:spcPts val="0"/>
+              </a:spcBef>
+              <a:spcAft>
+                <a:spcPts val="0"/>
+              </a:spcAft>
+              <a:buSzPts val="1400"/>
+              <a:buNone/>
+              <a:defRPr/>
+            </a:lvl7pPr>
+            <a:lvl8pPr lvl="7" algn="l">
+              <a:lnSpc>
+                <a:spcPct val="100000"/>
+              </a:lnSpc>
+              <a:spcBef>
+                <a:spcPts val="0"/>
+              </a:spcBef>
+              <a:spcAft>
+                <a:spcPts val="0"/>
+              </a:spcAft>
+              <a:buSzPts val="1400"/>
+              <a:buNone/>
+              <a:defRPr/>
+            </a:lvl8pPr>
+            <a:lvl9pPr lvl="8" algn="l">
+              <a:lnSpc>
+                <a:spcPct val="100000"/>
+              </a:lnSpc>
+              <a:spcBef>
+                <a:spcPts val="0"/>
+              </a:spcBef>
+              <a:spcAft>
+                <a:spcPts val="0"/>
+              </a:spcAft>
+              <a:buSzPts val="1400"/>
+              <a:buNone/>
+              <a:defRPr/>
+            </a:lvl9pPr>
+          </a:lstStyle>
+          <a:p>
+            <a:endParaRPr/>
+          </a:p>
+        </p:txBody>
+      </p:sp>
+      <p:sp>
+        <p:nvSpPr>
+          <p:cNvPr id="59" name="Google Shape;59;p9"/>
+          <p:cNvSpPr txBox="1">
+            <a:spLocks noGrp="1"/>
+          </p:cNvSpPr>
+          <p:nvPr>
+            <p:ph type="ftr" idx="11"/>
+          </p:nvPr>
+        </p:nvSpPr>
+        <p:spPr>
+          <a:xfrm>
+            <a:off x="4038600" y="6356350"/>
+            <a:ext cx="4114800" cy="365125"/>
+          </a:xfrm>
+          <a:prstGeom prst="rect">
+            <a:avLst/>
+          </a:prstGeom>
+          <a:noFill/>
+          <a:ln>
+            <a:noFill/>
+          </a:ln>
+        </p:spPr>
+        <p:txBody>
+          <a:bodyPr spcFirstLastPara="1" wrap="square" lIns="91425" tIns="45700" rIns="91425" bIns="45700" anchor="ctr" anchorCtr="0">
+            <a:noAutofit/>
+          </a:bodyPr>
+          <a:lstStyle>
+            <a:lvl1pPr lvl="0" algn="ctr">
+              <a:lnSpc>
+                <a:spcPct val="100000"/>
+              </a:lnSpc>
+              <a:spcBef>
+                <a:spcPts val="0"/>
+              </a:spcBef>
+              <a:spcAft>
+                <a:spcPts val="0"/>
+              </a:spcAft>
+              <a:buSzPts val="1400"/>
+              <a:buNone/>
+              <a:defRPr/>
+            </a:lvl1pPr>
+            <a:lvl2pPr lvl="1" algn="l">
+              <a:lnSpc>
+                <a:spcPct val="100000"/>
+              </a:lnSpc>
+              <a:spcBef>
+                <a:spcPts val="0"/>
+              </a:spcBef>
+              <a:spcAft>
+                <a:spcPts val="0"/>
+              </a:spcAft>
+              <a:buSzPts val="1400"/>
+              <a:buNone/>
+              <a:defRPr/>
+            </a:lvl2pPr>
+            <a:lvl3pPr lvl="2" algn="l">
+              <a:lnSpc>
+                <a:spcPct val="100000"/>
+              </a:lnSpc>
+              <a:spcBef>
+                <a:spcPts val="0"/>
+              </a:spcBef>
+              <a:spcAft>
+                <a:spcPts val="0"/>
+              </a:spcAft>
+              <a:buSzPts val="1400"/>
+              <a:buNone/>
+              <a:defRPr/>
+            </a:lvl3pPr>
+            <a:lvl4pPr lvl="3" algn="l">
+              <a:lnSpc>
+                <a:spcPct val="100000"/>
+              </a:lnSpc>
+              <a:spcBef>
+                <a:spcPts val="0"/>
+              </a:spcBef>
+              <a:spcAft>
+                <a:spcPts val="0"/>
+              </a:spcAft>
+              <a:buSzPts val="1400"/>
+              <a:buNone/>
+              <a:defRPr/>
+            </a:lvl4pPr>
+            <a:lvl5pPr lvl="4" algn="l">
+              <a:lnSpc>
+                <a:spcPct val="100000"/>
+              </a:lnSpc>
+              <a:spcBef>
+                <a:spcPts val="0"/>
+              </a:spcBef>
+              <a:spcAft>
+                <a:spcPts val="0"/>
+              </a:spcAft>
+              <a:buSzPts val="1400"/>
+              <a:buNone/>
+              <a:defRPr/>
+            </a:lvl5pPr>
+            <a:lvl6pPr lvl="5" algn="l">
+              <a:lnSpc>
+                <a:spcPct val="100000"/>
+              </a:lnSpc>
+              <a:spcBef>
+                <a:spcPts val="0"/>
+              </a:spcBef>
+              <a:spcAft>
+                <a:spcPts val="0"/>
+              </a:spcAft>
+              <a:buSzPts val="1400"/>
+              <a:buNone/>
+              <a:defRPr/>
+            </a:lvl6pPr>
+            <a:lvl7pPr lvl="6" algn="l">
+              <a:lnSpc>
+                <a:spcPct val="100000"/>
+              </a:lnSpc>
+              <a:spcBef>
+                <a:spcPts val="0"/>
+              </a:spcBef>
+              <a:spcAft>
+                <a:spcPts val="0"/>
+              </a:spcAft>
+              <a:buSzPts val="1400"/>
+              <a:buNone/>
+              <a:defRPr/>
+            </a:lvl7pPr>
+            <a:lvl8pPr lvl="7" algn="l">
+              <a:lnSpc>
+                <a:spcPct val="100000"/>
+              </a:lnSpc>
+              <a:spcBef>
+                <a:spcPts val="0"/>
+              </a:spcBef>
+              <a:spcAft>
+                <a:spcPts val="0"/>
+              </a:spcAft>
+              <a:buSzPts val="1400"/>
+              <a:buNone/>
+              <a:defRPr/>
+            </a:lvl8pPr>
+            <a:lvl9pPr lvl="8" algn="l">
+              <a:lnSpc>
+                <a:spcPct val="100000"/>
+              </a:lnSpc>
+              <a:spcBef>
+                <a:spcPts val="0"/>
+              </a:spcBef>
+              <a:spcAft>
+                <a:spcPts val="0"/>
+              </a:spcAft>
+              <a:buSzPts val="1400"/>
+              <a:buNone/>
+              <a:defRPr/>
+            </a:lvl9pPr>
+          </a:lstStyle>
+          <a:p>
+            <a:endParaRPr/>
+          </a:p>
+        </p:txBody>
+      </p:sp>
+      <p:sp>
+        <p:nvSpPr>
+          <p:cNvPr id="60" name="Google Shape;60;p9"/>
+          <p:cNvSpPr txBox="1">
+            <a:spLocks noGrp="1"/>
+          </p:cNvSpPr>
+          <p:nvPr>
+            <p:ph type="sldNum" idx="12"/>
+          </p:nvPr>
+        </p:nvSpPr>
+        <p:spPr>
+          <a:xfrm>
+            <a:off x="8610600" y="6356350"/>
+            <a:ext cx="2743200" cy="365125"/>
+          </a:xfrm>
+          <a:prstGeom prst="rect">
+            <a:avLst/>
+          </a:prstGeom>
+          <a:noFill/>
+          <a:ln>
+            <a:noFill/>
+          </a:ln>
+        </p:spPr>
+        <p:txBody>
+          <a:bodyPr spcFirstLastPara="1" wrap="square" lIns="91425" tIns="45700" rIns="91425" bIns="45700" anchor="ctr" anchorCtr="0">
+            <a:noAutofit/>
+          </a:bodyPr>
+          <a:lstStyle>
+            <a:lvl1pPr marL="0" marR="0" lvl="0" indent="0" algn="r">
+              <a:lnSpc>
+                <a:spcPct val="100000"/>
+              </a:lnSpc>
+              <a:spcBef>
+                <a:spcPts val="0"/>
+              </a:spcBef>
+              <a:spcAft>
+                <a:spcPts val="0"/>
+              </a:spcAft>
+              <a:buClr>
+                <a:srgbClr val="000000"/>
+              </a:buClr>
+              <a:buSzPts val="1200"/>
+              <a:buFont typeface="Arial"/>
+              <a:buNone/>
+              <a:defRPr sz="1200" b="0" i="0" u="none" strike="noStrike" cap="none">
+                <a:solidFill>
+                  <a:srgbClr val="888888"/>
+                </a:solidFill>
+                <a:latin typeface="Calibri"/>
+                <a:ea typeface="Calibri"/>
+                <a:cs typeface="Calibri"/>
+                <a:sym typeface="Calibri"/>
+              </a:defRPr>
+            </a:lvl1pPr>
+            <a:lvl2pPr marL="0" marR="0" lvl="1" indent="0" algn="r">
+              <a:lnSpc>
+                <a:spcPct val="100000"/>
+              </a:lnSpc>
+              <a:spcBef>
+                <a:spcPts val="0"/>
+              </a:spcBef>
+              <a:spcAft>
+                <a:spcPts val="0"/>
+              </a:spcAft>
+              <a:buClr>
+                <a:srgbClr val="000000"/>
+              </a:buClr>
+              <a:buSzPts val="1200"/>
+              <a:buFont typeface="Arial"/>
+              <a:buNone/>
+              <a:defRPr sz="1200" b="0" i="0" u="none" strike="noStrike" cap="none">
+                <a:solidFill>
+                  <a:srgbClr val="888888"/>
+                </a:solidFill>
+                <a:latin typeface="Calibri"/>
+                <a:ea typeface="Calibri"/>
+                <a:cs typeface="Calibri"/>
+                <a:sym typeface="Calibri"/>
+              </a:defRPr>
+            </a:lvl2pPr>
+            <a:lvl3pPr marL="0" marR="0" lvl="2" indent="0" algn="r">
+              <a:lnSpc>
+                <a:spcPct val="100000"/>
+              </a:lnSpc>
+              <a:spcBef>
+                <a:spcPts val="0"/>
+              </a:spcBef>
+              <a:spcAft>
+                <a:spcPts val="0"/>
+              </a:spcAft>
+              <a:buClr>
+                <a:srgbClr val="000000"/>
+              </a:buClr>
+              <a:buSzPts val="1200"/>
+              <a:buFont typeface="Arial"/>
+              <a:buNone/>
+              <a:defRPr sz="1200" b="0" i="0" u="none" strike="noStrike" cap="none">
+                <a:solidFill>
+                  <a:srgbClr val="888888"/>
+                </a:solidFill>
+                <a:latin typeface="Calibri"/>
+                <a:ea typeface="Calibri"/>
+                <a:cs typeface="Calibri"/>
+                <a:sym typeface="Calibri"/>
+              </a:defRPr>
+            </a:lvl3pPr>
+            <a:lvl4pPr marL="0" marR="0" lvl="3" indent="0" algn="r">
+              <a:lnSpc>
+                <a:spcPct val="100000"/>
+              </a:lnSpc>
+              <a:spcBef>
+                <a:spcPts val="0"/>
+              </a:spcBef>
+              <a:spcAft>
+                <a:spcPts val="0"/>
+              </a:spcAft>
+              <a:buClr>
+                <a:srgbClr val="000000"/>
+              </a:buClr>
+              <a:buSzPts val="1200"/>
+              <a:buFont typeface="Arial"/>
+              <a:buNone/>
+              <a:defRPr sz="1200" b="0" i="0" u="none" strike="noStrike" cap="none">
+                <a:solidFill>
+                  <a:srgbClr val="888888"/>
+                </a:solidFill>
+                <a:latin typeface="Calibri"/>
+                <a:ea typeface="Calibri"/>
+                <a:cs typeface="Calibri"/>
+                <a:sym typeface="Calibri"/>
+              </a:defRPr>
+            </a:lvl4pPr>
+            <a:lvl5pPr marL="0" marR="0" lvl="4" indent="0" algn="r">
+              <a:lnSpc>
+                <a:spcPct val="100000"/>
+              </a:lnSpc>
+              <a:spcBef>
+                <a:spcPts val="0"/>
+              </a:spcBef>
+              <a:spcAft>
+                <a:spcPts val="0"/>
+              </a:spcAft>
+              <a:buClr>
+                <a:srgbClr val="000000"/>
+              </a:buClr>
+              <a:buSzPts val="1200"/>
+              <a:buFont typeface="Arial"/>
+              <a:buNone/>
+              <a:defRPr sz="1200" b="0" i="0" u="none" strike="noStrike" cap="none">
+                <a:solidFill>
+                  <a:srgbClr val="888888"/>
+                </a:solidFill>
+                <a:latin typeface="Calibri"/>
+                <a:ea typeface="Calibri"/>
+                <a:cs typeface="Calibri"/>
+                <a:sym typeface="Calibri"/>
+              </a:defRPr>
+            </a:lvl5pPr>
+            <a:lvl6pPr marL="0" marR="0" lvl="5" indent="0" algn="r">
+              <a:lnSpc>
+                <a:spcPct val="100000"/>
+              </a:lnSpc>
+              <a:spcBef>
+                <a:spcPts val="0"/>
+              </a:spcBef>
+              <a:spcAft>
+                <a:spcPts val="0"/>
+              </a:spcAft>
+              <a:buClr>
+                <a:srgbClr val="000000"/>
+              </a:buClr>
+              <a:buSzPts val="1200"/>
+              <a:buFont typeface="Arial"/>
+              <a:buNone/>
+              <a:defRPr sz="1200" b="0" i="0" u="none" strike="noStrike" cap="none">
+                <a:solidFill>
+                  <a:srgbClr val="888888"/>
+                </a:solidFill>
+                <a:latin typeface="Calibri"/>
+                <a:ea typeface="Calibri"/>
+                <a:cs typeface="Calibri"/>
+                <a:sym typeface="Calibri"/>
+              </a:defRPr>
+            </a:lvl6pPr>
+            <a:lvl7pPr marL="0" marR="0" lvl="6" indent="0" algn="r">
+              <a:lnSpc>
+                <a:spcPct val="100000"/>
+              </a:lnSpc>
+              <a:spcBef>
+                <a:spcPts val="0"/>
+              </a:spcBef>
+              <a:spcAft>
+                <a:spcPts val="0"/>
+              </a:spcAft>
+              <a:buClr>
+                <a:srgbClr val="000000"/>
+              </a:buClr>
+              <a:buSzPts val="1200"/>
+              <a:buFont typeface="Arial"/>
+              <a:buNone/>
+              <a:defRPr sz="1200" b="0" i="0" u="none" strike="noStrike" cap="none">
+                <a:solidFill>
+                  <a:srgbClr val="888888"/>
+                </a:solidFill>
+                <a:latin typeface="Calibri"/>
+                <a:ea typeface="Calibri"/>
+                <a:cs typeface="Calibri"/>
+                <a:sym typeface="Calibri"/>
+              </a:defRPr>
+            </a:lvl7pPr>
+            <a:lvl8pPr marL="0" marR="0" lvl="7" indent="0" algn="r">
+              <a:lnSpc>
+                <a:spcPct val="100000"/>
+              </a:lnSpc>
+              <a:spcBef>
+                <a:spcPts val="0"/>
+              </a:spcBef>
+              <a:spcAft>
+                <a:spcPts val="0"/>
+              </a:spcAft>
+              <a:buClr>
+                <a:srgbClr val="000000"/>
+              </a:buClr>
+              <a:buSzPts val="1200"/>
+              <a:buFont typeface="Arial"/>
+              <a:buNone/>
+              <a:defRPr sz="1200" b="0" i="0" u="none" strike="noStrike" cap="none">
+                <a:solidFill>
+                  <a:srgbClr val="888888"/>
+                </a:solidFill>
+                <a:latin typeface="Calibri"/>
+                <a:ea typeface="Calibri"/>
+                <a:cs typeface="Calibri"/>
+                <a:sym typeface="Calibri"/>
+              </a:defRPr>
+            </a:lvl8pPr>
+            <a:lvl9pPr marL="0" marR="0" lvl="8" indent="0" algn="r">
+              <a:lnSpc>
+                <a:spcPct val="100000"/>
+              </a:lnSpc>
+              <a:spcBef>
+                <a:spcPts val="0"/>
+              </a:spcBef>
+              <a:spcAft>
+                <a:spcPts val="0"/>
+              </a:spcAft>
+              <a:buClr>
+                <a:srgbClr val="000000"/>
+              </a:buClr>
+              <a:buSzPts val="1200"/>
+              <a:buFont typeface="Arial"/>
+              <a:buNone/>
+              <a:defRPr sz="1200" b="0" i="0" u="none" strike="noStrike" cap="none">
+                <a:solidFill>
+                  <a:srgbClr val="888888"/>
+                </a:solidFill>
+                <a:latin typeface="Calibri"/>
+                <a:ea typeface="Calibri"/>
+                <a:cs typeface="Calibri"/>
+                <a:sym typeface="Calibri"/>
+              </a:defRPr>
+            </a:lvl9pPr>
+          </a:lstStyle>
+          <a:p>
+            <a:pPr marL="0" lvl="0" indent="0" algn="r" rtl="0">
+              <a:spcBef>
+                <a:spcPts val="0"/>
+              </a:spcBef>
+              <a:spcAft>
+                <a:spcPts val="0"/>
+              </a:spcAft>
+              <a:buNone/>
+            </a:pPr>
+            <a:fld id="{00000000-1234-1234-1234-123412341234}" type="slidenum">
+              <a:rPr lang="en-US"/>
+              <a:t>‹#›</a:t>
+            </a:fld>
+            <a:endParaRPr/>
+          </a:p>
+        </p:txBody>
+      </p:sp>
+    </p:spTree>
+  </p:cSld>
+  <p:clrMapOvr>
+    <a:masterClrMapping/>
+  </p:clrMapOvr>
+</p:sldLayout>
+</file>
+
+<file path=ppt/slideLayouts/slideLayout11.xml><?xml version="1.0" encoding="utf-8"?>
 <p:sldLayout xmlns:a="http://schemas.openxmlformats.org/drawingml/2006/main" xmlns:r="http://schemas.openxmlformats.org/officeDocument/2006/relationships" xmlns:p="http://schemas.openxmlformats.org/presentationml/2006/main" matchingName="Picture with Caption" type="picTx">
   <p:cSld name="PICTURE_WITH_CAPTION_TEXT">
     <p:spTree>
@@ -3972,7 +5470,7 @@
 </p:sldLayout>
 </file>
 
-<file path=ppt/slideLayouts/slideLayout11.xml><?xml version="1.0" encoding="utf-8"?>
+<file path=ppt/slideLayouts/slideLayout12.xml><?xml version="1.0" encoding="utf-8"?>
 <p:sldLayout xmlns:a="http://schemas.openxmlformats.org/drawingml/2006/main" xmlns:r="http://schemas.openxmlformats.org/officeDocument/2006/relationships" xmlns:p="http://schemas.openxmlformats.org/presentationml/2006/main" matchingName="Title and Vertical Text" type="vertTx">
   <p:cSld name="VERTICAL_TEXT">
     <p:spTree>
@@ -4948,7 +6446,7 @@
 </p:sldLayout>
 </file>
 
-<file path=ppt/slideLayouts/slideLayout12.xml><?xml version="1.0" encoding="utf-8"?>
+<file path=ppt/slideLayouts/slideLayout13.xml><?xml version="1.0" encoding="utf-8"?>
 <p:sldLayout xmlns:a="http://schemas.openxmlformats.org/drawingml/2006/main" xmlns:r="http://schemas.openxmlformats.org/officeDocument/2006/relationships" xmlns:p="http://schemas.openxmlformats.org/presentationml/2006/main" matchingName="Vertical Title and Text" type="vertTitleAndTx">
   <p:cSld name="VERTICAL_TITLE_AND_VERTICAL_TEXT">
     <p:spTree>
@@ -5925,6 +7423,547 @@
 </file>
 
 <file path=ppt/slideLayouts/slideLayout2.xml><?xml version="1.0" encoding="utf-8"?>
+<p:sldLayout xmlns:a="http://schemas.openxmlformats.org/drawingml/2006/main" xmlns:r="http://schemas.openxmlformats.org/officeDocument/2006/relationships" xmlns:p="http://schemas.openxmlformats.org/presentationml/2006/main" matchingName="Two Content" preserve="1" userDrawn="1">
+  <p:cSld name="1_Two Content">
+    <p:spTree>
+      <p:nvGrpSpPr>
+        <p:cNvPr id="1" name="Shape 29"/>
+        <p:cNvGrpSpPr/>
+        <p:nvPr/>
+      </p:nvGrpSpPr>
+      <p:grpSpPr>
+        <a:xfrm>
+          <a:off x="0" y="0"/>
+          <a:ext cx="0" cy="0"/>
+          <a:chOff x="0" y="0"/>
+          <a:chExt cx="0" cy="0"/>
+        </a:xfrm>
+      </p:grpSpPr>
+      <p:sp>
+        <p:nvSpPr>
+          <p:cNvPr id="31" name="Google Shape;31;p5"/>
+          <p:cNvSpPr txBox="1">
+            <a:spLocks noGrp="1"/>
+          </p:cNvSpPr>
+          <p:nvPr>
+            <p:ph type="body" idx="1"/>
+          </p:nvPr>
+        </p:nvSpPr>
+        <p:spPr>
+          <a:xfrm>
+            <a:off x="0" y="1825625"/>
+            <a:ext cx="6954904" cy="5032374"/>
+          </a:xfrm>
+          <a:prstGeom prst="rect">
+            <a:avLst/>
+          </a:prstGeom>
+          <a:noFill/>
+          <a:ln>
+            <a:noFill/>
+          </a:ln>
+        </p:spPr>
+        <p:txBody>
+          <a:bodyPr spcFirstLastPara="1" wrap="square" lIns="91425" tIns="45700" rIns="91425" bIns="45700" anchor="t" anchorCtr="0">
+            <a:normAutofit/>
+          </a:bodyPr>
+          <a:lstStyle>
+            <a:lvl1pPr marL="457200" lvl="0" indent="-342900" algn="l">
+              <a:lnSpc>
+                <a:spcPct val="90000"/>
+              </a:lnSpc>
+              <a:spcBef>
+                <a:spcPts val="1000"/>
+              </a:spcBef>
+              <a:spcAft>
+                <a:spcPts val="0"/>
+              </a:spcAft>
+              <a:buClr>
+                <a:schemeClr val="dk1"/>
+              </a:buClr>
+              <a:buSzPts val="1800"/>
+              <a:buChar char="•"/>
+              <a:defRPr>
+                <a:latin typeface="+mn-lt"/>
+              </a:defRPr>
+            </a:lvl1pPr>
+            <a:lvl2pPr marL="914400" lvl="1" indent="-342900" algn="l">
+              <a:lnSpc>
+                <a:spcPct val="90000"/>
+              </a:lnSpc>
+              <a:spcBef>
+                <a:spcPts val="500"/>
+              </a:spcBef>
+              <a:spcAft>
+                <a:spcPts val="0"/>
+              </a:spcAft>
+              <a:buClr>
+                <a:schemeClr val="dk1"/>
+              </a:buClr>
+              <a:buSzPts val="1800"/>
+              <a:buChar char="•"/>
+              <a:defRPr/>
+            </a:lvl2pPr>
+            <a:lvl3pPr marL="1371600" lvl="2" indent="-342900" algn="l">
+              <a:lnSpc>
+                <a:spcPct val="90000"/>
+              </a:lnSpc>
+              <a:spcBef>
+                <a:spcPts val="500"/>
+              </a:spcBef>
+              <a:spcAft>
+                <a:spcPts val="0"/>
+              </a:spcAft>
+              <a:buClr>
+                <a:schemeClr val="dk1"/>
+              </a:buClr>
+              <a:buSzPts val="1800"/>
+              <a:buChar char="•"/>
+              <a:defRPr/>
+            </a:lvl3pPr>
+            <a:lvl4pPr marL="1828800" lvl="3" indent="-342900" algn="l">
+              <a:lnSpc>
+                <a:spcPct val="90000"/>
+              </a:lnSpc>
+              <a:spcBef>
+                <a:spcPts val="500"/>
+              </a:spcBef>
+              <a:spcAft>
+                <a:spcPts val="0"/>
+              </a:spcAft>
+              <a:buClr>
+                <a:schemeClr val="dk1"/>
+              </a:buClr>
+              <a:buSzPts val="1800"/>
+              <a:buChar char="•"/>
+              <a:defRPr/>
+            </a:lvl4pPr>
+            <a:lvl5pPr marL="2286000" lvl="4" indent="-342900" algn="l">
+              <a:lnSpc>
+                <a:spcPct val="90000"/>
+              </a:lnSpc>
+              <a:spcBef>
+                <a:spcPts val="500"/>
+              </a:spcBef>
+              <a:spcAft>
+                <a:spcPts val="0"/>
+              </a:spcAft>
+              <a:buClr>
+                <a:schemeClr val="dk1"/>
+              </a:buClr>
+              <a:buSzPts val="1800"/>
+              <a:buChar char="•"/>
+              <a:defRPr/>
+            </a:lvl5pPr>
+            <a:lvl6pPr marL="2743200" lvl="5" indent="-342900" algn="l">
+              <a:lnSpc>
+                <a:spcPct val="90000"/>
+              </a:lnSpc>
+              <a:spcBef>
+                <a:spcPts val="500"/>
+              </a:spcBef>
+              <a:spcAft>
+                <a:spcPts val="0"/>
+              </a:spcAft>
+              <a:buClr>
+                <a:schemeClr val="dk1"/>
+              </a:buClr>
+              <a:buSzPts val="1800"/>
+              <a:buChar char="•"/>
+              <a:defRPr/>
+            </a:lvl6pPr>
+            <a:lvl7pPr marL="3200400" lvl="6" indent="-342900" algn="l">
+              <a:lnSpc>
+                <a:spcPct val="90000"/>
+              </a:lnSpc>
+              <a:spcBef>
+                <a:spcPts val="500"/>
+              </a:spcBef>
+              <a:spcAft>
+                <a:spcPts val="0"/>
+              </a:spcAft>
+              <a:buClr>
+                <a:schemeClr val="dk1"/>
+              </a:buClr>
+              <a:buSzPts val="1800"/>
+              <a:buChar char="•"/>
+              <a:defRPr/>
+            </a:lvl7pPr>
+            <a:lvl8pPr marL="3657600" lvl="7" indent="-342900" algn="l">
+              <a:lnSpc>
+                <a:spcPct val="90000"/>
+              </a:lnSpc>
+              <a:spcBef>
+                <a:spcPts val="500"/>
+              </a:spcBef>
+              <a:spcAft>
+                <a:spcPts val="0"/>
+              </a:spcAft>
+              <a:buClr>
+                <a:schemeClr val="dk1"/>
+              </a:buClr>
+              <a:buSzPts val="1800"/>
+              <a:buChar char="•"/>
+              <a:defRPr/>
+            </a:lvl8pPr>
+            <a:lvl9pPr marL="4114800" lvl="8" indent="-342900" algn="l">
+              <a:lnSpc>
+                <a:spcPct val="90000"/>
+              </a:lnSpc>
+              <a:spcBef>
+                <a:spcPts val="500"/>
+              </a:spcBef>
+              <a:spcAft>
+                <a:spcPts val="0"/>
+              </a:spcAft>
+              <a:buClr>
+                <a:schemeClr val="dk1"/>
+              </a:buClr>
+              <a:buSzPts val="1800"/>
+              <a:buChar char="•"/>
+              <a:defRPr/>
+            </a:lvl9pPr>
+          </a:lstStyle>
+          <a:p>
+            <a:endParaRPr dirty="0"/>
+          </a:p>
+        </p:txBody>
+      </p:sp>
+      <p:sp>
+        <p:nvSpPr>
+          <p:cNvPr id="30" name="Google Shape;30;p5"/>
+          <p:cNvSpPr txBox="1">
+            <a:spLocks noGrp="1"/>
+          </p:cNvSpPr>
+          <p:nvPr>
+            <p:ph type="title" hasCustomPrompt="1"/>
+          </p:nvPr>
+        </p:nvSpPr>
+        <p:spPr>
+          <a:xfrm>
+            <a:off x="0" y="1"/>
+            <a:ext cx="6954904" cy="1793776"/>
+          </a:xfrm>
+          <a:prstGeom prst="rect">
+            <a:avLst/>
+          </a:prstGeom>
+          <a:noFill/>
+          <a:ln>
+            <a:noFill/>
+          </a:ln>
+        </p:spPr>
+        <p:txBody>
+          <a:bodyPr spcFirstLastPara="1" wrap="square" lIns="91425" tIns="45700" rIns="91425" bIns="45700" anchor="ctr" anchorCtr="0">
+            <a:normAutofit/>
+          </a:bodyPr>
+          <a:lstStyle>
+            <a:lvl1pPr marL="509588" lvl="0" indent="0" algn="l">
+              <a:lnSpc>
+                <a:spcPct val="90000"/>
+              </a:lnSpc>
+              <a:spcBef>
+                <a:spcPts val="0"/>
+              </a:spcBef>
+              <a:spcAft>
+                <a:spcPts val="0"/>
+              </a:spcAft>
+              <a:buClr>
+                <a:schemeClr val="dk1"/>
+              </a:buClr>
+              <a:buSzPts val="1800"/>
+              <a:buFont typeface="Arial" panose="020B0604020202020204" pitchFamily="34" charset="0"/>
+              <a:buNone/>
+              <a:defRPr>
+                <a:solidFill>
+                  <a:schemeClr val="tx2"/>
+                </a:solidFill>
+                <a:latin typeface="+mj-lt"/>
+              </a:defRPr>
+            </a:lvl1pPr>
+            <a:lvl2pPr lvl="1" algn="l">
+              <a:lnSpc>
+                <a:spcPct val="100000"/>
+              </a:lnSpc>
+              <a:spcBef>
+                <a:spcPts val="0"/>
+              </a:spcBef>
+              <a:spcAft>
+                <a:spcPts val="0"/>
+              </a:spcAft>
+              <a:buSzPts val="1400"/>
+              <a:buNone/>
+              <a:defRPr/>
+            </a:lvl2pPr>
+            <a:lvl3pPr lvl="2" algn="l">
+              <a:lnSpc>
+                <a:spcPct val="100000"/>
+              </a:lnSpc>
+              <a:spcBef>
+                <a:spcPts val="0"/>
+              </a:spcBef>
+              <a:spcAft>
+                <a:spcPts val="0"/>
+              </a:spcAft>
+              <a:buSzPts val="1400"/>
+              <a:buNone/>
+              <a:defRPr/>
+            </a:lvl3pPr>
+            <a:lvl4pPr lvl="3" algn="l">
+              <a:lnSpc>
+                <a:spcPct val="100000"/>
+              </a:lnSpc>
+              <a:spcBef>
+                <a:spcPts val="0"/>
+              </a:spcBef>
+              <a:spcAft>
+                <a:spcPts val="0"/>
+              </a:spcAft>
+              <a:buSzPts val="1400"/>
+              <a:buNone/>
+              <a:defRPr/>
+            </a:lvl4pPr>
+            <a:lvl5pPr lvl="4" algn="l">
+              <a:lnSpc>
+                <a:spcPct val="100000"/>
+              </a:lnSpc>
+              <a:spcBef>
+                <a:spcPts val="0"/>
+              </a:spcBef>
+              <a:spcAft>
+                <a:spcPts val="0"/>
+              </a:spcAft>
+              <a:buSzPts val="1400"/>
+              <a:buNone/>
+              <a:defRPr/>
+            </a:lvl5pPr>
+            <a:lvl6pPr lvl="5" algn="l">
+              <a:lnSpc>
+                <a:spcPct val="100000"/>
+              </a:lnSpc>
+              <a:spcBef>
+                <a:spcPts val="0"/>
+              </a:spcBef>
+              <a:spcAft>
+                <a:spcPts val="0"/>
+              </a:spcAft>
+              <a:buSzPts val="1400"/>
+              <a:buNone/>
+              <a:defRPr/>
+            </a:lvl6pPr>
+            <a:lvl7pPr lvl="6" algn="l">
+              <a:lnSpc>
+                <a:spcPct val="100000"/>
+              </a:lnSpc>
+              <a:spcBef>
+                <a:spcPts val="0"/>
+              </a:spcBef>
+              <a:spcAft>
+                <a:spcPts val="0"/>
+              </a:spcAft>
+              <a:buSzPts val="1400"/>
+              <a:buNone/>
+              <a:defRPr/>
+            </a:lvl7pPr>
+            <a:lvl8pPr lvl="7" algn="l">
+              <a:lnSpc>
+                <a:spcPct val="100000"/>
+              </a:lnSpc>
+              <a:spcBef>
+                <a:spcPts val="0"/>
+              </a:spcBef>
+              <a:spcAft>
+                <a:spcPts val="0"/>
+              </a:spcAft>
+              <a:buSzPts val="1400"/>
+              <a:buNone/>
+              <a:defRPr/>
+            </a:lvl8pPr>
+            <a:lvl9pPr lvl="8" algn="l">
+              <a:lnSpc>
+                <a:spcPct val="100000"/>
+              </a:lnSpc>
+              <a:spcBef>
+                <a:spcPts val="0"/>
+              </a:spcBef>
+              <a:spcAft>
+                <a:spcPts val="0"/>
+              </a:spcAft>
+              <a:buSzPts val="1400"/>
+              <a:buNone/>
+              <a:defRPr/>
+            </a:lvl9pPr>
+          </a:lstStyle>
+          <a:p>
+            <a:r>
+              <a:rPr lang="en-US" dirty="0"/>
+              <a:t>Agenda</a:t>
+            </a:r>
+            <a:endParaRPr dirty="0"/>
+          </a:p>
+        </p:txBody>
+      </p:sp>
+      <p:sp>
+        <p:nvSpPr>
+          <p:cNvPr id="6" name="TextBox 5">
+            <a:extLst>
+              <a:ext uri="{FF2B5EF4-FFF2-40B4-BE49-F238E27FC236}">
+                <a16:creationId xmlns:a16="http://schemas.microsoft.com/office/drawing/2014/main" id="{852B2A0C-B1B0-C6AE-EA17-2292F16DBF1D}"/>
+              </a:ext>
+            </a:extLst>
+          </p:cNvPr>
+          <p:cNvSpPr txBox="1"/>
+          <p:nvPr userDrawn="1"/>
+        </p:nvSpPr>
+        <p:spPr>
+          <a:xfrm>
+            <a:off x="9685974" y="152400"/>
+            <a:ext cx="2251888" cy="553998"/>
+          </a:xfrm>
+          <a:prstGeom prst="rect">
+            <a:avLst/>
+          </a:prstGeom>
+          <a:noFill/>
+        </p:spPr>
+        <p:txBody>
+          <a:bodyPr wrap="square" rtlCol="0">
+            <a:spAutoFit/>
+          </a:bodyPr>
+          <a:lstStyle/>
+          <a:p>
+            <a:pPr algn="ctr"/>
+            <a:r>
+              <a:rPr lang="en-US" sz="3000" b="1" dirty="0" err="1">
+                <a:solidFill>
+                  <a:schemeClr val="bg2"/>
+                </a:solidFill>
+                <a:latin typeface="Verdana" panose="020B0604030504040204" pitchFamily="34" charset="0"/>
+                <a:ea typeface="Verdana" panose="020B0604030504040204" pitchFamily="34" charset="0"/>
+              </a:rPr>
+              <a:t>Chem</a:t>
+            </a:r>
+            <a:r>
+              <a:rPr lang="en-US" sz="3000" b="1" dirty="0" err="1">
+                <a:solidFill>
+                  <a:schemeClr val="tx2"/>
+                </a:solidFill>
+                <a:latin typeface="Verdana" panose="020B0604030504040204" pitchFamily="34" charset="0"/>
+                <a:ea typeface="Verdana" panose="020B0604030504040204" pitchFamily="34" charset="0"/>
+              </a:rPr>
+              <a:t>Edu</a:t>
+            </a:r>
+            <a:endParaRPr lang="en-GB" sz="3000" b="1" dirty="0">
+              <a:solidFill>
+                <a:schemeClr val="tx2"/>
+              </a:solidFill>
+              <a:latin typeface="Verdana" panose="020B0604030504040204" pitchFamily="34" charset="0"/>
+              <a:ea typeface="Verdana" panose="020B0604030504040204" pitchFamily="34" charset="0"/>
+            </a:endParaRPr>
+          </a:p>
+        </p:txBody>
+      </p:sp>
+      <p:pic>
+        <p:nvPicPr>
+          <p:cNvPr id="3" name="Picture 3">
+            <a:extLst>
+              <a:ext uri="{FF2B5EF4-FFF2-40B4-BE49-F238E27FC236}">
+                <a16:creationId xmlns:a16="http://schemas.microsoft.com/office/drawing/2014/main" id="{AC9FAE53-DA16-294E-4A99-87C83E64456D}"/>
+              </a:ext>
+            </a:extLst>
+          </p:cNvPr>
+          <p:cNvPicPr>
+            <a:picLocks noChangeAspect="1"/>
+          </p:cNvPicPr>
+          <p:nvPr/>
+        </p:nvPicPr>
+        <p:blipFill>
+          <a:blip r:embed="rId2"/>
+          <a:srcRect l="4178" r="50721"/>
+          <a:stretch>
+            <a:fillRect/>
+          </a:stretch>
+        </p:blipFill>
+        <p:spPr>
+          <a:xfrm>
+            <a:off x="6954904" y="-31847"/>
+            <a:ext cx="5237096" cy="6889846"/>
+          </a:xfrm>
+          <a:prstGeom prst="rect">
+            <a:avLst/>
+          </a:prstGeom>
+        </p:spPr>
+      </p:pic>
+      <p:sp>
+        <p:nvSpPr>
+          <p:cNvPr id="4" name="TextBox 3">
+            <a:extLst>
+              <a:ext uri="{FF2B5EF4-FFF2-40B4-BE49-F238E27FC236}">
+                <a16:creationId xmlns:a16="http://schemas.microsoft.com/office/drawing/2014/main" id="{C6F4CD0E-3E1C-8F40-85E8-A9EAF9C789D6}"/>
+              </a:ext>
+            </a:extLst>
+          </p:cNvPr>
+          <p:cNvSpPr txBox="1"/>
+          <p:nvPr userDrawn="1"/>
+        </p:nvSpPr>
+        <p:spPr>
+          <a:xfrm>
+            <a:off x="9838374" y="304800"/>
+            <a:ext cx="2251888" cy="553998"/>
+          </a:xfrm>
+          <a:prstGeom prst="rect">
+            <a:avLst/>
+          </a:prstGeom>
+          <a:noFill/>
+        </p:spPr>
+        <p:txBody>
+          <a:bodyPr wrap="square" rtlCol="0">
+            <a:spAutoFit/>
+          </a:bodyPr>
+          <a:lstStyle/>
+          <a:p>
+            <a:pPr algn="ctr"/>
+            <a:r>
+              <a:rPr lang="en-US" sz="3000" b="1" dirty="0" err="1">
+                <a:solidFill>
+                  <a:schemeClr val="bg2"/>
+                </a:solidFill>
+                <a:latin typeface="Verdana" panose="020B0604030504040204" pitchFamily="34" charset="0"/>
+                <a:ea typeface="Verdana" panose="020B0604030504040204" pitchFamily="34" charset="0"/>
+              </a:rPr>
+              <a:t>Chem</a:t>
+            </a:r>
+            <a:r>
+              <a:rPr lang="en-US" sz="3000" b="1" dirty="0" err="1">
+                <a:solidFill>
+                  <a:schemeClr val="tx2"/>
+                </a:solidFill>
+                <a:latin typeface="Verdana" panose="020B0604030504040204" pitchFamily="34" charset="0"/>
+                <a:ea typeface="Verdana" panose="020B0604030504040204" pitchFamily="34" charset="0"/>
+              </a:rPr>
+              <a:t>Edu</a:t>
+            </a:r>
+            <a:endParaRPr lang="en-GB" sz="3000" b="1" dirty="0">
+              <a:solidFill>
+                <a:schemeClr val="tx2"/>
+              </a:solidFill>
+              <a:latin typeface="Verdana" panose="020B0604030504040204" pitchFamily="34" charset="0"/>
+              <a:ea typeface="Verdana" panose="020B0604030504040204" pitchFamily="34" charset="0"/>
+            </a:endParaRPr>
+          </a:p>
+        </p:txBody>
+      </p:sp>
+    </p:spTree>
+    <p:extLst>
+      <p:ext uri="{BB962C8B-B14F-4D97-AF65-F5344CB8AC3E}">
+        <p14:creationId xmlns:p14="http://schemas.microsoft.com/office/powerpoint/2010/main" val="1131683709"/>
+      </p:ext>
+    </p:extLst>
+  </p:cSld>
+  <p:clrMapOvr>
+    <a:masterClrMapping/>
+  </p:clrMapOvr>
+</p:sldLayout>
+</file>
+
+<file path=ppt/slideLayouts/slideLayout3.xml><?xml version="1.0" encoding="utf-8"?>
 <p:sldLayout xmlns:a="http://schemas.openxmlformats.org/drawingml/2006/main" xmlns:r="http://schemas.openxmlformats.org/officeDocument/2006/relationships" xmlns:p="http://schemas.openxmlformats.org/presentationml/2006/main" matchingName="Title and Content" type="obj">
   <p:cSld name="OBJECT">
     <p:spTree>
@@ -6469,7 +8508,7 @@
 </p:sldLayout>
 </file>
 
-<file path=ppt/slideLayouts/slideLayout3.xml><?xml version="1.0" encoding="utf-8"?>
+<file path=ppt/slideLayouts/slideLayout4.xml><?xml version="1.0" encoding="utf-8"?>
 <p:sldLayout xmlns:a="http://schemas.openxmlformats.org/drawingml/2006/main" xmlns:r="http://schemas.openxmlformats.org/officeDocument/2006/relationships" xmlns:p="http://schemas.openxmlformats.org/presentationml/2006/main" matchingName="Two Content" preserve="1" userDrawn="1">
   <p:cSld name="1_Two Content">
     <p:spTree>
@@ -7047,7 +9086,7 @@
 </p:sldLayout>
 </file>
 
-<file path=ppt/slideLayouts/slideLayout4.xml><?xml version="1.0" encoding="utf-8"?>
+<file path=ppt/slideLayouts/slideLayout5.xml><?xml version="1.0" encoding="utf-8"?>
 <p:sldLayout xmlns:a="http://schemas.openxmlformats.org/drawingml/2006/main" xmlns:r="http://schemas.openxmlformats.org/officeDocument/2006/relationships" xmlns:p="http://schemas.openxmlformats.org/presentationml/2006/main" matchingName="Title Only" type="titleOnly">
   <p:cSld name="TITLE_ONLY">
     <p:spTree>
@@ -7886,73 +9925,6 @@
               <a:t>‹#›</a:t>
             </a:fld>
             <a:endParaRPr/>
-          </a:p>
-        </p:txBody>
-      </p:sp>
-      <p:sp>
-        <p:nvSpPr>
-          <p:cNvPr id="3" name="Freeform 12">
-            <a:extLst>
-              <a:ext uri="{FF2B5EF4-FFF2-40B4-BE49-F238E27FC236}">
-                <a16:creationId xmlns:a16="http://schemas.microsoft.com/office/drawing/2014/main" id="{04A2C81B-BBAF-BB7C-6E9F-90303E569437}"/>
-              </a:ext>
-            </a:extLst>
-          </p:cNvPr>
-          <p:cNvSpPr>
-            <a:spLocks noChangeAspect="1"/>
-          </p:cNvSpPr>
-          <p:nvPr userDrawn="1"/>
-        </p:nvSpPr>
-        <p:spPr>
-          <a:xfrm>
-            <a:off x="8930002" y="1784350"/>
-            <a:ext cx="2652398" cy="4572000"/>
-          </a:xfrm>
-          <a:custGeom>
-            <a:avLst/>
-            <a:gdLst/>
-            <a:ahLst/>
-            <a:cxnLst/>
-            <a:rect l="l" t="t" r="r" b="b"/>
-            <a:pathLst>
-              <a:path w="4792456" h="8260869">
-                <a:moveTo>
-                  <a:pt x="0" y="0"/>
-                </a:moveTo>
-                <a:lnTo>
-                  <a:pt x="4792455" y="0"/>
-                </a:lnTo>
-                <a:lnTo>
-                  <a:pt x="4792455" y="8260869"/>
-                </a:lnTo>
-                <a:lnTo>
-                  <a:pt x="0" y="8260869"/>
-                </a:lnTo>
-                <a:lnTo>
-                  <a:pt x="0" y="0"/>
-                </a:lnTo>
-                <a:close/>
-              </a:path>
-            </a:pathLst>
-          </a:custGeom>
-          <a:blipFill>
-            <a:blip r:embed="rId2">
-              <a:extLst>
-                <a:ext uri="{96DAC541-7B7A-43D3-8B79-37D633B846F1}">
-                  <asvg:svgBlip xmlns:asvg="http://schemas.microsoft.com/office/drawing/2016/SVG/main" r:embed="rId3"/>
-                </a:ext>
-              </a:extLst>
-            </a:blip>
-            <a:stretch>
-              <a:fillRect/>
-            </a:stretch>
-          </a:blipFill>
-        </p:spPr>
-        <p:txBody>
-          <a:bodyPr/>
-          <a:lstStyle/>
-          <a:p>
-            <a:endParaRPr lang="en-GB"/>
           </a:p>
         </p:txBody>
       </p:sp>
@@ -8058,6 +10030,73 @@
           </a:fontRef>
         </p:style>
       </p:cxnSp>
+      <p:sp>
+        <p:nvSpPr>
+          <p:cNvPr id="7" name="Freeform 7">
+            <a:extLst>
+              <a:ext uri="{FF2B5EF4-FFF2-40B4-BE49-F238E27FC236}">
+                <a16:creationId xmlns:a16="http://schemas.microsoft.com/office/drawing/2014/main" id="{138EAC00-8F6D-971A-A32E-C058A9F91624}"/>
+              </a:ext>
+            </a:extLst>
+          </p:cNvPr>
+          <p:cNvSpPr>
+            <a:spLocks noChangeAspect="1"/>
+          </p:cNvSpPr>
+          <p:nvPr userDrawn="1"/>
+        </p:nvSpPr>
+        <p:spPr>
+          <a:xfrm>
+            <a:off x="8936725" y="1784350"/>
+            <a:ext cx="2090949" cy="4572000"/>
+          </a:xfrm>
+          <a:custGeom>
+            <a:avLst/>
+            <a:gdLst/>
+            <a:ahLst/>
+            <a:cxnLst/>
+            <a:rect l="l" t="t" r="r" b="b"/>
+            <a:pathLst>
+              <a:path w="3825613" h="8364959">
+                <a:moveTo>
+                  <a:pt x="0" y="0"/>
+                </a:moveTo>
+                <a:lnTo>
+                  <a:pt x="3825613" y="0"/>
+                </a:lnTo>
+                <a:lnTo>
+                  <a:pt x="3825613" y="8364959"/>
+                </a:lnTo>
+                <a:lnTo>
+                  <a:pt x="0" y="8364959"/>
+                </a:lnTo>
+                <a:lnTo>
+                  <a:pt x="0" y="0"/>
+                </a:lnTo>
+                <a:close/>
+              </a:path>
+            </a:pathLst>
+          </a:custGeom>
+          <a:blipFill>
+            <a:blip r:embed="rId2">
+              <a:extLst>
+                <a:ext uri="{96DAC541-7B7A-43D3-8B79-37D633B846F1}">
+                  <asvg:svgBlip xmlns:asvg="http://schemas.microsoft.com/office/drawing/2016/SVG/main" r:embed="rId3"/>
+                </a:ext>
+              </a:extLst>
+            </a:blip>
+            <a:stretch>
+              <a:fillRect/>
+            </a:stretch>
+          </a:blipFill>
+        </p:spPr>
+        <p:txBody>
+          <a:bodyPr/>
+          <a:lstStyle/>
+          <a:p>
+            <a:endParaRPr lang="en-GB"/>
+          </a:p>
+        </p:txBody>
+      </p:sp>
     </p:spTree>
   </p:cSld>
   <p:clrMapOvr>
@@ -8066,7 +10105,7 @@
 </p:sldLayout>
 </file>
 
-<file path=ppt/slideLayouts/slideLayout5.xml><?xml version="1.0" encoding="utf-8"?>
+<file path=ppt/slideLayouts/slideLayout6.xml><?xml version="1.0" encoding="utf-8"?>
 <p:sldLayout xmlns:a="http://schemas.openxmlformats.org/drawingml/2006/main" xmlns:r="http://schemas.openxmlformats.org/officeDocument/2006/relationships" xmlns:p="http://schemas.openxmlformats.org/presentationml/2006/main" matchingName="Section Header" userDrawn="1">
   <p:cSld name="SECTION_HEADER">
     <p:spTree>
@@ -8368,7 +10407,865 @@
 </p:sldLayout>
 </file>
 
-<file path=ppt/slideLayouts/slideLayout6.xml><?xml version="1.0" encoding="utf-8"?>
+<file path=ppt/slideLayouts/slideLayout7.xml><?xml version="1.0" encoding="utf-8"?>
+<p:sldLayout xmlns:a="http://schemas.openxmlformats.org/drawingml/2006/main" xmlns:r="http://schemas.openxmlformats.org/officeDocument/2006/relationships" xmlns:p="http://schemas.openxmlformats.org/presentationml/2006/main" matchingName="Blank" userDrawn="1">
+  <p:cSld name="BLANK">
+    <p:spTree>
+      <p:nvGrpSpPr>
+        <p:cNvPr id="1" name="Shape 50"/>
+        <p:cNvGrpSpPr/>
+        <p:nvPr/>
+      </p:nvGrpSpPr>
+      <p:grpSpPr>
+        <a:xfrm>
+          <a:off x="0" y="0"/>
+          <a:ext cx="0" cy="0"/>
+          <a:chOff x="0" y="0"/>
+          <a:chExt cx="0" cy="0"/>
+        </a:xfrm>
+      </p:grpSpPr>
+      <p:grpSp>
+        <p:nvGrpSpPr>
+          <p:cNvPr id="17" name="Group 16">
+            <a:extLst>
+              <a:ext uri="{FF2B5EF4-FFF2-40B4-BE49-F238E27FC236}">
+                <a16:creationId xmlns:a16="http://schemas.microsoft.com/office/drawing/2014/main" id="{8ABDE501-909E-51DD-3E39-CF0F6FA4452B}"/>
+              </a:ext>
+            </a:extLst>
+          </p:cNvPr>
+          <p:cNvGrpSpPr/>
+          <p:nvPr userDrawn="1"/>
+        </p:nvGrpSpPr>
+        <p:grpSpPr>
+          <a:xfrm>
+            <a:off x="1319796" y="848643"/>
+            <a:ext cx="9552408" cy="5031457"/>
+            <a:chOff x="1319796" y="848643"/>
+            <a:chExt cx="9552408" cy="5031457"/>
+          </a:xfrm>
+        </p:grpSpPr>
+        <p:sp>
+          <p:nvSpPr>
+            <p:cNvPr id="4" name="Freeform 4">
+              <a:extLst>
+                <a:ext uri="{FF2B5EF4-FFF2-40B4-BE49-F238E27FC236}">
+                  <a16:creationId xmlns:a16="http://schemas.microsoft.com/office/drawing/2014/main" id="{D8CFC9D4-8906-886E-39E7-1D4808B860CC}"/>
+                </a:ext>
+              </a:extLst>
+            </p:cNvPr>
+            <p:cNvSpPr/>
+            <p:nvPr/>
+          </p:nvSpPr>
+          <p:spPr>
+            <a:xfrm>
+              <a:off x="1319796" y="977900"/>
+              <a:ext cx="9552408" cy="4902200"/>
+            </a:xfrm>
+            <a:custGeom>
+              <a:avLst/>
+              <a:gdLst/>
+              <a:ahLst/>
+              <a:cxnLst/>
+              <a:rect l="l" t="t" r="r" b="b"/>
+              <a:pathLst>
+                <a:path w="4223517" h="2167467">
+                  <a:moveTo>
+                    <a:pt x="24622" y="0"/>
+                  </a:moveTo>
+                  <a:lnTo>
+                    <a:pt x="4198896" y="0"/>
+                  </a:lnTo>
+                  <a:cubicBezTo>
+                    <a:pt x="4212494" y="0"/>
+                    <a:pt x="4223517" y="11024"/>
+                    <a:pt x="4223517" y="24622"/>
+                  </a:cubicBezTo>
+                  <a:lnTo>
+                    <a:pt x="4223517" y="2142845"/>
+                  </a:lnTo>
+                  <a:cubicBezTo>
+                    <a:pt x="4223517" y="2149375"/>
+                    <a:pt x="4220923" y="2155638"/>
+                    <a:pt x="4216306" y="2160255"/>
+                  </a:cubicBezTo>
+                  <a:cubicBezTo>
+                    <a:pt x="4211688" y="2164873"/>
+                    <a:pt x="4205426" y="2167467"/>
+                    <a:pt x="4198896" y="2167467"/>
+                  </a:cubicBezTo>
+                  <a:lnTo>
+                    <a:pt x="24622" y="2167467"/>
+                  </a:lnTo>
+                  <a:cubicBezTo>
+                    <a:pt x="18092" y="2167467"/>
+                    <a:pt x="11829" y="2164873"/>
+                    <a:pt x="7212" y="2160255"/>
+                  </a:cubicBezTo>
+                  <a:cubicBezTo>
+                    <a:pt x="2594" y="2155638"/>
+                    <a:pt x="0" y="2149375"/>
+                    <a:pt x="0" y="2142845"/>
+                  </a:cubicBezTo>
+                  <a:lnTo>
+                    <a:pt x="0" y="24622"/>
+                  </a:lnTo>
+                  <a:cubicBezTo>
+                    <a:pt x="0" y="18092"/>
+                    <a:pt x="2594" y="11829"/>
+                    <a:pt x="7212" y="7212"/>
+                  </a:cubicBezTo>
+                  <a:cubicBezTo>
+                    <a:pt x="11829" y="2594"/>
+                    <a:pt x="18092" y="0"/>
+                    <a:pt x="24622" y="0"/>
+                  </a:cubicBezTo>
+                  <a:close/>
+                </a:path>
+              </a:pathLst>
+            </a:custGeom>
+            <a:solidFill>
+              <a:schemeClr val="accent5"/>
+            </a:solidFill>
+            <a:ln w="38100" cap="rnd">
+              <a:solidFill>
+                <a:srgbClr val="000000"/>
+              </a:solidFill>
+              <a:prstDash val="solid"/>
+              <a:round/>
+            </a:ln>
+          </p:spPr>
+          <p:txBody>
+            <a:bodyPr/>
+            <a:lstStyle/>
+            <a:p>
+              <a:endParaRPr lang="en-GB">
+                <a:solidFill>
+                  <a:schemeClr val="bg1"/>
+                </a:solidFill>
+              </a:endParaRPr>
+            </a:p>
+          </p:txBody>
+        </p:sp>
+        <p:sp>
+          <p:nvSpPr>
+            <p:cNvPr id="5" name="TextBox 5">
+              <a:extLst>
+                <a:ext uri="{FF2B5EF4-FFF2-40B4-BE49-F238E27FC236}">
+                  <a16:creationId xmlns:a16="http://schemas.microsoft.com/office/drawing/2014/main" id="{11407C09-A178-A4A0-686F-691143CD4F09}"/>
+                </a:ext>
+              </a:extLst>
+            </p:cNvPr>
+            <p:cNvSpPr txBox="1"/>
+            <p:nvPr/>
+          </p:nvSpPr>
+          <p:spPr>
+            <a:xfrm>
+              <a:off x="1319796" y="848643"/>
+              <a:ext cx="9552408" cy="5031457"/>
+            </a:xfrm>
+            <a:prstGeom prst="rect">
+              <a:avLst/>
+            </a:prstGeom>
+          </p:spPr>
+          <p:txBody>
+            <a:bodyPr lIns="50800" tIns="50800" rIns="50800" bIns="50800" rtlCol="0" anchor="ctr"/>
+            <a:lstStyle/>
+            <a:p>
+              <a:pPr algn="ctr">
+                <a:lnSpc>
+                  <a:spcPts val="3220"/>
+                </a:lnSpc>
+              </a:pPr>
+              <a:endParaRPr>
+                <a:solidFill>
+                  <a:schemeClr val="bg1"/>
+                </a:solidFill>
+              </a:endParaRPr>
+            </a:p>
+          </p:txBody>
+        </p:sp>
+        <p:sp>
+          <p:nvSpPr>
+            <p:cNvPr id="7" name="Freeform 7">
+              <a:extLst>
+                <a:ext uri="{FF2B5EF4-FFF2-40B4-BE49-F238E27FC236}">
+                  <a16:creationId xmlns:a16="http://schemas.microsoft.com/office/drawing/2014/main" id="{CD40529C-34E7-C622-ADC8-2B7FD3FB771A}"/>
+                </a:ext>
+              </a:extLst>
+            </p:cNvPr>
+            <p:cNvSpPr/>
+            <p:nvPr/>
+          </p:nvSpPr>
+          <p:spPr>
+            <a:xfrm>
+              <a:off x="1491879" y="1132240"/>
+              <a:ext cx="9208240" cy="4593519"/>
+            </a:xfrm>
+            <a:custGeom>
+              <a:avLst/>
+              <a:gdLst/>
+              <a:ahLst/>
+              <a:cxnLst/>
+              <a:rect l="l" t="t" r="r" b="b"/>
+              <a:pathLst>
+                <a:path w="4071346" h="2030986">
+                  <a:moveTo>
+                    <a:pt x="25542" y="0"/>
+                  </a:moveTo>
+                  <a:lnTo>
+                    <a:pt x="4045805" y="0"/>
+                  </a:lnTo>
+                  <a:cubicBezTo>
+                    <a:pt x="4059911" y="0"/>
+                    <a:pt x="4071346" y="11436"/>
+                    <a:pt x="4071346" y="25542"/>
+                  </a:cubicBezTo>
+                  <a:lnTo>
+                    <a:pt x="4071346" y="2005444"/>
+                  </a:lnTo>
+                  <a:cubicBezTo>
+                    <a:pt x="4071346" y="2019550"/>
+                    <a:pt x="4059911" y="2030986"/>
+                    <a:pt x="4045805" y="2030986"/>
+                  </a:cubicBezTo>
+                  <a:lnTo>
+                    <a:pt x="25542" y="2030986"/>
+                  </a:lnTo>
+                  <a:cubicBezTo>
+                    <a:pt x="11436" y="2030986"/>
+                    <a:pt x="0" y="2019550"/>
+                    <a:pt x="0" y="2005444"/>
+                  </a:cubicBezTo>
+                  <a:lnTo>
+                    <a:pt x="0" y="25542"/>
+                  </a:lnTo>
+                  <a:cubicBezTo>
+                    <a:pt x="0" y="11436"/>
+                    <a:pt x="11436" y="0"/>
+                    <a:pt x="25542" y="0"/>
+                  </a:cubicBezTo>
+                  <a:close/>
+                </a:path>
+              </a:pathLst>
+            </a:custGeom>
+            <a:solidFill>
+              <a:schemeClr val="tx2"/>
+            </a:solidFill>
+            <a:ln w="38100" cap="rnd">
+              <a:solidFill>
+                <a:srgbClr val="000000"/>
+              </a:solidFill>
+              <a:prstDash val="solid"/>
+              <a:round/>
+            </a:ln>
+          </p:spPr>
+          <p:txBody>
+            <a:bodyPr/>
+            <a:lstStyle/>
+            <a:p>
+              <a:endParaRPr lang="en-GB" dirty="0">
+                <a:solidFill>
+                  <a:schemeClr val="bg1"/>
+                </a:solidFill>
+                <a:latin typeface="+mn-lt"/>
+              </a:endParaRPr>
+            </a:p>
+          </p:txBody>
+        </p:sp>
+        <p:sp>
+          <p:nvSpPr>
+            <p:cNvPr id="8" name="TextBox 8">
+              <a:extLst>
+                <a:ext uri="{FF2B5EF4-FFF2-40B4-BE49-F238E27FC236}">
+                  <a16:creationId xmlns:a16="http://schemas.microsoft.com/office/drawing/2014/main" id="{F3306136-60D1-F437-C3A6-AFDD472EEDDC}"/>
+                </a:ext>
+              </a:extLst>
+            </p:cNvPr>
+            <p:cNvSpPr txBox="1"/>
+            <p:nvPr/>
+          </p:nvSpPr>
+          <p:spPr>
+            <a:xfrm>
+              <a:off x="1491879" y="1002983"/>
+              <a:ext cx="9208240" cy="4722776"/>
+            </a:xfrm>
+            <a:prstGeom prst="rect">
+              <a:avLst/>
+            </a:prstGeom>
+          </p:spPr>
+          <p:txBody>
+            <a:bodyPr lIns="50800" tIns="50800" rIns="50800" bIns="50800" rtlCol="0" anchor="ctr"/>
+            <a:lstStyle/>
+            <a:p>
+              <a:pPr algn="ctr">
+                <a:lnSpc>
+                  <a:spcPts val="3220"/>
+                </a:lnSpc>
+              </a:pPr>
+              <a:endParaRPr>
+                <a:solidFill>
+                  <a:schemeClr val="bg1"/>
+                </a:solidFill>
+              </a:endParaRPr>
+            </a:p>
+          </p:txBody>
+        </p:sp>
+      </p:grpSp>
+      <p:sp>
+        <p:nvSpPr>
+          <p:cNvPr id="18" name="Google Shape;6;p1">
+            <a:extLst>
+              <a:ext uri="{FF2B5EF4-FFF2-40B4-BE49-F238E27FC236}">
+                <a16:creationId xmlns:a16="http://schemas.microsoft.com/office/drawing/2014/main" id="{84CA50A7-53B1-5774-6E5F-18960E1E4513}"/>
+              </a:ext>
+            </a:extLst>
+          </p:cNvPr>
+          <p:cNvSpPr txBox="1">
+            <a:spLocks noGrp="1"/>
+          </p:cNvSpPr>
+          <p:nvPr>
+            <p:ph type="title" hasCustomPrompt="1"/>
+          </p:nvPr>
+        </p:nvSpPr>
+        <p:spPr>
+          <a:xfrm>
+            <a:off x="1541721" y="1576815"/>
+            <a:ext cx="9087340" cy="1417845"/>
+          </a:xfrm>
+          <a:prstGeom prst="rect">
+            <a:avLst/>
+          </a:prstGeom>
+          <a:noFill/>
+          <a:ln>
+            <a:noFill/>
+          </a:ln>
+        </p:spPr>
+        <p:txBody>
+          <a:bodyPr spcFirstLastPara="1" wrap="square" lIns="91425" tIns="45700" rIns="91425" bIns="45700" anchor="ctr" anchorCtr="0">
+            <a:normAutofit/>
+          </a:bodyPr>
+          <a:lstStyle>
+            <a:lvl1pPr marR="0" lvl="0" algn="ctr" rtl="0">
+              <a:lnSpc>
+                <a:spcPct val="90000"/>
+              </a:lnSpc>
+              <a:spcBef>
+                <a:spcPts val="0"/>
+              </a:spcBef>
+              <a:spcAft>
+                <a:spcPts val="0"/>
+              </a:spcAft>
+              <a:buClr>
+                <a:schemeClr val="dk1"/>
+              </a:buClr>
+              <a:buSzPts val="4400"/>
+              <a:buFont typeface="Calibri"/>
+              <a:buNone/>
+              <a:defRPr sz="6000" b="0" i="0" u="none" strike="noStrike" cap="none">
+                <a:solidFill>
+                  <a:schemeClr val="bg1"/>
+                </a:solidFill>
+                <a:latin typeface="+mj-lt"/>
+                <a:ea typeface="Calibri"/>
+                <a:cs typeface="Calibri"/>
+                <a:sym typeface="Calibri"/>
+              </a:defRPr>
+            </a:lvl1pPr>
+            <a:lvl2pPr marR="0" lvl="1" algn="l" rtl="0">
+              <a:lnSpc>
+                <a:spcPct val="100000"/>
+              </a:lnSpc>
+              <a:spcBef>
+                <a:spcPts val="0"/>
+              </a:spcBef>
+              <a:spcAft>
+                <a:spcPts val="0"/>
+              </a:spcAft>
+              <a:buClr>
+                <a:srgbClr val="000000"/>
+              </a:buClr>
+              <a:buSzPts val="1400"/>
+              <a:buFont typeface="Arial"/>
+              <a:buNone/>
+              <a:defRPr sz="1800" b="0" i="0" u="none" strike="noStrike" cap="none">
+                <a:solidFill>
+                  <a:srgbClr val="000000"/>
+                </a:solidFill>
+                <a:latin typeface="Arial"/>
+                <a:ea typeface="Arial"/>
+                <a:cs typeface="Arial"/>
+                <a:sym typeface="Arial"/>
+              </a:defRPr>
+            </a:lvl2pPr>
+            <a:lvl3pPr marR="0" lvl="2" algn="l" rtl="0">
+              <a:lnSpc>
+                <a:spcPct val="100000"/>
+              </a:lnSpc>
+              <a:spcBef>
+                <a:spcPts val="0"/>
+              </a:spcBef>
+              <a:spcAft>
+                <a:spcPts val="0"/>
+              </a:spcAft>
+              <a:buClr>
+                <a:srgbClr val="000000"/>
+              </a:buClr>
+              <a:buSzPts val="1400"/>
+              <a:buFont typeface="Arial"/>
+              <a:buNone/>
+              <a:defRPr sz="1800" b="0" i="0" u="none" strike="noStrike" cap="none">
+                <a:solidFill>
+                  <a:srgbClr val="000000"/>
+                </a:solidFill>
+                <a:latin typeface="Arial"/>
+                <a:ea typeface="Arial"/>
+                <a:cs typeface="Arial"/>
+                <a:sym typeface="Arial"/>
+              </a:defRPr>
+            </a:lvl3pPr>
+            <a:lvl4pPr marR="0" lvl="3" algn="l" rtl="0">
+              <a:lnSpc>
+                <a:spcPct val="100000"/>
+              </a:lnSpc>
+              <a:spcBef>
+                <a:spcPts val="0"/>
+              </a:spcBef>
+              <a:spcAft>
+                <a:spcPts val="0"/>
+              </a:spcAft>
+              <a:buClr>
+                <a:srgbClr val="000000"/>
+              </a:buClr>
+              <a:buSzPts val="1400"/>
+              <a:buFont typeface="Arial"/>
+              <a:buNone/>
+              <a:defRPr sz="1800" b="0" i="0" u="none" strike="noStrike" cap="none">
+                <a:solidFill>
+                  <a:srgbClr val="000000"/>
+                </a:solidFill>
+                <a:latin typeface="Arial"/>
+                <a:ea typeface="Arial"/>
+                <a:cs typeface="Arial"/>
+                <a:sym typeface="Arial"/>
+              </a:defRPr>
+            </a:lvl4pPr>
+            <a:lvl5pPr marR="0" lvl="4" algn="l" rtl="0">
+              <a:lnSpc>
+                <a:spcPct val="100000"/>
+              </a:lnSpc>
+              <a:spcBef>
+                <a:spcPts val="0"/>
+              </a:spcBef>
+              <a:spcAft>
+                <a:spcPts val="0"/>
+              </a:spcAft>
+              <a:buClr>
+                <a:srgbClr val="000000"/>
+              </a:buClr>
+              <a:buSzPts val="1400"/>
+              <a:buFont typeface="Arial"/>
+              <a:buNone/>
+              <a:defRPr sz="1800" b="0" i="0" u="none" strike="noStrike" cap="none">
+                <a:solidFill>
+                  <a:srgbClr val="000000"/>
+                </a:solidFill>
+                <a:latin typeface="Arial"/>
+                <a:ea typeface="Arial"/>
+                <a:cs typeface="Arial"/>
+                <a:sym typeface="Arial"/>
+              </a:defRPr>
+            </a:lvl5pPr>
+            <a:lvl6pPr marR="0" lvl="5" algn="l" rtl="0">
+              <a:lnSpc>
+                <a:spcPct val="100000"/>
+              </a:lnSpc>
+              <a:spcBef>
+                <a:spcPts val="0"/>
+              </a:spcBef>
+              <a:spcAft>
+                <a:spcPts val="0"/>
+              </a:spcAft>
+              <a:buClr>
+                <a:srgbClr val="000000"/>
+              </a:buClr>
+              <a:buSzPts val="1400"/>
+              <a:buFont typeface="Arial"/>
+              <a:buNone/>
+              <a:defRPr sz="1800" b="0" i="0" u="none" strike="noStrike" cap="none">
+                <a:solidFill>
+                  <a:srgbClr val="000000"/>
+                </a:solidFill>
+                <a:latin typeface="Arial"/>
+                <a:ea typeface="Arial"/>
+                <a:cs typeface="Arial"/>
+                <a:sym typeface="Arial"/>
+              </a:defRPr>
+            </a:lvl6pPr>
+            <a:lvl7pPr marR="0" lvl="6" algn="l" rtl="0">
+              <a:lnSpc>
+                <a:spcPct val="100000"/>
+              </a:lnSpc>
+              <a:spcBef>
+                <a:spcPts val="0"/>
+              </a:spcBef>
+              <a:spcAft>
+                <a:spcPts val="0"/>
+              </a:spcAft>
+              <a:buClr>
+                <a:srgbClr val="000000"/>
+              </a:buClr>
+              <a:buSzPts val="1400"/>
+              <a:buFont typeface="Arial"/>
+              <a:buNone/>
+              <a:defRPr sz="1800" b="0" i="0" u="none" strike="noStrike" cap="none">
+                <a:solidFill>
+                  <a:srgbClr val="000000"/>
+                </a:solidFill>
+                <a:latin typeface="Arial"/>
+                <a:ea typeface="Arial"/>
+                <a:cs typeface="Arial"/>
+                <a:sym typeface="Arial"/>
+              </a:defRPr>
+            </a:lvl7pPr>
+            <a:lvl8pPr marR="0" lvl="7" algn="l" rtl="0">
+              <a:lnSpc>
+                <a:spcPct val="100000"/>
+              </a:lnSpc>
+              <a:spcBef>
+                <a:spcPts val="0"/>
+              </a:spcBef>
+              <a:spcAft>
+                <a:spcPts val="0"/>
+              </a:spcAft>
+              <a:buClr>
+                <a:srgbClr val="000000"/>
+              </a:buClr>
+              <a:buSzPts val="1400"/>
+              <a:buFont typeface="Arial"/>
+              <a:buNone/>
+              <a:defRPr sz="1800" b="0" i="0" u="none" strike="noStrike" cap="none">
+                <a:solidFill>
+                  <a:srgbClr val="000000"/>
+                </a:solidFill>
+                <a:latin typeface="Arial"/>
+                <a:ea typeface="Arial"/>
+                <a:cs typeface="Arial"/>
+                <a:sym typeface="Arial"/>
+              </a:defRPr>
+            </a:lvl8pPr>
+            <a:lvl9pPr marR="0" lvl="8" algn="l" rtl="0">
+              <a:lnSpc>
+                <a:spcPct val="100000"/>
+              </a:lnSpc>
+              <a:spcBef>
+                <a:spcPts val="0"/>
+              </a:spcBef>
+              <a:spcAft>
+                <a:spcPts val="0"/>
+              </a:spcAft>
+              <a:buClr>
+                <a:srgbClr val="000000"/>
+              </a:buClr>
+              <a:buSzPts val="1400"/>
+              <a:buFont typeface="Arial"/>
+              <a:buNone/>
+              <a:defRPr sz="1800" b="0" i="0" u="none" strike="noStrike" cap="none">
+                <a:solidFill>
+                  <a:srgbClr val="000000"/>
+                </a:solidFill>
+                <a:latin typeface="Arial"/>
+                <a:ea typeface="Arial"/>
+                <a:cs typeface="Arial"/>
+                <a:sym typeface="Arial"/>
+              </a:defRPr>
+            </a:lvl9pPr>
+          </a:lstStyle>
+          <a:p>
+            <a:r>
+              <a:rPr lang="en-US" dirty="0"/>
+              <a:t>Put Quotes Here</a:t>
+            </a:r>
+            <a:endParaRPr dirty="0"/>
+          </a:p>
+        </p:txBody>
+      </p:sp>
+      <p:sp>
+        <p:nvSpPr>
+          <p:cNvPr id="19" name="Google Shape;31;p5">
+            <a:extLst>
+              <a:ext uri="{FF2B5EF4-FFF2-40B4-BE49-F238E27FC236}">
+                <a16:creationId xmlns:a16="http://schemas.microsoft.com/office/drawing/2014/main" id="{0B633885-D8F5-02E8-799C-8A5CCEA02588}"/>
+              </a:ext>
+            </a:extLst>
+          </p:cNvPr>
+          <p:cNvSpPr txBox="1">
+            <a:spLocks noGrp="1"/>
+          </p:cNvSpPr>
+          <p:nvPr>
+            <p:ph type="body" idx="1" hasCustomPrompt="1"/>
+          </p:nvPr>
+        </p:nvSpPr>
+        <p:spPr>
+          <a:xfrm>
+            <a:off x="3494591" y="4660899"/>
+            <a:ext cx="5181600" cy="495301"/>
+          </a:xfrm>
+          <a:prstGeom prst="rect">
+            <a:avLst/>
+          </a:prstGeom>
+          <a:noFill/>
+          <a:ln>
+            <a:noFill/>
+          </a:ln>
+        </p:spPr>
+        <p:txBody>
+          <a:bodyPr spcFirstLastPara="1" wrap="square" lIns="91425" tIns="45700" rIns="91425" bIns="45700" anchor="t" anchorCtr="0">
+            <a:normAutofit/>
+          </a:bodyPr>
+          <a:lstStyle>
+            <a:lvl1pPr marL="114300" lvl="0" indent="0" algn="ctr">
+              <a:lnSpc>
+                <a:spcPct val="90000"/>
+              </a:lnSpc>
+              <a:spcBef>
+                <a:spcPts val="1000"/>
+              </a:spcBef>
+              <a:spcAft>
+                <a:spcPts val="0"/>
+              </a:spcAft>
+              <a:buClr>
+                <a:schemeClr val="dk1"/>
+              </a:buClr>
+              <a:buSzPts val="1800"/>
+              <a:buNone/>
+              <a:defRPr>
+                <a:solidFill>
+                  <a:schemeClr val="bg1"/>
+                </a:solidFill>
+              </a:defRPr>
+            </a:lvl1pPr>
+            <a:lvl2pPr marL="914400" lvl="1" indent="-342900" algn="l">
+              <a:lnSpc>
+                <a:spcPct val="90000"/>
+              </a:lnSpc>
+              <a:spcBef>
+                <a:spcPts val="500"/>
+              </a:spcBef>
+              <a:spcAft>
+                <a:spcPts val="0"/>
+              </a:spcAft>
+              <a:buClr>
+                <a:schemeClr val="dk1"/>
+              </a:buClr>
+              <a:buSzPts val="1800"/>
+              <a:buChar char="•"/>
+              <a:defRPr/>
+            </a:lvl2pPr>
+            <a:lvl3pPr marL="1371600" lvl="2" indent="-342900" algn="l">
+              <a:lnSpc>
+                <a:spcPct val="90000"/>
+              </a:lnSpc>
+              <a:spcBef>
+                <a:spcPts val="500"/>
+              </a:spcBef>
+              <a:spcAft>
+                <a:spcPts val="0"/>
+              </a:spcAft>
+              <a:buClr>
+                <a:schemeClr val="dk1"/>
+              </a:buClr>
+              <a:buSzPts val="1800"/>
+              <a:buChar char="•"/>
+              <a:defRPr/>
+            </a:lvl3pPr>
+            <a:lvl4pPr marL="1828800" lvl="3" indent="-342900" algn="l">
+              <a:lnSpc>
+                <a:spcPct val="90000"/>
+              </a:lnSpc>
+              <a:spcBef>
+                <a:spcPts val="500"/>
+              </a:spcBef>
+              <a:spcAft>
+                <a:spcPts val="0"/>
+              </a:spcAft>
+              <a:buClr>
+                <a:schemeClr val="dk1"/>
+              </a:buClr>
+              <a:buSzPts val="1800"/>
+              <a:buChar char="•"/>
+              <a:defRPr/>
+            </a:lvl4pPr>
+            <a:lvl5pPr marL="2286000" lvl="4" indent="-342900" algn="l">
+              <a:lnSpc>
+                <a:spcPct val="90000"/>
+              </a:lnSpc>
+              <a:spcBef>
+                <a:spcPts val="500"/>
+              </a:spcBef>
+              <a:spcAft>
+                <a:spcPts val="0"/>
+              </a:spcAft>
+              <a:buClr>
+                <a:schemeClr val="dk1"/>
+              </a:buClr>
+              <a:buSzPts val="1800"/>
+              <a:buChar char="•"/>
+              <a:defRPr/>
+            </a:lvl5pPr>
+            <a:lvl6pPr marL="2743200" lvl="5" indent="-342900" algn="l">
+              <a:lnSpc>
+                <a:spcPct val="90000"/>
+              </a:lnSpc>
+              <a:spcBef>
+                <a:spcPts val="500"/>
+              </a:spcBef>
+              <a:spcAft>
+                <a:spcPts val="0"/>
+              </a:spcAft>
+              <a:buClr>
+                <a:schemeClr val="dk1"/>
+              </a:buClr>
+              <a:buSzPts val="1800"/>
+              <a:buChar char="•"/>
+              <a:defRPr/>
+            </a:lvl6pPr>
+            <a:lvl7pPr marL="3200400" lvl="6" indent="-342900" algn="l">
+              <a:lnSpc>
+                <a:spcPct val="90000"/>
+              </a:lnSpc>
+              <a:spcBef>
+                <a:spcPts val="500"/>
+              </a:spcBef>
+              <a:spcAft>
+                <a:spcPts val="0"/>
+              </a:spcAft>
+              <a:buClr>
+                <a:schemeClr val="dk1"/>
+              </a:buClr>
+              <a:buSzPts val="1800"/>
+              <a:buChar char="•"/>
+              <a:defRPr/>
+            </a:lvl7pPr>
+            <a:lvl8pPr marL="3657600" lvl="7" indent="-342900" algn="l">
+              <a:lnSpc>
+                <a:spcPct val="90000"/>
+              </a:lnSpc>
+              <a:spcBef>
+                <a:spcPts val="500"/>
+              </a:spcBef>
+              <a:spcAft>
+                <a:spcPts val="0"/>
+              </a:spcAft>
+              <a:buClr>
+                <a:schemeClr val="dk1"/>
+              </a:buClr>
+              <a:buSzPts val="1800"/>
+              <a:buChar char="•"/>
+              <a:defRPr/>
+            </a:lvl8pPr>
+            <a:lvl9pPr marL="4114800" lvl="8" indent="-342900" algn="l">
+              <a:lnSpc>
+                <a:spcPct val="90000"/>
+              </a:lnSpc>
+              <a:spcBef>
+                <a:spcPts val="500"/>
+              </a:spcBef>
+              <a:spcAft>
+                <a:spcPts val="0"/>
+              </a:spcAft>
+              <a:buClr>
+                <a:schemeClr val="dk1"/>
+              </a:buClr>
+              <a:buSzPts val="1800"/>
+              <a:buChar char="•"/>
+              <a:defRPr/>
+            </a:lvl9pPr>
+          </a:lstStyle>
+          <a:p>
+            <a:r>
+              <a:rPr lang="en-US" dirty="0"/>
+              <a:t>-write text here</a:t>
+            </a:r>
+            <a:endParaRPr dirty="0"/>
+          </a:p>
+        </p:txBody>
+      </p:sp>
+      <p:sp>
+        <p:nvSpPr>
+          <p:cNvPr id="20" name="Freeform 12">
+            <a:extLst>
+              <a:ext uri="{FF2B5EF4-FFF2-40B4-BE49-F238E27FC236}">
+                <a16:creationId xmlns:a16="http://schemas.microsoft.com/office/drawing/2014/main" id="{FCC2E323-B2C4-1430-18E2-EE29197A0779}"/>
+              </a:ext>
+            </a:extLst>
+          </p:cNvPr>
+          <p:cNvSpPr>
+            <a:spLocks noChangeAspect="1"/>
+          </p:cNvSpPr>
+          <p:nvPr userDrawn="1"/>
+        </p:nvSpPr>
+        <p:spPr>
+          <a:xfrm>
+            <a:off x="8930002" y="1784350"/>
+            <a:ext cx="2652398" cy="4572000"/>
+          </a:xfrm>
+          <a:custGeom>
+            <a:avLst/>
+            <a:gdLst/>
+            <a:ahLst/>
+            <a:cxnLst/>
+            <a:rect l="l" t="t" r="r" b="b"/>
+            <a:pathLst>
+              <a:path w="4792456" h="8260869">
+                <a:moveTo>
+                  <a:pt x="0" y="0"/>
+                </a:moveTo>
+                <a:lnTo>
+                  <a:pt x="4792455" y="0"/>
+                </a:lnTo>
+                <a:lnTo>
+                  <a:pt x="4792455" y="8260869"/>
+                </a:lnTo>
+                <a:lnTo>
+                  <a:pt x="0" y="8260869"/>
+                </a:lnTo>
+                <a:lnTo>
+                  <a:pt x="0" y="0"/>
+                </a:lnTo>
+                <a:close/>
+              </a:path>
+            </a:pathLst>
+          </a:custGeom>
+          <a:blipFill>
+            <a:blip r:embed="rId2">
+              <a:extLst>
+                <a:ext uri="{96DAC541-7B7A-43D3-8B79-37D633B846F1}">
+                  <asvg:svgBlip xmlns:asvg="http://schemas.microsoft.com/office/drawing/2016/SVG/main" r:embed="rId3"/>
+                </a:ext>
+              </a:extLst>
+            </a:blip>
+            <a:stretch>
+              <a:fillRect/>
+            </a:stretch>
+          </a:blipFill>
+        </p:spPr>
+        <p:txBody>
+          <a:bodyPr/>
+          <a:lstStyle/>
+          <a:p>
+            <a:endParaRPr lang="en-GB"/>
+          </a:p>
+        </p:txBody>
+      </p:sp>
+    </p:spTree>
+  </p:cSld>
+  <p:clrMapOvr>
+    <a:masterClrMapping/>
+  </p:clrMapOvr>
+</p:sldLayout>
+</file>
+
+<file path=ppt/slideLayouts/slideLayout8.xml><?xml version="1.0" encoding="utf-8"?>
 <p:sldLayout xmlns:a="http://schemas.openxmlformats.org/drawingml/2006/main" xmlns:r="http://schemas.openxmlformats.org/officeDocument/2006/relationships" xmlns:p="http://schemas.openxmlformats.org/presentationml/2006/main" matchingName="Two Content" type="twoObj">
   <p:cSld name="TWO_OBJECTS">
     <p:spTree>
@@ -8731,7 +11628,7 @@
             </a:lvl9pPr>
           </a:lstStyle>
           <a:p>
-            <a:endParaRPr/>
+            <a:endParaRPr dirty="0"/>
           </a:p>
         </p:txBody>
       </p:sp>
@@ -9531,7 +12428,7 @@
 </p:sldLayout>
 </file>
 
-<file path=ppt/slideLayouts/slideLayout7.xml><?xml version="1.0" encoding="utf-8"?>
+<file path=ppt/slideLayouts/slideLayout9.xml><?xml version="1.0" encoding="utf-8"?>
 <p:sldLayout xmlns:a="http://schemas.openxmlformats.org/drawingml/2006/main" xmlns:r="http://schemas.openxmlformats.org/officeDocument/2006/relationships" xmlns:p="http://schemas.openxmlformats.org/presentationml/2006/main" matchingName="Comparison" type="twoTxTwoObj">
   <p:cSld name="TWO_OBJECTS_WITH_TEXT">
     <p:spTree>
@@ -10782,1796 +13679,6 @@
       <p:sp>
         <p:nvSpPr>
           <p:cNvPr id="44" name="Google Shape;44;p6"/>
-          <p:cNvSpPr txBox="1">
-            <a:spLocks noGrp="1"/>
-          </p:cNvSpPr>
-          <p:nvPr>
-            <p:ph type="sldNum" idx="12"/>
-          </p:nvPr>
-        </p:nvSpPr>
-        <p:spPr>
-          <a:xfrm>
-            <a:off x="8610600" y="6356350"/>
-            <a:ext cx="2743200" cy="365125"/>
-          </a:xfrm>
-          <a:prstGeom prst="rect">
-            <a:avLst/>
-          </a:prstGeom>
-          <a:noFill/>
-          <a:ln>
-            <a:noFill/>
-          </a:ln>
-        </p:spPr>
-        <p:txBody>
-          <a:bodyPr spcFirstLastPara="1" wrap="square" lIns="91425" tIns="45700" rIns="91425" bIns="45700" anchor="ctr" anchorCtr="0">
-            <a:noAutofit/>
-          </a:bodyPr>
-          <a:lstStyle>
-            <a:lvl1pPr marL="0" marR="0" lvl="0" indent="0" algn="r">
-              <a:lnSpc>
-                <a:spcPct val="100000"/>
-              </a:lnSpc>
-              <a:spcBef>
-                <a:spcPts val="0"/>
-              </a:spcBef>
-              <a:spcAft>
-                <a:spcPts val="0"/>
-              </a:spcAft>
-              <a:buClr>
-                <a:srgbClr val="000000"/>
-              </a:buClr>
-              <a:buSzPts val="1200"/>
-              <a:buFont typeface="Arial"/>
-              <a:buNone/>
-              <a:defRPr sz="1200" b="0" i="0" u="none" strike="noStrike" cap="none">
-                <a:solidFill>
-                  <a:srgbClr val="888888"/>
-                </a:solidFill>
-                <a:latin typeface="Calibri"/>
-                <a:ea typeface="Calibri"/>
-                <a:cs typeface="Calibri"/>
-                <a:sym typeface="Calibri"/>
-              </a:defRPr>
-            </a:lvl1pPr>
-            <a:lvl2pPr marL="0" marR="0" lvl="1" indent="0" algn="r">
-              <a:lnSpc>
-                <a:spcPct val="100000"/>
-              </a:lnSpc>
-              <a:spcBef>
-                <a:spcPts val="0"/>
-              </a:spcBef>
-              <a:spcAft>
-                <a:spcPts val="0"/>
-              </a:spcAft>
-              <a:buClr>
-                <a:srgbClr val="000000"/>
-              </a:buClr>
-              <a:buSzPts val="1200"/>
-              <a:buFont typeface="Arial"/>
-              <a:buNone/>
-              <a:defRPr sz="1200" b="0" i="0" u="none" strike="noStrike" cap="none">
-                <a:solidFill>
-                  <a:srgbClr val="888888"/>
-                </a:solidFill>
-                <a:latin typeface="Calibri"/>
-                <a:ea typeface="Calibri"/>
-                <a:cs typeface="Calibri"/>
-                <a:sym typeface="Calibri"/>
-              </a:defRPr>
-            </a:lvl2pPr>
-            <a:lvl3pPr marL="0" marR="0" lvl="2" indent="0" algn="r">
-              <a:lnSpc>
-                <a:spcPct val="100000"/>
-              </a:lnSpc>
-              <a:spcBef>
-                <a:spcPts val="0"/>
-              </a:spcBef>
-              <a:spcAft>
-                <a:spcPts val="0"/>
-              </a:spcAft>
-              <a:buClr>
-                <a:srgbClr val="000000"/>
-              </a:buClr>
-              <a:buSzPts val="1200"/>
-              <a:buFont typeface="Arial"/>
-              <a:buNone/>
-              <a:defRPr sz="1200" b="0" i="0" u="none" strike="noStrike" cap="none">
-                <a:solidFill>
-                  <a:srgbClr val="888888"/>
-                </a:solidFill>
-                <a:latin typeface="Calibri"/>
-                <a:ea typeface="Calibri"/>
-                <a:cs typeface="Calibri"/>
-                <a:sym typeface="Calibri"/>
-              </a:defRPr>
-            </a:lvl3pPr>
-            <a:lvl4pPr marL="0" marR="0" lvl="3" indent="0" algn="r">
-              <a:lnSpc>
-                <a:spcPct val="100000"/>
-              </a:lnSpc>
-              <a:spcBef>
-                <a:spcPts val="0"/>
-              </a:spcBef>
-              <a:spcAft>
-                <a:spcPts val="0"/>
-              </a:spcAft>
-              <a:buClr>
-                <a:srgbClr val="000000"/>
-              </a:buClr>
-              <a:buSzPts val="1200"/>
-              <a:buFont typeface="Arial"/>
-              <a:buNone/>
-              <a:defRPr sz="1200" b="0" i="0" u="none" strike="noStrike" cap="none">
-                <a:solidFill>
-                  <a:srgbClr val="888888"/>
-                </a:solidFill>
-                <a:latin typeface="Calibri"/>
-                <a:ea typeface="Calibri"/>
-                <a:cs typeface="Calibri"/>
-                <a:sym typeface="Calibri"/>
-              </a:defRPr>
-            </a:lvl4pPr>
-            <a:lvl5pPr marL="0" marR="0" lvl="4" indent="0" algn="r">
-              <a:lnSpc>
-                <a:spcPct val="100000"/>
-              </a:lnSpc>
-              <a:spcBef>
-                <a:spcPts val="0"/>
-              </a:spcBef>
-              <a:spcAft>
-                <a:spcPts val="0"/>
-              </a:spcAft>
-              <a:buClr>
-                <a:srgbClr val="000000"/>
-              </a:buClr>
-              <a:buSzPts val="1200"/>
-              <a:buFont typeface="Arial"/>
-              <a:buNone/>
-              <a:defRPr sz="1200" b="0" i="0" u="none" strike="noStrike" cap="none">
-                <a:solidFill>
-                  <a:srgbClr val="888888"/>
-                </a:solidFill>
-                <a:latin typeface="Calibri"/>
-                <a:ea typeface="Calibri"/>
-                <a:cs typeface="Calibri"/>
-                <a:sym typeface="Calibri"/>
-              </a:defRPr>
-            </a:lvl5pPr>
-            <a:lvl6pPr marL="0" marR="0" lvl="5" indent="0" algn="r">
-              <a:lnSpc>
-                <a:spcPct val="100000"/>
-              </a:lnSpc>
-              <a:spcBef>
-                <a:spcPts val="0"/>
-              </a:spcBef>
-              <a:spcAft>
-                <a:spcPts val="0"/>
-              </a:spcAft>
-              <a:buClr>
-                <a:srgbClr val="000000"/>
-              </a:buClr>
-              <a:buSzPts val="1200"/>
-              <a:buFont typeface="Arial"/>
-              <a:buNone/>
-              <a:defRPr sz="1200" b="0" i="0" u="none" strike="noStrike" cap="none">
-                <a:solidFill>
-                  <a:srgbClr val="888888"/>
-                </a:solidFill>
-                <a:latin typeface="Calibri"/>
-                <a:ea typeface="Calibri"/>
-                <a:cs typeface="Calibri"/>
-                <a:sym typeface="Calibri"/>
-              </a:defRPr>
-            </a:lvl6pPr>
-            <a:lvl7pPr marL="0" marR="0" lvl="6" indent="0" algn="r">
-              <a:lnSpc>
-                <a:spcPct val="100000"/>
-              </a:lnSpc>
-              <a:spcBef>
-                <a:spcPts val="0"/>
-              </a:spcBef>
-              <a:spcAft>
-                <a:spcPts val="0"/>
-              </a:spcAft>
-              <a:buClr>
-                <a:srgbClr val="000000"/>
-              </a:buClr>
-              <a:buSzPts val="1200"/>
-              <a:buFont typeface="Arial"/>
-              <a:buNone/>
-              <a:defRPr sz="1200" b="0" i="0" u="none" strike="noStrike" cap="none">
-                <a:solidFill>
-                  <a:srgbClr val="888888"/>
-                </a:solidFill>
-                <a:latin typeface="Calibri"/>
-                <a:ea typeface="Calibri"/>
-                <a:cs typeface="Calibri"/>
-                <a:sym typeface="Calibri"/>
-              </a:defRPr>
-            </a:lvl7pPr>
-            <a:lvl8pPr marL="0" marR="0" lvl="7" indent="0" algn="r">
-              <a:lnSpc>
-                <a:spcPct val="100000"/>
-              </a:lnSpc>
-              <a:spcBef>
-                <a:spcPts val="0"/>
-              </a:spcBef>
-              <a:spcAft>
-                <a:spcPts val="0"/>
-              </a:spcAft>
-              <a:buClr>
-                <a:srgbClr val="000000"/>
-              </a:buClr>
-              <a:buSzPts val="1200"/>
-              <a:buFont typeface="Arial"/>
-              <a:buNone/>
-              <a:defRPr sz="1200" b="0" i="0" u="none" strike="noStrike" cap="none">
-                <a:solidFill>
-                  <a:srgbClr val="888888"/>
-                </a:solidFill>
-                <a:latin typeface="Calibri"/>
-                <a:ea typeface="Calibri"/>
-                <a:cs typeface="Calibri"/>
-                <a:sym typeface="Calibri"/>
-              </a:defRPr>
-            </a:lvl8pPr>
-            <a:lvl9pPr marL="0" marR="0" lvl="8" indent="0" algn="r">
-              <a:lnSpc>
-                <a:spcPct val="100000"/>
-              </a:lnSpc>
-              <a:spcBef>
-                <a:spcPts val="0"/>
-              </a:spcBef>
-              <a:spcAft>
-                <a:spcPts val="0"/>
-              </a:spcAft>
-              <a:buClr>
-                <a:srgbClr val="000000"/>
-              </a:buClr>
-              <a:buSzPts val="1200"/>
-              <a:buFont typeface="Arial"/>
-              <a:buNone/>
-              <a:defRPr sz="1200" b="0" i="0" u="none" strike="noStrike" cap="none">
-                <a:solidFill>
-                  <a:srgbClr val="888888"/>
-                </a:solidFill>
-                <a:latin typeface="Calibri"/>
-                <a:ea typeface="Calibri"/>
-                <a:cs typeface="Calibri"/>
-                <a:sym typeface="Calibri"/>
-              </a:defRPr>
-            </a:lvl9pPr>
-          </a:lstStyle>
-          <a:p>
-            <a:pPr marL="0" lvl="0" indent="0" algn="r" rtl="0">
-              <a:spcBef>
-                <a:spcPts val="0"/>
-              </a:spcBef>
-              <a:spcAft>
-                <a:spcPts val="0"/>
-              </a:spcAft>
-              <a:buNone/>
-            </a:pPr>
-            <a:fld id="{00000000-1234-1234-1234-123412341234}" type="slidenum">
-              <a:rPr lang="en-US"/>
-              <a:t>‹#›</a:t>
-            </a:fld>
-            <a:endParaRPr/>
-          </a:p>
-        </p:txBody>
-      </p:sp>
-    </p:spTree>
-  </p:cSld>
-  <p:clrMapOvr>
-    <a:masterClrMapping/>
-  </p:clrMapOvr>
-</p:sldLayout>
-</file>
-
-<file path=ppt/slideLayouts/slideLayout8.xml><?xml version="1.0" encoding="utf-8"?>
-<p:sldLayout xmlns:a="http://schemas.openxmlformats.org/drawingml/2006/main" xmlns:r="http://schemas.openxmlformats.org/officeDocument/2006/relationships" xmlns:p="http://schemas.openxmlformats.org/presentationml/2006/main" matchingName="Blank" type="blank">
-  <p:cSld name="BLANK">
-    <p:spTree>
-      <p:nvGrpSpPr>
-        <p:cNvPr id="1" name="Shape 50"/>
-        <p:cNvGrpSpPr/>
-        <p:nvPr/>
-      </p:nvGrpSpPr>
-      <p:grpSpPr>
-        <a:xfrm>
-          <a:off x="0" y="0"/>
-          <a:ext cx="0" cy="0"/>
-          <a:chOff x="0" y="0"/>
-          <a:chExt cx="0" cy="0"/>
-        </a:xfrm>
-      </p:grpSpPr>
-      <p:sp>
-        <p:nvSpPr>
-          <p:cNvPr id="51" name="Google Shape;51;p8"/>
-          <p:cNvSpPr txBox="1">
-            <a:spLocks noGrp="1"/>
-          </p:cNvSpPr>
-          <p:nvPr>
-            <p:ph type="dt" idx="10"/>
-          </p:nvPr>
-        </p:nvSpPr>
-        <p:spPr>
-          <a:xfrm>
-            <a:off x="838200" y="6356350"/>
-            <a:ext cx="2743200" cy="365125"/>
-          </a:xfrm>
-          <a:prstGeom prst="rect">
-            <a:avLst/>
-          </a:prstGeom>
-          <a:noFill/>
-          <a:ln>
-            <a:noFill/>
-          </a:ln>
-        </p:spPr>
-        <p:txBody>
-          <a:bodyPr spcFirstLastPara="1" wrap="square" lIns="91425" tIns="45700" rIns="91425" bIns="45700" anchor="ctr" anchorCtr="0">
-            <a:noAutofit/>
-          </a:bodyPr>
-          <a:lstStyle>
-            <a:lvl1pPr lvl="0" algn="l">
-              <a:lnSpc>
-                <a:spcPct val="100000"/>
-              </a:lnSpc>
-              <a:spcBef>
-                <a:spcPts val="0"/>
-              </a:spcBef>
-              <a:spcAft>
-                <a:spcPts val="0"/>
-              </a:spcAft>
-              <a:buSzPts val="1400"/>
-              <a:buNone/>
-              <a:defRPr/>
-            </a:lvl1pPr>
-            <a:lvl2pPr lvl="1" algn="l">
-              <a:lnSpc>
-                <a:spcPct val="100000"/>
-              </a:lnSpc>
-              <a:spcBef>
-                <a:spcPts val="0"/>
-              </a:spcBef>
-              <a:spcAft>
-                <a:spcPts val="0"/>
-              </a:spcAft>
-              <a:buSzPts val="1400"/>
-              <a:buNone/>
-              <a:defRPr/>
-            </a:lvl2pPr>
-            <a:lvl3pPr lvl="2" algn="l">
-              <a:lnSpc>
-                <a:spcPct val="100000"/>
-              </a:lnSpc>
-              <a:spcBef>
-                <a:spcPts val="0"/>
-              </a:spcBef>
-              <a:spcAft>
-                <a:spcPts val="0"/>
-              </a:spcAft>
-              <a:buSzPts val="1400"/>
-              <a:buNone/>
-              <a:defRPr/>
-            </a:lvl3pPr>
-            <a:lvl4pPr lvl="3" algn="l">
-              <a:lnSpc>
-                <a:spcPct val="100000"/>
-              </a:lnSpc>
-              <a:spcBef>
-                <a:spcPts val="0"/>
-              </a:spcBef>
-              <a:spcAft>
-                <a:spcPts val="0"/>
-              </a:spcAft>
-              <a:buSzPts val="1400"/>
-              <a:buNone/>
-              <a:defRPr/>
-            </a:lvl4pPr>
-            <a:lvl5pPr lvl="4" algn="l">
-              <a:lnSpc>
-                <a:spcPct val="100000"/>
-              </a:lnSpc>
-              <a:spcBef>
-                <a:spcPts val="0"/>
-              </a:spcBef>
-              <a:spcAft>
-                <a:spcPts val="0"/>
-              </a:spcAft>
-              <a:buSzPts val="1400"/>
-              <a:buNone/>
-              <a:defRPr/>
-            </a:lvl5pPr>
-            <a:lvl6pPr lvl="5" algn="l">
-              <a:lnSpc>
-                <a:spcPct val="100000"/>
-              </a:lnSpc>
-              <a:spcBef>
-                <a:spcPts val="0"/>
-              </a:spcBef>
-              <a:spcAft>
-                <a:spcPts val="0"/>
-              </a:spcAft>
-              <a:buSzPts val="1400"/>
-              <a:buNone/>
-              <a:defRPr/>
-            </a:lvl6pPr>
-            <a:lvl7pPr lvl="6" algn="l">
-              <a:lnSpc>
-                <a:spcPct val="100000"/>
-              </a:lnSpc>
-              <a:spcBef>
-                <a:spcPts val="0"/>
-              </a:spcBef>
-              <a:spcAft>
-                <a:spcPts val="0"/>
-              </a:spcAft>
-              <a:buSzPts val="1400"/>
-              <a:buNone/>
-              <a:defRPr/>
-            </a:lvl7pPr>
-            <a:lvl8pPr lvl="7" algn="l">
-              <a:lnSpc>
-                <a:spcPct val="100000"/>
-              </a:lnSpc>
-              <a:spcBef>
-                <a:spcPts val="0"/>
-              </a:spcBef>
-              <a:spcAft>
-                <a:spcPts val="0"/>
-              </a:spcAft>
-              <a:buSzPts val="1400"/>
-              <a:buNone/>
-              <a:defRPr/>
-            </a:lvl8pPr>
-            <a:lvl9pPr lvl="8" algn="l">
-              <a:lnSpc>
-                <a:spcPct val="100000"/>
-              </a:lnSpc>
-              <a:spcBef>
-                <a:spcPts val="0"/>
-              </a:spcBef>
-              <a:spcAft>
-                <a:spcPts val="0"/>
-              </a:spcAft>
-              <a:buSzPts val="1400"/>
-              <a:buNone/>
-              <a:defRPr/>
-            </a:lvl9pPr>
-          </a:lstStyle>
-          <a:p>
-            <a:endParaRPr/>
-          </a:p>
-        </p:txBody>
-      </p:sp>
-      <p:sp>
-        <p:nvSpPr>
-          <p:cNvPr id="52" name="Google Shape;52;p8"/>
-          <p:cNvSpPr txBox="1">
-            <a:spLocks noGrp="1"/>
-          </p:cNvSpPr>
-          <p:nvPr>
-            <p:ph type="ftr" idx="11"/>
-          </p:nvPr>
-        </p:nvSpPr>
-        <p:spPr>
-          <a:xfrm>
-            <a:off x="4038600" y="6356350"/>
-            <a:ext cx="4114800" cy="365125"/>
-          </a:xfrm>
-          <a:prstGeom prst="rect">
-            <a:avLst/>
-          </a:prstGeom>
-          <a:noFill/>
-          <a:ln>
-            <a:noFill/>
-          </a:ln>
-        </p:spPr>
-        <p:txBody>
-          <a:bodyPr spcFirstLastPara="1" wrap="square" lIns="91425" tIns="45700" rIns="91425" bIns="45700" anchor="ctr" anchorCtr="0">
-            <a:noAutofit/>
-          </a:bodyPr>
-          <a:lstStyle>
-            <a:lvl1pPr lvl="0" algn="ctr">
-              <a:lnSpc>
-                <a:spcPct val="100000"/>
-              </a:lnSpc>
-              <a:spcBef>
-                <a:spcPts val="0"/>
-              </a:spcBef>
-              <a:spcAft>
-                <a:spcPts val="0"/>
-              </a:spcAft>
-              <a:buSzPts val="1400"/>
-              <a:buNone/>
-              <a:defRPr/>
-            </a:lvl1pPr>
-            <a:lvl2pPr lvl="1" algn="l">
-              <a:lnSpc>
-                <a:spcPct val="100000"/>
-              </a:lnSpc>
-              <a:spcBef>
-                <a:spcPts val="0"/>
-              </a:spcBef>
-              <a:spcAft>
-                <a:spcPts val="0"/>
-              </a:spcAft>
-              <a:buSzPts val="1400"/>
-              <a:buNone/>
-              <a:defRPr/>
-            </a:lvl2pPr>
-            <a:lvl3pPr lvl="2" algn="l">
-              <a:lnSpc>
-                <a:spcPct val="100000"/>
-              </a:lnSpc>
-              <a:spcBef>
-                <a:spcPts val="0"/>
-              </a:spcBef>
-              <a:spcAft>
-                <a:spcPts val="0"/>
-              </a:spcAft>
-              <a:buSzPts val="1400"/>
-              <a:buNone/>
-              <a:defRPr/>
-            </a:lvl3pPr>
-            <a:lvl4pPr lvl="3" algn="l">
-              <a:lnSpc>
-                <a:spcPct val="100000"/>
-              </a:lnSpc>
-              <a:spcBef>
-                <a:spcPts val="0"/>
-              </a:spcBef>
-              <a:spcAft>
-                <a:spcPts val="0"/>
-              </a:spcAft>
-              <a:buSzPts val="1400"/>
-              <a:buNone/>
-              <a:defRPr/>
-            </a:lvl4pPr>
-            <a:lvl5pPr lvl="4" algn="l">
-              <a:lnSpc>
-                <a:spcPct val="100000"/>
-              </a:lnSpc>
-              <a:spcBef>
-                <a:spcPts val="0"/>
-              </a:spcBef>
-              <a:spcAft>
-                <a:spcPts val="0"/>
-              </a:spcAft>
-              <a:buSzPts val="1400"/>
-              <a:buNone/>
-              <a:defRPr/>
-            </a:lvl5pPr>
-            <a:lvl6pPr lvl="5" algn="l">
-              <a:lnSpc>
-                <a:spcPct val="100000"/>
-              </a:lnSpc>
-              <a:spcBef>
-                <a:spcPts val="0"/>
-              </a:spcBef>
-              <a:spcAft>
-                <a:spcPts val="0"/>
-              </a:spcAft>
-              <a:buSzPts val="1400"/>
-              <a:buNone/>
-              <a:defRPr/>
-            </a:lvl6pPr>
-            <a:lvl7pPr lvl="6" algn="l">
-              <a:lnSpc>
-                <a:spcPct val="100000"/>
-              </a:lnSpc>
-              <a:spcBef>
-                <a:spcPts val="0"/>
-              </a:spcBef>
-              <a:spcAft>
-                <a:spcPts val="0"/>
-              </a:spcAft>
-              <a:buSzPts val="1400"/>
-              <a:buNone/>
-              <a:defRPr/>
-            </a:lvl7pPr>
-            <a:lvl8pPr lvl="7" algn="l">
-              <a:lnSpc>
-                <a:spcPct val="100000"/>
-              </a:lnSpc>
-              <a:spcBef>
-                <a:spcPts val="0"/>
-              </a:spcBef>
-              <a:spcAft>
-                <a:spcPts val="0"/>
-              </a:spcAft>
-              <a:buSzPts val="1400"/>
-              <a:buNone/>
-              <a:defRPr/>
-            </a:lvl8pPr>
-            <a:lvl9pPr lvl="8" algn="l">
-              <a:lnSpc>
-                <a:spcPct val="100000"/>
-              </a:lnSpc>
-              <a:spcBef>
-                <a:spcPts val="0"/>
-              </a:spcBef>
-              <a:spcAft>
-                <a:spcPts val="0"/>
-              </a:spcAft>
-              <a:buSzPts val="1400"/>
-              <a:buNone/>
-              <a:defRPr/>
-            </a:lvl9pPr>
-          </a:lstStyle>
-          <a:p>
-            <a:endParaRPr/>
-          </a:p>
-        </p:txBody>
-      </p:sp>
-      <p:sp>
-        <p:nvSpPr>
-          <p:cNvPr id="53" name="Google Shape;53;p8"/>
-          <p:cNvSpPr txBox="1">
-            <a:spLocks noGrp="1"/>
-          </p:cNvSpPr>
-          <p:nvPr>
-            <p:ph type="sldNum" idx="12"/>
-          </p:nvPr>
-        </p:nvSpPr>
-        <p:spPr>
-          <a:xfrm>
-            <a:off x="8610600" y="6356350"/>
-            <a:ext cx="2743200" cy="365125"/>
-          </a:xfrm>
-          <a:prstGeom prst="rect">
-            <a:avLst/>
-          </a:prstGeom>
-          <a:noFill/>
-          <a:ln>
-            <a:noFill/>
-          </a:ln>
-        </p:spPr>
-        <p:txBody>
-          <a:bodyPr spcFirstLastPara="1" wrap="square" lIns="91425" tIns="45700" rIns="91425" bIns="45700" anchor="ctr" anchorCtr="0">
-            <a:noAutofit/>
-          </a:bodyPr>
-          <a:lstStyle>
-            <a:lvl1pPr marL="0" marR="0" lvl="0" indent="0" algn="r">
-              <a:lnSpc>
-                <a:spcPct val="100000"/>
-              </a:lnSpc>
-              <a:spcBef>
-                <a:spcPts val="0"/>
-              </a:spcBef>
-              <a:spcAft>
-                <a:spcPts val="0"/>
-              </a:spcAft>
-              <a:buClr>
-                <a:srgbClr val="000000"/>
-              </a:buClr>
-              <a:buSzPts val="1200"/>
-              <a:buFont typeface="Arial"/>
-              <a:buNone/>
-              <a:defRPr sz="1200" b="0" i="0" u="none" strike="noStrike" cap="none">
-                <a:solidFill>
-                  <a:srgbClr val="888888"/>
-                </a:solidFill>
-                <a:latin typeface="Calibri"/>
-                <a:ea typeface="Calibri"/>
-                <a:cs typeface="Calibri"/>
-                <a:sym typeface="Calibri"/>
-              </a:defRPr>
-            </a:lvl1pPr>
-            <a:lvl2pPr marL="0" marR="0" lvl="1" indent="0" algn="r">
-              <a:lnSpc>
-                <a:spcPct val="100000"/>
-              </a:lnSpc>
-              <a:spcBef>
-                <a:spcPts val="0"/>
-              </a:spcBef>
-              <a:spcAft>
-                <a:spcPts val="0"/>
-              </a:spcAft>
-              <a:buClr>
-                <a:srgbClr val="000000"/>
-              </a:buClr>
-              <a:buSzPts val="1200"/>
-              <a:buFont typeface="Arial"/>
-              <a:buNone/>
-              <a:defRPr sz="1200" b="0" i="0" u="none" strike="noStrike" cap="none">
-                <a:solidFill>
-                  <a:srgbClr val="888888"/>
-                </a:solidFill>
-                <a:latin typeface="Calibri"/>
-                <a:ea typeface="Calibri"/>
-                <a:cs typeface="Calibri"/>
-                <a:sym typeface="Calibri"/>
-              </a:defRPr>
-            </a:lvl2pPr>
-            <a:lvl3pPr marL="0" marR="0" lvl="2" indent="0" algn="r">
-              <a:lnSpc>
-                <a:spcPct val="100000"/>
-              </a:lnSpc>
-              <a:spcBef>
-                <a:spcPts val="0"/>
-              </a:spcBef>
-              <a:spcAft>
-                <a:spcPts val="0"/>
-              </a:spcAft>
-              <a:buClr>
-                <a:srgbClr val="000000"/>
-              </a:buClr>
-              <a:buSzPts val="1200"/>
-              <a:buFont typeface="Arial"/>
-              <a:buNone/>
-              <a:defRPr sz="1200" b="0" i="0" u="none" strike="noStrike" cap="none">
-                <a:solidFill>
-                  <a:srgbClr val="888888"/>
-                </a:solidFill>
-                <a:latin typeface="Calibri"/>
-                <a:ea typeface="Calibri"/>
-                <a:cs typeface="Calibri"/>
-                <a:sym typeface="Calibri"/>
-              </a:defRPr>
-            </a:lvl3pPr>
-            <a:lvl4pPr marL="0" marR="0" lvl="3" indent="0" algn="r">
-              <a:lnSpc>
-                <a:spcPct val="100000"/>
-              </a:lnSpc>
-              <a:spcBef>
-                <a:spcPts val="0"/>
-              </a:spcBef>
-              <a:spcAft>
-                <a:spcPts val="0"/>
-              </a:spcAft>
-              <a:buClr>
-                <a:srgbClr val="000000"/>
-              </a:buClr>
-              <a:buSzPts val="1200"/>
-              <a:buFont typeface="Arial"/>
-              <a:buNone/>
-              <a:defRPr sz="1200" b="0" i="0" u="none" strike="noStrike" cap="none">
-                <a:solidFill>
-                  <a:srgbClr val="888888"/>
-                </a:solidFill>
-                <a:latin typeface="Calibri"/>
-                <a:ea typeface="Calibri"/>
-                <a:cs typeface="Calibri"/>
-                <a:sym typeface="Calibri"/>
-              </a:defRPr>
-            </a:lvl4pPr>
-            <a:lvl5pPr marL="0" marR="0" lvl="4" indent="0" algn="r">
-              <a:lnSpc>
-                <a:spcPct val="100000"/>
-              </a:lnSpc>
-              <a:spcBef>
-                <a:spcPts val="0"/>
-              </a:spcBef>
-              <a:spcAft>
-                <a:spcPts val="0"/>
-              </a:spcAft>
-              <a:buClr>
-                <a:srgbClr val="000000"/>
-              </a:buClr>
-              <a:buSzPts val="1200"/>
-              <a:buFont typeface="Arial"/>
-              <a:buNone/>
-              <a:defRPr sz="1200" b="0" i="0" u="none" strike="noStrike" cap="none">
-                <a:solidFill>
-                  <a:srgbClr val="888888"/>
-                </a:solidFill>
-                <a:latin typeface="Calibri"/>
-                <a:ea typeface="Calibri"/>
-                <a:cs typeface="Calibri"/>
-                <a:sym typeface="Calibri"/>
-              </a:defRPr>
-            </a:lvl5pPr>
-            <a:lvl6pPr marL="0" marR="0" lvl="5" indent="0" algn="r">
-              <a:lnSpc>
-                <a:spcPct val="100000"/>
-              </a:lnSpc>
-              <a:spcBef>
-                <a:spcPts val="0"/>
-              </a:spcBef>
-              <a:spcAft>
-                <a:spcPts val="0"/>
-              </a:spcAft>
-              <a:buClr>
-                <a:srgbClr val="000000"/>
-              </a:buClr>
-              <a:buSzPts val="1200"/>
-              <a:buFont typeface="Arial"/>
-              <a:buNone/>
-              <a:defRPr sz="1200" b="0" i="0" u="none" strike="noStrike" cap="none">
-                <a:solidFill>
-                  <a:srgbClr val="888888"/>
-                </a:solidFill>
-                <a:latin typeface="Calibri"/>
-                <a:ea typeface="Calibri"/>
-                <a:cs typeface="Calibri"/>
-                <a:sym typeface="Calibri"/>
-              </a:defRPr>
-            </a:lvl6pPr>
-            <a:lvl7pPr marL="0" marR="0" lvl="6" indent="0" algn="r">
-              <a:lnSpc>
-                <a:spcPct val="100000"/>
-              </a:lnSpc>
-              <a:spcBef>
-                <a:spcPts val="0"/>
-              </a:spcBef>
-              <a:spcAft>
-                <a:spcPts val="0"/>
-              </a:spcAft>
-              <a:buClr>
-                <a:srgbClr val="000000"/>
-              </a:buClr>
-              <a:buSzPts val="1200"/>
-              <a:buFont typeface="Arial"/>
-              <a:buNone/>
-              <a:defRPr sz="1200" b="0" i="0" u="none" strike="noStrike" cap="none">
-                <a:solidFill>
-                  <a:srgbClr val="888888"/>
-                </a:solidFill>
-                <a:latin typeface="Calibri"/>
-                <a:ea typeface="Calibri"/>
-                <a:cs typeface="Calibri"/>
-                <a:sym typeface="Calibri"/>
-              </a:defRPr>
-            </a:lvl7pPr>
-            <a:lvl8pPr marL="0" marR="0" lvl="7" indent="0" algn="r">
-              <a:lnSpc>
-                <a:spcPct val="100000"/>
-              </a:lnSpc>
-              <a:spcBef>
-                <a:spcPts val="0"/>
-              </a:spcBef>
-              <a:spcAft>
-                <a:spcPts val="0"/>
-              </a:spcAft>
-              <a:buClr>
-                <a:srgbClr val="000000"/>
-              </a:buClr>
-              <a:buSzPts val="1200"/>
-              <a:buFont typeface="Arial"/>
-              <a:buNone/>
-              <a:defRPr sz="1200" b="0" i="0" u="none" strike="noStrike" cap="none">
-                <a:solidFill>
-                  <a:srgbClr val="888888"/>
-                </a:solidFill>
-                <a:latin typeface="Calibri"/>
-                <a:ea typeface="Calibri"/>
-                <a:cs typeface="Calibri"/>
-                <a:sym typeface="Calibri"/>
-              </a:defRPr>
-            </a:lvl8pPr>
-            <a:lvl9pPr marL="0" marR="0" lvl="8" indent="0" algn="r">
-              <a:lnSpc>
-                <a:spcPct val="100000"/>
-              </a:lnSpc>
-              <a:spcBef>
-                <a:spcPts val="0"/>
-              </a:spcBef>
-              <a:spcAft>
-                <a:spcPts val="0"/>
-              </a:spcAft>
-              <a:buClr>
-                <a:srgbClr val="000000"/>
-              </a:buClr>
-              <a:buSzPts val="1200"/>
-              <a:buFont typeface="Arial"/>
-              <a:buNone/>
-              <a:defRPr sz="1200" b="0" i="0" u="none" strike="noStrike" cap="none">
-                <a:solidFill>
-                  <a:srgbClr val="888888"/>
-                </a:solidFill>
-                <a:latin typeface="Calibri"/>
-                <a:ea typeface="Calibri"/>
-                <a:cs typeface="Calibri"/>
-                <a:sym typeface="Calibri"/>
-              </a:defRPr>
-            </a:lvl9pPr>
-          </a:lstStyle>
-          <a:p>
-            <a:pPr marL="0" lvl="0" indent="0" algn="r" rtl="0">
-              <a:spcBef>
-                <a:spcPts val="0"/>
-              </a:spcBef>
-              <a:spcAft>
-                <a:spcPts val="0"/>
-              </a:spcAft>
-              <a:buNone/>
-            </a:pPr>
-            <a:fld id="{00000000-1234-1234-1234-123412341234}" type="slidenum">
-              <a:rPr lang="en-US"/>
-              <a:t>‹#›</a:t>
-            </a:fld>
-            <a:endParaRPr/>
-          </a:p>
-        </p:txBody>
-      </p:sp>
-    </p:spTree>
-  </p:cSld>
-  <p:clrMapOvr>
-    <a:masterClrMapping/>
-  </p:clrMapOvr>
-</p:sldLayout>
-</file>
-
-<file path=ppt/slideLayouts/slideLayout9.xml><?xml version="1.0" encoding="utf-8"?>
-<p:sldLayout xmlns:a="http://schemas.openxmlformats.org/drawingml/2006/main" xmlns:r="http://schemas.openxmlformats.org/officeDocument/2006/relationships" xmlns:p="http://schemas.openxmlformats.org/presentationml/2006/main" matchingName="Content with Caption" type="objTx">
-  <p:cSld name="OBJECT_WITH_CAPTION_TEXT">
-    <p:spTree>
-      <p:nvGrpSpPr>
-        <p:cNvPr id="1" name="Shape 54"/>
-        <p:cNvGrpSpPr/>
-        <p:nvPr/>
-      </p:nvGrpSpPr>
-      <p:grpSpPr>
-        <a:xfrm>
-          <a:off x="0" y="0"/>
-          <a:ext cx="0" cy="0"/>
-          <a:chOff x="0" y="0"/>
-          <a:chExt cx="0" cy="0"/>
-        </a:xfrm>
-      </p:grpSpPr>
-      <p:sp>
-        <p:nvSpPr>
-          <p:cNvPr id="55" name="Google Shape;55;p9"/>
-          <p:cNvSpPr txBox="1">
-            <a:spLocks noGrp="1"/>
-          </p:cNvSpPr>
-          <p:nvPr>
-            <p:ph type="title"/>
-          </p:nvPr>
-        </p:nvSpPr>
-        <p:spPr>
-          <a:xfrm>
-            <a:off x="839788" y="457200"/>
-            <a:ext cx="3932237" cy="1600200"/>
-          </a:xfrm>
-          <a:prstGeom prst="rect">
-            <a:avLst/>
-          </a:prstGeom>
-          <a:noFill/>
-          <a:ln>
-            <a:noFill/>
-          </a:ln>
-        </p:spPr>
-        <p:txBody>
-          <a:bodyPr spcFirstLastPara="1" wrap="square" lIns="91425" tIns="45700" rIns="91425" bIns="45700" anchor="b" anchorCtr="0">
-            <a:normAutofit/>
-          </a:bodyPr>
-          <a:lstStyle>
-            <a:lvl1pPr lvl="0" algn="l">
-              <a:lnSpc>
-                <a:spcPct val="90000"/>
-              </a:lnSpc>
-              <a:spcBef>
-                <a:spcPts val="0"/>
-              </a:spcBef>
-              <a:spcAft>
-                <a:spcPts val="0"/>
-              </a:spcAft>
-              <a:buClr>
-                <a:schemeClr val="dk1"/>
-              </a:buClr>
-              <a:buSzPts val="3200"/>
-              <a:buFont typeface="Calibri"/>
-              <a:buNone/>
-              <a:defRPr sz="3200"/>
-            </a:lvl1pPr>
-            <a:lvl2pPr lvl="1" algn="l">
-              <a:lnSpc>
-                <a:spcPct val="100000"/>
-              </a:lnSpc>
-              <a:spcBef>
-                <a:spcPts val="0"/>
-              </a:spcBef>
-              <a:spcAft>
-                <a:spcPts val="0"/>
-              </a:spcAft>
-              <a:buSzPts val="1400"/>
-              <a:buNone/>
-              <a:defRPr/>
-            </a:lvl2pPr>
-            <a:lvl3pPr lvl="2" algn="l">
-              <a:lnSpc>
-                <a:spcPct val="100000"/>
-              </a:lnSpc>
-              <a:spcBef>
-                <a:spcPts val="0"/>
-              </a:spcBef>
-              <a:spcAft>
-                <a:spcPts val="0"/>
-              </a:spcAft>
-              <a:buSzPts val="1400"/>
-              <a:buNone/>
-              <a:defRPr/>
-            </a:lvl3pPr>
-            <a:lvl4pPr lvl="3" algn="l">
-              <a:lnSpc>
-                <a:spcPct val="100000"/>
-              </a:lnSpc>
-              <a:spcBef>
-                <a:spcPts val="0"/>
-              </a:spcBef>
-              <a:spcAft>
-                <a:spcPts val="0"/>
-              </a:spcAft>
-              <a:buSzPts val="1400"/>
-              <a:buNone/>
-              <a:defRPr/>
-            </a:lvl4pPr>
-            <a:lvl5pPr lvl="4" algn="l">
-              <a:lnSpc>
-                <a:spcPct val="100000"/>
-              </a:lnSpc>
-              <a:spcBef>
-                <a:spcPts val="0"/>
-              </a:spcBef>
-              <a:spcAft>
-                <a:spcPts val="0"/>
-              </a:spcAft>
-              <a:buSzPts val="1400"/>
-              <a:buNone/>
-              <a:defRPr/>
-            </a:lvl5pPr>
-            <a:lvl6pPr lvl="5" algn="l">
-              <a:lnSpc>
-                <a:spcPct val="100000"/>
-              </a:lnSpc>
-              <a:spcBef>
-                <a:spcPts val="0"/>
-              </a:spcBef>
-              <a:spcAft>
-                <a:spcPts val="0"/>
-              </a:spcAft>
-              <a:buSzPts val="1400"/>
-              <a:buNone/>
-              <a:defRPr/>
-            </a:lvl6pPr>
-            <a:lvl7pPr lvl="6" algn="l">
-              <a:lnSpc>
-                <a:spcPct val="100000"/>
-              </a:lnSpc>
-              <a:spcBef>
-                <a:spcPts val="0"/>
-              </a:spcBef>
-              <a:spcAft>
-                <a:spcPts val="0"/>
-              </a:spcAft>
-              <a:buSzPts val="1400"/>
-              <a:buNone/>
-              <a:defRPr/>
-            </a:lvl7pPr>
-            <a:lvl8pPr lvl="7" algn="l">
-              <a:lnSpc>
-                <a:spcPct val="100000"/>
-              </a:lnSpc>
-              <a:spcBef>
-                <a:spcPts val="0"/>
-              </a:spcBef>
-              <a:spcAft>
-                <a:spcPts val="0"/>
-              </a:spcAft>
-              <a:buSzPts val="1400"/>
-              <a:buNone/>
-              <a:defRPr/>
-            </a:lvl8pPr>
-            <a:lvl9pPr lvl="8" algn="l">
-              <a:lnSpc>
-                <a:spcPct val="100000"/>
-              </a:lnSpc>
-              <a:spcBef>
-                <a:spcPts val="0"/>
-              </a:spcBef>
-              <a:spcAft>
-                <a:spcPts val="0"/>
-              </a:spcAft>
-              <a:buSzPts val="1400"/>
-              <a:buNone/>
-              <a:defRPr/>
-            </a:lvl9pPr>
-          </a:lstStyle>
-          <a:p>
-            <a:endParaRPr/>
-          </a:p>
-        </p:txBody>
-      </p:sp>
-      <p:sp>
-        <p:nvSpPr>
-          <p:cNvPr id="56" name="Google Shape;56;p9"/>
-          <p:cNvSpPr txBox="1">
-            <a:spLocks noGrp="1"/>
-          </p:cNvSpPr>
-          <p:nvPr>
-            <p:ph type="body" idx="1"/>
-          </p:nvPr>
-        </p:nvSpPr>
-        <p:spPr>
-          <a:xfrm>
-            <a:off x="5183188" y="987425"/>
-            <a:ext cx="6172200" cy="4873625"/>
-          </a:xfrm>
-          <a:prstGeom prst="rect">
-            <a:avLst/>
-          </a:prstGeom>
-          <a:noFill/>
-          <a:ln>
-            <a:noFill/>
-          </a:ln>
-        </p:spPr>
-        <p:txBody>
-          <a:bodyPr spcFirstLastPara="1" wrap="square" lIns="91425" tIns="45700" rIns="91425" bIns="45700" anchor="t" anchorCtr="0">
-            <a:normAutofit/>
-          </a:bodyPr>
-          <a:lstStyle>
-            <a:lvl1pPr marL="457200" lvl="0" indent="-431800" algn="l">
-              <a:lnSpc>
-                <a:spcPct val="90000"/>
-              </a:lnSpc>
-              <a:spcBef>
-                <a:spcPts val="1000"/>
-              </a:spcBef>
-              <a:spcAft>
-                <a:spcPts val="0"/>
-              </a:spcAft>
-              <a:buClr>
-                <a:schemeClr val="dk1"/>
-              </a:buClr>
-              <a:buSzPts val="3200"/>
-              <a:buChar char="•"/>
-              <a:defRPr sz="3200"/>
-            </a:lvl1pPr>
-            <a:lvl2pPr marL="914400" lvl="1" indent="-406400" algn="l">
-              <a:lnSpc>
-                <a:spcPct val="90000"/>
-              </a:lnSpc>
-              <a:spcBef>
-                <a:spcPts val="500"/>
-              </a:spcBef>
-              <a:spcAft>
-                <a:spcPts val="0"/>
-              </a:spcAft>
-              <a:buClr>
-                <a:schemeClr val="dk1"/>
-              </a:buClr>
-              <a:buSzPts val="2800"/>
-              <a:buChar char="•"/>
-              <a:defRPr sz="2800"/>
-            </a:lvl2pPr>
-            <a:lvl3pPr marL="1371600" lvl="2" indent="-381000" algn="l">
-              <a:lnSpc>
-                <a:spcPct val="90000"/>
-              </a:lnSpc>
-              <a:spcBef>
-                <a:spcPts val="500"/>
-              </a:spcBef>
-              <a:spcAft>
-                <a:spcPts val="0"/>
-              </a:spcAft>
-              <a:buClr>
-                <a:schemeClr val="dk1"/>
-              </a:buClr>
-              <a:buSzPts val="2400"/>
-              <a:buChar char="•"/>
-              <a:defRPr sz="2400"/>
-            </a:lvl3pPr>
-            <a:lvl4pPr marL="1828800" lvl="3" indent="-355600" algn="l">
-              <a:lnSpc>
-                <a:spcPct val="90000"/>
-              </a:lnSpc>
-              <a:spcBef>
-                <a:spcPts val="500"/>
-              </a:spcBef>
-              <a:spcAft>
-                <a:spcPts val="0"/>
-              </a:spcAft>
-              <a:buClr>
-                <a:schemeClr val="dk1"/>
-              </a:buClr>
-              <a:buSzPts val="2000"/>
-              <a:buChar char="•"/>
-              <a:defRPr sz="2000"/>
-            </a:lvl4pPr>
-            <a:lvl5pPr marL="2286000" lvl="4" indent="-355600" algn="l">
-              <a:lnSpc>
-                <a:spcPct val="90000"/>
-              </a:lnSpc>
-              <a:spcBef>
-                <a:spcPts val="500"/>
-              </a:spcBef>
-              <a:spcAft>
-                <a:spcPts val="0"/>
-              </a:spcAft>
-              <a:buClr>
-                <a:schemeClr val="dk1"/>
-              </a:buClr>
-              <a:buSzPts val="2000"/>
-              <a:buChar char="•"/>
-              <a:defRPr sz="2000"/>
-            </a:lvl5pPr>
-            <a:lvl6pPr marL="2743200" lvl="5" indent="-355600" algn="l">
-              <a:lnSpc>
-                <a:spcPct val="90000"/>
-              </a:lnSpc>
-              <a:spcBef>
-                <a:spcPts val="500"/>
-              </a:spcBef>
-              <a:spcAft>
-                <a:spcPts val="0"/>
-              </a:spcAft>
-              <a:buClr>
-                <a:schemeClr val="dk1"/>
-              </a:buClr>
-              <a:buSzPts val="2000"/>
-              <a:buChar char="•"/>
-              <a:defRPr sz="2000"/>
-            </a:lvl6pPr>
-            <a:lvl7pPr marL="3200400" lvl="6" indent="-355600" algn="l">
-              <a:lnSpc>
-                <a:spcPct val="90000"/>
-              </a:lnSpc>
-              <a:spcBef>
-                <a:spcPts val="500"/>
-              </a:spcBef>
-              <a:spcAft>
-                <a:spcPts val="0"/>
-              </a:spcAft>
-              <a:buClr>
-                <a:schemeClr val="dk1"/>
-              </a:buClr>
-              <a:buSzPts val="2000"/>
-              <a:buChar char="•"/>
-              <a:defRPr sz="2000"/>
-            </a:lvl7pPr>
-            <a:lvl8pPr marL="3657600" lvl="7" indent="-355600" algn="l">
-              <a:lnSpc>
-                <a:spcPct val="90000"/>
-              </a:lnSpc>
-              <a:spcBef>
-                <a:spcPts val="500"/>
-              </a:spcBef>
-              <a:spcAft>
-                <a:spcPts val="0"/>
-              </a:spcAft>
-              <a:buClr>
-                <a:schemeClr val="dk1"/>
-              </a:buClr>
-              <a:buSzPts val="2000"/>
-              <a:buChar char="•"/>
-              <a:defRPr sz="2000"/>
-            </a:lvl8pPr>
-            <a:lvl9pPr marL="4114800" lvl="8" indent="-355600" algn="l">
-              <a:lnSpc>
-                <a:spcPct val="90000"/>
-              </a:lnSpc>
-              <a:spcBef>
-                <a:spcPts val="500"/>
-              </a:spcBef>
-              <a:spcAft>
-                <a:spcPts val="0"/>
-              </a:spcAft>
-              <a:buClr>
-                <a:schemeClr val="dk1"/>
-              </a:buClr>
-              <a:buSzPts val="2000"/>
-              <a:buChar char="•"/>
-              <a:defRPr sz="2000"/>
-            </a:lvl9pPr>
-          </a:lstStyle>
-          <a:p>
-            <a:endParaRPr/>
-          </a:p>
-        </p:txBody>
-      </p:sp>
-      <p:sp>
-        <p:nvSpPr>
-          <p:cNvPr id="57" name="Google Shape;57;p9"/>
-          <p:cNvSpPr txBox="1">
-            <a:spLocks noGrp="1"/>
-          </p:cNvSpPr>
-          <p:nvPr>
-            <p:ph type="body" idx="2"/>
-          </p:nvPr>
-        </p:nvSpPr>
-        <p:spPr>
-          <a:xfrm>
-            <a:off x="839788" y="2057400"/>
-            <a:ext cx="3932237" cy="3811588"/>
-          </a:xfrm>
-          <a:prstGeom prst="rect">
-            <a:avLst/>
-          </a:prstGeom>
-          <a:noFill/>
-          <a:ln>
-            <a:noFill/>
-          </a:ln>
-        </p:spPr>
-        <p:txBody>
-          <a:bodyPr spcFirstLastPara="1" wrap="square" lIns="91425" tIns="45700" rIns="91425" bIns="45700" anchor="t" anchorCtr="0">
-            <a:normAutofit/>
-          </a:bodyPr>
-          <a:lstStyle>
-            <a:lvl1pPr marL="457200" lvl="0" indent="-228600" algn="l">
-              <a:lnSpc>
-                <a:spcPct val="90000"/>
-              </a:lnSpc>
-              <a:spcBef>
-                <a:spcPts val="1000"/>
-              </a:spcBef>
-              <a:spcAft>
-                <a:spcPts val="0"/>
-              </a:spcAft>
-              <a:buClr>
-                <a:schemeClr val="dk1"/>
-              </a:buClr>
-              <a:buSzPts val="1600"/>
-              <a:buNone/>
-              <a:defRPr sz="1600"/>
-            </a:lvl1pPr>
-            <a:lvl2pPr marL="914400" lvl="1" indent="-228600" algn="l">
-              <a:lnSpc>
-                <a:spcPct val="90000"/>
-              </a:lnSpc>
-              <a:spcBef>
-                <a:spcPts val="500"/>
-              </a:spcBef>
-              <a:spcAft>
-                <a:spcPts val="0"/>
-              </a:spcAft>
-              <a:buClr>
-                <a:schemeClr val="dk1"/>
-              </a:buClr>
-              <a:buSzPts val="1400"/>
-              <a:buNone/>
-              <a:defRPr sz="1400"/>
-            </a:lvl2pPr>
-            <a:lvl3pPr marL="1371600" lvl="2" indent="-228600" algn="l">
-              <a:lnSpc>
-                <a:spcPct val="90000"/>
-              </a:lnSpc>
-              <a:spcBef>
-                <a:spcPts val="500"/>
-              </a:spcBef>
-              <a:spcAft>
-                <a:spcPts val="0"/>
-              </a:spcAft>
-              <a:buClr>
-                <a:schemeClr val="dk1"/>
-              </a:buClr>
-              <a:buSzPts val="1200"/>
-              <a:buNone/>
-              <a:defRPr sz="1200"/>
-            </a:lvl3pPr>
-            <a:lvl4pPr marL="1828800" lvl="3" indent="-228600" algn="l">
-              <a:lnSpc>
-                <a:spcPct val="90000"/>
-              </a:lnSpc>
-              <a:spcBef>
-                <a:spcPts val="500"/>
-              </a:spcBef>
-              <a:spcAft>
-                <a:spcPts val="0"/>
-              </a:spcAft>
-              <a:buClr>
-                <a:schemeClr val="dk1"/>
-              </a:buClr>
-              <a:buSzPts val="1000"/>
-              <a:buNone/>
-              <a:defRPr sz="1000"/>
-            </a:lvl4pPr>
-            <a:lvl5pPr marL="2286000" lvl="4" indent="-228600" algn="l">
-              <a:lnSpc>
-                <a:spcPct val="90000"/>
-              </a:lnSpc>
-              <a:spcBef>
-                <a:spcPts val="500"/>
-              </a:spcBef>
-              <a:spcAft>
-                <a:spcPts val="0"/>
-              </a:spcAft>
-              <a:buClr>
-                <a:schemeClr val="dk1"/>
-              </a:buClr>
-              <a:buSzPts val="1000"/>
-              <a:buNone/>
-              <a:defRPr sz="1000"/>
-            </a:lvl5pPr>
-            <a:lvl6pPr marL="2743200" lvl="5" indent="-228600" algn="l">
-              <a:lnSpc>
-                <a:spcPct val="90000"/>
-              </a:lnSpc>
-              <a:spcBef>
-                <a:spcPts val="500"/>
-              </a:spcBef>
-              <a:spcAft>
-                <a:spcPts val="0"/>
-              </a:spcAft>
-              <a:buClr>
-                <a:schemeClr val="dk1"/>
-              </a:buClr>
-              <a:buSzPts val="1000"/>
-              <a:buNone/>
-              <a:defRPr sz="1000"/>
-            </a:lvl6pPr>
-            <a:lvl7pPr marL="3200400" lvl="6" indent="-228600" algn="l">
-              <a:lnSpc>
-                <a:spcPct val="90000"/>
-              </a:lnSpc>
-              <a:spcBef>
-                <a:spcPts val="500"/>
-              </a:spcBef>
-              <a:spcAft>
-                <a:spcPts val="0"/>
-              </a:spcAft>
-              <a:buClr>
-                <a:schemeClr val="dk1"/>
-              </a:buClr>
-              <a:buSzPts val="1000"/>
-              <a:buNone/>
-              <a:defRPr sz="1000"/>
-            </a:lvl7pPr>
-            <a:lvl8pPr marL="3657600" lvl="7" indent="-228600" algn="l">
-              <a:lnSpc>
-                <a:spcPct val="90000"/>
-              </a:lnSpc>
-              <a:spcBef>
-                <a:spcPts val="500"/>
-              </a:spcBef>
-              <a:spcAft>
-                <a:spcPts val="0"/>
-              </a:spcAft>
-              <a:buClr>
-                <a:schemeClr val="dk1"/>
-              </a:buClr>
-              <a:buSzPts val="1000"/>
-              <a:buNone/>
-              <a:defRPr sz="1000"/>
-            </a:lvl8pPr>
-            <a:lvl9pPr marL="4114800" lvl="8" indent="-228600" algn="l">
-              <a:lnSpc>
-                <a:spcPct val="90000"/>
-              </a:lnSpc>
-              <a:spcBef>
-                <a:spcPts val="500"/>
-              </a:spcBef>
-              <a:spcAft>
-                <a:spcPts val="0"/>
-              </a:spcAft>
-              <a:buClr>
-                <a:schemeClr val="dk1"/>
-              </a:buClr>
-              <a:buSzPts val="1000"/>
-              <a:buNone/>
-              <a:defRPr sz="1000"/>
-            </a:lvl9pPr>
-          </a:lstStyle>
-          <a:p>
-            <a:endParaRPr/>
-          </a:p>
-        </p:txBody>
-      </p:sp>
-      <p:sp>
-        <p:nvSpPr>
-          <p:cNvPr id="58" name="Google Shape;58;p9"/>
-          <p:cNvSpPr txBox="1">
-            <a:spLocks noGrp="1"/>
-          </p:cNvSpPr>
-          <p:nvPr>
-            <p:ph type="dt" idx="10"/>
-          </p:nvPr>
-        </p:nvSpPr>
-        <p:spPr>
-          <a:xfrm>
-            <a:off x="838200" y="6356350"/>
-            <a:ext cx="2743200" cy="365125"/>
-          </a:xfrm>
-          <a:prstGeom prst="rect">
-            <a:avLst/>
-          </a:prstGeom>
-          <a:noFill/>
-          <a:ln>
-            <a:noFill/>
-          </a:ln>
-        </p:spPr>
-        <p:txBody>
-          <a:bodyPr spcFirstLastPara="1" wrap="square" lIns="91425" tIns="45700" rIns="91425" bIns="45700" anchor="ctr" anchorCtr="0">
-            <a:noAutofit/>
-          </a:bodyPr>
-          <a:lstStyle>
-            <a:lvl1pPr lvl="0" algn="l">
-              <a:lnSpc>
-                <a:spcPct val="100000"/>
-              </a:lnSpc>
-              <a:spcBef>
-                <a:spcPts val="0"/>
-              </a:spcBef>
-              <a:spcAft>
-                <a:spcPts val="0"/>
-              </a:spcAft>
-              <a:buSzPts val="1400"/>
-              <a:buNone/>
-              <a:defRPr/>
-            </a:lvl1pPr>
-            <a:lvl2pPr lvl="1" algn="l">
-              <a:lnSpc>
-                <a:spcPct val="100000"/>
-              </a:lnSpc>
-              <a:spcBef>
-                <a:spcPts val="0"/>
-              </a:spcBef>
-              <a:spcAft>
-                <a:spcPts val="0"/>
-              </a:spcAft>
-              <a:buSzPts val="1400"/>
-              <a:buNone/>
-              <a:defRPr/>
-            </a:lvl2pPr>
-            <a:lvl3pPr lvl="2" algn="l">
-              <a:lnSpc>
-                <a:spcPct val="100000"/>
-              </a:lnSpc>
-              <a:spcBef>
-                <a:spcPts val="0"/>
-              </a:spcBef>
-              <a:spcAft>
-                <a:spcPts val="0"/>
-              </a:spcAft>
-              <a:buSzPts val="1400"/>
-              <a:buNone/>
-              <a:defRPr/>
-            </a:lvl3pPr>
-            <a:lvl4pPr lvl="3" algn="l">
-              <a:lnSpc>
-                <a:spcPct val="100000"/>
-              </a:lnSpc>
-              <a:spcBef>
-                <a:spcPts val="0"/>
-              </a:spcBef>
-              <a:spcAft>
-                <a:spcPts val="0"/>
-              </a:spcAft>
-              <a:buSzPts val="1400"/>
-              <a:buNone/>
-              <a:defRPr/>
-            </a:lvl4pPr>
-            <a:lvl5pPr lvl="4" algn="l">
-              <a:lnSpc>
-                <a:spcPct val="100000"/>
-              </a:lnSpc>
-              <a:spcBef>
-                <a:spcPts val="0"/>
-              </a:spcBef>
-              <a:spcAft>
-                <a:spcPts val="0"/>
-              </a:spcAft>
-              <a:buSzPts val="1400"/>
-              <a:buNone/>
-              <a:defRPr/>
-            </a:lvl5pPr>
-            <a:lvl6pPr lvl="5" algn="l">
-              <a:lnSpc>
-                <a:spcPct val="100000"/>
-              </a:lnSpc>
-              <a:spcBef>
-                <a:spcPts val="0"/>
-              </a:spcBef>
-              <a:spcAft>
-                <a:spcPts val="0"/>
-              </a:spcAft>
-              <a:buSzPts val="1400"/>
-              <a:buNone/>
-              <a:defRPr/>
-            </a:lvl6pPr>
-            <a:lvl7pPr lvl="6" algn="l">
-              <a:lnSpc>
-                <a:spcPct val="100000"/>
-              </a:lnSpc>
-              <a:spcBef>
-                <a:spcPts val="0"/>
-              </a:spcBef>
-              <a:spcAft>
-                <a:spcPts val="0"/>
-              </a:spcAft>
-              <a:buSzPts val="1400"/>
-              <a:buNone/>
-              <a:defRPr/>
-            </a:lvl7pPr>
-            <a:lvl8pPr lvl="7" algn="l">
-              <a:lnSpc>
-                <a:spcPct val="100000"/>
-              </a:lnSpc>
-              <a:spcBef>
-                <a:spcPts val="0"/>
-              </a:spcBef>
-              <a:spcAft>
-                <a:spcPts val="0"/>
-              </a:spcAft>
-              <a:buSzPts val="1400"/>
-              <a:buNone/>
-              <a:defRPr/>
-            </a:lvl8pPr>
-            <a:lvl9pPr lvl="8" algn="l">
-              <a:lnSpc>
-                <a:spcPct val="100000"/>
-              </a:lnSpc>
-              <a:spcBef>
-                <a:spcPts val="0"/>
-              </a:spcBef>
-              <a:spcAft>
-                <a:spcPts val="0"/>
-              </a:spcAft>
-              <a:buSzPts val="1400"/>
-              <a:buNone/>
-              <a:defRPr/>
-            </a:lvl9pPr>
-          </a:lstStyle>
-          <a:p>
-            <a:endParaRPr/>
-          </a:p>
-        </p:txBody>
-      </p:sp>
-      <p:sp>
-        <p:nvSpPr>
-          <p:cNvPr id="59" name="Google Shape;59;p9"/>
-          <p:cNvSpPr txBox="1">
-            <a:spLocks noGrp="1"/>
-          </p:cNvSpPr>
-          <p:nvPr>
-            <p:ph type="ftr" idx="11"/>
-          </p:nvPr>
-        </p:nvSpPr>
-        <p:spPr>
-          <a:xfrm>
-            <a:off x="4038600" y="6356350"/>
-            <a:ext cx="4114800" cy="365125"/>
-          </a:xfrm>
-          <a:prstGeom prst="rect">
-            <a:avLst/>
-          </a:prstGeom>
-          <a:noFill/>
-          <a:ln>
-            <a:noFill/>
-          </a:ln>
-        </p:spPr>
-        <p:txBody>
-          <a:bodyPr spcFirstLastPara="1" wrap="square" lIns="91425" tIns="45700" rIns="91425" bIns="45700" anchor="ctr" anchorCtr="0">
-            <a:noAutofit/>
-          </a:bodyPr>
-          <a:lstStyle>
-            <a:lvl1pPr lvl="0" algn="ctr">
-              <a:lnSpc>
-                <a:spcPct val="100000"/>
-              </a:lnSpc>
-              <a:spcBef>
-                <a:spcPts val="0"/>
-              </a:spcBef>
-              <a:spcAft>
-                <a:spcPts val="0"/>
-              </a:spcAft>
-              <a:buSzPts val="1400"/>
-              <a:buNone/>
-              <a:defRPr/>
-            </a:lvl1pPr>
-            <a:lvl2pPr lvl="1" algn="l">
-              <a:lnSpc>
-                <a:spcPct val="100000"/>
-              </a:lnSpc>
-              <a:spcBef>
-                <a:spcPts val="0"/>
-              </a:spcBef>
-              <a:spcAft>
-                <a:spcPts val="0"/>
-              </a:spcAft>
-              <a:buSzPts val="1400"/>
-              <a:buNone/>
-              <a:defRPr/>
-            </a:lvl2pPr>
-            <a:lvl3pPr lvl="2" algn="l">
-              <a:lnSpc>
-                <a:spcPct val="100000"/>
-              </a:lnSpc>
-              <a:spcBef>
-                <a:spcPts val="0"/>
-              </a:spcBef>
-              <a:spcAft>
-                <a:spcPts val="0"/>
-              </a:spcAft>
-              <a:buSzPts val="1400"/>
-              <a:buNone/>
-              <a:defRPr/>
-            </a:lvl3pPr>
-            <a:lvl4pPr lvl="3" algn="l">
-              <a:lnSpc>
-                <a:spcPct val="100000"/>
-              </a:lnSpc>
-              <a:spcBef>
-                <a:spcPts val="0"/>
-              </a:spcBef>
-              <a:spcAft>
-                <a:spcPts val="0"/>
-              </a:spcAft>
-              <a:buSzPts val="1400"/>
-              <a:buNone/>
-              <a:defRPr/>
-            </a:lvl4pPr>
-            <a:lvl5pPr lvl="4" algn="l">
-              <a:lnSpc>
-                <a:spcPct val="100000"/>
-              </a:lnSpc>
-              <a:spcBef>
-                <a:spcPts val="0"/>
-              </a:spcBef>
-              <a:spcAft>
-                <a:spcPts val="0"/>
-              </a:spcAft>
-              <a:buSzPts val="1400"/>
-              <a:buNone/>
-              <a:defRPr/>
-            </a:lvl5pPr>
-            <a:lvl6pPr lvl="5" algn="l">
-              <a:lnSpc>
-                <a:spcPct val="100000"/>
-              </a:lnSpc>
-              <a:spcBef>
-                <a:spcPts val="0"/>
-              </a:spcBef>
-              <a:spcAft>
-                <a:spcPts val="0"/>
-              </a:spcAft>
-              <a:buSzPts val="1400"/>
-              <a:buNone/>
-              <a:defRPr/>
-            </a:lvl6pPr>
-            <a:lvl7pPr lvl="6" algn="l">
-              <a:lnSpc>
-                <a:spcPct val="100000"/>
-              </a:lnSpc>
-              <a:spcBef>
-                <a:spcPts val="0"/>
-              </a:spcBef>
-              <a:spcAft>
-                <a:spcPts val="0"/>
-              </a:spcAft>
-              <a:buSzPts val="1400"/>
-              <a:buNone/>
-              <a:defRPr/>
-            </a:lvl7pPr>
-            <a:lvl8pPr lvl="7" algn="l">
-              <a:lnSpc>
-                <a:spcPct val="100000"/>
-              </a:lnSpc>
-              <a:spcBef>
-                <a:spcPts val="0"/>
-              </a:spcBef>
-              <a:spcAft>
-                <a:spcPts val="0"/>
-              </a:spcAft>
-              <a:buSzPts val="1400"/>
-              <a:buNone/>
-              <a:defRPr/>
-            </a:lvl8pPr>
-            <a:lvl9pPr lvl="8" algn="l">
-              <a:lnSpc>
-                <a:spcPct val="100000"/>
-              </a:lnSpc>
-              <a:spcBef>
-                <a:spcPts val="0"/>
-              </a:spcBef>
-              <a:spcAft>
-                <a:spcPts val="0"/>
-              </a:spcAft>
-              <a:buSzPts val="1400"/>
-              <a:buNone/>
-              <a:defRPr/>
-            </a:lvl9pPr>
-          </a:lstStyle>
-          <a:p>
-            <a:endParaRPr/>
-          </a:p>
-        </p:txBody>
-      </p:sp>
-      <p:sp>
-        <p:nvSpPr>
-          <p:cNvPr id="60" name="Google Shape;60;p9"/>
           <p:cNvSpPr txBox="1">
             <a:spLocks noGrp="1"/>
           </p:cNvSpPr>
@@ -14241,17 +15348,18 @@
   <p:clrMap bg1="lt1" tx1="dk1" bg2="dk2" tx2="lt2" accent1="accent1" accent2="accent2" accent3="accent3" accent4="accent4" accent5="accent5" accent6="accent6" hlink="hlink" folHlink="folHlink"/>
   <p:sldLayoutIdLst>
     <p:sldLayoutId id="2147483648" r:id="rId1"/>
-    <p:sldLayoutId id="2147483649" r:id="rId2"/>
-    <p:sldLayoutId id="2147483660" r:id="rId3"/>
-    <p:sldLayoutId id="2147483653" r:id="rId4"/>
-    <p:sldLayoutId id="2147483650" r:id="rId5"/>
-    <p:sldLayoutId id="2147483651" r:id="rId6"/>
-    <p:sldLayoutId id="2147483652" r:id="rId7"/>
-    <p:sldLayoutId id="2147483654" r:id="rId8"/>
-    <p:sldLayoutId id="2147483655" r:id="rId9"/>
-    <p:sldLayoutId id="2147483656" r:id="rId10"/>
-    <p:sldLayoutId id="2147483657" r:id="rId11"/>
-    <p:sldLayoutId id="2147483658" r:id="rId12"/>
+    <p:sldLayoutId id="2147483661" r:id="rId2"/>
+    <p:sldLayoutId id="2147483649" r:id="rId3"/>
+    <p:sldLayoutId id="2147483660" r:id="rId4"/>
+    <p:sldLayoutId id="2147483653" r:id="rId5"/>
+    <p:sldLayoutId id="2147483650" r:id="rId6"/>
+    <p:sldLayoutId id="2147483654" r:id="rId7"/>
+    <p:sldLayoutId id="2147483651" r:id="rId8"/>
+    <p:sldLayoutId id="2147483652" r:id="rId9"/>
+    <p:sldLayoutId id="2147483655" r:id="rId10"/>
+    <p:sldLayoutId id="2147483656" r:id="rId11"/>
+    <p:sldLayoutId id="2147483657" r:id="rId12"/>
+    <p:sldLayoutId id="2147483658" r:id="rId13"/>
   </p:sldLayoutIdLst>
   <p:hf sldNum="0" hdr="0" ftr="0" dt="0"/>
   <p:txStyles>
@@ -14990,7 +16098,7 @@
       </p:sp>
       <p:sp>
         <p:nvSpPr>
-          <p:cNvPr id="3" name=" 2">
+          <p:cNvPr id="3" name="Content Placeholder 2">
             <a:extLst>
               <a:ext uri="{FF2B5EF4-FFF2-40B4-BE49-F238E27FC236}">
                 <a16:creationId xmlns:a16="http://schemas.microsoft.com/office/drawing/2014/main" id="{14F62F5F-0798-ABB5-20E8-49C23F811407}"/>
@@ -15027,6 +16135,88 @@
 </file>
 
 <file path=ppt/slides/slide2.xml><?xml version="1.0" encoding="utf-8"?>
+<p:sld xmlns:a="http://schemas.openxmlformats.org/drawingml/2006/main" xmlns:r="http://schemas.openxmlformats.org/officeDocument/2006/relationships" xmlns:p="http://schemas.openxmlformats.org/presentationml/2006/main">
+  <p:cSld>
+    <p:spTree>
+      <p:nvGrpSpPr>
+        <p:cNvPr id="1" name=""/>
+        <p:cNvGrpSpPr/>
+        <p:nvPr/>
+      </p:nvGrpSpPr>
+      <p:grpSpPr>
+        <a:xfrm>
+          <a:off x="0" y="0"/>
+          <a:ext cx="0" cy="0"/>
+          <a:chOff x="0" y="0"/>
+          <a:chExt cx="0" cy="0"/>
+        </a:xfrm>
+      </p:grpSpPr>
+      <p:sp>
+        <p:nvSpPr>
+          <p:cNvPr id="2" name="Title 1">
+            <a:extLst>
+              <a:ext uri="{FF2B5EF4-FFF2-40B4-BE49-F238E27FC236}">
+                <a16:creationId xmlns:a16="http://schemas.microsoft.com/office/drawing/2014/main" id="{6AB3A522-84F9-9290-55DA-618FA10B78B7}"/>
+              </a:ext>
+            </a:extLst>
+          </p:cNvPr>
+          <p:cNvSpPr>
+            <a:spLocks noGrp="1"/>
+          </p:cNvSpPr>
+          <p:nvPr>
+            <p:ph type="title"/>
+          </p:nvPr>
+        </p:nvSpPr>
+        <p:spPr/>
+        <p:txBody>
+          <a:bodyPr/>
+          <a:lstStyle/>
+          <a:p>
+            <a:endParaRPr lang="en-GB" dirty="0"/>
+          </a:p>
+        </p:txBody>
+      </p:sp>
+      <p:sp>
+        <p:nvSpPr>
+          <p:cNvPr id="3" name="Text Placeholder 2">
+            <a:extLst>
+              <a:ext uri="{FF2B5EF4-FFF2-40B4-BE49-F238E27FC236}">
+                <a16:creationId xmlns:a16="http://schemas.microsoft.com/office/drawing/2014/main" id="{A1AE2557-1130-417E-C7E7-E6A04EAE12B6}"/>
+              </a:ext>
+            </a:extLst>
+          </p:cNvPr>
+          <p:cNvSpPr>
+            <a:spLocks noGrp="1"/>
+          </p:cNvSpPr>
+          <p:nvPr>
+            <p:ph type="body" idx="1"/>
+          </p:nvPr>
+        </p:nvSpPr>
+        <p:spPr/>
+        <p:txBody>
+          <a:bodyPr>
+            <a:normAutofit fontScale="85000" lnSpcReduction="20000"/>
+          </a:bodyPr>
+          <a:lstStyle/>
+          <a:p>
+            <a:endParaRPr lang="en-GB"/>
+          </a:p>
+        </p:txBody>
+      </p:sp>
+    </p:spTree>
+    <p:extLst>
+      <p:ext uri="{BB962C8B-B14F-4D97-AF65-F5344CB8AC3E}">
+        <p14:creationId xmlns:p14="http://schemas.microsoft.com/office/powerpoint/2010/main" val="4007519493"/>
+      </p:ext>
+    </p:extLst>
+  </p:cSld>
+  <p:clrMapOvr>
+    <a:masterClrMapping/>
+  </p:clrMapOvr>
+</p:sld>
+</file>
+
+<file path=ppt/slides/slide3.xml><?xml version="1.0" encoding="utf-8"?>
 <p:sld xmlns:a="http://schemas.openxmlformats.org/drawingml/2006/main" xmlns:r="http://schemas.openxmlformats.org/officeDocument/2006/relationships" xmlns:p="http://schemas.openxmlformats.org/presentationml/2006/main">
   <p:cSld>
     <p:spTree>
@@ -15106,7 +16296,7 @@
 </p:sld>
 </file>
 
-<file path=ppt/slides/slide3.xml><?xml version="1.0" encoding="utf-8"?>
+<file path=ppt/slides/slide4.xml><?xml version="1.0" encoding="utf-8"?>
 <p:sld xmlns:a="http://schemas.openxmlformats.org/drawingml/2006/main" xmlns:r="http://schemas.openxmlformats.org/officeDocument/2006/relationships" xmlns:p="http://schemas.openxmlformats.org/presentationml/2006/main">
   <p:cSld>
     <p:spTree>
@@ -15186,7 +16376,7 @@
 </p:sld>
 </file>
 
-<file path=ppt/slides/slide4.xml><?xml version="1.0" encoding="utf-8"?>
+<file path=ppt/slides/slide5.xml><?xml version="1.0" encoding="utf-8"?>
 <p:sld xmlns:a="http://schemas.openxmlformats.org/drawingml/2006/main" xmlns:r="http://schemas.openxmlformats.org/officeDocument/2006/relationships" xmlns:p="http://schemas.openxmlformats.org/presentationml/2006/main">
   <p:cSld>
     <p:spTree>
@@ -16009,7 +17199,7 @@
 </p:sld>
 </file>
 
-<file path=ppt/slides/slide5.xml><?xml version="1.0" encoding="utf-8"?>
+<file path=ppt/slides/slide6.xml><?xml version="1.0" encoding="utf-8"?>
 <p:sld xmlns:a="http://schemas.openxmlformats.org/drawingml/2006/main" xmlns:r="http://schemas.openxmlformats.org/officeDocument/2006/relationships" xmlns:p="http://schemas.openxmlformats.org/presentationml/2006/main">
   <p:cSld>
     <p:spTree>
@@ -16059,6 +17249,111 @@
     <p:extLst>
       <p:ext uri="{BB962C8B-B14F-4D97-AF65-F5344CB8AC3E}">
         <p14:creationId xmlns:p14="http://schemas.microsoft.com/office/powerpoint/2010/main" val="967270726"/>
+      </p:ext>
+    </p:extLst>
+  </p:cSld>
+  <p:clrMapOvr>
+    <a:masterClrMapping/>
+  </p:clrMapOvr>
+</p:sld>
+</file>
+
+<file path=ppt/slides/slide7.xml><?xml version="1.0" encoding="utf-8"?>
+<p:sld xmlns:a="http://schemas.openxmlformats.org/drawingml/2006/main" xmlns:r="http://schemas.openxmlformats.org/officeDocument/2006/relationships" xmlns:p="http://schemas.openxmlformats.org/presentationml/2006/main">
+  <p:cSld>
+    <p:spTree>
+      <p:nvGrpSpPr>
+        <p:cNvPr id="1" name=""/>
+        <p:cNvGrpSpPr/>
+        <p:nvPr/>
+      </p:nvGrpSpPr>
+      <p:grpSpPr>
+        <a:xfrm>
+          <a:off x="0" y="0"/>
+          <a:ext cx="0" cy="0"/>
+          <a:chOff x="0" y="0"/>
+          <a:chExt cx="0" cy="0"/>
+        </a:xfrm>
+      </p:grpSpPr>
+      <p:sp>
+        <p:nvSpPr>
+          <p:cNvPr id="2" name="Title 1">
+            <a:extLst>
+              <a:ext uri="{FF2B5EF4-FFF2-40B4-BE49-F238E27FC236}">
+                <a16:creationId xmlns:a16="http://schemas.microsoft.com/office/drawing/2014/main" id="{90AE6D98-E9B9-61F5-DADC-B3361CE55824}"/>
+              </a:ext>
+            </a:extLst>
+          </p:cNvPr>
+          <p:cNvSpPr>
+            <a:spLocks noGrp="1"/>
+          </p:cNvSpPr>
+          <p:nvPr>
+            <p:ph type="title"/>
+          </p:nvPr>
+        </p:nvSpPr>
+        <p:spPr/>
+        <p:txBody>
+          <a:bodyPr/>
+          <a:lstStyle/>
+          <a:p>
+            <a:endParaRPr lang="en-GB"/>
+          </a:p>
+        </p:txBody>
+      </p:sp>
+      <p:sp>
+        <p:nvSpPr>
+          <p:cNvPr id="3" name="Text Placeholder 2">
+            <a:extLst>
+              <a:ext uri="{FF2B5EF4-FFF2-40B4-BE49-F238E27FC236}">
+                <a16:creationId xmlns:a16="http://schemas.microsoft.com/office/drawing/2014/main" id="{EEEC3ACC-392C-6E36-7B7E-126180BAAF7E}"/>
+              </a:ext>
+            </a:extLst>
+          </p:cNvPr>
+          <p:cNvSpPr>
+            <a:spLocks noGrp="1"/>
+          </p:cNvSpPr>
+          <p:nvPr>
+            <p:ph type="body" idx="1"/>
+          </p:nvPr>
+        </p:nvSpPr>
+        <p:spPr/>
+        <p:txBody>
+          <a:bodyPr/>
+          <a:lstStyle/>
+          <a:p>
+            <a:endParaRPr lang="en-GB"/>
+          </a:p>
+        </p:txBody>
+      </p:sp>
+      <p:sp>
+        <p:nvSpPr>
+          <p:cNvPr id="4" name="Text Placeholder 3">
+            <a:extLst>
+              <a:ext uri="{FF2B5EF4-FFF2-40B4-BE49-F238E27FC236}">
+                <a16:creationId xmlns:a16="http://schemas.microsoft.com/office/drawing/2014/main" id="{89635672-8EC5-A13D-7A2D-CD70884BBBE7}"/>
+              </a:ext>
+            </a:extLst>
+          </p:cNvPr>
+          <p:cNvSpPr>
+            <a:spLocks noGrp="1"/>
+          </p:cNvSpPr>
+          <p:nvPr>
+            <p:ph type="body" idx="2"/>
+          </p:nvPr>
+        </p:nvSpPr>
+        <p:spPr/>
+        <p:txBody>
+          <a:bodyPr/>
+          <a:lstStyle/>
+          <a:p>
+            <a:endParaRPr lang="en-GB"/>
+          </a:p>
+        </p:txBody>
+      </p:sp>
+    </p:spTree>
+    <p:extLst>
+      <p:ext uri="{BB962C8B-B14F-4D97-AF65-F5344CB8AC3E}">
+        <p14:creationId xmlns:p14="http://schemas.microsoft.com/office/powerpoint/2010/main" val="4095535346"/>
       </p:ext>
     </p:extLst>
   </p:cSld>

--- a/media/template/Master ppt.pptx
+++ b/media/template/Master ppt.pptx
@@ -5,7 +5,7 @@
     <p:sldMasterId id="2147483659" r:id="rId1"/>
   </p:sldMasterIdLst>
   <p:notesMasterIdLst>
-    <p:notesMasterId r:id="rId9"/>
+    <p:notesMasterId r:id="rId8"/>
   </p:notesMasterIdLst>
   <p:sldIdLst>
     <p:sldId id="265" r:id="rId2"/>
@@ -14,7 +14,6 @@
     <p:sldId id="266" r:id="rId5"/>
     <p:sldId id="268" r:id="rId6"/>
     <p:sldId id="267" r:id="rId7"/>
-    <p:sldId id="270" r:id="rId8"/>
   </p:sldIdLst>
   <p:sldSz cx="12192000" cy="6858000"/>
   <p:notesSz cx="6858000" cy="9144000"/>
@@ -258,7 +257,7 @@
 <file path=ppt/revisionInfo.xml><?xml version="1.0" encoding="utf-8"?>
 <p1510:revInfo xmlns:a="http://schemas.openxmlformats.org/drawingml/2006/main" xmlns:r="http://schemas.openxmlformats.org/officeDocument/2006/relationships" xmlns:p1510="http://schemas.microsoft.com/office/powerpoint/2015/10/main">
   <p1510:revLst>
-    <p1510:client id="{2A7D277F-C42F-4FA1-A183-7B91CB01427B}" v="254" dt="2025-04-03T12:42:02.662"/>
+    <p1510:client id="{2A7D277F-C42F-4FA1-A183-7B91CB01427B}" v="258" dt="2025-04-04T06:25:31.834"/>
   </p1510:revLst>
 </p1510:revInfo>
 </file>
@@ -268,7 +267,7 @@
   <pc:docChgLst>
     <pc:chgData name="Muhammad Zainur Rifai" userId="c76fe9f89b69102c" providerId="LiveId" clId="{2A7D277F-C42F-4FA1-A183-7B91CB01427B}"/>
     <pc:docChg chg="undo custSel addSld delSld modSld sldOrd modMainMaster">
-      <pc:chgData name="Muhammad Zainur Rifai" userId="c76fe9f89b69102c" providerId="LiveId" clId="{2A7D277F-C42F-4FA1-A183-7B91CB01427B}" dt="2025-04-03T12:43:01.835" v="866" actId="680"/>
+      <pc:chgData name="Muhammad Zainur Rifai" userId="c76fe9f89b69102c" providerId="LiveId" clId="{2A7D277F-C42F-4FA1-A183-7B91CB01427B}" dt="2025-04-04T06:25:31.834" v="875"/>
       <pc:docMkLst>
         <pc:docMk/>
       </pc:docMkLst>
@@ -306,14 +305,6 @@
           <pc:docMk/>
           <pc:sldMk cId="3043654037" sldId="260"/>
         </pc:sldMkLst>
-        <pc:spChg chg="add del mod ord">
-          <ac:chgData name="Muhammad Zainur Rifai" userId="c76fe9f89b69102c" providerId="LiveId" clId="{2A7D277F-C42F-4FA1-A183-7B91CB01427B}" dt="2025-04-02T00:48:37.845" v="38" actId="21"/>
-          <ac:spMkLst>
-            <pc:docMk/>
-            <pc:sldMk cId="3043654037" sldId="260"/>
-            <ac:spMk id="3" creationId="{4CE67890-839F-F357-49C2-17EC09154840}"/>
-          </ac:spMkLst>
-        </pc:spChg>
       </pc:sldChg>
       <pc:sldChg chg="addSp delSp modSp new del mod">
         <pc:chgData name="Muhammad Zainur Rifai" userId="c76fe9f89b69102c" providerId="LiveId" clId="{2A7D277F-C42F-4FA1-A183-7B91CB01427B}" dt="2025-04-02T01:19:11.590" v="356" actId="47"/>
@@ -321,70 +312,6 @@
           <pc:docMk/>
           <pc:sldMk cId="213904722" sldId="261"/>
         </pc:sldMkLst>
-        <pc:spChg chg="add mod">
-          <ac:chgData name="Muhammad Zainur Rifai" userId="c76fe9f89b69102c" providerId="LiveId" clId="{2A7D277F-C42F-4FA1-A183-7B91CB01427B}" dt="2025-04-02T00:54:59.055" v="90" actId="1076"/>
-          <ac:spMkLst>
-            <pc:docMk/>
-            <pc:sldMk cId="213904722" sldId="261"/>
-            <ac:spMk id="2" creationId="{28C509F8-5E99-8B8F-4F71-2690F08B5D8B}"/>
-          </ac:spMkLst>
-        </pc:spChg>
-        <pc:spChg chg="mod">
-          <ac:chgData name="Muhammad Zainur Rifai" userId="c76fe9f89b69102c" providerId="LiveId" clId="{2A7D277F-C42F-4FA1-A183-7B91CB01427B}" dt="2025-04-02T01:06:16.119" v="243" actId="255"/>
-          <ac:spMkLst>
-            <pc:docMk/>
-            <pc:sldMk cId="213904722" sldId="261"/>
-            <ac:spMk id="3" creationId="{2CC18E5E-4821-5DEA-1DE0-FDFFFEE9FBBF}"/>
-          </ac:spMkLst>
-        </pc:spChg>
-        <pc:spChg chg="add del mod">
-          <ac:chgData name="Muhammad Zainur Rifai" userId="c76fe9f89b69102c" providerId="LiveId" clId="{2A7D277F-C42F-4FA1-A183-7B91CB01427B}" dt="2025-04-02T00:57:48.177" v="157" actId="478"/>
-          <ac:spMkLst>
-            <pc:docMk/>
-            <pc:sldMk cId="213904722" sldId="261"/>
-            <ac:spMk id="4" creationId="{51AD52FD-574D-4E67-9E6F-3631118854CA}"/>
-          </ac:spMkLst>
-        </pc:spChg>
-        <pc:spChg chg="add mod">
-          <ac:chgData name="Muhammad Zainur Rifai" userId="c76fe9f89b69102c" providerId="LiveId" clId="{2A7D277F-C42F-4FA1-A183-7B91CB01427B}" dt="2025-04-02T00:54:56.172" v="89" actId="1076"/>
-          <ac:spMkLst>
-            <pc:docMk/>
-            <pc:sldMk cId="213904722" sldId="261"/>
-            <ac:spMk id="5" creationId="{5F40B638-8F7E-15BB-E996-4C820E5B1F9D}"/>
-          </ac:spMkLst>
-        </pc:spChg>
-        <pc:spChg chg="add mod">
-          <ac:chgData name="Muhammad Zainur Rifai" userId="c76fe9f89b69102c" providerId="LiveId" clId="{2A7D277F-C42F-4FA1-A183-7B91CB01427B}" dt="2025-04-02T00:59:47.995" v="187" actId="1076"/>
-          <ac:spMkLst>
-            <pc:docMk/>
-            <pc:sldMk cId="213904722" sldId="261"/>
-            <ac:spMk id="6" creationId="{6024A265-77F6-6290-5C14-D9E6CF3E3C11}"/>
-          </ac:spMkLst>
-        </pc:spChg>
-        <pc:spChg chg="add mod">
-          <ac:chgData name="Muhammad Zainur Rifai" userId="c76fe9f89b69102c" providerId="LiveId" clId="{2A7D277F-C42F-4FA1-A183-7B91CB01427B}" dt="2025-04-02T01:03:53.682" v="223" actId="1076"/>
-          <ac:spMkLst>
-            <pc:docMk/>
-            <pc:sldMk cId="213904722" sldId="261"/>
-            <ac:spMk id="7" creationId="{69915E58-108C-E53B-DEF4-5BB0A4610A60}"/>
-          </ac:spMkLst>
-        </pc:spChg>
-        <pc:spChg chg="add mod">
-          <ac:chgData name="Muhammad Zainur Rifai" userId="c76fe9f89b69102c" providerId="LiveId" clId="{2A7D277F-C42F-4FA1-A183-7B91CB01427B}" dt="2025-04-02T01:05:59.308" v="240" actId="255"/>
-          <ac:spMkLst>
-            <pc:docMk/>
-            <pc:sldMk cId="213904722" sldId="261"/>
-            <ac:spMk id="8" creationId="{C65B9F59-622E-544B-15EF-3213C6678B1C}"/>
-          </ac:spMkLst>
-        </pc:spChg>
-        <pc:spChg chg="add mod">
-          <ac:chgData name="Muhammad Zainur Rifai" userId="c76fe9f89b69102c" providerId="LiveId" clId="{2A7D277F-C42F-4FA1-A183-7B91CB01427B}" dt="2025-04-02T01:04:08.788" v="227" actId="1076"/>
-          <ac:spMkLst>
-            <pc:docMk/>
-            <pc:sldMk cId="213904722" sldId="261"/>
-            <ac:spMk id="9" creationId="{14D5068B-C824-E75C-98BB-E27D0F248054}"/>
-          </ac:spMkLst>
-        </pc:spChg>
       </pc:sldChg>
       <pc:sldChg chg="add del">
         <pc:chgData name="Muhammad Zainur Rifai" userId="c76fe9f89b69102c" providerId="LiveId" clId="{2A7D277F-C42F-4FA1-A183-7B91CB01427B}" dt="2025-03-29T11:32:23.049" v="17" actId="47"/>
@@ -413,30 +340,6 @@
           <pc:docMk/>
           <pc:sldMk cId="2559787400" sldId="262"/>
         </pc:sldMkLst>
-        <pc:spChg chg="mod">
-          <ac:chgData name="Muhammad Zainur Rifai" userId="c76fe9f89b69102c" providerId="LiveId" clId="{2A7D277F-C42F-4FA1-A183-7B91CB01427B}" dt="2025-04-02T00:49:16.063" v="42" actId="14100"/>
-          <ac:spMkLst>
-            <pc:docMk/>
-            <pc:sldMk cId="2559787400" sldId="262"/>
-            <ac:spMk id="2" creationId="{A2AF962A-9AB5-E12A-2724-7999C629A54F}"/>
-          </ac:spMkLst>
-        </pc:spChg>
-        <pc:spChg chg="add mod">
-          <ac:chgData name="Muhammad Zainur Rifai" userId="c76fe9f89b69102c" providerId="LiveId" clId="{2A7D277F-C42F-4FA1-A183-7B91CB01427B}" dt="2025-04-02T00:48:40.611" v="39"/>
-          <ac:spMkLst>
-            <pc:docMk/>
-            <pc:sldMk cId="2559787400" sldId="262"/>
-            <ac:spMk id="4" creationId="{4CE67890-839F-F357-49C2-17EC09154840}"/>
-          </ac:spMkLst>
-        </pc:spChg>
-        <pc:spChg chg="add mod">
-          <ac:chgData name="Muhammad Zainur Rifai" userId="c76fe9f89b69102c" providerId="LiveId" clId="{2A7D277F-C42F-4FA1-A183-7B91CB01427B}" dt="2025-04-02T00:50:17.543" v="45" actId="14100"/>
-          <ac:spMkLst>
-            <pc:docMk/>
-            <pc:sldMk cId="2559787400" sldId="262"/>
-            <ac:spMk id="5" creationId="{1D1FFBBD-6820-81D5-F05C-AFDBC88D6331}"/>
-          </ac:spMkLst>
-        </pc:spChg>
       </pc:sldChg>
       <pc:sldChg chg="del">
         <pc:chgData name="Muhammad Zainur Rifai" userId="c76fe9f89b69102c" providerId="LiveId" clId="{2A7D277F-C42F-4FA1-A183-7B91CB01427B}" dt="2025-03-29T11:32:20.999" v="14" actId="47"/>
@@ -458,22 +361,6 @@
           <pc:docMk/>
           <pc:sldMk cId="634584882" sldId="263"/>
         </pc:sldMkLst>
-        <pc:spChg chg="mod">
-          <ac:chgData name="Muhammad Zainur Rifai" userId="c76fe9f89b69102c" providerId="LiveId" clId="{2A7D277F-C42F-4FA1-A183-7B91CB01427B}" dt="2025-04-02T00:51:20.207" v="58" actId="20577"/>
-          <ac:spMkLst>
-            <pc:docMk/>
-            <pc:sldMk cId="634584882" sldId="263"/>
-            <ac:spMk id="2" creationId="{B47E3FD9-F827-234A-BA17-6EC7A53618F0}"/>
-          </ac:spMkLst>
-        </pc:spChg>
-        <pc:spChg chg="add mod ord">
-          <ac:chgData name="Muhammad Zainur Rifai" userId="c76fe9f89b69102c" providerId="LiveId" clId="{2A7D277F-C42F-4FA1-A183-7B91CB01427B}" dt="2025-04-02T00:51:14.409" v="49" actId="167"/>
-          <ac:spMkLst>
-            <pc:docMk/>
-            <pc:sldMk cId="634584882" sldId="263"/>
-            <ac:spMk id="4" creationId="{DA5184A9-F28B-2A3C-20F4-FF795069DFBB}"/>
-          </ac:spMkLst>
-        </pc:spChg>
       </pc:sldChg>
       <pc:sldChg chg="add del">
         <pc:chgData name="Muhammad Zainur Rifai" userId="c76fe9f89b69102c" providerId="LiveId" clId="{2A7D277F-C42F-4FA1-A183-7B91CB01427B}" dt="2025-03-29T11:32:20.406" v="13" actId="47"/>
@@ -503,12 +390,44 @@
           <pc:sldMk cId="3496162368" sldId="264"/>
         </pc:sldMkLst>
       </pc:sldChg>
-      <pc:sldChg chg="new">
-        <pc:chgData name="Muhammad Zainur Rifai" userId="c76fe9f89b69102c" providerId="LiveId" clId="{2A7D277F-C42F-4FA1-A183-7B91CB01427B}" dt="2025-04-02T01:18:58.475" v="355" actId="680"/>
+      <pc:sldChg chg="addSp modSp new">
+        <pc:chgData name="Muhammad Zainur Rifai" userId="c76fe9f89b69102c" providerId="LiveId" clId="{2A7D277F-C42F-4FA1-A183-7B91CB01427B}" dt="2025-04-04T06:23:55.439" v="868"/>
         <pc:sldMkLst>
           <pc:docMk/>
           <pc:sldMk cId="2671655484" sldId="265"/>
         </pc:sldMkLst>
+        <pc:spChg chg="add mod">
+          <ac:chgData name="Muhammad Zainur Rifai" userId="c76fe9f89b69102c" providerId="LiveId" clId="{2A7D277F-C42F-4FA1-A183-7B91CB01427B}" dt="2025-04-04T06:23:55.439" v="868"/>
+          <ac:spMkLst>
+            <pc:docMk/>
+            <pc:sldMk cId="2671655484" sldId="265"/>
+            <ac:spMk id="4" creationId="{1B381FA3-7332-87F2-9ABD-1C2B17A51C9D}"/>
+          </ac:spMkLst>
+        </pc:spChg>
+        <pc:spChg chg="add mod">
+          <ac:chgData name="Muhammad Zainur Rifai" userId="c76fe9f89b69102c" providerId="LiveId" clId="{2A7D277F-C42F-4FA1-A183-7B91CB01427B}" dt="2025-04-04T06:23:55.439" v="868"/>
+          <ac:spMkLst>
+            <pc:docMk/>
+            <pc:sldMk cId="2671655484" sldId="265"/>
+            <ac:spMk id="5" creationId="{0E06C100-A706-C749-8A84-4013772FCCA7}"/>
+          </ac:spMkLst>
+        </pc:spChg>
+        <pc:spChg chg="add mod">
+          <ac:chgData name="Muhammad Zainur Rifai" userId="c76fe9f89b69102c" providerId="LiveId" clId="{2A7D277F-C42F-4FA1-A183-7B91CB01427B}" dt="2025-04-04T06:23:55.439" v="868"/>
+          <ac:spMkLst>
+            <pc:docMk/>
+            <pc:sldMk cId="2671655484" sldId="265"/>
+            <ac:spMk id="6" creationId="{85FF6767-BC5E-BDE5-E203-2FA4703C4283}"/>
+          </ac:spMkLst>
+        </pc:spChg>
+        <pc:spChg chg="add mod">
+          <ac:chgData name="Muhammad Zainur Rifai" userId="c76fe9f89b69102c" providerId="LiveId" clId="{2A7D277F-C42F-4FA1-A183-7B91CB01427B}" dt="2025-04-04T06:23:55.439" v="868"/>
+          <ac:spMkLst>
+            <pc:docMk/>
+            <pc:sldMk cId="2671655484" sldId="265"/>
+            <ac:spMk id="7" creationId="{3467F291-86D8-BD42-3D2F-B0166B1A497F}"/>
+          </ac:spMkLst>
+        </pc:spChg>
       </pc:sldChg>
       <pc:sldChg chg="del">
         <pc:chgData name="Muhammad Zainur Rifai" userId="c76fe9f89b69102c" providerId="LiveId" clId="{2A7D277F-C42F-4FA1-A183-7B91CB01427B}" dt="2025-03-29T11:32:18.806" v="11" actId="47"/>
@@ -531,8 +450,8 @@
           <pc:sldMk cId="2665662414" sldId="266"/>
         </pc:sldMkLst>
       </pc:sldChg>
-      <pc:sldChg chg="modSp new mod">
-        <pc:chgData name="Muhammad Zainur Rifai" userId="c76fe9f89b69102c" providerId="LiveId" clId="{2A7D277F-C42F-4FA1-A183-7B91CB01427B}" dt="2025-04-02T01:30:09.615" v="463" actId="20577"/>
+      <pc:sldChg chg="addSp modSp new mod">
+        <pc:chgData name="Muhammad Zainur Rifai" userId="c76fe9f89b69102c" providerId="LiveId" clId="{2A7D277F-C42F-4FA1-A183-7B91CB01427B}" dt="2025-04-04T06:24:35.622" v="872"/>
         <pc:sldMkLst>
           <pc:docMk/>
           <pc:sldMk cId="3810821215" sldId="266"/>
@@ -545,6 +464,14 @@
             <ac:spMk id="3" creationId="{FF9D9DDC-BADB-DB9F-8296-AD55080DD3E2}"/>
           </ac:spMkLst>
         </pc:spChg>
+        <pc:spChg chg="add mod">
+          <ac:chgData name="Muhammad Zainur Rifai" userId="c76fe9f89b69102c" providerId="LiveId" clId="{2A7D277F-C42F-4FA1-A183-7B91CB01427B}" dt="2025-04-04T06:24:35.622" v="872"/>
+          <ac:spMkLst>
+            <pc:docMk/>
+            <pc:sldMk cId="3810821215" sldId="266"/>
+            <ac:spMk id="8" creationId="{B8124B9D-9F77-D868-AC33-95991DA6456D}"/>
+          </ac:spMkLst>
+        </pc:spChg>
       </pc:sldChg>
       <pc:sldChg chg="add del">
         <pc:chgData name="Muhammad Zainur Rifai" userId="c76fe9f89b69102c" providerId="LiveId" clId="{2A7D277F-C42F-4FA1-A183-7B91CB01427B}" dt="2025-03-29T11:32:21.637" v="15" actId="47"/>
@@ -553,8 +480,8 @@
           <pc:sldMk cId="209366256" sldId="267"/>
         </pc:sldMkLst>
       </pc:sldChg>
-      <pc:sldChg chg="modSp new mod">
-        <pc:chgData name="Muhammad Zainur Rifai" userId="c76fe9f89b69102c" providerId="LiveId" clId="{2A7D277F-C42F-4FA1-A183-7B91CB01427B}" dt="2025-04-02T01:42:00.502" v="520" actId="20577"/>
+      <pc:sldChg chg="addSp modSp new mod">
+        <pc:chgData name="Muhammad Zainur Rifai" userId="c76fe9f89b69102c" providerId="LiveId" clId="{2A7D277F-C42F-4FA1-A183-7B91CB01427B}" dt="2025-04-04T06:25:31.834" v="875"/>
         <pc:sldMkLst>
           <pc:docMk/>
           <pc:sldMk cId="967270726" sldId="267"/>
@@ -565,6 +492,14 @@
             <pc:docMk/>
             <pc:sldMk cId="967270726" sldId="267"/>
             <ac:spMk id="2" creationId="{E2234CAE-DF56-6361-760C-07696B559ABD}"/>
+          </ac:spMkLst>
+        </pc:spChg>
+        <pc:spChg chg="add mod">
+          <ac:chgData name="Muhammad Zainur Rifai" userId="c76fe9f89b69102c" providerId="LiveId" clId="{2A7D277F-C42F-4FA1-A183-7B91CB01427B}" dt="2025-04-04T06:25:31.834" v="875"/>
+          <ac:spMkLst>
+            <pc:docMk/>
+            <pc:sldMk cId="967270726" sldId="267"/>
+            <ac:spMk id="7" creationId="{138EAC00-8F6D-971A-A32E-C058A9F91624}"/>
           </ac:spMkLst>
         </pc:spChg>
       </pc:sldChg>
@@ -663,8 +598,8 @@
           </ac:spMkLst>
         </pc:spChg>
       </pc:sldChg>
-      <pc:sldChg chg="modSp new mod">
-        <pc:chgData name="Muhammad Zainur Rifai" userId="c76fe9f89b69102c" providerId="LiveId" clId="{2A7D277F-C42F-4FA1-A183-7B91CB01427B}" dt="2025-04-03T12:40:13.529" v="850" actId="27636"/>
+      <pc:sldChg chg="addSp modSp new mod">
+        <pc:chgData name="Muhammad Zainur Rifai" userId="c76fe9f89b69102c" providerId="LiveId" clId="{2A7D277F-C42F-4FA1-A183-7B91CB01427B}" dt="2025-04-04T06:24:11.454" v="870"/>
         <pc:sldMkLst>
           <pc:docMk/>
           <pc:sldMk cId="4007519493" sldId="269"/>
@@ -677,6 +612,14 @@
             <ac:spMk id="3" creationId="{A1AE2557-1130-417E-C7E7-E6A04EAE12B6}"/>
           </ac:spMkLst>
         </pc:spChg>
+        <pc:spChg chg="add mod">
+          <ac:chgData name="Muhammad Zainur Rifai" userId="c76fe9f89b69102c" providerId="LiveId" clId="{2A7D277F-C42F-4FA1-A183-7B91CB01427B}" dt="2025-04-04T06:24:11.454" v="870"/>
+          <ac:spMkLst>
+            <pc:docMk/>
+            <pc:sldMk cId="4007519493" sldId="269"/>
+            <ac:spMk id="20" creationId="{FCC2E323-B2C4-1430-18E2-EE29197A0779}"/>
+          </ac:spMkLst>
+        </pc:spChg>
       </pc:sldChg>
       <pc:sldChg chg="new del">
         <pc:chgData name="Muhammad Zainur Rifai" userId="c76fe9f89b69102c" providerId="LiveId" clId="{2A7D277F-C42F-4FA1-A183-7B91CB01427B}" dt="2025-04-03T12:42:54.106" v="865" actId="47"/>
@@ -685,37 +628,28 @@
           <pc:sldMk cId="472022453" sldId="270"/>
         </pc:sldMkLst>
       </pc:sldChg>
-      <pc:sldChg chg="new">
-        <pc:chgData name="Muhammad Zainur Rifai" userId="c76fe9f89b69102c" providerId="LiveId" clId="{2A7D277F-C42F-4FA1-A183-7B91CB01427B}" dt="2025-04-03T12:43:01.835" v="866" actId="680"/>
+      <pc:sldChg chg="new del">
+        <pc:chgData name="Muhammad Zainur Rifai" userId="c76fe9f89b69102c" providerId="LiveId" clId="{2A7D277F-C42F-4FA1-A183-7B91CB01427B}" dt="2025-04-04T06:24:44.391" v="873" actId="47"/>
         <pc:sldMkLst>
           <pc:docMk/>
           <pc:sldMk cId="4095535346" sldId="270"/>
         </pc:sldMkLst>
       </pc:sldChg>
-      <pc:sldMasterChg chg="addSldLayout modSldLayout sldLayoutOrd">
-        <pc:chgData name="Muhammad Zainur Rifai" userId="c76fe9f89b69102c" providerId="LiveId" clId="{2A7D277F-C42F-4FA1-A183-7B91CB01427B}" dt="2025-04-03T12:42:14.398" v="863" actId="1076"/>
+      <pc:sldMasterChg chg="addSldLayout delSldLayout modSldLayout sldLayoutOrd">
+        <pc:chgData name="Muhammad Zainur Rifai" userId="c76fe9f89b69102c" providerId="LiveId" clId="{2A7D277F-C42F-4FA1-A183-7B91CB01427B}" dt="2025-04-04T06:25:29.278" v="874" actId="21"/>
         <pc:sldMasterMkLst>
           <pc:docMk/>
           <pc:sldMasterMk cId="0" sldId="2147483659"/>
         </pc:sldMasterMkLst>
         <pc:sldLayoutChg chg="addSp delSp modSp mod">
-          <pc:chgData name="Muhammad Zainur Rifai" userId="c76fe9f89b69102c" providerId="LiveId" clId="{2A7D277F-C42F-4FA1-A183-7B91CB01427B}" dt="2025-04-03T05:59:29.602" v="758" actId="207"/>
+          <pc:chgData name="Muhammad Zainur Rifai" userId="c76fe9f89b69102c" providerId="LiveId" clId="{2A7D277F-C42F-4FA1-A183-7B91CB01427B}" dt="2025-04-04T06:23:49.271" v="867" actId="21"/>
           <pc:sldLayoutMkLst>
             <pc:docMk/>
             <pc:sldMasterMk cId="0" sldId="2147483659"/>
             <pc:sldLayoutMk cId="0" sldId="2147483648"/>
           </pc:sldLayoutMkLst>
           <pc:spChg chg="add del mod">
-            <ac:chgData name="Muhammad Zainur Rifai" userId="c76fe9f89b69102c" providerId="LiveId" clId="{2A7D277F-C42F-4FA1-A183-7B91CB01427B}" dt="2025-04-02T01:18:19.758" v="350" actId="478"/>
-            <ac:spMkLst>
-              <pc:docMk/>
-              <pc:sldMasterMk cId="0" sldId="2147483659"/>
-              <pc:sldLayoutMk cId="0" sldId="2147483648"/>
-              <ac:spMk id="2" creationId="{60D24B1C-DBED-D944-6FF9-CAAB626850B8}"/>
-            </ac:spMkLst>
-          </pc:spChg>
-          <pc:spChg chg="add mod">
-            <ac:chgData name="Muhammad Zainur Rifai" userId="c76fe9f89b69102c" providerId="LiveId" clId="{2A7D277F-C42F-4FA1-A183-7B91CB01427B}" dt="2025-04-02T01:05:05.975" v="230"/>
+            <ac:chgData name="Muhammad Zainur Rifai" userId="c76fe9f89b69102c" providerId="LiveId" clId="{2A7D277F-C42F-4FA1-A183-7B91CB01427B}" dt="2025-04-04T06:23:49.271" v="867" actId="21"/>
             <ac:spMkLst>
               <pc:docMk/>
               <pc:sldMasterMk cId="0" sldId="2147483659"/>
@@ -723,8 +657,8 @@
               <ac:spMk id="3" creationId="{1B381FA3-7332-87F2-9ABD-1C2B17A51C9D}"/>
             </ac:spMkLst>
           </pc:spChg>
-          <pc:spChg chg="add mod">
-            <ac:chgData name="Muhammad Zainur Rifai" userId="c76fe9f89b69102c" providerId="LiveId" clId="{2A7D277F-C42F-4FA1-A183-7B91CB01427B}" dt="2025-04-02T01:05:05.975" v="230"/>
+          <pc:spChg chg="add del mod">
+            <ac:chgData name="Muhammad Zainur Rifai" userId="c76fe9f89b69102c" providerId="LiveId" clId="{2A7D277F-C42F-4FA1-A183-7B91CB01427B}" dt="2025-04-04T06:23:49.271" v="867" actId="21"/>
             <ac:spMkLst>
               <pc:docMk/>
               <pc:sldMasterMk cId="0" sldId="2147483659"/>
@@ -732,8 +666,8 @@
               <ac:spMk id="4" creationId="{0E06C100-A706-C749-8A84-4013772FCCA7}"/>
             </ac:spMkLst>
           </pc:spChg>
-          <pc:spChg chg="add mod">
-            <ac:chgData name="Muhammad Zainur Rifai" userId="c76fe9f89b69102c" providerId="LiveId" clId="{2A7D277F-C42F-4FA1-A183-7B91CB01427B}" dt="2025-04-02T01:05:05.975" v="230"/>
+          <pc:spChg chg="add del mod">
+            <ac:chgData name="Muhammad Zainur Rifai" userId="c76fe9f89b69102c" providerId="LiveId" clId="{2A7D277F-C42F-4FA1-A183-7B91CB01427B}" dt="2025-04-04T06:23:49.271" v="867" actId="21"/>
             <ac:spMkLst>
               <pc:docMk/>
               <pc:sldMasterMk cId="0" sldId="2147483659"/>
@@ -741,22 +675,13 @@
               <ac:spMk id="5" creationId="{85FF6767-BC5E-BDE5-E203-2FA4703C4283}"/>
             </ac:spMkLst>
           </pc:spChg>
-          <pc:spChg chg="add mod">
-            <ac:chgData name="Muhammad Zainur Rifai" userId="c76fe9f89b69102c" providerId="LiveId" clId="{2A7D277F-C42F-4FA1-A183-7B91CB01427B}" dt="2025-04-02T01:05:05.975" v="230"/>
+          <pc:spChg chg="add del mod">
+            <ac:chgData name="Muhammad Zainur Rifai" userId="c76fe9f89b69102c" providerId="LiveId" clId="{2A7D277F-C42F-4FA1-A183-7B91CB01427B}" dt="2025-04-04T06:23:49.271" v="867" actId="21"/>
             <ac:spMkLst>
               <pc:docMk/>
               <pc:sldMasterMk cId="0" sldId="2147483659"/>
               <pc:sldLayoutMk cId="0" sldId="2147483648"/>
               <ac:spMk id="6" creationId="{3467F291-86D8-BD42-3D2F-B0166B1A497F}"/>
-            </ac:spMkLst>
-          </pc:spChg>
-          <pc:spChg chg="add del mod">
-            <ac:chgData name="Muhammad Zainur Rifai" userId="c76fe9f89b69102c" providerId="LiveId" clId="{2A7D277F-C42F-4FA1-A183-7B91CB01427B}" dt="2025-04-02T01:16:10.927" v="328" actId="478"/>
-            <ac:spMkLst>
-              <pc:docMk/>
-              <pc:sldMasterMk cId="0" sldId="2147483659"/>
-              <pc:sldLayoutMk cId="0" sldId="2147483648"/>
-              <ac:spMk id="7" creationId="{49098D25-4B70-2E83-9025-5589268EB334}"/>
             </ac:spMkLst>
           </pc:spChg>
           <pc:spChg chg="add mod">
@@ -768,24 +693,6 @@
               <ac:spMk id="8" creationId="{1C3232B5-390F-E235-D587-59DBDD74334E}"/>
             </ac:spMkLst>
           </pc:spChg>
-          <pc:spChg chg="add del mod">
-            <ac:chgData name="Muhammad Zainur Rifai" userId="c76fe9f89b69102c" providerId="LiveId" clId="{2A7D277F-C42F-4FA1-A183-7B91CB01427B}" dt="2025-04-02T01:17:14.805" v="334" actId="478"/>
-            <ac:spMkLst>
-              <pc:docMk/>
-              <pc:sldMasterMk cId="0" sldId="2147483659"/>
-              <pc:sldLayoutMk cId="0" sldId="2147483648"/>
-              <ac:spMk id="9" creationId="{4FE2D430-5653-FCC8-CBE0-E39920F731B8}"/>
-            </ac:spMkLst>
-          </pc:spChg>
-          <pc:spChg chg="add del mod">
-            <ac:chgData name="Muhammad Zainur Rifai" userId="c76fe9f89b69102c" providerId="LiveId" clId="{2A7D277F-C42F-4FA1-A183-7B91CB01427B}" dt="2025-04-02T01:17:03.109" v="333"/>
-            <ac:spMkLst>
-              <pc:docMk/>
-              <pc:sldMasterMk cId="0" sldId="2147483659"/>
-              <pc:sldLayoutMk cId="0" sldId="2147483648"/>
-              <ac:spMk id="10" creationId="{D4DF1435-D744-647C-DB52-E5E44A0D24CE}"/>
-            </ac:spMkLst>
-          </pc:spChg>
           <pc:spChg chg="add mod">
             <ac:chgData name="Muhammad Zainur Rifai" userId="c76fe9f89b69102c" providerId="LiveId" clId="{2A7D277F-C42F-4FA1-A183-7B91CB01427B}" dt="2025-04-03T05:59:29.602" v="758" actId="207"/>
             <ac:spMkLst>
@@ -793,60 +700,6 @@
               <pc:sldMasterMk cId="0" sldId="2147483659"/>
               <pc:sldLayoutMk cId="0" sldId="2147483648"/>
               <ac:spMk id="11" creationId="{F434DD8F-D32B-D31E-C63C-3A4994A93F09}"/>
-            </ac:spMkLst>
-          </pc:spChg>
-          <pc:spChg chg="del">
-            <ac:chgData name="Muhammad Zainur Rifai" userId="c76fe9f89b69102c" providerId="LiveId" clId="{2A7D277F-C42F-4FA1-A183-7B91CB01427B}" dt="2025-04-02T01:05:04.556" v="229" actId="478"/>
-            <ac:spMkLst>
-              <pc:docMk/>
-              <pc:sldMasterMk cId="0" sldId="2147483659"/>
-              <pc:sldLayoutMk cId="0" sldId="2147483648"/>
-              <ac:spMk id="12" creationId="{00000000-0000-0000-0000-000000000000}"/>
-            </ac:spMkLst>
-          </pc:spChg>
-          <pc:spChg chg="del">
-            <ac:chgData name="Muhammad Zainur Rifai" userId="c76fe9f89b69102c" providerId="LiveId" clId="{2A7D277F-C42F-4FA1-A183-7B91CB01427B}" dt="2025-04-02T01:05:01.727" v="228" actId="478"/>
-            <ac:spMkLst>
-              <pc:docMk/>
-              <pc:sldMasterMk cId="0" sldId="2147483659"/>
-              <pc:sldLayoutMk cId="0" sldId="2147483648"/>
-              <ac:spMk id="13" creationId="{00000000-0000-0000-0000-000000000000}"/>
-            </ac:spMkLst>
-          </pc:spChg>
-          <pc:spChg chg="del">
-            <ac:chgData name="Muhammad Zainur Rifai" userId="c76fe9f89b69102c" providerId="LiveId" clId="{2A7D277F-C42F-4FA1-A183-7B91CB01427B}" dt="2025-04-02T01:05:01.727" v="228" actId="478"/>
-            <ac:spMkLst>
-              <pc:docMk/>
-              <pc:sldMasterMk cId="0" sldId="2147483659"/>
-              <pc:sldLayoutMk cId="0" sldId="2147483648"/>
-              <ac:spMk id="14" creationId="{00000000-0000-0000-0000-000000000000}"/>
-            </ac:spMkLst>
-          </pc:spChg>
-          <pc:spChg chg="del">
-            <ac:chgData name="Muhammad Zainur Rifai" userId="c76fe9f89b69102c" providerId="LiveId" clId="{2A7D277F-C42F-4FA1-A183-7B91CB01427B}" dt="2025-04-02T01:05:01.727" v="228" actId="478"/>
-            <ac:spMkLst>
-              <pc:docMk/>
-              <pc:sldMasterMk cId="0" sldId="2147483659"/>
-              <pc:sldLayoutMk cId="0" sldId="2147483648"/>
-              <ac:spMk id="15" creationId="{00000000-0000-0000-0000-000000000000}"/>
-            </ac:spMkLst>
-          </pc:spChg>
-          <pc:spChg chg="del">
-            <ac:chgData name="Muhammad Zainur Rifai" userId="c76fe9f89b69102c" providerId="LiveId" clId="{2A7D277F-C42F-4FA1-A183-7B91CB01427B}" dt="2025-04-02T01:05:01.727" v="228" actId="478"/>
-            <ac:spMkLst>
-              <pc:docMk/>
-              <pc:sldMasterMk cId="0" sldId="2147483659"/>
-              <pc:sldLayoutMk cId="0" sldId="2147483648"/>
-              <ac:spMk id="16" creationId="{00000000-0000-0000-0000-000000000000}"/>
-            </ac:spMkLst>
-          </pc:spChg>
-          <pc:spChg chg="add mod">
-            <ac:chgData name="Muhammad Zainur Rifai" userId="c76fe9f89b69102c" providerId="LiveId" clId="{2A7D277F-C42F-4FA1-A183-7B91CB01427B}" dt="2025-04-02T01:18:02.441" v="344"/>
-            <ac:spMkLst>
-              <pc:docMk/>
-              <pc:sldMasterMk cId="0" sldId="2147483659"/>
-              <pc:sldLayoutMk cId="0" sldId="2147483648"/>
-              <ac:spMk id="17" creationId="{14290AD4-F73E-E7B3-2FFA-371E6C974F37}"/>
             </ac:spMkLst>
           </pc:spChg>
           <pc:spChg chg="add mod">
@@ -873,15 +726,6 @@
               <pc:sldMasterMk cId="0" sldId="2147483659"/>
               <pc:sldLayoutMk cId="0" sldId="2147483649"/>
               <ac:spMk id="2" creationId="{39E1C8D5-A1A4-1718-0ACE-05FCAC557E06}"/>
-            </ac:spMkLst>
-          </pc:spChg>
-          <pc:spChg chg="add del mod">
-            <ac:chgData name="Muhammad Zainur Rifai" userId="c76fe9f89b69102c" providerId="LiveId" clId="{2A7D277F-C42F-4FA1-A183-7B91CB01427B}" dt="2025-04-02T01:44:35.630" v="571" actId="478"/>
-            <ac:spMkLst>
-              <pc:docMk/>
-              <pc:sldMasterMk cId="0" sldId="2147483659"/>
-              <pc:sldLayoutMk cId="0" sldId="2147483649"/>
-              <ac:spMk id="3" creationId="{33E78A64-82A3-9EB0-3B9C-A8BDAEBB4D4E}"/>
             </ac:spMkLst>
           </pc:spChg>
           <pc:spChg chg="add mod">
@@ -911,33 +755,6 @@
               <ac:spMk id="19" creationId="{00000000-0000-0000-0000-000000000000}"/>
             </ac:spMkLst>
           </pc:spChg>
-          <pc:spChg chg="del">
-            <ac:chgData name="Muhammad Zainur Rifai" userId="c76fe9f89b69102c" providerId="LiveId" clId="{2A7D277F-C42F-4FA1-A183-7B91CB01427B}" dt="2025-04-02T01:07:42.110" v="252" actId="478"/>
-            <ac:spMkLst>
-              <pc:docMk/>
-              <pc:sldMasterMk cId="0" sldId="2147483659"/>
-              <pc:sldLayoutMk cId="0" sldId="2147483649"/>
-              <ac:spMk id="20" creationId="{00000000-0000-0000-0000-000000000000}"/>
-            </ac:spMkLst>
-          </pc:spChg>
-          <pc:spChg chg="del">
-            <ac:chgData name="Muhammad Zainur Rifai" userId="c76fe9f89b69102c" providerId="LiveId" clId="{2A7D277F-C42F-4FA1-A183-7B91CB01427B}" dt="2025-04-02T01:07:40.839" v="251" actId="478"/>
-            <ac:spMkLst>
-              <pc:docMk/>
-              <pc:sldMasterMk cId="0" sldId="2147483659"/>
-              <pc:sldLayoutMk cId="0" sldId="2147483649"/>
-              <ac:spMk id="21" creationId="{00000000-0000-0000-0000-000000000000}"/>
-            </ac:spMkLst>
-          </pc:spChg>
-          <pc:spChg chg="del">
-            <ac:chgData name="Muhammad Zainur Rifai" userId="c76fe9f89b69102c" providerId="LiveId" clId="{2A7D277F-C42F-4FA1-A183-7B91CB01427B}" dt="2025-04-02T01:07:38.267" v="250" actId="478"/>
-            <ac:spMkLst>
-              <pc:docMk/>
-              <pc:sldMasterMk cId="0" sldId="2147483659"/>
-              <pc:sldLayoutMk cId="0" sldId="2147483649"/>
-              <ac:spMk id="22" creationId="{00000000-0000-0000-0000-000000000000}"/>
-            </ac:spMkLst>
-          </pc:spChg>
           <pc:cxnChg chg="add mod">
             <ac:chgData name="Muhammad Zainur Rifai" userId="c76fe9f89b69102c" providerId="LiveId" clId="{2A7D277F-C42F-4FA1-A183-7B91CB01427B}" dt="2025-04-02T01:14:40.361" v="281" actId="14100"/>
             <ac:cxnSpMkLst>
@@ -956,195 +773,6 @@
             <pc:sldLayoutMk cId="0" sldId="2147483650"/>
           </pc:sldLayoutMkLst>
           <pc:spChg chg="add mod">
-            <ac:chgData name="Muhammad Zainur Rifai" userId="c76fe9f89b69102c" providerId="LiveId" clId="{2A7D277F-C42F-4FA1-A183-7B91CB01427B}" dt="2025-04-02T01:51:25.060" v="590"/>
-            <ac:spMkLst>
-              <pc:docMk/>
-              <pc:sldMasterMk cId="0" sldId="2147483659"/>
-              <pc:sldLayoutMk cId="0" sldId="2147483650"/>
-              <ac:spMk id="2" creationId="{972B469F-4240-3650-740C-56343A726AE4}"/>
-            </ac:spMkLst>
-          </pc:spChg>
-          <pc:spChg chg="mod">
-            <ac:chgData name="Muhammad Zainur Rifai" userId="c76fe9f89b69102c" providerId="LiveId" clId="{2A7D277F-C42F-4FA1-A183-7B91CB01427B}" dt="2025-04-02T01:51:35.794" v="591"/>
-            <ac:spMkLst>
-              <pc:docMk/>
-              <pc:sldMasterMk cId="0" sldId="2147483659"/>
-              <pc:sldLayoutMk cId="0" sldId="2147483650"/>
-              <ac:spMk id="4" creationId="{DEF818A5-EDCB-71BD-7933-BB68AB7F6A38}"/>
-            </ac:spMkLst>
-          </pc:spChg>
-          <pc:spChg chg="mod">
-            <ac:chgData name="Muhammad Zainur Rifai" userId="c76fe9f89b69102c" providerId="LiveId" clId="{2A7D277F-C42F-4FA1-A183-7B91CB01427B}" dt="2025-04-02T01:51:35.794" v="591"/>
-            <ac:spMkLst>
-              <pc:docMk/>
-              <pc:sldMasterMk cId="0" sldId="2147483659"/>
-              <pc:sldLayoutMk cId="0" sldId="2147483650"/>
-              <ac:spMk id="5" creationId="{015A3F67-9849-67A6-6E5A-46B443C94066}"/>
-            </ac:spMkLst>
-          </pc:spChg>
-          <pc:spChg chg="add del mod">
-            <ac:chgData name="Muhammad Zainur Rifai" userId="c76fe9f89b69102c" providerId="LiveId" clId="{2A7D277F-C42F-4FA1-A183-7B91CB01427B}" dt="2025-04-02T01:52:36.496" v="601" actId="478"/>
-            <ac:spMkLst>
-              <pc:docMk/>
-              <pc:sldMasterMk cId="0" sldId="2147483659"/>
-              <pc:sldLayoutMk cId="0" sldId="2147483650"/>
-              <ac:spMk id="6" creationId="{855B6885-1A40-C857-2E17-F5C4959A534A}"/>
-            </ac:spMkLst>
-          </pc:spChg>
-          <pc:spChg chg="mod topLvl">
-            <ac:chgData name="Muhammad Zainur Rifai" userId="c76fe9f89b69102c" providerId="LiveId" clId="{2A7D277F-C42F-4FA1-A183-7B91CB01427B}" dt="2025-04-02T02:01:11.547" v="718" actId="164"/>
-            <ac:spMkLst>
-              <pc:docMk/>
-              <pc:sldMasterMk cId="0" sldId="2147483659"/>
-              <pc:sldLayoutMk cId="0" sldId="2147483650"/>
-              <ac:spMk id="9" creationId="{2CB0DA0B-447B-4ED7-DFE6-FAB017567529}"/>
-            </ac:spMkLst>
-          </pc:spChg>
-          <pc:spChg chg="mod topLvl">
-            <ac:chgData name="Muhammad Zainur Rifai" userId="c76fe9f89b69102c" providerId="LiveId" clId="{2A7D277F-C42F-4FA1-A183-7B91CB01427B}" dt="2025-04-02T02:01:11.547" v="718" actId="164"/>
-            <ac:spMkLst>
-              <pc:docMk/>
-              <pc:sldMasterMk cId="0" sldId="2147483659"/>
-              <pc:sldLayoutMk cId="0" sldId="2147483650"/>
-              <ac:spMk id="10" creationId="{B9DA9249-5AC8-FFB8-DE90-842501CCBF7B}"/>
-            </ac:spMkLst>
-          </pc:spChg>
-          <pc:spChg chg="mod topLvl">
-            <ac:chgData name="Muhammad Zainur Rifai" userId="c76fe9f89b69102c" providerId="LiveId" clId="{2A7D277F-C42F-4FA1-A183-7B91CB01427B}" dt="2025-04-02T02:01:11.547" v="718" actId="164"/>
-            <ac:spMkLst>
-              <pc:docMk/>
-              <pc:sldMasterMk cId="0" sldId="2147483659"/>
-              <pc:sldLayoutMk cId="0" sldId="2147483650"/>
-              <ac:spMk id="11" creationId="{E4F1859D-66C2-B86F-0F0C-0366C023E795}"/>
-            </ac:spMkLst>
-          </pc:spChg>
-          <pc:spChg chg="mod">
-            <ac:chgData name="Muhammad Zainur Rifai" userId="c76fe9f89b69102c" providerId="LiveId" clId="{2A7D277F-C42F-4FA1-A183-7B91CB01427B}" dt="2025-04-02T01:59:24.920" v="707" actId="207"/>
-            <ac:spMkLst>
-              <pc:docMk/>
-              <pc:sldMasterMk cId="0" sldId="2147483659"/>
-              <pc:sldLayoutMk cId="0" sldId="2147483650"/>
-              <ac:spMk id="15" creationId="{6733616D-C696-46DF-96DD-9ACFDA5D1E1B}"/>
-            </ac:spMkLst>
-          </pc:spChg>
-          <pc:spChg chg="mod">
-            <ac:chgData name="Muhammad Zainur Rifai" userId="c76fe9f89b69102c" providerId="LiveId" clId="{2A7D277F-C42F-4FA1-A183-7B91CB01427B}" dt="2025-04-02T01:59:55.433" v="710" actId="2711"/>
-            <ac:spMkLst>
-              <pc:docMk/>
-              <pc:sldMasterMk cId="0" sldId="2147483659"/>
-              <pc:sldLayoutMk cId="0" sldId="2147483650"/>
-              <ac:spMk id="16" creationId="{F4EFC2DF-C029-1A51-7FA9-04F8BC02D0BC}"/>
-            </ac:spMkLst>
-          </pc:spChg>
-          <pc:spChg chg="mod">
-            <ac:chgData name="Muhammad Zainur Rifai" userId="c76fe9f89b69102c" providerId="LiveId" clId="{2A7D277F-C42F-4FA1-A183-7B91CB01427B}" dt="2025-04-02T02:00:56.557" v="715" actId="20577"/>
-            <ac:spMkLst>
-              <pc:docMk/>
-              <pc:sldMasterMk cId="0" sldId="2147483659"/>
-              <pc:sldLayoutMk cId="0" sldId="2147483650"/>
-              <ac:spMk id="17" creationId="{F1483ABE-7867-2445-0311-BA922EDCAEEB}"/>
-            </ac:spMkLst>
-          </pc:spChg>
-          <pc:spChg chg="mod">
-            <ac:chgData name="Muhammad Zainur Rifai" userId="c76fe9f89b69102c" providerId="LiveId" clId="{2A7D277F-C42F-4FA1-A183-7B91CB01427B}" dt="2025-04-02T01:59:49.550" v="709" actId="2711"/>
-            <ac:spMkLst>
-              <pc:docMk/>
-              <pc:sldMasterMk cId="0" sldId="2147483659"/>
-              <pc:sldLayoutMk cId="0" sldId="2147483650"/>
-              <ac:spMk id="18" creationId="{9FCEE1CC-3423-83CD-6E7A-C0874D54CB5D}"/>
-            </ac:spMkLst>
-          </pc:spChg>
-          <pc:spChg chg="mod">
-            <ac:chgData name="Muhammad Zainur Rifai" userId="c76fe9f89b69102c" providerId="LiveId" clId="{2A7D277F-C42F-4FA1-A183-7B91CB01427B}" dt="2025-04-02T02:00:57.861" v="717" actId="20577"/>
-            <ac:spMkLst>
-              <pc:docMk/>
-              <pc:sldMasterMk cId="0" sldId="2147483659"/>
-              <pc:sldLayoutMk cId="0" sldId="2147483650"/>
-              <ac:spMk id="19" creationId="{C3271BC0-B0A0-FE19-DA83-25F23A785561}"/>
-            </ac:spMkLst>
-          </pc:spChg>
-          <pc:spChg chg="mod">
-            <ac:chgData name="Muhammad Zainur Rifai" userId="c76fe9f89b69102c" providerId="LiveId" clId="{2A7D277F-C42F-4FA1-A183-7B91CB01427B}" dt="2025-04-02T02:00:56.944" v="716" actId="20577"/>
-            <ac:spMkLst>
-              <pc:docMk/>
-              <pc:sldMasterMk cId="0" sldId="2147483659"/>
-              <pc:sldLayoutMk cId="0" sldId="2147483650"/>
-              <ac:spMk id="20" creationId="{E9FF1425-45FE-2B38-8757-9C03B4F182DA}"/>
-            </ac:spMkLst>
-          </pc:spChg>
-          <pc:spChg chg="mod topLvl">
-            <ac:chgData name="Muhammad Zainur Rifai" userId="c76fe9f89b69102c" providerId="LiveId" clId="{2A7D277F-C42F-4FA1-A183-7B91CB01427B}" dt="2025-04-02T02:01:11.547" v="718" actId="164"/>
-            <ac:spMkLst>
-              <pc:docMk/>
-              <pc:sldMasterMk cId="0" sldId="2147483659"/>
-              <pc:sldLayoutMk cId="0" sldId="2147483650"/>
-              <ac:spMk id="21" creationId="{8C04E1B2-2C3C-7BE4-998D-3C8CE2B0391F}"/>
-            </ac:spMkLst>
-          </pc:spChg>
-          <pc:spChg chg="mod topLvl">
-            <ac:chgData name="Muhammad Zainur Rifai" userId="c76fe9f89b69102c" providerId="LiveId" clId="{2A7D277F-C42F-4FA1-A183-7B91CB01427B}" dt="2025-04-02T02:01:11.547" v="718" actId="164"/>
-            <ac:spMkLst>
-              <pc:docMk/>
-              <pc:sldMasterMk cId="0" sldId="2147483659"/>
-              <pc:sldLayoutMk cId="0" sldId="2147483650"/>
-              <ac:spMk id="22" creationId="{FF0795E1-24FB-8F70-A405-0E04DF4C74D4}"/>
-            </ac:spMkLst>
-          </pc:spChg>
-          <pc:spChg chg="add del mod">
-            <ac:chgData name="Muhammad Zainur Rifai" userId="c76fe9f89b69102c" providerId="LiveId" clId="{2A7D277F-C42F-4FA1-A183-7B91CB01427B}" dt="2025-04-02T01:58:09.141" v="696" actId="478"/>
-            <ac:spMkLst>
-              <pc:docMk/>
-              <pc:sldMasterMk cId="0" sldId="2147483659"/>
-              <pc:sldLayoutMk cId="0" sldId="2147483650"/>
-              <ac:spMk id="23" creationId="{48267835-B133-6D9C-FA4E-7F5F60A9051E}"/>
-            </ac:spMkLst>
-          </pc:spChg>
-          <pc:spChg chg="del mod">
-            <ac:chgData name="Muhammad Zainur Rifai" userId="c76fe9f89b69102c" providerId="LiveId" clId="{2A7D277F-C42F-4FA1-A183-7B91CB01427B}" dt="2025-04-02T01:51:23.520" v="589" actId="478"/>
-            <ac:spMkLst>
-              <pc:docMk/>
-              <pc:sldMasterMk cId="0" sldId="2147483659"/>
-              <pc:sldLayoutMk cId="0" sldId="2147483650"/>
-              <ac:spMk id="24" creationId="{00000000-0000-0000-0000-000000000000}"/>
-            </ac:spMkLst>
-          </pc:spChg>
-          <pc:spChg chg="del mod">
-            <ac:chgData name="Muhammad Zainur Rifai" userId="c76fe9f89b69102c" providerId="LiveId" clId="{2A7D277F-C42F-4FA1-A183-7B91CB01427B}" dt="2025-04-02T01:51:23.520" v="589" actId="478"/>
-            <ac:spMkLst>
-              <pc:docMk/>
-              <pc:sldMasterMk cId="0" sldId="2147483659"/>
-              <pc:sldLayoutMk cId="0" sldId="2147483650"/>
-              <ac:spMk id="25" creationId="{00000000-0000-0000-0000-000000000000}"/>
-            </ac:spMkLst>
-          </pc:spChg>
-          <pc:spChg chg="del">
-            <ac:chgData name="Muhammad Zainur Rifai" userId="c76fe9f89b69102c" providerId="LiveId" clId="{2A7D277F-C42F-4FA1-A183-7B91CB01427B}" dt="2025-04-02T01:51:23.520" v="589" actId="478"/>
-            <ac:spMkLst>
-              <pc:docMk/>
-              <pc:sldMasterMk cId="0" sldId="2147483659"/>
-              <pc:sldLayoutMk cId="0" sldId="2147483650"/>
-              <ac:spMk id="26" creationId="{00000000-0000-0000-0000-000000000000}"/>
-            </ac:spMkLst>
-          </pc:spChg>
-          <pc:spChg chg="del">
-            <ac:chgData name="Muhammad Zainur Rifai" userId="c76fe9f89b69102c" providerId="LiveId" clId="{2A7D277F-C42F-4FA1-A183-7B91CB01427B}" dt="2025-04-02T01:51:23.520" v="589" actId="478"/>
-            <ac:spMkLst>
-              <pc:docMk/>
-              <pc:sldMasterMk cId="0" sldId="2147483659"/>
-              <pc:sldLayoutMk cId="0" sldId="2147483650"/>
-              <ac:spMk id="27" creationId="{00000000-0000-0000-0000-000000000000}"/>
-            </ac:spMkLst>
-          </pc:spChg>
-          <pc:spChg chg="del">
-            <ac:chgData name="Muhammad Zainur Rifai" userId="c76fe9f89b69102c" providerId="LiveId" clId="{2A7D277F-C42F-4FA1-A183-7B91CB01427B}" dt="2025-04-02T01:51:23.520" v="589" actId="478"/>
-            <ac:spMkLst>
-              <pc:docMk/>
-              <pc:sldMasterMk cId="0" sldId="2147483659"/>
-              <pc:sldLayoutMk cId="0" sldId="2147483650"/>
-              <ac:spMk id="28" creationId="{00000000-0000-0000-0000-000000000000}"/>
-            </ac:spMkLst>
-          </pc:spChg>
-          <pc:spChg chg="add mod">
             <ac:chgData name="Muhammad Zainur Rifai" userId="c76fe9f89b69102c" providerId="LiveId" clId="{2A7D277F-C42F-4FA1-A183-7B91CB01427B}" dt="2025-04-02T01:58:09.984" v="697"/>
             <ac:spMkLst>
               <pc:docMk/>
@@ -1162,69 +790,6 @@
               <ac:spMk id="30" creationId="{F1F1097E-D961-16E1-E391-3ED7F1CF4A4A}"/>
             </ac:spMkLst>
           </pc:spChg>
-          <pc:grpChg chg="add del mod">
-            <ac:chgData name="Muhammad Zainur Rifai" userId="c76fe9f89b69102c" providerId="LiveId" clId="{2A7D277F-C42F-4FA1-A183-7B91CB01427B}" dt="2025-04-02T01:52:32.278" v="599" actId="478"/>
-            <ac:grpSpMkLst>
-              <pc:docMk/>
-              <pc:sldMasterMk cId="0" sldId="2147483659"/>
-              <pc:sldLayoutMk cId="0" sldId="2147483650"/>
-              <ac:grpSpMk id="3" creationId="{B6A2CA0F-6300-2C38-EF4E-1D0B25DC8BC7}"/>
-            </ac:grpSpMkLst>
-          </pc:grpChg>
-          <pc:grpChg chg="mod">
-            <ac:chgData name="Muhammad Zainur Rifai" userId="c76fe9f89b69102c" providerId="LiveId" clId="{2A7D277F-C42F-4FA1-A183-7B91CB01427B}" dt="2025-04-02T01:53:14.080" v="606" actId="1076"/>
-            <ac:grpSpMkLst>
-              <pc:docMk/>
-              <pc:sldMasterMk cId="0" sldId="2147483659"/>
-              <pc:sldLayoutMk cId="0" sldId="2147483650"/>
-              <ac:grpSpMk id="7" creationId="{B9B9EA4F-1215-79C3-7854-6EFAB8B13F3C}"/>
-            </ac:grpSpMkLst>
-          </pc:grpChg>
-          <pc:grpChg chg="del">
-            <ac:chgData name="Muhammad Zainur Rifai" userId="c76fe9f89b69102c" providerId="LiveId" clId="{2A7D277F-C42F-4FA1-A183-7B91CB01427B}" dt="2025-04-02T01:55:17.922" v="649" actId="165"/>
-            <ac:grpSpMkLst>
-              <pc:docMk/>
-              <pc:sldMasterMk cId="0" sldId="2147483659"/>
-              <pc:sldLayoutMk cId="0" sldId="2147483650"/>
-              <ac:grpSpMk id="8" creationId="{E400E196-4C56-07BF-0C1E-9A312092860F}"/>
-            </ac:grpSpMkLst>
-          </pc:grpChg>
-          <pc:grpChg chg="mod">
-            <ac:chgData name="Muhammad Zainur Rifai" userId="c76fe9f89b69102c" providerId="LiveId" clId="{2A7D277F-C42F-4FA1-A183-7B91CB01427B}" dt="2025-04-02T02:01:11.547" v="718" actId="164"/>
-            <ac:grpSpMkLst>
-              <pc:docMk/>
-              <pc:sldMasterMk cId="0" sldId="2147483659"/>
-              <pc:sldLayoutMk cId="0" sldId="2147483650"/>
-              <ac:grpSpMk id="12" creationId="{58E98C0E-E87C-F242-0191-F898EC93A7D7}"/>
-            </ac:grpSpMkLst>
-          </pc:grpChg>
-          <pc:grpChg chg="mod">
-            <ac:chgData name="Muhammad Zainur Rifai" userId="c76fe9f89b69102c" providerId="LiveId" clId="{2A7D277F-C42F-4FA1-A183-7B91CB01427B}" dt="2025-04-02T02:01:11.547" v="718" actId="164"/>
-            <ac:grpSpMkLst>
-              <pc:docMk/>
-              <pc:sldMasterMk cId="0" sldId="2147483659"/>
-              <pc:sldLayoutMk cId="0" sldId="2147483650"/>
-              <ac:grpSpMk id="13" creationId="{E2904DBB-1C9A-745B-48B0-CAAE0614C0D5}"/>
-            </ac:grpSpMkLst>
-          </pc:grpChg>
-          <pc:grpChg chg="mod">
-            <ac:chgData name="Muhammad Zainur Rifai" userId="c76fe9f89b69102c" providerId="LiveId" clId="{2A7D277F-C42F-4FA1-A183-7B91CB01427B}" dt="2025-04-02T02:01:11.547" v="718" actId="164"/>
-            <ac:grpSpMkLst>
-              <pc:docMk/>
-              <pc:sldMasterMk cId="0" sldId="2147483659"/>
-              <pc:sldLayoutMk cId="0" sldId="2147483650"/>
-              <ac:grpSpMk id="14" creationId="{0334612D-71EE-0FBB-AA8E-F28F09E09D17}"/>
-            </ac:grpSpMkLst>
-          </pc:grpChg>
-          <pc:grpChg chg="add del mod">
-            <ac:chgData name="Muhammad Zainur Rifai" userId="c76fe9f89b69102c" providerId="LiveId" clId="{2A7D277F-C42F-4FA1-A183-7B91CB01427B}" dt="2025-04-02T02:01:15.792" v="719" actId="21"/>
-            <ac:grpSpMkLst>
-              <pc:docMk/>
-              <pc:sldMasterMk cId="0" sldId="2147483659"/>
-              <pc:sldLayoutMk cId="0" sldId="2147483650"/>
-              <ac:grpSpMk id="32" creationId="{8247D23F-9773-F615-D713-8B9D29BD21AB}"/>
-            </ac:grpSpMkLst>
-          </pc:grpChg>
           <pc:cxnChg chg="add mod">
             <ac:chgData name="Muhammad Zainur Rifai" userId="c76fe9f89b69102c" providerId="LiveId" clId="{2A7D277F-C42F-4FA1-A183-7B91CB01427B}" dt="2025-04-02T01:58:36.892" v="701" actId="1076"/>
             <ac:cxnSpMkLst>
@@ -1235,8 +800,16 @@
             </ac:cxnSpMkLst>
           </pc:cxnChg>
         </pc:sldLayoutChg>
+        <pc:sldLayoutChg chg="del">
+          <pc:chgData name="Muhammad Zainur Rifai" userId="c76fe9f89b69102c" providerId="LiveId" clId="{2A7D277F-C42F-4FA1-A183-7B91CB01427B}" dt="2025-04-04T06:24:44.391" v="873" actId="47"/>
+          <pc:sldLayoutMkLst>
+            <pc:docMk/>
+            <pc:sldMasterMk cId="0" sldId="2147483659"/>
+            <pc:sldLayoutMk cId="0" sldId="2147483651"/>
+          </pc:sldLayoutMkLst>
+        </pc:sldLayoutChg>
         <pc:sldLayoutChg chg="addSp delSp modSp mod ord">
-          <pc:chgData name="Muhammad Zainur Rifai" userId="c76fe9f89b69102c" providerId="LiveId" clId="{2A7D277F-C42F-4FA1-A183-7B91CB01427B}" dt="2025-04-03T12:42:14.398" v="863" actId="1076"/>
+          <pc:chgData name="Muhammad Zainur Rifai" userId="c76fe9f89b69102c" providerId="LiveId" clId="{2A7D277F-C42F-4FA1-A183-7B91CB01427B}" dt="2025-04-04T06:25:29.278" v="874" actId="21"/>
           <pc:sldLayoutMkLst>
             <pc:docMk/>
             <pc:sldMasterMk cId="0" sldId="2147483659"/>
@@ -1278,8 +851,8 @@
               <ac:spMk id="6" creationId="{E6B1A4FF-2E08-B809-889E-4A917FB1FB67}"/>
             </ac:spMkLst>
           </pc:spChg>
-          <pc:spChg chg="add mod">
-            <ac:chgData name="Muhammad Zainur Rifai" userId="c76fe9f89b69102c" providerId="LiveId" clId="{2A7D277F-C42F-4FA1-A183-7B91CB01427B}" dt="2025-04-03T12:42:14.398" v="863" actId="1076"/>
+          <pc:spChg chg="add del mod">
+            <ac:chgData name="Muhammad Zainur Rifai" userId="c76fe9f89b69102c" providerId="LiveId" clId="{2A7D277F-C42F-4FA1-A183-7B91CB01427B}" dt="2025-04-04T06:25:29.278" v="874" actId="21"/>
             <ac:spMkLst>
               <pc:docMk/>
               <pc:sldMasterMk cId="0" sldId="2147483659"/>
@@ -1307,7 +880,7 @@
           </pc:cxnChg>
         </pc:sldLayoutChg>
         <pc:sldLayoutChg chg="addSp delSp modSp mod ord">
-          <pc:chgData name="Muhammad Zainur Rifai" userId="c76fe9f89b69102c" providerId="LiveId" clId="{2A7D277F-C42F-4FA1-A183-7B91CB01427B}" dt="2025-04-03T06:08:48.658" v="847"/>
+          <pc:chgData name="Muhammad Zainur Rifai" userId="c76fe9f89b69102c" providerId="LiveId" clId="{2A7D277F-C42F-4FA1-A183-7B91CB01427B}" dt="2025-04-04T06:24:07.166" v="869" actId="21"/>
           <pc:sldLayoutMkLst>
             <pc:docMk/>
             <pc:sldMasterMk cId="0" sldId="2147483659"/>
@@ -1430,8 +1003,8 @@
               <ac:spMk id="19" creationId="{0B633885-D8F5-02E8-799C-8A5CCEA02588}"/>
             </ac:spMkLst>
           </pc:spChg>
-          <pc:spChg chg="add mod">
-            <ac:chgData name="Muhammad Zainur Rifai" userId="c76fe9f89b69102c" providerId="LiveId" clId="{2A7D277F-C42F-4FA1-A183-7B91CB01427B}" dt="2025-04-03T06:08:48.658" v="847"/>
+          <pc:spChg chg="add del mod">
+            <ac:chgData name="Muhammad Zainur Rifai" userId="c76fe9f89b69102c" providerId="LiveId" clId="{2A7D277F-C42F-4FA1-A183-7B91CB01427B}" dt="2025-04-04T06:24:07.166" v="869" actId="21"/>
             <ac:spMkLst>
               <pc:docMk/>
               <pc:sldMasterMk cId="0" sldId="2147483659"/>
@@ -1513,30 +1086,12 @@
           </pc:grpChg>
         </pc:sldLayoutChg>
         <pc:sldLayoutChg chg="addSp delSp modSp add mod ord replId modTransition">
-          <pc:chgData name="Muhammad Zainur Rifai" userId="c76fe9f89b69102c" providerId="LiveId" clId="{2A7D277F-C42F-4FA1-A183-7B91CB01427B}" dt="2025-04-02T01:46:36.974" v="584" actId="1076"/>
+          <pc:chgData name="Muhammad Zainur Rifai" userId="c76fe9f89b69102c" providerId="LiveId" clId="{2A7D277F-C42F-4FA1-A183-7B91CB01427B}" dt="2025-04-04T06:24:33.062" v="871" actId="21"/>
           <pc:sldLayoutMkLst>
             <pc:docMk/>
             <pc:sldMasterMk cId="0" sldId="2147483659"/>
             <pc:sldLayoutMk cId="3523406488" sldId="2147483660"/>
           </pc:sldLayoutMkLst>
-          <pc:spChg chg="add del mod ord">
-            <ac:chgData name="Muhammad Zainur Rifai" userId="c76fe9f89b69102c" providerId="LiveId" clId="{2A7D277F-C42F-4FA1-A183-7B91CB01427B}" dt="2025-04-02T01:25:06.589" v="394" actId="478"/>
-            <ac:spMkLst>
-              <pc:docMk/>
-              <pc:sldMasterMk cId="0" sldId="2147483659"/>
-              <pc:sldLayoutMk cId="3523406488" sldId="2147483660"/>
-              <ac:spMk id="3" creationId="{B24B1E70-D99C-8256-89DB-7AF65ADD6CBC}"/>
-            </ac:spMkLst>
-          </pc:spChg>
-          <pc:spChg chg="add del mod ord">
-            <ac:chgData name="Muhammad Zainur Rifai" userId="c76fe9f89b69102c" providerId="LiveId" clId="{2A7D277F-C42F-4FA1-A183-7B91CB01427B}" dt="2025-04-02T01:25:15.475" v="396" actId="478"/>
-            <ac:spMkLst>
-              <pc:docMk/>
-              <pc:sldMasterMk cId="0" sldId="2147483659"/>
-              <pc:sldLayoutMk cId="3523406488" sldId="2147483660"/>
-              <ac:spMk id="5" creationId="{7EF2FABE-1BB7-F66E-6C43-0E0B6E7FD22F}"/>
-            </ac:spMkLst>
-          </pc:spChg>
           <pc:spChg chg="add mod">
             <ac:chgData name="Muhammad Zainur Rifai" userId="c76fe9f89b69102c" providerId="LiveId" clId="{2A7D277F-C42F-4FA1-A183-7B91CB01427B}" dt="2025-04-02T01:46:36.974" v="584" actId="1076"/>
             <ac:spMkLst>
@@ -1555,8 +1110,8 @@
               <ac:spMk id="7" creationId="{89F06342-2FCF-B80F-FCEA-30DE6F9884A4}"/>
             </ac:spMkLst>
           </pc:spChg>
-          <pc:spChg chg="add mod">
-            <ac:chgData name="Muhammad Zainur Rifai" userId="c76fe9f89b69102c" providerId="LiveId" clId="{2A7D277F-C42F-4FA1-A183-7B91CB01427B}" dt="2025-04-02T01:29:33.247" v="438" actId="1076"/>
+          <pc:spChg chg="add del mod">
+            <ac:chgData name="Muhammad Zainur Rifai" userId="c76fe9f89b69102c" providerId="LiveId" clId="{2A7D277F-C42F-4FA1-A183-7B91CB01427B}" dt="2025-04-04T06:24:33.062" v="871" actId="21"/>
             <ac:spMkLst>
               <pc:docMk/>
               <pc:sldMasterMk cId="0" sldId="2147483659"/>
@@ -1582,60 +1137,6 @@
               <ac:spMk id="31" creationId="{00000000-0000-0000-0000-000000000000}"/>
             </ac:spMkLst>
           </pc:spChg>
-          <pc:spChg chg="del">
-            <ac:chgData name="Muhammad Zainur Rifai" userId="c76fe9f89b69102c" providerId="LiveId" clId="{2A7D277F-C42F-4FA1-A183-7B91CB01427B}" dt="2025-04-02T01:23:18.688" v="369" actId="478"/>
-            <ac:spMkLst>
-              <pc:docMk/>
-              <pc:sldMasterMk cId="0" sldId="2147483659"/>
-              <pc:sldLayoutMk cId="3523406488" sldId="2147483660"/>
-              <ac:spMk id="32" creationId="{00000000-0000-0000-0000-000000000000}"/>
-            </ac:spMkLst>
-          </pc:spChg>
-          <pc:spChg chg="del">
-            <ac:chgData name="Muhammad Zainur Rifai" userId="c76fe9f89b69102c" providerId="LiveId" clId="{2A7D277F-C42F-4FA1-A183-7B91CB01427B}" dt="2025-04-02T01:23:23.998" v="370" actId="478"/>
-            <ac:spMkLst>
-              <pc:docMk/>
-              <pc:sldMasterMk cId="0" sldId="2147483659"/>
-              <pc:sldLayoutMk cId="3523406488" sldId="2147483660"/>
-              <ac:spMk id="33" creationId="{00000000-0000-0000-0000-000000000000}"/>
-            </ac:spMkLst>
-          </pc:spChg>
-          <pc:spChg chg="del">
-            <ac:chgData name="Muhammad Zainur Rifai" userId="c76fe9f89b69102c" providerId="LiveId" clId="{2A7D277F-C42F-4FA1-A183-7B91CB01427B}" dt="2025-04-02T01:23:27.646" v="371" actId="478"/>
-            <ac:spMkLst>
-              <pc:docMk/>
-              <pc:sldMasterMk cId="0" sldId="2147483659"/>
-              <pc:sldLayoutMk cId="3523406488" sldId="2147483660"/>
-              <ac:spMk id="34" creationId="{00000000-0000-0000-0000-000000000000}"/>
-            </ac:spMkLst>
-          </pc:spChg>
-          <pc:spChg chg="del">
-            <ac:chgData name="Muhammad Zainur Rifai" userId="c76fe9f89b69102c" providerId="LiveId" clId="{2A7D277F-C42F-4FA1-A183-7B91CB01427B}" dt="2025-04-02T01:23:30.548" v="372" actId="478"/>
-            <ac:spMkLst>
-              <pc:docMk/>
-              <pc:sldMasterMk cId="0" sldId="2147483659"/>
-              <pc:sldLayoutMk cId="3523406488" sldId="2147483660"/>
-              <ac:spMk id="35" creationId="{00000000-0000-0000-0000-000000000000}"/>
-            </ac:spMkLst>
-          </pc:spChg>
-          <pc:picChg chg="add del mod ord">
-            <ac:chgData name="Muhammad Zainur Rifai" userId="c76fe9f89b69102c" providerId="LiveId" clId="{2A7D277F-C42F-4FA1-A183-7B91CB01427B}" dt="2025-04-02T01:24:32.064" v="388" actId="478"/>
-            <ac:picMkLst>
-              <pc:docMk/>
-              <pc:sldMasterMk cId="0" sldId="2147483659"/>
-              <pc:sldLayoutMk cId="3523406488" sldId="2147483660"/>
-              <ac:picMk id="2" creationId="{47E81EF2-0810-42EA-B3A3-F122DABAA06A}"/>
-            </ac:picMkLst>
-          </pc:picChg>
-          <pc:picChg chg="add del mod ord">
-            <ac:chgData name="Muhammad Zainur Rifai" userId="c76fe9f89b69102c" providerId="LiveId" clId="{2A7D277F-C42F-4FA1-A183-7B91CB01427B}" dt="2025-04-02T01:26:18.677" v="412" actId="478"/>
-            <ac:picMkLst>
-              <pc:docMk/>
-              <pc:sldMasterMk cId="0" sldId="2147483659"/>
-              <pc:sldLayoutMk cId="3523406488" sldId="2147483660"/>
-              <ac:picMk id="4" creationId="{1A34D0AC-1C19-4300-7BA4-EBB9C4A88D1A}"/>
-            </ac:picMkLst>
-          </pc:picChg>
         </pc:sldLayoutChg>
         <pc:sldLayoutChg chg="addSp delSp modSp add mod ord modTransition">
           <pc:chgData name="Muhammad Zainur Rifai" userId="c76fe9f89b69102c" providerId="LiveId" clId="{2A7D277F-C42F-4FA1-A183-7B91CB01427B}" dt="2025-04-03T06:00:16.483" v="760" actId="14100"/>
@@ -2416,274 +1917,6 @@
       </p:grpSpPr>
       <p:sp>
         <p:nvSpPr>
-          <p:cNvPr id="3" name="Freeform 8">
-            <a:extLst>
-              <a:ext uri="{FF2B5EF4-FFF2-40B4-BE49-F238E27FC236}">
-                <a16:creationId xmlns:a16="http://schemas.microsoft.com/office/drawing/2014/main" id="{1B381FA3-7332-87F2-9ABD-1C2B17A51C9D}"/>
-              </a:ext>
-            </a:extLst>
-          </p:cNvPr>
-          <p:cNvSpPr>
-            <a:spLocks noChangeAspect="1"/>
-          </p:cNvSpPr>
-          <p:nvPr userDrawn="1"/>
-        </p:nvSpPr>
-        <p:spPr>
-          <a:xfrm>
-            <a:off x="10035396" y="2676859"/>
-            <a:ext cx="2156604" cy="4572000"/>
-          </a:xfrm>
-          <a:custGeom>
-            <a:avLst/>
-            <a:gdLst/>
-            <a:ahLst/>
-            <a:cxnLst/>
-            <a:rect l="l" t="t" r="r" b="b"/>
-            <a:pathLst>
-              <a:path w="4681958" h="9925751">
-                <a:moveTo>
-                  <a:pt x="0" y="0"/>
-                </a:moveTo>
-                <a:lnTo>
-                  <a:pt x="4681958" y="0"/>
-                </a:lnTo>
-                <a:lnTo>
-                  <a:pt x="4681958" y="9925751"/>
-                </a:lnTo>
-                <a:lnTo>
-                  <a:pt x="0" y="9925751"/>
-                </a:lnTo>
-                <a:lnTo>
-                  <a:pt x="0" y="0"/>
-                </a:lnTo>
-                <a:close/>
-              </a:path>
-            </a:pathLst>
-          </a:custGeom>
-          <a:blipFill>
-            <a:blip r:embed="rId2">
-              <a:extLst>
-                <a:ext uri="{96DAC541-7B7A-43D3-8B79-37D633B846F1}">
-                  <asvg:svgBlip xmlns:asvg="http://schemas.microsoft.com/office/drawing/2016/SVG/main" r:embed="rId3"/>
-                </a:ext>
-              </a:extLst>
-            </a:blip>
-            <a:stretch>
-              <a:fillRect/>
-            </a:stretch>
-          </a:blipFill>
-        </p:spPr>
-        <p:txBody>
-          <a:bodyPr/>
-          <a:lstStyle/>
-          <a:p>
-            <a:endParaRPr lang="en-GB"/>
-          </a:p>
-        </p:txBody>
-      </p:sp>
-      <p:sp>
-        <p:nvSpPr>
-          <p:cNvPr id="4" name="Freeform 11">
-            <a:extLst>
-              <a:ext uri="{FF2B5EF4-FFF2-40B4-BE49-F238E27FC236}">
-                <a16:creationId xmlns:a16="http://schemas.microsoft.com/office/drawing/2014/main" id="{0E06C100-A706-C749-8A84-4013772FCCA7}"/>
-              </a:ext>
-            </a:extLst>
-          </p:cNvPr>
-          <p:cNvSpPr>
-            <a:spLocks noChangeAspect="1"/>
-          </p:cNvSpPr>
-          <p:nvPr userDrawn="1"/>
-        </p:nvSpPr>
-        <p:spPr>
-          <a:xfrm>
-            <a:off x="320041" y="2782867"/>
-            <a:ext cx="1784580" cy="4572000"/>
-          </a:xfrm>
-          <a:custGeom>
-            <a:avLst/>
-            <a:gdLst/>
-            <a:ahLst/>
-            <a:cxnLst/>
-            <a:rect l="l" t="t" r="r" b="b"/>
-            <a:pathLst>
-              <a:path w="3302838" h="8461697">
-                <a:moveTo>
-                  <a:pt x="0" y="0"/>
-                </a:moveTo>
-                <a:lnTo>
-                  <a:pt x="3302838" y="0"/>
-                </a:lnTo>
-                <a:lnTo>
-                  <a:pt x="3302838" y="8461697"/>
-                </a:lnTo>
-                <a:lnTo>
-                  <a:pt x="0" y="8461697"/>
-                </a:lnTo>
-                <a:lnTo>
-                  <a:pt x="0" y="0"/>
-                </a:lnTo>
-                <a:close/>
-              </a:path>
-            </a:pathLst>
-          </a:custGeom>
-          <a:blipFill>
-            <a:blip r:embed="rId4">
-              <a:extLst>
-                <a:ext uri="{96DAC541-7B7A-43D3-8B79-37D633B846F1}">
-                  <asvg:svgBlip xmlns:asvg="http://schemas.microsoft.com/office/drawing/2016/SVG/main" r:embed="rId5"/>
-                </a:ext>
-              </a:extLst>
-            </a:blip>
-            <a:stretch>
-              <a:fillRect/>
-            </a:stretch>
-          </a:blipFill>
-        </p:spPr>
-        <p:txBody>
-          <a:bodyPr/>
-          <a:lstStyle/>
-          <a:p>
-            <a:endParaRPr lang="en-GB"/>
-          </a:p>
-        </p:txBody>
-      </p:sp>
-      <p:sp>
-        <p:nvSpPr>
-          <p:cNvPr id="5" name="Freeform 5">
-            <a:extLst>
-              <a:ext uri="{FF2B5EF4-FFF2-40B4-BE49-F238E27FC236}">
-                <a16:creationId xmlns:a16="http://schemas.microsoft.com/office/drawing/2014/main" id="{85FF6767-BC5E-BDE5-E203-2FA4703C4283}"/>
-              </a:ext>
-            </a:extLst>
-          </p:cNvPr>
-          <p:cNvSpPr>
-            <a:spLocks noChangeAspect="1"/>
-          </p:cNvSpPr>
-          <p:nvPr userDrawn="1"/>
-        </p:nvSpPr>
-        <p:spPr>
-          <a:xfrm rot="765443">
-            <a:off x="3056685" y="5348911"/>
-            <a:ext cx="1160427" cy="1105571"/>
-          </a:xfrm>
-          <a:custGeom>
-            <a:avLst/>
-            <a:gdLst/>
-            <a:ahLst/>
-            <a:cxnLst/>
-            <a:rect l="l" t="t" r="r" b="b"/>
-            <a:pathLst>
-              <a:path w="1825951" h="1739634">
-                <a:moveTo>
-                  <a:pt x="0" y="0"/>
-                </a:moveTo>
-                <a:lnTo>
-                  <a:pt x="1825951" y="0"/>
-                </a:lnTo>
-                <a:lnTo>
-                  <a:pt x="1825951" y="1739634"/>
-                </a:lnTo>
-                <a:lnTo>
-                  <a:pt x="0" y="1739634"/>
-                </a:lnTo>
-                <a:lnTo>
-                  <a:pt x="0" y="0"/>
-                </a:lnTo>
-                <a:close/>
-              </a:path>
-            </a:pathLst>
-          </a:custGeom>
-          <a:blipFill>
-            <a:blip r:embed="rId6">
-              <a:extLst>
-                <a:ext uri="{96DAC541-7B7A-43D3-8B79-37D633B846F1}">
-                  <asvg:svgBlip xmlns:asvg="http://schemas.microsoft.com/office/drawing/2016/SVG/main" r:embed="rId7"/>
-                </a:ext>
-              </a:extLst>
-            </a:blip>
-            <a:stretch>
-              <a:fillRect/>
-            </a:stretch>
-          </a:blipFill>
-        </p:spPr>
-        <p:txBody>
-          <a:bodyPr/>
-          <a:lstStyle/>
-          <a:p>
-            <a:endParaRPr lang="en-GB"/>
-          </a:p>
-        </p:txBody>
-      </p:sp>
-      <p:sp>
-        <p:nvSpPr>
-          <p:cNvPr id="6" name="Freeform 3">
-            <a:extLst>
-              <a:ext uri="{FF2B5EF4-FFF2-40B4-BE49-F238E27FC236}">
-                <a16:creationId xmlns:a16="http://schemas.microsoft.com/office/drawing/2014/main" id="{3467F291-86D8-BD42-3D2F-B0166B1A497F}"/>
-              </a:ext>
-            </a:extLst>
-          </p:cNvPr>
-          <p:cNvSpPr>
-            <a:spLocks noChangeAspect="1"/>
-          </p:cNvSpPr>
-          <p:nvPr userDrawn="1"/>
-        </p:nvSpPr>
-        <p:spPr>
-          <a:xfrm rot="2700000">
-            <a:off x="10845510" y="95188"/>
-            <a:ext cx="984946" cy="1020189"/>
-          </a:xfrm>
-          <a:custGeom>
-            <a:avLst/>
-            <a:gdLst/>
-            <a:ahLst/>
-            <a:cxnLst/>
-            <a:rect l="l" t="t" r="r" b="b"/>
-            <a:pathLst>
-              <a:path w="1816894" h="1881905">
-                <a:moveTo>
-                  <a:pt x="0" y="0"/>
-                </a:moveTo>
-                <a:lnTo>
-                  <a:pt x="1816894" y="0"/>
-                </a:lnTo>
-                <a:lnTo>
-                  <a:pt x="1816894" y="1881905"/>
-                </a:lnTo>
-                <a:lnTo>
-                  <a:pt x="0" y="1881905"/>
-                </a:lnTo>
-                <a:lnTo>
-                  <a:pt x="0" y="0"/>
-                </a:lnTo>
-                <a:close/>
-              </a:path>
-            </a:pathLst>
-          </a:custGeom>
-          <a:blipFill>
-            <a:blip r:embed="rId8">
-              <a:extLst>
-                <a:ext uri="{96DAC541-7B7A-43D3-8B79-37D633B846F1}">
-                  <asvg:svgBlip xmlns:asvg="http://schemas.microsoft.com/office/drawing/2016/SVG/main" r:embed="rId9"/>
-                </a:ext>
-              </a:extLst>
-            </a:blip>
-            <a:stretch>
-              <a:fillRect/>
-            </a:stretch>
-          </a:blipFill>
-        </p:spPr>
-        <p:txBody>
-          <a:bodyPr/>
-          <a:lstStyle/>
-          <a:p>
-            <a:endParaRPr lang="en-GB"/>
-          </a:p>
-        </p:txBody>
-      </p:sp>
-      <p:sp>
-        <p:nvSpPr>
           <p:cNvPr id="8" name="TextBox 7">
             <a:extLst>
               <a:ext uri="{FF2B5EF4-FFF2-40B4-BE49-F238E27FC236}">
@@ -3306,1170 +2539,6 @@
 </file>
 
 <file path=ppt/slideLayouts/slideLayout10.xml><?xml version="1.0" encoding="utf-8"?>
-<p:sldLayout xmlns:a="http://schemas.openxmlformats.org/drawingml/2006/main" xmlns:r="http://schemas.openxmlformats.org/officeDocument/2006/relationships" xmlns:p="http://schemas.openxmlformats.org/presentationml/2006/main" matchingName="Content with Caption" type="objTx">
-  <p:cSld name="OBJECT_WITH_CAPTION_TEXT">
-    <p:spTree>
-      <p:nvGrpSpPr>
-        <p:cNvPr id="1" name="Shape 54"/>
-        <p:cNvGrpSpPr/>
-        <p:nvPr/>
-      </p:nvGrpSpPr>
-      <p:grpSpPr>
-        <a:xfrm>
-          <a:off x="0" y="0"/>
-          <a:ext cx="0" cy="0"/>
-          <a:chOff x="0" y="0"/>
-          <a:chExt cx="0" cy="0"/>
-        </a:xfrm>
-      </p:grpSpPr>
-      <p:sp>
-        <p:nvSpPr>
-          <p:cNvPr id="55" name="Google Shape;55;p9"/>
-          <p:cNvSpPr txBox="1">
-            <a:spLocks noGrp="1"/>
-          </p:cNvSpPr>
-          <p:nvPr>
-            <p:ph type="title"/>
-          </p:nvPr>
-        </p:nvSpPr>
-        <p:spPr>
-          <a:xfrm>
-            <a:off x="839788" y="457200"/>
-            <a:ext cx="3932237" cy="1600200"/>
-          </a:xfrm>
-          <a:prstGeom prst="rect">
-            <a:avLst/>
-          </a:prstGeom>
-          <a:noFill/>
-          <a:ln>
-            <a:noFill/>
-          </a:ln>
-        </p:spPr>
-        <p:txBody>
-          <a:bodyPr spcFirstLastPara="1" wrap="square" lIns="91425" tIns="45700" rIns="91425" bIns="45700" anchor="b" anchorCtr="0">
-            <a:normAutofit/>
-          </a:bodyPr>
-          <a:lstStyle>
-            <a:lvl1pPr lvl="0" algn="l">
-              <a:lnSpc>
-                <a:spcPct val="90000"/>
-              </a:lnSpc>
-              <a:spcBef>
-                <a:spcPts val="0"/>
-              </a:spcBef>
-              <a:spcAft>
-                <a:spcPts val="0"/>
-              </a:spcAft>
-              <a:buClr>
-                <a:schemeClr val="dk1"/>
-              </a:buClr>
-              <a:buSzPts val="3200"/>
-              <a:buFont typeface="Calibri"/>
-              <a:buNone/>
-              <a:defRPr sz="3200"/>
-            </a:lvl1pPr>
-            <a:lvl2pPr lvl="1" algn="l">
-              <a:lnSpc>
-                <a:spcPct val="100000"/>
-              </a:lnSpc>
-              <a:spcBef>
-                <a:spcPts val="0"/>
-              </a:spcBef>
-              <a:spcAft>
-                <a:spcPts val="0"/>
-              </a:spcAft>
-              <a:buSzPts val="1400"/>
-              <a:buNone/>
-              <a:defRPr/>
-            </a:lvl2pPr>
-            <a:lvl3pPr lvl="2" algn="l">
-              <a:lnSpc>
-                <a:spcPct val="100000"/>
-              </a:lnSpc>
-              <a:spcBef>
-                <a:spcPts val="0"/>
-              </a:spcBef>
-              <a:spcAft>
-                <a:spcPts val="0"/>
-              </a:spcAft>
-              <a:buSzPts val="1400"/>
-              <a:buNone/>
-              <a:defRPr/>
-            </a:lvl3pPr>
-            <a:lvl4pPr lvl="3" algn="l">
-              <a:lnSpc>
-                <a:spcPct val="100000"/>
-              </a:lnSpc>
-              <a:spcBef>
-                <a:spcPts val="0"/>
-              </a:spcBef>
-              <a:spcAft>
-                <a:spcPts val="0"/>
-              </a:spcAft>
-              <a:buSzPts val="1400"/>
-              <a:buNone/>
-              <a:defRPr/>
-            </a:lvl4pPr>
-            <a:lvl5pPr lvl="4" algn="l">
-              <a:lnSpc>
-                <a:spcPct val="100000"/>
-              </a:lnSpc>
-              <a:spcBef>
-                <a:spcPts val="0"/>
-              </a:spcBef>
-              <a:spcAft>
-                <a:spcPts val="0"/>
-              </a:spcAft>
-              <a:buSzPts val="1400"/>
-              <a:buNone/>
-              <a:defRPr/>
-            </a:lvl5pPr>
-            <a:lvl6pPr lvl="5" algn="l">
-              <a:lnSpc>
-                <a:spcPct val="100000"/>
-              </a:lnSpc>
-              <a:spcBef>
-                <a:spcPts val="0"/>
-              </a:spcBef>
-              <a:spcAft>
-                <a:spcPts val="0"/>
-              </a:spcAft>
-              <a:buSzPts val="1400"/>
-              <a:buNone/>
-              <a:defRPr/>
-            </a:lvl6pPr>
-            <a:lvl7pPr lvl="6" algn="l">
-              <a:lnSpc>
-                <a:spcPct val="100000"/>
-              </a:lnSpc>
-              <a:spcBef>
-                <a:spcPts val="0"/>
-              </a:spcBef>
-              <a:spcAft>
-                <a:spcPts val="0"/>
-              </a:spcAft>
-              <a:buSzPts val="1400"/>
-              <a:buNone/>
-              <a:defRPr/>
-            </a:lvl7pPr>
-            <a:lvl8pPr lvl="7" algn="l">
-              <a:lnSpc>
-                <a:spcPct val="100000"/>
-              </a:lnSpc>
-              <a:spcBef>
-                <a:spcPts val="0"/>
-              </a:spcBef>
-              <a:spcAft>
-                <a:spcPts val="0"/>
-              </a:spcAft>
-              <a:buSzPts val="1400"/>
-              <a:buNone/>
-              <a:defRPr/>
-            </a:lvl8pPr>
-            <a:lvl9pPr lvl="8" algn="l">
-              <a:lnSpc>
-                <a:spcPct val="100000"/>
-              </a:lnSpc>
-              <a:spcBef>
-                <a:spcPts val="0"/>
-              </a:spcBef>
-              <a:spcAft>
-                <a:spcPts val="0"/>
-              </a:spcAft>
-              <a:buSzPts val="1400"/>
-              <a:buNone/>
-              <a:defRPr/>
-            </a:lvl9pPr>
-          </a:lstStyle>
-          <a:p>
-            <a:endParaRPr/>
-          </a:p>
-        </p:txBody>
-      </p:sp>
-      <p:sp>
-        <p:nvSpPr>
-          <p:cNvPr id="56" name="Google Shape;56;p9"/>
-          <p:cNvSpPr txBox="1">
-            <a:spLocks noGrp="1"/>
-          </p:cNvSpPr>
-          <p:nvPr>
-            <p:ph type="body" idx="1"/>
-          </p:nvPr>
-        </p:nvSpPr>
-        <p:spPr>
-          <a:xfrm>
-            <a:off x="5183188" y="987425"/>
-            <a:ext cx="6172200" cy="4873625"/>
-          </a:xfrm>
-          <a:prstGeom prst="rect">
-            <a:avLst/>
-          </a:prstGeom>
-          <a:noFill/>
-          <a:ln>
-            <a:noFill/>
-          </a:ln>
-        </p:spPr>
-        <p:txBody>
-          <a:bodyPr spcFirstLastPara="1" wrap="square" lIns="91425" tIns="45700" rIns="91425" bIns="45700" anchor="t" anchorCtr="0">
-            <a:normAutofit/>
-          </a:bodyPr>
-          <a:lstStyle>
-            <a:lvl1pPr marL="457200" lvl="0" indent="-431800" algn="l">
-              <a:lnSpc>
-                <a:spcPct val="90000"/>
-              </a:lnSpc>
-              <a:spcBef>
-                <a:spcPts val="1000"/>
-              </a:spcBef>
-              <a:spcAft>
-                <a:spcPts val="0"/>
-              </a:spcAft>
-              <a:buClr>
-                <a:schemeClr val="dk1"/>
-              </a:buClr>
-              <a:buSzPts val="3200"/>
-              <a:buChar char="•"/>
-              <a:defRPr sz="3200"/>
-            </a:lvl1pPr>
-            <a:lvl2pPr marL="914400" lvl="1" indent="-406400" algn="l">
-              <a:lnSpc>
-                <a:spcPct val="90000"/>
-              </a:lnSpc>
-              <a:spcBef>
-                <a:spcPts val="500"/>
-              </a:spcBef>
-              <a:spcAft>
-                <a:spcPts val="0"/>
-              </a:spcAft>
-              <a:buClr>
-                <a:schemeClr val="dk1"/>
-              </a:buClr>
-              <a:buSzPts val="2800"/>
-              <a:buChar char="•"/>
-              <a:defRPr sz="2800"/>
-            </a:lvl2pPr>
-            <a:lvl3pPr marL="1371600" lvl="2" indent="-381000" algn="l">
-              <a:lnSpc>
-                <a:spcPct val="90000"/>
-              </a:lnSpc>
-              <a:spcBef>
-                <a:spcPts val="500"/>
-              </a:spcBef>
-              <a:spcAft>
-                <a:spcPts val="0"/>
-              </a:spcAft>
-              <a:buClr>
-                <a:schemeClr val="dk1"/>
-              </a:buClr>
-              <a:buSzPts val="2400"/>
-              <a:buChar char="•"/>
-              <a:defRPr sz="2400"/>
-            </a:lvl3pPr>
-            <a:lvl4pPr marL="1828800" lvl="3" indent="-355600" algn="l">
-              <a:lnSpc>
-                <a:spcPct val="90000"/>
-              </a:lnSpc>
-              <a:spcBef>
-                <a:spcPts val="500"/>
-              </a:spcBef>
-              <a:spcAft>
-                <a:spcPts val="0"/>
-              </a:spcAft>
-              <a:buClr>
-                <a:schemeClr val="dk1"/>
-              </a:buClr>
-              <a:buSzPts val="2000"/>
-              <a:buChar char="•"/>
-              <a:defRPr sz="2000"/>
-            </a:lvl4pPr>
-            <a:lvl5pPr marL="2286000" lvl="4" indent="-355600" algn="l">
-              <a:lnSpc>
-                <a:spcPct val="90000"/>
-              </a:lnSpc>
-              <a:spcBef>
-                <a:spcPts val="500"/>
-              </a:spcBef>
-              <a:spcAft>
-                <a:spcPts val="0"/>
-              </a:spcAft>
-              <a:buClr>
-                <a:schemeClr val="dk1"/>
-              </a:buClr>
-              <a:buSzPts val="2000"/>
-              <a:buChar char="•"/>
-              <a:defRPr sz="2000"/>
-            </a:lvl5pPr>
-            <a:lvl6pPr marL="2743200" lvl="5" indent="-355600" algn="l">
-              <a:lnSpc>
-                <a:spcPct val="90000"/>
-              </a:lnSpc>
-              <a:spcBef>
-                <a:spcPts val="500"/>
-              </a:spcBef>
-              <a:spcAft>
-                <a:spcPts val="0"/>
-              </a:spcAft>
-              <a:buClr>
-                <a:schemeClr val="dk1"/>
-              </a:buClr>
-              <a:buSzPts val="2000"/>
-              <a:buChar char="•"/>
-              <a:defRPr sz="2000"/>
-            </a:lvl6pPr>
-            <a:lvl7pPr marL="3200400" lvl="6" indent="-355600" algn="l">
-              <a:lnSpc>
-                <a:spcPct val="90000"/>
-              </a:lnSpc>
-              <a:spcBef>
-                <a:spcPts val="500"/>
-              </a:spcBef>
-              <a:spcAft>
-                <a:spcPts val="0"/>
-              </a:spcAft>
-              <a:buClr>
-                <a:schemeClr val="dk1"/>
-              </a:buClr>
-              <a:buSzPts val="2000"/>
-              <a:buChar char="•"/>
-              <a:defRPr sz="2000"/>
-            </a:lvl7pPr>
-            <a:lvl8pPr marL="3657600" lvl="7" indent="-355600" algn="l">
-              <a:lnSpc>
-                <a:spcPct val="90000"/>
-              </a:lnSpc>
-              <a:spcBef>
-                <a:spcPts val="500"/>
-              </a:spcBef>
-              <a:spcAft>
-                <a:spcPts val="0"/>
-              </a:spcAft>
-              <a:buClr>
-                <a:schemeClr val="dk1"/>
-              </a:buClr>
-              <a:buSzPts val="2000"/>
-              <a:buChar char="•"/>
-              <a:defRPr sz="2000"/>
-            </a:lvl8pPr>
-            <a:lvl9pPr marL="4114800" lvl="8" indent="-355600" algn="l">
-              <a:lnSpc>
-                <a:spcPct val="90000"/>
-              </a:lnSpc>
-              <a:spcBef>
-                <a:spcPts val="500"/>
-              </a:spcBef>
-              <a:spcAft>
-                <a:spcPts val="0"/>
-              </a:spcAft>
-              <a:buClr>
-                <a:schemeClr val="dk1"/>
-              </a:buClr>
-              <a:buSzPts val="2000"/>
-              <a:buChar char="•"/>
-              <a:defRPr sz="2000"/>
-            </a:lvl9pPr>
-          </a:lstStyle>
-          <a:p>
-            <a:endParaRPr/>
-          </a:p>
-        </p:txBody>
-      </p:sp>
-      <p:sp>
-        <p:nvSpPr>
-          <p:cNvPr id="57" name="Google Shape;57;p9"/>
-          <p:cNvSpPr txBox="1">
-            <a:spLocks noGrp="1"/>
-          </p:cNvSpPr>
-          <p:nvPr>
-            <p:ph type="body" idx="2"/>
-          </p:nvPr>
-        </p:nvSpPr>
-        <p:spPr>
-          <a:xfrm>
-            <a:off x="839788" y="2057400"/>
-            <a:ext cx="3932237" cy="3811588"/>
-          </a:xfrm>
-          <a:prstGeom prst="rect">
-            <a:avLst/>
-          </a:prstGeom>
-          <a:noFill/>
-          <a:ln>
-            <a:noFill/>
-          </a:ln>
-        </p:spPr>
-        <p:txBody>
-          <a:bodyPr spcFirstLastPara="1" wrap="square" lIns="91425" tIns="45700" rIns="91425" bIns="45700" anchor="t" anchorCtr="0">
-            <a:normAutofit/>
-          </a:bodyPr>
-          <a:lstStyle>
-            <a:lvl1pPr marL="457200" lvl="0" indent="-228600" algn="l">
-              <a:lnSpc>
-                <a:spcPct val="90000"/>
-              </a:lnSpc>
-              <a:spcBef>
-                <a:spcPts val="1000"/>
-              </a:spcBef>
-              <a:spcAft>
-                <a:spcPts val="0"/>
-              </a:spcAft>
-              <a:buClr>
-                <a:schemeClr val="dk1"/>
-              </a:buClr>
-              <a:buSzPts val="1600"/>
-              <a:buNone/>
-              <a:defRPr sz="1600"/>
-            </a:lvl1pPr>
-            <a:lvl2pPr marL="914400" lvl="1" indent="-228600" algn="l">
-              <a:lnSpc>
-                <a:spcPct val="90000"/>
-              </a:lnSpc>
-              <a:spcBef>
-                <a:spcPts val="500"/>
-              </a:spcBef>
-              <a:spcAft>
-                <a:spcPts val="0"/>
-              </a:spcAft>
-              <a:buClr>
-                <a:schemeClr val="dk1"/>
-              </a:buClr>
-              <a:buSzPts val="1400"/>
-              <a:buNone/>
-              <a:defRPr sz="1400"/>
-            </a:lvl2pPr>
-            <a:lvl3pPr marL="1371600" lvl="2" indent="-228600" algn="l">
-              <a:lnSpc>
-                <a:spcPct val="90000"/>
-              </a:lnSpc>
-              <a:spcBef>
-                <a:spcPts val="500"/>
-              </a:spcBef>
-              <a:spcAft>
-                <a:spcPts val="0"/>
-              </a:spcAft>
-              <a:buClr>
-                <a:schemeClr val="dk1"/>
-              </a:buClr>
-              <a:buSzPts val="1200"/>
-              <a:buNone/>
-              <a:defRPr sz="1200"/>
-            </a:lvl3pPr>
-            <a:lvl4pPr marL="1828800" lvl="3" indent="-228600" algn="l">
-              <a:lnSpc>
-                <a:spcPct val="90000"/>
-              </a:lnSpc>
-              <a:spcBef>
-                <a:spcPts val="500"/>
-              </a:spcBef>
-              <a:spcAft>
-                <a:spcPts val="0"/>
-              </a:spcAft>
-              <a:buClr>
-                <a:schemeClr val="dk1"/>
-              </a:buClr>
-              <a:buSzPts val="1000"/>
-              <a:buNone/>
-              <a:defRPr sz="1000"/>
-            </a:lvl4pPr>
-            <a:lvl5pPr marL="2286000" lvl="4" indent="-228600" algn="l">
-              <a:lnSpc>
-                <a:spcPct val="90000"/>
-              </a:lnSpc>
-              <a:spcBef>
-                <a:spcPts val="500"/>
-              </a:spcBef>
-              <a:spcAft>
-                <a:spcPts val="0"/>
-              </a:spcAft>
-              <a:buClr>
-                <a:schemeClr val="dk1"/>
-              </a:buClr>
-              <a:buSzPts val="1000"/>
-              <a:buNone/>
-              <a:defRPr sz="1000"/>
-            </a:lvl5pPr>
-            <a:lvl6pPr marL="2743200" lvl="5" indent="-228600" algn="l">
-              <a:lnSpc>
-                <a:spcPct val="90000"/>
-              </a:lnSpc>
-              <a:spcBef>
-                <a:spcPts val="500"/>
-              </a:spcBef>
-              <a:spcAft>
-                <a:spcPts val="0"/>
-              </a:spcAft>
-              <a:buClr>
-                <a:schemeClr val="dk1"/>
-              </a:buClr>
-              <a:buSzPts val="1000"/>
-              <a:buNone/>
-              <a:defRPr sz="1000"/>
-            </a:lvl6pPr>
-            <a:lvl7pPr marL="3200400" lvl="6" indent="-228600" algn="l">
-              <a:lnSpc>
-                <a:spcPct val="90000"/>
-              </a:lnSpc>
-              <a:spcBef>
-                <a:spcPts val="500"/>
-              </a:spcBef>
-              <a:spcAft>
-                <a:spcPts val="0"/>
-              </a:spcAft>
-              <a:buClr>
-                <a:schemeClr val="dk1"/>
-              </a:buClr>
-              <a:buSzPts val="1000"/>
-              <a:buNone/>
-              <a:defRPr sz="1000"/>
-            </a:lvl7pPr>
-            <a:lvl8pPr marL="3657600" lvl="7" indent="-228600" algn="l">
-              <a:lnSpc>
-                <a:spcPct val="90000"/>
-              </a:lnSpc>
-              <a:spcBef>
-                <a:spcPts val="500"/>
-              </a:spcBef>
-              <a:spcAft>
-                <a:spcPts val="0"/>
-              </a:spcAft>
-              <a:buClr>
-                <a:schemeClr val="dk1"/>
-              </a:buClr>
-              <a:buSzPts val="1000"/>
-              <a:buNone/>
-              <a:defRPr sz="1000"/>
-            </a:lvl8pPr>
-            <a:lvl9pPr marL="4114800" lvl="8" indent="-228600" algn="l">
-              <a:lnSpc>
-                <a:spcPct val="90000"/>
-              </a:lnSpc>
-              <a:spcBef>
-                <a:spcPts val="500"/>
-              </a:spcBef>
-              <a:spcAft>
-                <a:spcPts val="0"/>
-              </a:spcAft>
-              <a:buClr>
-                <a:schemeClr val="dk1"/>
-              </a:buClr>
-              <a:buSzPts val="1000"/>
-              <a:buNone/>
-              <a:defRPr sz="1000"/>
-            </a:lvl9pPr>
-          </a:lstStyle>
-          <a:p>
-            <a:endParaRPr/>
-          </a:p>
-        </p:txBody>
-      </p:sp>
-      <p:sp>
-        <p:nvSpPr>
-          <p:cNvPr id="58" name="Google Shape;58;p9"/>
-          <p:cNvSpPr txBox="1">
-            <a:spLocks noGrp="1"/>
-          </p:cNvSpPr>
-          <p:nvPr>
-            <p:ph type="dt" idx="10"/>
-          </p:nvPr>
-        </p:nvSpPr>
-        <p:spPr>
-          <a:xfrm>
-            <a:off x="838200" y="6356350"/>
-            <a:ext cx="2743200" cy="365125"/>
-          </a:xfrm>
-          <a:prstGeom prst="rect">
-            <a:avLst/>
-          </a:prstGeom>
-          <a:noFill/>
-          <a:ln>
-            <a:noFill/>
-          </a:ln>
-        </p:spPr>
-        <p:txBody>
-          <a:bodyPr spcFirstLastPara="1" wrap="square" lIns="91425" tIns="45700" rIns="91425" bIns="45700" anchor="ctr" anchorCtr="0">
-            <a:noAutofit/>
-          </a:bodyPr>
-          <a:lstStyle>
-            <a:lvl1pPr lvl="0" algn="l">
-              <a:lnSpc>
-                <a:spcPct val="100000"/>
-              </a:lnSpc>
-              <a:spcBef>
-                <a:spcPts val="0"/>
-              </a:spcBef>
-              <a:spcAft>
-                <a:spcPts val="0"/>
-              </a:spcAft>
-              <a:buSzPts val="1400"/>
-              <a:buNone/>
-              <a:defRPr/>
-            </a:lvl1pPr>
-            <a:lvl2pPr lvl="1" algn="l">
-              <a:lnSpc>
-                <a:spcPct val="100000"/>
-              </a:lnSpc>
-              <a:spcBef>
-                <a:spcPts val="0"/>
-              </a:spcBef>
-              <a:spcAft>
-                <a:spcPts val="0"/>
-              </a:spcAft>
-              <a:buSzPts val="1400"/>
-              <a:buNone/>
-              <a:defRPr/>
-            </a:lvl2pPr>
-            <a:lvl3pPr lvl="2" algn="l">
-              <a:lnSpc>
-                <a:spcPct val="100000"/>
-              </a:lnSpc>
-              <a:spcBef>
-                <a:spcPts val="0"/>
-              </a:spcBef>
-              <a:spcAft>
-                <a:spcPts val="0"/>
-              </a:spcAft>
-              <a:buSzPts val="1400"/>
-              <a:buNone/>
-              <a:defRPr/>
-            </a:lvl3pPr>
-            <a:lvl4pPr lvl="3" algn="l">
-              <a:lnSpc>
-                <a:spcPct val="100000"/>
-              </a:lnSpc>
-              <a:spcBef>
-                <a:spcPts val="0"/>
-              </a:spcBef>
-              <a:spcAft>
-                <a:spcPts val="0"/>
-              </a:spcAft>
-              <a:buSzPts val="1400"/>
-              <a:buNone/>
-              <a:defRPr/>
-            </a:lvl4pPr>
-            <a:lvl5pPr lvl="4" algn="l">
-              <a:lnSpc>
-                <a:spcPct val="100000"/>
-              </a:lnSpc>
-              <a:spcBef>
-                <a:spcPts val="0"/>
-              </a:spcBef>
-              <a:spcAft>
-                <a:spcPts val="0"/>
-              </a:spcAft>
-              <a:buSzPts val="1400"/>
-              <a:buNone/>
-              <a:defRPr/>
-            </a:lvl5pPr>
-            <a:lvl6pPr lvl="5" algn="l">
-              <a:lnSpc>
-                <a:spcPct val="100000"/>
-              </a:lnSpc>
-              <a:spcBef>
-                <a:spcPts val="0"/>
-              </a:spcBef>
-              <a:spcAft>
-                <a:spcPts val="0"/>
-              </a:spcAft>
-              <a:buSzPts val="1400"/>
-              <a:buNone/>
-              <a:defRPr/>
-            </a:lvl6pPr>
-            <a:lvl7pPr lvl="6" algn="l">
-              <a:lnSpc>
-                <a:spcPct val="100000"/>
-              </a:lnSpc>
-              <a:spcBef>
-                <a:spcPts val="0"/>
-              </a:spcBef>
-              <a:spcAft>
-                <a:spcPts val="0"/>
-              </a:spcAft>
-              <a:buSzPts val="1400"/>
-              <a:buNone/>
-              <a:defRPr/>
-            </a:lvl7pPr>
-            <a:lvl8pPr lvl="7" algn="l">
-              <a:lnSpc>
-                <a:spcPct val="100000"/>
-              </a:lnSpc>
-              <a:spcBef>
-                <a:spcPts val="0"/>
-              </a:spcBef>
-              <a:spcAft>
-                <a:spcPts val="0"/>
-              </a:spcAft>
-              <a:buSzPts val="1400"/>
-              <a:buNone/>
-              <a:defRPr/>
-            </a:lvl8pPr>
-            <a:lvl9pPr lvl="8" algn="l">
-              <a:lnSpc>
-                <a:spcPct val="100000"/>
-              </a:lnSpc>
-              <a:spcBef>
-                <a:spcPts val="0"/>
-              </a:spcBef>
-              <a:spcAft>
-                <a:spcPts val="0"/>
-              </a:spcAft>
-              <a:buSzPts val="1400"/>
-              <a:buNone/>
-              <a:defRPr/>
-            </a:lvl9pPr>
-          </a:lstStyle>
-          <a:p>
-            <a:endParaRPr/>
-          </a:p>
-        </p:txBody>
-      </p:sp>
-      <p:sp>
-        <p:nvSpPr>
-          <p:cNvPr id="59" name="Google Shape;59;p9"/>
-          <p:cNvSpPr txBox="1">
-            <a:spLocks noGrp="1"/>
-          </p:cNvSpPr>
-          <p:nvPr>
-            <p:ph type="ftr" idx="11"/>
-          </p:nvPr>
-        </p:nvSpPr>
-        <p:spPr>
-          <a:xfrm>
-            <a:off x="4038600" y="6356350"/>
-            <a:ext cx="4114800" cy="365125"/>
-          </a:xfrm>
-          <a:prstGeom prst="rect">
-            <a:avLst/>
-          </a:prstGeom>
-          <a:noFill/>
-          <a:ln>
-            <a:noFill/>
-          </a:ln>
-        </p:spPr>
-        <p:txBody>
-          <a:bodyPr spcFirstLastPara="1" wrap="square" lIns="91425" tIns="45700" rIns="91425" bIns="45700" anchor="ctr" anchorCtr="0">
-            <a:noAutofit/>
-          </a:bodyPr>
-          <a:lstStyle>
-            <a:lvl1pPr lvl="0" algn="ctr">
-              <a:lnSpc>
-                <a:spcPct val="100000"/>
-              </a:lnSpc>
-              <a:spcBef>
-                <a:spcPts val="0"/>
-              </a:spcBef>
-              <a:spcAft>
-                <a:spcPts val="0"/>
-              </a:spcAft>
-              <a:buSzPts val="1400"/>
-              <a:buNone/>
-              <a:defRPr/>
-            </a:lvl1pPr>
-            <a:lvl2pPr lvl="1" algn="l">
-              <a:lnSpc>
-                <a:spcPct val="100000"/>
-              </a:lnSpc>
-              <a:spcBef>
-                <a:spcPts val="0"/>
-              </a:spcBef>
-              <a:spcAft>
-                <a:spcPts val="0"/>
-              </a:spcAft>
-              <a:buSzPts val="1400"/>
-              <a:buNone/>
-              <a:defRPr/>
-            </a:lvl2pPr>
-            <a:lvl3pPr lvl="2" algn="l">
-              <a:lnSpc>
-                <a:spcPct val="100000"/>
-              </a:lnSpc>
-              <a:spcBef>
-                <a:spcPts val="0"/>
-              </a:spcBef>
-              <a:spcAft>
-                <a:spcPts val="0"/>
-              </a:spcAft>
-              <a:buSzPts val="1400"/>
-              <a:buNone/>
-              <a:defRPr/>
-            </a:lvl3pPr>
-            <a:lvl4pPr lvl="3" algn="l">
-              <a:lnSpc>
-                <a:spcPct val="100000"/>
-              </a:lnSpc>
-              <a:spcBef>
-                <a:spcPts val="0"/>
-              </a:spcBef>
-              <a:spcAft>
-                <a:spcPts val="0"/>
-              </a:spcAft>
-              <a:buSzPts val="1400"/>
-              <a:buNone/>
-              <a:defRPr/>
-            </a:lvl4pPr>
-            <a:lvl5pPr lvl="4" algn="l">
-              <a:lnSpc>
-                <a:spcPct val="100000"/>
-              </a:lnSpc>
-              <a:spcBef>
-                <a:spcPts val="0"/>
-              </a:spcBef>
-              <a:spcAft>
-                <a:spcPts val="0"/>
-              </a:spcAft>
-              <a:buSzPts val="1400"/>
-              <a:buNone/>
-              <a:defRPr/>
-            </a:lvl5pPr>
-            <a:lvl6pPr lvl="5" algn="l">
-              <a:lnSpc>
-                <a:spcPct val="100000"/>
-              </a:lnSpc>
-              <a:spcBef>
-                <a:spcPts val="0"/>
-              </a:spcBef>
-              <a:spcAft>
-                <a:spcPts val="0"/>
-              </a:spcAft>
-              <a:buSzPts val="1400"/>
-              <a:buNone/>
-              <a:defRPr/>
-            </a:lvl6pPr>
-            <a:lvl7pPr lvl="6" algn="l">
-              <a:lnSpc>
-                <a:spcPct val="100000"/>
-              </a:lnSpc>
-              <a:spcBef>
-                <a:spcPts val="0"/>
-              </a:spcBef>
-              <a:spcAft>
-                <a:spcPts val="0"/>
-              </a:spcAft>
-              <a:buSzPts val="1400"/>
-              <a:buNone/>
-              <a:defRPr/>
-            </a:lvl7pPr>
-            <a:lvl8pPr lvl="7" algn="l">
-              <a:lnSpc>
-                <a:spcPct val="100000"/>
-              </a:lnSpc>
-              <a:spcBef>
-                <a:spcPts val="0"/>
-              </a:spcBef>
-              <a:spcAft>
-                <a:spcPts val="0"/>
-              </a:spcAft>
-              <a:buSzPts val="1400"/>
-              <a:buNone/>
-              <a:defRPr/>
-            </a:lvl8pPr>
-            <a:lvl9pPr lvl="8" algn="l">
-              <a:lnSpc>
-                <a:spcPct val="100000"/>
-              </a:lnSpc>
-              <a:spcBef>
-                <a:spcPts val="0"/>
-              </a:spcBef>
-              <a:spcAft>
-                <a:spcPts val="0"/>
-              </a:spcAft>
-              <a:buSzPts val="1400"/>
-              <a:buNone/>
-              <a:defRPr/>
-            </a:lvl9pPr>
-          </a:lstStyle>
-          <a:p>
-            <a:endParaRPr/>
-          </a:p>
-        </p:txBody>
-      </p:sp>
-      <p:sp>
-        <p:nvSpPr>
-          <p:cNvPr id="60" name="Google Shape;60;p9"/>
-          <p:cNvSpPr txBox="1">
-            <a:spLocks noGrp="1"/>
-          </p:cNvSpPr>
-          <p:nvPr>
-            <p:ph type="sldNum" idx="12"/>
-          </p:nvPr>
-        </p:nvSpPr>
-        <p:spPr>
-          <a:xfrm>
-            <a:off x="8610600" y="6356350"/>
-            <a:ext cx="2743200" cy="365125"/>
-          </a:xfrm>
-          <a:prstGeom prst="rect">
-            <a:avLst/>
-          </a:prstGeom>
-          <a:noFill/>
-          <a:ln>
-            <a:noFill/>
-          </a:ln>
-        </p:spPr>
-        <p:txBody>
-          <a:bodyPr spcFirstLastPara="1" wrap="square" lIns="91425" tIns="45700" rIns="91425" bIns="45700" anchor="ctr" anchorCtr="0">
-            <a:noAutofit/>
-          </a:bodyPr>
-          <a:lstStyle>
-            <a:lvl1pPr marL="0" marR="0" lvl="0" indent="0" algn="r">
-              <a:lnSpc>
-                <a:spcPct val="100000"/>
-              </a:lnSpc>
-              <a:spcBef>
-                <a:spcPts val="0"/>
-              </a:spcBef>
-              <a:spcAft>
-                <a:spcPts val="0"/>
-              </a:spcAft>
-              <a:buClr>
-                <a:srgbClr val="000000"/>
-              </a:buClr>
-              <a:buSzPts val="1200"/>
-              <a:buFont typeface="Arial"/>
-              <a:buNone/>
-              <a:defRPr sz="1200" b="0" i="0" u="none" strike="noStrike" cap="none">
-                <a:solidFill>
-                  <a:srgbClr val="888888"/>
-                </a:solidFill>
-                <a:latin typeface="Calibri"/>
-                <a:ea typeface="Calibri"/>
-                <a:cs typeface="Calibri"/>
-                <a:sym typeface="Calibri"/>
-              </a:defRPr>
-            </a:lvl1pPr>
-            <a:lvl2pPr marL="0" marR="0" lvl="1" indent="0" algn="r">
-              <a:lnSpc>
-                <a:spcPct val="100000"/>
-              </a:lnSpc>
-              <a:spcBef>
-                <a:spcPts val="0"/>
-              </a:spcBef>
-              <a:spcAft>
-                <a:spcPts val="0"/>
-              </a:spcAft>
-              <a:buClr>
-                <a:srgbClr val="000000"/>
-              </a:buClr>
-              <a:buSzPts val="1200"/>
-              <a:buFont typeface="Arial"/>
-              <a:buNone/>
-              <a:defRPr sz="1200" b="0" i="0" u="none" strike="noStrike" cap="none">
-                <a:solidFill>
-                  <a:srgbClr val="888888"/>
-                </a:solidFill>
-                <a:latin typeface="Calibri"/>
-                <a:ea typeface="Calibri"/>
-                <a:cs typeface="Calibri"/>
-                <a:sym typeface="Calibri"/>
-              </a:defRPr>
-            </a:lvl2pPr>
-            <a:lvl3pPr marL="0" marR="0" lvl="2" indent="0" algn="r">
-              <a:lnSpc>
-                <a:spcPct val="100000"/>
-              </a:lnSpc>
-              <a:spcBef>
-                <a:spcPts val="0"/>
-              </a:spcBef>
-              <a:spcAft>
-                <a:spcPts val="0"/>
-              </a:spcAft>
-              <a:buClr>
-                <a:srgbClr val="000000"/>
-              </a:buClr>
-              <a:buSzPts val="1200"/>
-              <a:buFont typeface="Arial"/>
-              <a:buNone/>
-              <a:defRPr sz="1200" b="0" i="0" u="none" strike="noStrike" cap="none">
-                <a:solidFill>
-                  <a:srgbClr val="888888"/>
-                </a:solidFill>
-                <a:latin typeface="Calibri"/>
-                <a:ea typeface="Calibri"/>
-                <a:cs typeface="Calibri"/>
-                <a:sym typeface="Calibri"/>
-              </a:defRPr>
-            </a:lvl3pPr>
-            <a:lvl4pPr marL="0" marR="0" lvl="3" indent="0" algn="r">
-              <a:lnSpc>
-                <a:spcPct val="100000"/>
-              </a:lnSpc>
-              <a:spcBef>
-                <a:spcPts val="0"/>
-              </a:spcBef>
-              <a:spcAft>
-                <a:spcPts val="0"/>
-              </a:spcAft>
-              <a:buClr>
-                <a:srgbClr val="000000"/>
-              </a:buClr>
-              <a:buSzPts val="1200"/>
-              <a:buFont typeface="Arial"/>
-              <a:buNone/>
-              <a:defRPr sz="1200" b="0" i="0" u="none" strike="noStrike" cap="none">
-                <a:solidFill>
-                  <a:srgbClr val="888888"/>
-                </a:solidFill>
-                <a:latin typeface="Calibri"/>
-                <a:ea typeface="Calibri"/>
-                <a:cs typeface="Calibri"/>
-                <a:sym typeface="Calibri"/>
-              </a:defRPr>
-            </a:lvl4pPr>
-            <a:lvl5pPr marL="0" marR="0" lvl="4" indent="0" algn="r">
-              <a:lnSpc>
-                <a:spcPct val="100000"/>
-              </a:lnSpc>
-              <a:spcBef>
-                <a:spcPts val="0"/>
-              </a:spcBef>
-              <a:spcAft>
-                <a:spcPts val="0"/>
-              </a:spcAft>
-              <a:buClr>
-                <a:srgbClr val="000000"/>
-              </a:buClr>
-              <a:buSzPts val="1200"/>
-              <a:buFont typeface="Arial"/>
-              <a:buNone/>
-              <a:defRPr sz="1200" b="0" i="0" u="none" strike="noStrike" cap="none">
-                <a:solidFill>
-                  <a:srgbClr val="888888"/>
-                </a:solidFill>
-                <a:latin typeface="Calibri"/>
-                <a:ea typeface="Calibri"/>
-                <a:cs typeface="Calibri"/>
-                <a:sym typeface="Calibri"/>
-              </a:defRPr>
-            </a:lvl5pPr>
-            <a:lvl6pPr marL="0" marR="0" lvl="5" indent="0" algn="r">
-              <a:lnSpc>
-                <a:spcPct val="100000"/>
-              </a:lnSpc>
-              <a:spcBef>
-                <a:spcPts val="0"/>
-              </a:spcBef>
-              <a:spcAft>
-                <a:spcPts val="0"/>
-              </a:spcAft>
-              <a:buClr>
-                <a:srgbClr val="000000"/>
-              </a:buClr>
-              <a:buSzPts val="1200"/>
-              <a:buFont typeface="Arial"/>
-              <a:buNone/>
-              <a:defRPr sz="1200" b="0" i="0" u="none" strike="noStrike" cap="none">
-                <a:solidFill>
-                  <a:srgbClr val="888888"/>
-                </a:solidFill>
-                <a:latin typeface="Calibri"/>
-                <a:ea typeface="Calibri"/>
-                <a:cs typeface="Calibri"/>
-                <a:sym typeface="Calibri"/>
-              </a:defRPr>
-            </a:lvl6pPr>
-            <a:lvl7pPr marL="0" marR="0" lvl="6" indent="0" algn="r">
-              <a:lnSpc>
-                <a:spcPct val="100000"/>
-              </a:lnSpc>
-              <a:spcBef>
-                <a:spcPts val="0"/>
-              </a:spcBef>
-              <a:spcAft>
-                <a:spcPts val="0"/>
-              </a:spcAft>
-              <a:buClr>
-                <a:srgbClr val="000000"/>
-              </a:buClr>
-              <a:buSzPts val="1200"/>
-              <a:buFont typeface="Arial"/>
-              <a:buNone/>
-              <a:defRPr sz="1200" b="0" i="0" u="none" strike="noStrike" cap="none">
-                <a:solidFill>
-                  <a:srgbClr val="888888"/>
-                </a:solidFill>
-                <a:latin typeface="Calibri"/>
-                <a:ea typeface="Calibri"/>
-                <a:cs typeface="Calibri"/>
-                <a:sym typeface="Calibri"/>
-              </a:defRPr>
-            </a:lvl7pPr>
-            <a:lvl8pPr marL="0" marR="0" lvl="7" indent="0" algn="r">
-              <a:lnSpc>
-                <a:spcPct val="100000"/>
-              </a:lnSpc>
-              <a:spcBef>
-                <a:spcPts val="0"/>
-              </a:spcBef>
-              <a:spcAft>
-                <a:spcPts val="0"/>
-              </a:spcAft>
-              <a:buClr>
-                <a:srgbClr val="000000"/>
-              </a:buClr>
-              <a:buSzPts val="1200"/>
-              <a:buFont typeface="Arial"/>
-              <a:buNone/>
-              <a:defRPr sz="1200" b="0" i="0" u="none" strike="noStrike" cap="none">
-                <a:solidFill>
-                  <a:srgbClr val="888888"/>
-                </a:solidFill>
-                <a:latin typeface="Calibri"/>
-                <a:ea typeface="Calibri"/>
-                <a:cs typeface="Calibri"/>
-                <a:sym typeface="Calibri"/>
-              </a:defRPr>
-            </a:lvl8pPr>
-            <a:lvl9pPr marL="0" marR="0" lvl="8" indent="0" algn="r">
-              <a:lnSpc>
-                <a:spcPct val="100000"/>
-              </a:lnSpc>
-              <a:spcBef>
-                <a:spcPts val="0"/>
-              </a:spcBef>
-              <a:spcAft>
-                <a:spcPts val="0"/>
-              </a:spcAft>
-              <a:buClr>
-                <a:srgbClr val="000000"/>
-              </a:buClr>
-              <a:buSzPts val="1200"/>
-              <a:buFont typeface="Arial"/>
-              <a:buNone/>
-              <a:defRPr sz="1200" b="0" i="0" u="none" strike="noStrike" cap="none">
-                <a:solidFill>
-                  <a:srgbClr val="888888"/>
-                </a:solidFill>
-                <a:latin typeface="Calibri"/>
-                <a:ea typeface="Calibri"/>
-                <a:cs typeface="Calibri"/>
-                <a:sym typeface="Calibri"/>
-              </a:defRPr>
-            </a:lvl9pPr>
-          </a:lstStyle>
-          <a:p>
-            <a:pPr marL="0" lvl="0" indent="0" algn="r" rtl="0">
-              <a:spcBef>
-                <a:spcPts val="0"/>
-              </a:spcBef>
-              <a:spcAft>
-                <a:spcPts val="0"/>
-              </a:spcAft>
-              <a:buNone/>
-            </a:pPr>
-            <a:fld id="{00000000-1234-1234-1234-123412341234}" type="slidenum">
-              <a:rPr lang="en-US"/>
-              <a:t>‹#›</a:t>
-            </a:fld>
-            <a:endParaRPr/>
-          </a:p>
-        </p:txBody>
-      </p:sp>
-    </p:spTree>
-  </p:cSld>
-  <p:clrMapOvr>
-    <a:masterClrMapping/>
-  </p:clrMapOvr>
-</p:sldLayout>
-</file>
-
-<file path=ppt/slideLayouts/slideLayout11.xml><?xml version="1.0" encoding="utf-8"?>
 <p:sldLayout xmlns:a="http://schemas.openxmlformats.org/drawingml/2006/main" xmlns:r="http://schemas.openxmlformats.org/officeDocument/2006/relationships" xmlns:p="http://schemas.openxmlformats.org/presentationml/2006/main" matchingName="Picture with Caption" type="picTx">
   <p:cSld name="PICTURE_WITH_CAPTION_TEXT">
     <p:spTree>
@@ -5470,7 +3539,7 @@
 </p:sldLayout>
 </file>
 
-<file path=ppt/slideLayouts/slideLayout12.xml><?xml version="1.0" encoding="utf-8"?>
+<file path=ppt/slideLayouts/slideLayout11.xml><?xml version="1.0" encoding="utf-8"?>
 <p:sldLayout xmlns:a="http://schemas.openxmlformats.org/drawingml/2006/main" xmlns:r="http://schemas.openxmlformats.org/officeDocument/2006/relationships" xmlns:p="http://schemas.openxmlformats.org/presentationml/2006/main" matchingName="Title and Vertical Text" type="vertTx">
   <p:cSld name="VERTICAL_TEXT">
     <p:spTree>
@@ -6446,7 +4515,7 @@
 </p:sldLayout>
 </file>
 
-<file path=ppt/slideLayouts/slideLayout13.xml><?xml version="1.0" encoding="utf-8"?>
+<file path=ppt/slideLayouts/slideLayout12.xml><?xml version="1.0" encoding="utf-8"?>
 <p:sldLayout xmlns:a="http://schemas.openxmlformats.org/drawingml/2006/main" xmlns:r="http://schemas.openxmlformats.org/officeDocument/2006/relationships" xmlns:p="http://schemas.openxmlformats.org/presentationml/2006/main" matchingName="Vertical Title and Text" type="vertTitleAndTx">
   <p:cSld name="VERTICAL_TITLE_AND_VERTICAL_TEXT">
     <p:spTree>
@@ -9006,73 +7075,6 @@
           </a:p>
         </p:txBody>
       </p:sp>
-      <p:sp>
-        <p:nvSpPr>
-          <p:cNvPr id="8" name="Freeform 18">
-            <a:extLst>
-              <a:ext uri="{FF2B5EF4-FFF2-40B4-BE49-F238E27FC236}">
-                <a16:creationId xmlns:a16="http://schemas.microsoft.com/office/drawing/2014/main" id="{B8124B9D-9F77-D868-AC33-95991DA6456D}"/>
-              </a:ext>
-            </a:extLst>
-          </p:cNvPr>
-          <p:cNvSpPr>
-            <a:spLocks noChangeAspect="1"/>
-          </p:cNvSpPr>
-          <p:nvPr userDrawn="1"/>
-        </p:nvSpPr>
-        <p:spPr>
-          <a:xfrm flipH="1">
-            <a:off x="8915492" y="2780362"/>
-            <a:ext cx="2150564" cy="4572000"/>
-          </a:xfrm>
-          <a:custGeom>
-            <a:avLst/>
-            <a:gdLst/>
-            <a:ahLst/>
-            <a:cxnLst/>
-            <a:rect l="l" t="t" r="r" b="b"/>
-            <a:pathLst>
-              <a:path w="3756941" h="7987084">
-                <a:moveTo>
-                  <a:pt x="0" y="0"/>
-                </a:moveTo>
-                <a:lnTo>
-                  <a:pt x="3756941" y="0"/>
-                </a:lnTo>
-                <a:lnTo>
-                  <a:pt x="3756941" y="7987084"/>
-                </a:lnTo>
-                <a:lnTo>
-                  <a:pt x="0" y="7987084"/>
-                </a:lnTo>
-                <a:lnTo>
-                  <a:pt x="0" y="0"/>
-                </a:lnTo>
-                <a:close/>
-              </a:path>
-            </a:pathLst>
-          </a:custGeom>
-          <a:blipFill>
-            <a:blip r:embed="rId2">
-              <a:extLst>
-                <a:ext uri="{96DAC541-7B7A-43D3-8B79-37D633B846F1}">
-                  <asvg:svgBlip xmlns:asvg="http://schemas.microsoft.com/office/drawing/2016/SVG/main" r:embed="rId3"/>
-                </a:ext>
-              </a:extLst>
-            </a:blip>
-            <a:stretch>
-              <a:fillRect/>
-            </a:stretch>
-          </a:blipFill>
-        </p:spPr>
-        <p:txBody>
-          <a:bodyPr/>
-          <a:lstStyle/>
-          <a:p>
-            <a:endParaRPr lang="en-GB"/>
-          </a:p>
-        </p:txBody>
-      </p:sp>
     </p:spTree>
     <p:extLst>
       <p:ext uri="{BB962C8B-B14F-4D97-AF65-F5344CB8AC3E}">
@@ -10030,73 +8032,6 @@
           </a:fontRef>
         </p:style>
       </p:cxnSp>
-      <p:sp>
-        <p:nvSpPr>
-          <p:cNvPr id="7" name="Freeform 7">
-            <a:extLst>
-              <a:ext uri="{FF2B5EF4-FFF2-40B4-BE49-F238E27FC236}">
-                <a16:creationId xmlns:a16="http://schemas.microsoft.com/office/drawing/2014/main" id="{138EAC00-8F6D-971A-A32E-C058A9F91624}"/>
-              </a:ext>
-            </a:extLst>
-          </p:cNvPr>
-          <p:cNvSpPr>
-            <a:spLocks noChangeAspect="1"/>
-          </p:cNvSpPr>
-          <p:nvPr userDrawn="1"/>
-        </p:nvSpPr>
-        <p:spPr>
-          <a:xfrm>
-            <a:off x="8936725" y="1784350"/>
-            <a:ext cx="2090949" cy="4572000"/>
-          </a:xfrm>
-          <a:custGeom>
-            <a:avLst/>
-            <a:gdLst/>
-            <a:ahLst/>
-            <a:cxnLst/>
-            <a:rect l="l" t="t" r="r" b="b"/>
-            <a:pathLst>
-              <a:path w="3825613" h="8364959">
-                <a:moveTo>
-                  <a:pt x="0" y="0"/>
-                </a:moveTo>
-                <a:lnTo>
-                  <a:pt x="3825613" y="0"/>
-                </a:lnTo>
-                <a:lnTo>
-                  <a:pt x="3825613" y="8364959"/>
-                </a:lnTo>
-                <a:lnTo>
-                  <a:pt x="0" y="8364959"/>
-                </a:lnTo>
-                <a:lnTo>
-                  <a:pt x="0" y="0"/>
-                </a:lnTo>
-                <a:close/>
-              </a:path>
-            </a:pathLst>
-          </a:custGeom>
-          <a:blipFill>
-            <a:blip r:embed="rId2">
-              <a:extLst>
-                <a:ext uri="{96DAC541-7B7A-43D3-8B79-37D633B846F1}">
-                  <asvg:svgBlip xmlns:asvg="http://schemas.microsoft.com/office/drawing/2016/SVG/main" r:embed="rId3"/>
-                </a:ext>
-              </a:extLst>
-            </a:blip>
-            <a:stretch>
-              <a:fillRect/>
-            </a:stretch>
-          </a:blipFill>
-        </p:spPr>
-        <p:txBody>
-          <a:bodyPr/>
-          <a:lstStyle/>
-          <a:p>
-            <a:endParaRPr lang="en-GB"/>
-          </a:p>
-        </p:txBody>
-      </p:sp>
     </p:spTree>
   </p:cSld>
   <p:clrMapOvr>
@@ -11190,73 +9125,6 @@
           </a:p>
         </p:txBody>
       </p:sp>
-      <p:sp>
-        <p:nvSpPr>
-          <p:cNvPr id="20" name="Freeform 12">
-            <a:extLst>
-              <a:ext uri="{FF2B5EF4-FFF2-40B4-BE49-F238E27FC236}">
-                <a16:creationId xmlns:a16="http://schemas.microsoft.com/office/drawing/2014/main" id="{FCC2E323-B2C4-1430-18E2-EE29197A0779}"/>
-              </a:ext>
-            </a:extLst>
-          </p:cNvPr>
-          <p:cNvSpPr>
-            <a:spLocks noChangeAspect="1"/>
-          </p:cNvSpPr>
-          <p:nvPr userDrawn="1"/>
-        </p:nvSpPr>
-        <p:spPr>
-          <a:xfrm>
-            <a:off x="8930002" y="1784350"/>
-            <a:ext cx="2652398" cy="4572000"/>
-          </a:xfrm>
-          <a:custGeom>
-            <a:avLst/>
-            <a:gdLst/>
-            <a:ahLst/>
-            <a:cxnLst/>
-            <a:rect l="l" t="t" r="r" b="b"/>
-            <a:pathLst>
-              <a:path w="4792456" h="8260869">
-                <a:moveTo>
-                  <a:pt x="0" y="0"/>
-                </a:moveTo>
-                <a:lnTo>
-                  <a:pt x="4792455" y="0"/>
-                </a:lnTo>
-                <a:lnTo>
-                  <a:pt x="4792455" y="8260869"/>
-                </a:lnTo>
-                <a:lnTo>
-                  <a:pt x="0" y="8260869"/>
-                </a:lnTo>
-                <a:lnTo>
-                  <a:pt x="0" y="0"/>
-                </a:lnTo>
-                <a:close/>
-              </a:path>
-            </a:pathLst>
-          </a:custGeom>
-          <a:blipFill>
-            <a:blip r:embed="rId2">
-              <a:extLst>
-                <a:ext uri="{96DAC541-7B7A-43D3-8B79-37D633B846F1}">
-                  <asvg:svgBlip xmlns:asvg="http://schemas.microsoft.com/office/drawing/2016/SVG/main" r:embed="rId3"/>
-                </a:ext>
-              </a:extLst>
-            </a:blip>
-            <a:stretch>
-              <a:fillRect/>
-            </a:stretch>
-          </a:blipFill>
-        </p:spPr>
-        <p:txBody>
-          <a:bodyPr/>
-          <a:lstStyle/>
-          <a:p>
-            <a:endParaRPr lang="en-GB"/>
-          </a:p>
-        </p:txBody>
-      </p:sp>
     </p:spTree>
   </p:cSld>
   <p:clrMapOvr>
@@ -11266,1169 +9134,6 @@
 </file>
 
 <file path=ppt/slideLayouts/slideLayout8.xml><?xml version="1.0" encoding="utf-8"?>
-<p:sldLayout xmlns:a="http://schemas.openxmlformats.org/drawingml/2006/main" xmlns:r="http://schemas.openxmlformats.org/officeDocument/2006/relationships" xmlns:p="http://schemas.openxmlformats.org/presentationml/2006/main" matchingName="Two Content" type="twoObj">
-  <p:cSld name="TWO_OBJECTS">
-    <p:spTree>
-      <p:nvGrpSpPr>
-        <p:cNvPr id="1" name="Shape 29"/>
-        <p:cNvGrpSpPr/>
-        <p:nvPr/>
-      </p:nvGrpSpPr>
-      <p:grpSpPr>
-        <a:xfrm>
-          <a:off x="0" y="0"/>
-          <a:ext cx="0" cy="0"/>
-          <a:chOff x="0" y="0"/>
-          <a:chExt cx="0" cy="0"/>
-        </a:xfrm>
-      </p:grpSpPr>
-      <p:sp>
-        <p:nvSpPr>
-          <p:cNvPr id="30" name="Google Shape;30;p5"/>
-          <p:cNvSpPr txBox="1">
-            <a:spLocks noGrp="1"/>
-          </p:cNvSpPr>
-          <p:nvPr>
-            <p:ph type="title"/>
-          </p:nvPr>
-        </p:nvSpPr>
-        <p:spPr>
-          <a:xfrm>
-            <a:off x="838200" y="365125"/>
-            <a:ext cx="10515600" cy="1325563"/>
-          </a:xfrm>
-          <a:prstGeom prst="rect">
-            <a:avLst/>
-          </a:prstGeom>
-          <a:noFill/>
-          <a:ln>
-            <a:noFill/>
-          </a:ln>
-        </p:spPr>
-        <p:txBody>
-          <a:bodyPr spcFirstLastPara="1" wrap="square" lIns="91425" tIns="45700" rIns="91425" bIns="45700" anchor="ctr" anchorCtr="0">
-            <a:normAutofit/>
-          </a:bodyPr>
-          <a:lstStyle>
-            <a:lvl1pPr lvl="0" algn="l">
-              <a:lnSpc>
-                <a:spcPct val="90000"/>
-              </a:lnSpc>
-              <a:spcBef>
-                <a:spcPts val="0"/>
-              </a:spcBef>
-              <a:spcAft>
-                <a:spcPts val="0"/>
-              </a:spcAft>
-              <a:buClr>
-                <a:schemeClr val="dk1"/>
-              </a:buClr>
-              <a:buSzPts val="1800"/>
-              <a:buNone/>
-              <a:defRPr/>
-            </a:lvl1pPr>
-            <a:lvl2pPr lvl="1" algn="l">
-              <a:lnSpc>
-                <a:spcPct val="100000"/>
-              </a:lnSpc>
-              <a:spcBef>
-                <a:spcPts val="0"/>
-              </a:spcBef>
-              <a:spcAft>
-                <a:spcPts val="0"/>
-              </a:spcAft>
-              <a:buSzPts val="1400"/>
-              <a:buNone/>
-              <a:defRPr/>
-            </a:lvl2pPr>
-            <a:lvl3pPr lvl="2" algn="l">
-              <a:lnSpc>
-                <a:spcPct val="100000"/>
-              </a:lnSpc>
-              <a:spcBef>
-                <a:spcPts val="0"/>
-              </a:spcBef>
-              <a:spcAft>
-                <a:spcPts val="0"/>
-              </a:spcAft>
-              <a:buSzPts val="1400"/>
-              <a:buNone/>
-              <a:defRPr/>
-            </a:lvl3pPr>
-            <a:lvl4pPr lvl="3" algn="l">
-              <a:lnSpc>
-                <a:spcPct val="100000"/>
-              </a:lnSpc>
-              <a:spcBef>
-                <a:spcPts val="0"/>
-              </a:spcBef>
-              <a:spcAft>
-                <a:spcPts val="0"/>
-              </a:spcAft>
-              <a:buSzPts val="1400"/>
-              <a:buNone/>
-              <a:defRPr/>
-            </a:lvl4pPr>
-            <a:lvl5pPr lvl="4" algn="l">
-              <a:lnSpc>
-                <a:spcPct val="100000"/>
-              </a:lnSpc>
-              <a:spcBef>
-                <a:spcPts val="0"/>
-              </a:spcBef>
-              <a:spcAft>
-                <a:spcPts val="0"/>
-              </a:spcAft>
-              <a:buSzPts val="1400"/>
-              <a:buNone/>
-              <a:defRPr/>
-            </a:lvl5pPr>
-            <a:lvl6pPr lvl="5" algn="l">
-              <a:lnSpc>
-                <a:spcPct val="100000"/>
-              </a:lnSpc>
-              <a:spcBef>
-                <a:spcPts val="0"/>
-              </a:spcBef>
-              <a:spcAft>
-                <a:spcPts val="0"/>
-              </a:spcAft>
-              <a:buSzPts val="1400"/>
-              <a:buNone/>
-              <a:defRPr/>
-            </a:lvl6pPr>
-            <a:lvl7pPr lvl="6" algn="l">
-              <a:lnSpc>
-                <a:spcPct val="100000"/>
-              </a:lnSpc>
-              <a:spcBef>
-                <a:spcPts val="0"/>
-              </a:spcBef>
-              <a:spcAft>
-                <a:spcPts val="0"/>
-              </a:spcAft>
-              <a:buSzPts val="1400"/>
-              <a:buNone/>
-              <a:defRPr/>
-            </a:lvl7pPr>
-            <a:lvl8pPr lvl="7" algn="l">
-              <a:lnSpc>
-                <a:spcPct val="100000"/>
-              </a:lnSpc>
-              <a:spcBef>
-                <a:spcPts val="0"/>
-              </a:spcBef>
-              <a:spcAft>
-                <a:spcPts val="0"/>
-              </a:spcAft>
-              <a:buSzPts val="1400"/>
-              <a:buNone/>
-              <a:defRPr/>
-            </a:lvl8pPr>
-            <a:lvl9pPr lvl="8" algn="l">
-              <a:lnSpc>
-                <a:spcPct val="100000"/>
-              </a:lnSpc>
-              <a:spcBef>
-                <a:spcPts val="0"/>
-              </a:spcBef>
-              <a:spcAft>
-                <a:spcPts val="0"/>
-              </a:spcAft>
-              <a:buSzPts val="1400"/>
-              <a:buNone/>
-              <a:defRPr/>
-            </a:lvl9pPr>
-          </a:lstStyle>
-          <a:p>
-            <a:endParaRPr/>
-          </a:p>
-        </p:txBody>
-      </p:sp>
-      <p:sp>
-        <p:nvSpPr>
-          <p:cNvPr id="31" name="Google Shape;31;p5"/>
-          <p:cNvSpPr txBox="1">
-            <a:spLocks noGrp="1"/>
-          </p:cNvSpPr>
-          <p:nvPr>
-            <p:ph type="body" idx="1"/>
-          </p:nvPr>
-        </p:nvSpPr>
-        <p:spPr>
-          <a:xfrm>
-            <a:off x="838200" y="1825625"/>
-            <a:ext cx="5181600" cy="4351338"/>
-          </a:xfrm>
-          <a:prstGeom prst="rect">
-            <a:avLst/>
-          </a:prstGeom>
-          <a:noFill/>
-          <a:ln>
-            <a:noFill/>
-          </a:ln>
-        </p:spPr>
-        <p:txBody>
-          <a:bodyPr spcFirstLastPara="1" wrap="square" lIns="91425" tIns="45700" rIns="91425" bIns="45700" anchor="t" anchorCtr="0">
-            <a:normAutofit/>
-          </a:bodyPr>
-          <a:lstStyle>
-            <a:lvl1pPr marL="457200" lvl="0" indent="-342900" algn="l">
-              <a:lnSpc>
-                <a:spcPct val="90000"/>
-              </a:lnSpc>
-              <a:spcBef>
-                <a:spcPts val="1000"/>
-              </a:spcBef>
-              <a:spcAft>
-                <a:spcPts val="0"/>
-              </a:spcAft>
-              <a:buClr>
-                <a:schemeClr val="dk1"/>
-              </a:buClr>
-              <a:buSzPts val="1800"/>
-              <a:buChar char="•"/>
-              <a:defRPr/>
-            </a:lvl1pPr>
-            <a:lvl2pPr marL="914400" lvl="1" indent="-342900" algn="l">
-              <a:lnSpc>
-                <a:spcPct val="90000"/>
-              </a:lnSpc>
-              <a:spcBef>
-                <a:spcPts val="500"/>
-              </a:spcBef>
-              <a:spcAft>
-                <a:spcPts val="0"/>
-              </a:spcAft>
-              <a:buClr>
-                <a:schemeClr val="dk1"/>
-              </a:buClr>
-              <a:buSzPts val="1800"/>
-              <a:buChar char="•"/>
-              <a:defRPr/>
-            </a:lvl2pPr>
-            <a:lvl3pPr marL="1371600" lvl="2" indent="-342900" algn="l">
-              <a:lnSpc>
-                <a:spcPct val="90000"/>
-              </a:lnSpc>
-              <a:spcBef>
-                <a:spcPts val="500"/>
-              </a:spcBef>
-              <a:spcAft>
-                <a:spcPts val="0"/>
-              </a:spcAft>
-              <a:buClr>
-                <a:schemeClr val="dk1"/>
-              </a:buClr>
-              <a:buSzPts val="1800"/>
-              <a:buChar char="•"/>
-              <a:defRPr/>
-            </a:lvl3pPr>
-            <a:lvl4pPr marL="1828800" lvl="3" indent="-342900" algn="l">
-              <a:lnSpc>
-                <a:spcPct val="90000"/>
-              </a:lnSpc>
-              <a:spcBef>
-                <a:spcPts val="500"/>
-              </a:spcBef>
-              <a:spcAft>
-                <a:spcPts val="0"/>
-              </a:spcAft>
-              <a:buClr>
-                <a:schemeClr val="dk1"/>
-              </a:buClr>
-              <a:buSzPts val="1800"/>
-              <a:buChar char="•"/>
-              <a:defRPr/>
-            </a:lvl4pPr>
-            <a:lvl5pPr marL="2286000" lvl="4" indent="-342900" algn="l">
-              <a:lnSpc>
-                <a:spcPct val="90000"/>
-              </a:lnSpc>
-              <a:spcBef>
-                <a:spcPts val="500"/>
-              </a:spcBef>
-              <a:spcAft>
-                <a:spcPts val="0"/>
-              </a:spcAft>
-              <a:buClr>
-                <a:schemeClr val="dk1"/>
-              </a:buClr>
-              <a:buSzPts val="1800"/>
-              <a:buChar char="•"/>
-              <a:defRPr/>
-            </a:lvl5pPr>
-            <a:lvl6pPr marL="2743200" lvl="5" indent="-342900" algn="l">
-              <a:lnSpc>
-                <a:spcPct val="90000"/>
-              </a:lnSpc>
-              <a:spcBef>
-                <a:spcPts val="500"/>
-              </a:spcBef>
-              <a:spcAft>
-                <a:spcPts val="0"/>
-              </a:spcAft>
-              <a:buClr>
-                <a:schemeClr val="dk1"/>
-              </a:buClr>
-              <a:buSzPts val="1800"/>
-              <a:buChar char="•"/>
-              <a:defRPr/>
-            </a:lvl6pPr>
-            <a:lvl7pPr marL="3200400" lvl="6" indent="-342900" algn="l">
-              <a:lnSpc>
-                <a:spcPct val="90000"/>
-              </a:lnSpc>
-              <a:spcBef>
-                <a:spcPts val="500"/>
-              </a:spcBef>
-              <a:spcAft>
-                <a:spcPts val="0"/>
-              </a:spcAft>
-              <a:buClr>
-                <a:schemeClr val="dk1"/>
-              </a:buClr>
-              <a:buSzPts val="1800"/>
-              <a:buChar char="•"/>
-              <a:defRPr/>
-            </a:lvl7pPr>
-            <a:lvl8pPr marL="3657600" lvl="7" indent="-342900" algn="l">
-              <a:lnSpc>
-                <a:spcPct val="90000"/>
-              </a:lnSpc>
-              <a:spcBef>
-                <a:spcPts val="500"/>
-              </a:spcBef>
-              <a:spcAft>
-                <a:spcPts val="0"/>
-              </a:spcAft>
-              <a:buClr>
-                <a:schemeClr val="dk1"/>
-              </a:buClr>
-              <a:buSzPts val="1800"/>
-              <a:buChar char="•"/>
-              <a:defRPr/>
-            </a:lvl8pPr>
-            <a:lvl9pPr marL="4114800" lvl="8" indent="-342900" algn="l">
-              <a:lnSpc>
-                <a:spcPct val="90000"/>
-              </a:lnSpc>
-              <a:spcBef>
-                <a:spcPts val="500"/>
-              </a:spcBef>
-              <a:spcAft>
-                <a:spcPts val="0"/>
-              </a:spcAft>
-              <a:buClr>
-                <a:schemeClr val="dk1"/>
-              </a:buClr>
-              <a:buSzPts val="1800"/>
-              <a:buChar char="•"/>
-              <a:defRPr/>
-            </a:lvl9pPr>
-          </a:lstStyle>
-          <a:p>
-            <a:endParaRPr dirty="0"/>
-          </a:p>
-        </p:txBody>
-      </p:sp>
-      <p:sp>
-        <p:nvSpPr>
-          <p:cNvPr id="32" name="Google Shape;32;p5"/>
-          <p:cNvSpPr txBox="1">
-            <a:spLocks noGrp="1"/>
-          </p:cNvSpPr>
-          <p:nvPr>
-            <p:ph type="body" idx="2"/>
-          </p:nvPr>
-        </p:nvSpPr>
-        <p:spPr>
-          <a:xfrm>
-            <a:off x="6172200" y="1825625"/>
-            <a:ext cx="5181600" cy="4351338"/>
-          </a:xfrm>
-          <a:prstGeom prst="rect">
-            <a:avLst/>
-          </a:prstGeom>
-          <a:noFill/>
-          <a:ln>
-            <a:noFill/>
-          </a:ln>
-        </p:spPr>
-        <p:txBody>
-          <a:bodyPr spcFirstLastPara="1" wrap="square" lIns="91425" tIns="45700" rIns="91425" bIns="45700" anchor="t" anchorCtr="0">
-            <a:normAutofit/>
-          </a:bodyPr>
-          <a:lstStyle>
-            <a:lvl1pPr marL="457200" lvl="0" indent="-342900" algn="l">
-              <a:lnSpc>
-                <a:spcPct val="90000"/>
-              </a:lnSpc>
-              <a:spcBef>
-                <a:spcPts val="1000"/>
-              </a:spcBef>
-              <a:spcAft>
-                <a:spcPts val="0"/>
-              </a:spcAft>
-              <a:buClr>
-                <a:schemeClr val="dk1"/>
-              </a:buClr>
-              <a:buSzPts val="1800"/>
-              <a:buChar char="•"/>
-              <a:defRPr/>
-            </a:lvl1pPr>
-            <a:lvl2pPr marL="914400" lvl="1" indent="-342900" algn="l">
-              <a:lnSpc>
-                <a:spcPct val="90000"/>
-              </a:lnSpc>
-              <a:spcBef>
-                <a:spcPts val="500"/>
-              </a:spcBef>
-              <a:spcAft>
-                <a:spcPts val="0"/>
-              </a:spcAft>
-              <a:buClr>
-                <a:schemeClr val="dk1"/>
-              </a:buClr>
-              <a:buSzPts val="1800"/>
-              <a:buChar char="•"/>
-              <a:defRPr/>
-            </a:lvl2pPr>
-            <a:lvl3pPr marL="1371600" lvl="2" indent="-342900" algn="l">
-              <a:lnSpc>
-                <a:spcPct val="90000"/>
-              </a:lnSpc>
-              <a:spcBef>
-                <a:spcPts val="500"/>
-              </a:spcBef>
-              <a:spcAft>
-                <a:spcPts val="0"/>
-              </a:spcAft>
-              <a:buClr>
-                <a:schemeClr val="dk1"/>
-              </a:buClr>
-              <a:buSzPts val="1800"/>
-              <a:buChar char="•"/>
-              <a:defRPr/>
-            </a:lvl3pPr>
-            <a:lvl4pPr marL="1828800" lvl="3" indent="-342900" algn="l">
-              <a:lnSpc>
-                <a:spcPct val="90000"/>
-              </a:lnSpc>
-              <a:spcBef>
-                <a:spcPts val="500"/>
-              </a:spcBef>
-              <a:spcAft>
-                <a:spcPts val="0"/>
-              </a:spcAft>
-              <a:buClr>
-                <a:schemeClr val="dk1"/>
-              </a:buClr>
-              <a:buSzPts val="1800"/>
-              <a:buChar char="•"/>
-              <a:defRPr/>
-            </a:lvl4pPr>
-            <a:lvl5pPr marL="2286000" lvl="4" indent="-342900" algn="l">
-              <a:lnSpc>
-                <a:spcPct val="90000"/>
-              </a:lnSpc>
-              <a:spcBef>
-                <a:spcPts val="500"/>
-              </a:spcBef>
-              <a:spcAft>
-                <a:spcPts val="0"/>
-              </a:spcAft>
-              <a:buClr>
-                <a:schemeClr val="dk1"/>
-              </a:buClr>
-              <a:buSzPts val="1800"/>
-              <a:buChar char="•"/>
-              <a:defRPr/>
-            </a:lvl5pPr>
-            <a:lvl6pPr marL="2743200" lvl="5" indent="-342900" algn="l">
-              <a:lnSpc>
-                <a:spcPct val="90000"/>
-              </a:lnSpc>
-              <a:spcBef>
-                <a:spcPts val="500"/>
-              </a:spcBef>
-              <a:spcAft>
-                <a:spcPts val="0"/>
-              </a:spcAft>
-              <a:buClr>
-                <a:schemeClr val="dk1"/>
-              </a:buClr>
-              <a:buSzPts val="1800"/>
-              <a:buChar char="•"/>
-              <a:defRPr/>
-            </a:lvl6pPr>
-            <a:lvl7pPr marL="3200400" lvl="6" indent="-342900" algn="l">
-              <a:lnSpc>
-                <a:spcPct val="90000"/>
-              </a:lnSpc>
-              <a:spcBef>
-                <a:spcPts val="500"/>
-              </a:spcBef>
-              <a:spcAft>
-                <a:spcPts val="0"/>
-              </a:spcAft>
-              <a:buClr>
-                <a:schemeClr val="dk1"/>
-              </a:buClr>
-              <a:buSzPts val="1800"/>
-              <a:buChar char="•"/>
-              <a:defRPr/>
-            </a:lvl7pPr>
-            <a:lvl8pPr marL="3657600" lvl="7" indent="-342900" algn="l">
-              <a:lnSpc>
-                <a:spcPct val="90000"/>
-              </a:lnSpc>
-              <a:spcBef>
-                <a:spcPts val="500"/>
-              </a:spcBef>
-              <a:spcAft>
-                <a:spcPts val="0"/>
-              </a:spcAft>
-              <a:buClr>
-                <a:schemeClr val="dk1"/>
-              </a:buClr>
-              <a:buSzPts val="1800"/>
-              <a:buChar char="•"/>
-              <a:defRPr/>
-            </a:lvl8pPr>
-            <a:lvl9pPr marL="4114800" lvl="8" indent="-342900" algn="l">
-              <a:lnSpc>
-                <a:spcPct val="90000"/>
-              </a:lnSpc>
-              <a:spcBef>
-                <a:spcPts val="500"/>
-              </a:spcBef>
-              <a:spcAft>
-                <a:spcPts val="0"/>
-              </a:spcAft>
-              <a:buClr>
-                <a:schemeClr val="dk1"/>
-              </a:buClr>
-              <a:buSzPts val="1800"/>
-              <a:buChar char="•"/>
-              <a:defRPr/>
-            </a:lvl9pPr>
-          </a:lstStyle>
-          <a:p>
-            <a:endParaRPr/>
-          </a:p>
-        </p:txBody>
-      </p:sp>
-      <p:sp>
-        <p:nvSpPr>
-          <p:cNvPr id="33" name="Google Shape;33;p5"/>
-          <p:cNvSpPr txBox="1">
-            <a:spLocks noGrp="1"/>
-          </p:cNvSpPr>
-          <p:nvPr>
-            <p:ph type="dt" idx="10"/>
-          </p:nvPr>
-        </p:nvSpPr>
-        <p:spPr>
-          <a:xfrm>
-            <a:off x="838200" y="6356350"/>
-            <a:ext cx="2743200" cy="365125"/>
-          </a:xfrm>
-          <a:prstGeom prst="rect">
-            <a:avLst/>
-          </a:prstGeom>
-          <a:noFill/>
-          <a:ln>
-            <a:noFill/>
-          </a:ln>
-        </p:spPr>
-        <p:txBody>
-          <a:bodyPr spcFirstLastPara="1" wrap="square" lIns="91425" tIns="45700" rIns="91425" bIns="45700" anchor="ctr" anchorCtr="0">
-            <a:noAutofit/>
-          </a:bodyPr>
-          <a:lstStyle>
-            <a:lvl1pPr lvl="0" algn="l">
-              <a:lnSpc>
-                <a:spcPct val="100000"/>
-              </a:lnSpc>
-              <a:spcBef>
-                <a:spcPts val="0"/>
-              </a:spcBef>
-              <a:spcAft>
-                <a:spcPts val="0"/>
-              </a:spcAft>
-              <a:buSzPts val="1400"/>
-              <a:buNone/>
-              <a:defRPr/>
-            </a:lvl1pPr>
-            <a:lvl2pPr lvl="1" algn="l">
-              <a:lnSpc>
-                <a:spcPct val="100000"/>
-              </a:lnSpc>
-              <a:spcBef>
-                <a:spcPts val="0"/>
-              </a:spcBef>
-              <a:spcAft>
-                <a:spcPts val="0"/>
-              </a:spcAft>
-              <a:buSzPts val="1400"/>
-              <a:buNone/>
-              <a:defRPr/>
-            </a:lvl2pPr>
-            <a:lvl3pPr lvl="2" algn="l">
-              <a:lnSpc>
-                <a:spcPct val="100000"/>
-              </a:lnSpc>
-              <a:spcBef>
-                <a:spcPts val="0"/>
-              </a:spcBef>
-              <a:spcAft>
-                <a:spcPts val="0"/>
-              </a:spcAft>
-              <a:buSzPts val="1400"/>
-              <a:buNone/>
-              <a:defRPr/>
-            </a:lvl3pPr>
-            <a:lvl4pPr lvl="3" algn="l">
-              <a:lnSpc>
-                <a:spcPct val="100000"/>
-              </a:lnSpc>
-              <a:spcBef>
-                <a:spcPts val="0"/>
-              </a:spcBef>
-              <a:spcAft>
-                <a:spcPts val="0"/>
-              </a:spcAft>
-              <a:buSzPts val="1400"/>
-              <a:buNone/>
-              <a:defRPr/>
-            </a:lvl4pPr>
-            <a:lvl5pPr lvl="4" algn="l">
-              <a:lnSpc>
-                <a:spcPct val="100000"/>
-              </a:lnSpc>
-              <a:spcBef>
-                <a:spcPts val="0"/>
-              </a:spcBef>
-              <a:spcAft>
-                <a:spcPts val="0"/>
-              </a:spcAft>
-              <a:buSzPts val="1400"/>
-              <a:buNone/>
-              <a:defRPr/>
-            </a:lvl5pPr>
-            <a:lvl6pPr lvl="5" algn="l">
-              <a:lnSpc>
-                <a:spcPct val="100000"/>
-              </a:lnSpc>
-              <a:spcBef>
-                <a:spcPts val="0"/>
-              </a:spcBef>
-              <a:spcAft>
-                <a:spcPts val="0"/>
-              </a:spcAft>
-              <a:buSzPts val="1400"/>
-              <a:buNone/>
-              <a:defRPr/>
-            </a:lvl6pPr>
-            <a:lvl7pPr lvl="6" algn="l">
-              <a:lnSpc>
-                <a:spcPct val="100000"/>
-              </a:lnSpc>
-              <a:spcBef>
-                <a:spcPts val="0"/>
-              </a:spcBef>
-              <a:spcAft>
-                <a:spcPts val="0"/>
-              </a:spcAft>
-              <a:buSzPts val="1400"/>
-              <a:buNone/>
-              <a:defRPr/>
-            </a:lvl7pPr>
-            <a:lvl8pPr lvl="7" algn="l">
-              <a:lnSpc>
-                <a:spcPct val="100000"/>
-              </a:lnSpc>
-              <a:spcBef>
-                <a:spcPts val="0"/>
-              </a:spcBef>
-              <a:spcAft>
-                <a:spcPts val="0"/>
-              </a:spcAft>
-              <a:buSzPts val="1400"/>
-              <a:buNone/>
-              <a:defRPr/>
-            </a:lvl8pPr>
-            <a:lvl9pPr lvl="8" algn="l">
-              <a:lnSpc>
-                <a:spcPct val="100000"/>
-              </a:lnSpc>
-              <a:spcBef>
-                <a:spcPts val="0"/>
-              </a:spcBef>
-              <a:spcAft>
-                <a:spcPts val="0"/>
-              </a:spcAft>
-              <a:buSzPts val="1400"/>
-              <a:buNone/>
-              <a:defRPr/>
-            </a:lvl9pPr>
-          </a:lstStyle>
-          <a:p>
-            <a:endParaRPr/>
-          </a:p>
-        </p:txBody>
-      </p:sp>
-      <p:sp>
-        <p:nvSpPr>
-          <p:cNvPr id="34" name="Google Shape;34;p5"/>
-          <p:cNvSpPr txBox="1">
-            <a:spLocks noGrp="1"/>
-          </p:cNvSpPr>
-          <p:nvPr>
-            <p:ph type="ftr" idx="11"/>
-          </p:nvPr>
-        </p:nvSpPr>
-        <p:spPr>
-          <a:xfrm>
-            <a:off x="4038600" y="6356350"/>
-            <a:ext cx="4114800" cy="365125"/>
-          </a:xfrm>
-          <a:prstGeom prst="rect">
-            <a:avLst/>
-          </a:prstGeom>
-          <a:noFill/>
-          <a:ln>
-            <a:noFill/>
-          </a:ln>
-        </p:spPr>
-        <p:txBody>
-          <a:bodyPr spcFirstLastPara="1" wrap="square" lIns="91425" tIns="45700" rIns="91425" bIns="45700" anchor="ctr" anchorCtr="0">
-            <a:noAutofit/>
-          </a:bodyPr>
-          <a:lstStyle>
-            <a:lvl1pPr lvl="0" algn="ctr">
-              <a:lnSpc>
-                <a:spcPct val="100000"/>
-              </a:lnSpc>
-              <a:spcBef>
-                <a:spcPts val="0"/>
-              </a:spcBef>
-              <a:spcAft>
-                <a:spcPts val="0"/>
-              </a:spcAft>
-              <a:buSzPts val="1400"/>
-              <a:buNone/>
-              <a:defRPr/>
-            </a:lvl1pPr>
-            <a:lvl2pPr lvl="1" algn="l">
-              <a:lnSpc>
-                <a:spcPct val="100000"/>
-              </a:lnSpc>
-              <a:spcBef>
-                <a:spcPts val="0"/>
-              </a:spcBef>
-              <a:spcAft>
-                <a:spcPts val="0"/>
-              </a:spcAft>
-              <a:buSzPts val="1400"/>
-              <a:buNone/>
-              <a:defRPr/>
-            </a:lvl2pPr>
-            <a:lvl3pPr lvl="2" algn="l">
-              <a:lnSpc>
-                <a:spcPct val="100000"/>
-              </a:lnSpc>
-              <a:spcBef>
-                <a:spcPts val="0"/>
-              </a:spcBef>
-              <a:spcAft>
-                <a:spcPts val="0"/>
-              </a:spcAft>
-              <a:buSzPts val="1400"/>
-              <a:buNone/>
-              <a:defRPr/>
-            </a:lvl3pPr>
-            <a:lvl4pPr lvl="3" algn="l">
-              <a:lnSpc>
-                <a:spcPct val="100000"/>
-              </a:lnSpc>
-              <a:spcBef>
-                <a:spcPts val="0"/>
-              </a:spcBef>
-              <a:spcAft>
-                <a:spcPts val="0"/>
-              </a:spcAft>
-              <a:buSzPts val="1400"/>
-              <a:buNone/>
-              <a:defRPr/>
-            </a:lvl4pPr>
-            <a:lvl5pPr lvl="4" algn="l">
-              <a:lnSpc>
-                <a:spcPct val="100000"/>
-              </a:lnSpc>
-              <a:spcBef>
-                <a:spcPts val="0"/>
-              </a:spcBef>
-              <a:spcAft>
-                <a:spcPts val="0"/>
-              </a:spcAft>
-              <a:buSzPts val="1400"/>
-              <a:buNone/>
-              <a:defRPr/>
-            </a:lvl5pPr>
-            <a:lvl6pPr lvl="5" algn="l">
-              <a:lnSpc>
-                <a:spcPct val="100000"/>
-              </a:lnSpc>
-              <a:spcBef>
-                <a:spcPts val="0"/>
-              </a:spcBef>
-              <a:spcAft>
-                <a:spcPts val="0"/>
-              </a:spcAft>
-              <a:buSzPts val="1400"/>
-              <a:buNone/>
-              <a:defRPr/>
-            </a:lvl6pPr>
-            <a:lvl7pPr lvl="6" algn="l">
-              <a:lnSpc>
-                <a:spcPct val="100000"/>
-              </a:lnSpc>
-              <a:spcBef>
-                <a:spcPts val="0"/>
-              </a:spcBef>
-              <a:spcAft>
-                <a:spcPts val="0"/>
-              </a:spcAft>
-              <a:buSzPts val="1400"/>
-              <a:buNone/>
-              <a:defRPr/>
-            </a:lvl7pPr>
-            <a:lvl8pPr lvl="7" algn="l">
-              <a:lnSpc>
-                <a:spcPct val="100000"/>
-              </a:lnSpc>
-              <a:spcBef>
-                <a:spcPts val="0"/>
-              </a:spcBef>
-              <a:spcAft>
-                <a:spcPts val="0"/>
-              </a:spcAft>
-              <a:buSzPts val="1400"/>
-              <a:buNone/>
-              <a:defRPr/>
-            </a:lvl8pPr>
-            <a:lvl9pPr lvl="8" algn="l">
-              <a:lnSpc>
-                <a:spcPct val="100000"/>
-              </a:lnSpc>
-              <a:spcBef>
-                <a:spcPts val="0"/>
-              </a:spcBef>
-              <a:spcAft>
-                <a:spcPts val="0"/>
-              </a:spcAft>
-              <a:buSzPts val="1400"/>
-              <a:buNone/>
-              <a:defRPr/>
-            </a:lvl9pPr>
-          </a:lstStyle>
-          <a:p>
-            <a:endParaRPr/>
-          </a:p>
-        </p:txBody>
-      </p:sp>
-      <p:sp>
-        <p:nvSpPr>
-          <p:cNvPr id="35" name="Google Shape;35;p5"/>
-          <p:cNvSpPr txBox="1">
-            <a:spLocks noGrp="1"/>
-          </p:cNvSpPr>
-          <p:nvPr>
-            <p:ph type="sldNum" idx="12"/>
-          </p:nvPr>
-        </p:nvSpPr>
-        <p:spPr>
-          <a:xfrm>
-            <a:off x="8610600" y="6356350"/>
-            <a:ext cx="2743200" cy="365125"/>
-          </a:xfrm>
-          <a:prstGeom prst="rect">
-            <a:avLst/>
-          </a:prstGeom>
-          <a:noFill/>
-          <a:ln>
-            <a:noFill/>
-          </a:ln>
-        </p:spPr>
-        <p:txBody>
-          <a:bodyPr spcFirstLastPara="1" wrap="square" lIns="91425" tIns="45700" rIns="91425" bIns="45700" anchor="ctr" anchorCtr="0">
-            <a:noAutofit/>
-          </a:bodyPr>
-          <a:lstStyle>
-            <a:lvl1pPr marL="0" marR="0" lvl="0" indent="0" algn="r">
-              <a:lnSpc>
-                <a:spcPct val="100000"/>
-              </a:lnSpc>
-              <a:spcBef>
-                <a:spcPts val="0"/>
-              </a:spcBef>
-              <a:spcAft>
-                <a:spcPts val="0"/>
-              </a:spcAft>
-              <a:buClr>
-                <a:srgbClr val="000000"/>
-              </a:buClr>
-              <a:buSzPts val="1200"/>
-              <a:buFont typeface="Arial"/>
-              <a:buNone/>
-              <a:defRPr sz="1200" b="0" i="0" u="none" strike="noStrike" cap="none">
-                <a:solidFill>
-                  <a:srgbClr val="888888"/>
-                </a:solidFill>
-                <a:latin typeface="Calibri"/>
-                <a:ea typeface="Calibri"/>
-                <a:cs typeface="Calibri"/>
-                <a:sym typeface="Calibri"/>
-              </a:defRPr>
-            </a:lvl1pPr>
-            <a:lvl2pPr marL="0" marR="0" lvl="1" indent="0" algn="r">
-              <a:lnSpc>
-                <a:spcPct val="100000"/>
-              </a:lnSpc>
-              <a:spcBef>
-                <a:spcPts val="0"/>
-              </a:spcBef>
-              <a:spcAft>
-                <a:spcPts val="0"/>
-              </a:spcAft>
-              <a:buClr>
-                <a:srgbClr val="000000"/>
-              </a:buClr>
-              <a:buSzPts val="1200"/>
-              <a:buFont typeface="Arial"/>
-              <a:buNone/>
-              <a:defRPr sz="1200" b="0" i="0" u="none" strike="noStrike" cap="none">
-                <a:solidFill>
-                  <a:srgbClr val="888888"/>
-                </a:solidFill>
-                <a:latin typeface="Calibri"/>
-                <a:ea typeface="Calibri"/>
-                <a:cs typeface="Calibri"/>
-                <a:sym typeface="Calibri"/>
-              </a:defRPr>
-            </a:lvl2pPr>
-            <a:lvl3pPr marL="0" marR="0" lvl="2" indent="0" algn="r">
-              <a:lnSpc>
-                <a:spcPct val="100000"/>
-              </a:lnSpc>
-              <a:spcBef>
-                <a:spcPts val="0"/>
-              </a:spcBef>
-              <a:spcAft>
-                <a:spcPts val="0"/>
-              </a:spcAft>
-              <a:buClr>
-                <a:srgbClr val="000000"/>
-              </a:buClr>
-              <a:buSzPts val="1200"/>
-              <a:buFont typeface="Arial"/>
-              <a:buNone/>
-              <a:defRPr sz="1200" b="0" i="0" u="none" strike="noStrike" cap="none">
-                <a:solidFill>
-                  <a:srgbClr val="888888"/>
-                </a:solidFill>
-                <a:latin typeface="Calibri"/>
-                <a:ea typeface="Calibri"/>
-                <a:cs typeface="Calibri"/>
-                <a:sym typeface="Calibri"/>
-              </a:defRPr>
-            </a:lvl3pPr>
-            <a:lvl4pPr marL="0" marR="0" lvl="3" indent="0" algn="r">
-              <a:lnSpc>
-                <a:spcPct val="100000"/>
-              </a:lnSpc>
-              <a:spcBef>
-                <a:spcPts val="0"/>
-              </a:spcBef>
-              <a:spcAft>
-                <a:spcPts val="0"/>
-              </a:spcAft>
-              <a:buClr>
-                <a:srgbClr val="000000"/>
-              </a:buClr>
-              <a:buSzPts val="1200"/>
-              <a:buFont typeface="Arial"/>
-              <a:buNone/>
-              <a:defRPr sz="1200" b="0" i="0" u="none" strike="noStrike" cap="none">
-                <a:solidFill>
-                  <a:srgbClr val="888888"/>
-                </a:solidFill>
-                <a:latin typeface="Calibri"/>
-                <a:ea typeface="Calibri"/>
-                <a:cs typeface="Calibri"/>
-                <a:sym typeface="Calibri"/>
-              </a:defRPr>
-            </a:lvl4pPr>
-            <a:lvl5pPr marL="0" marR="0" lvl="4" indent="0" algn="r">
-              <a:lnSpc>
-                <a:spcPct val="100000"/>
-              </a:lnSpc>
-              <a:spcBef>
-                <a:spcPts val="0"/>
-              </a:spcBef>
-              <a:spcAft>
-                <a:spcPts val="0"/>
-              </a:spcAft>
-              <a:buClr>
-                <a:srgbClr val="000000"/>
-              </a:buClr>
-              <a:buSzPts val="1200"/>
-              <a:buFont typeface="Arial"/>
-              <a:buNone/>
-              <a:defRPr sz="1200" b="0" i="0" u="none" strike="noStrike" cap="none">
-                <a:solidFill>
-                  <a:srgbClr val="888888"/>
-                </a:solidFill>
-                <a:latin typeface="Calibri"/>
-                <a:ea typeface="Calibri"/>
-                <a:cs typeface="Calibri"/>
-                <a:sym typeface="Calibri"/>
-              </a:defRPr>
-            </a:lvl5pPr>
-            <a:lvl6pPr marL="0" marR="0" lvl="5" indent="0" algn="r">
-              <a:lnSpc>
-                <a:spcPct val="100000"/>
-              </a:lnSpc>
-              <a:spcBef>
-                <a:spcPts val="0"/>
-              </a:spcBef>
-              <a:spcAft>
-                <a:spcPts val="0"/>
-              </a:spcAft>
-              <a:buClr>
-                <a:srgbClr val="000000"/>
-              </a:buClr>
-              <a:buSzPts val="1200"/>
-              <a:buFont typeface="Arial"/>
-              <a:buNone/>
-              <a:defRPr sz="1200" b="0" i="0" u="none" strike="noStrike" cap="none">
-                <a:solidFill>
-                  <a:srgbClr val="888888"/>
-                </a:solidFill>
-                <a:latin typeface="Calibri"/>
-                <a:ea typeface="Calibri"/>
-                <a:cs typeface="Calibri"/>
-                <a:sym typeface="Calibri"/>
-              </a:defRPr>
-            </a:lvl6pPr>
-            <a:lvl7pPr marL="0" marR="0" lvl="6" indent="0" algn="r">
-              <a:lnSpc>
-                <a:spcPct val="100000"/>
-              </a:lnSpc>
-              <a:spcBef>
-                <a:spcPts val="0"/>
-              </a:spcBef>
-              <a:spcAft>
-                <a:spcPts val="0"/>
-              </a:spcAft>
-              <a:buClr>
-                <a:srgbClr val="000000"/>
-              </a:buClr>
-              <a:buSzPts val="1200"/>
-              <a:buFont typeface="Arial"/>
-              <a:buNone/>
-              <a:defRPr sz="1200" b="0" i="0" u="none" strike="noStrike" cap="none">
-                <a:solidFill>
-                  <a:srgbClr val="888888"/>
-                </a:solidFill>
-                <a:latin typeface="Calibri"/>
-                <a:ea typeface="Calibri"/>
-                <a:cs typeface="Calibri"/>
-                <a:sym typeface="Calibri"/>
-              </a:defRPr>
-            </a:lvl7pPr>
-            <a:lvl8pPr marL="0" marR="0" lvl="7" indent="0" algn="r">
-              <a:lnSpc>
-                <a:spcPct val="100000"/>
-              </a:lnSpc>
-              <a:spcBef>
-                <a:spcPts val="0"/>
-              </a:spcBef>
-              <a:spcAft>
-                <a:spcPts val="0"/>
-              </a:spcAft>
-              <a:buClr>
-                <a:srgbClr val="000000"/>
-              </a:buClr>
-              <a:buSzPts val="1200"/>
-              <a:buFont typeface="Arial"/>
-              <a:buNone/>
-              <a:defRPr sz="1200" b="0" i="0" u="none" strike="noStrike" cap="none">
-                <a:solidFill>
-                  <a:srgbClr val="888888"/>
-                </a:solidFill>
-                <a:latin typeface="Calibri"/>
-                <a:ea typeface="Calibri"/>
-                <a:cs typeface="Calibri"/>
-                <a:sym typeface="Calibri"/>
-              </a:defRPr>
-            </a:lvl8pPr>
-            <a:lvl9pPr marL="0" marR="0" lvl="8" indent="0" algn="r">
-              <a:lnSpc>
-                <a:spcPct val="100000"/>
-              </a:lnSpc>
-              <a:spcBef>
-                <a:spcPts val="0"/>
-              </a:spcBef>
-              <a:spcAft>
-                <a:spcPts val="0"/>
-              </a:spcAft>
-              <a:buClr>
-                <a:srgbClr val="000000"/>
-              </a:buClr>
-              <a:buSzPts val="1200"/>
-              <a:buFont typeface="Arial"/>
-              <a:buNone/>
-              <a:defRPr sz="1200" b="0" i="0" u="none" strike="noStrike" cap="none">
-                <a:solidFill>
-                  <a:srgbClr val="888888"/>
-                </a:solidFill>
-                <a:latin typeface="Calibri"/>
-                <a:ea typeface="Calibri"/>
-                <a:cs typeface="Calibri"/>
-                <a:sym typeface="Calibri"/>
-              </a:defRPr>
-            </a:lvl9pPr>
-          </a:lstStyle>
-          <a:p>
-            <a:pPr marL="0" lvl="0" indent="0" algn="r" rtl="0">
-              <a:spcBef>
-                <a:spcPts val="0"/>
-              </a:spcBef>
-              <a:spcAft>
-                <a:spcPts val="0"/>
-              </a:spcAft>
-              <a:buNone/>
-            </a:pPr>
-            <a:fld id="{00000000-1234-1234-1234-123412341234}" type="slidenum">
-              <a:rPr lang="en-US"/>
-              <a:t>‹#›</a:t>
-            </a:fld>
-            <a:endParaRPr/>
-          </a:p>
-        </p:txBody>
-      </p:sp>
-    </p:spTree>
-  </p:cSld>
-  <p:clrMapOvr>
-    <a:masterClrMapping/>
-  </p:clrMapOvr>
-</p:sldLayout>
-</file>
-
-<file path=ppt/slideLayouts/slideLayout9.xml><?xml version="1.0" encoding="utf-8"?>
 <p:sldLayout xmlns:a="http://schemas.openxmlformats.org/drawingml/2006/main" xmlns:r="http://schemas.openxmlformats.org/officeDocument/2006/relationships" xmlns:p="http://schemas.openxmlformats.org/presentationml/2006/main" matchingName="Comparison" type="twoTxTwoObj">
   <p:cSld name="TWO_OBJECTS_WITH_TEXT">
     <p:spTree>
@@ -13679,6 +10384,1170 @@
       <p:sp>
         <p:nvSpPr>
           <p:cNvPr id="44" name="Google Shape;44;p6"/>
+          <p:cNvSpPr txBox="1">
+            <a:spLocks noGrp="1"/>
+          </p:cNvSpPr>
+          <p:nvPr>
+            <p:ph type="sldNum" idx="12"/>
+          </p:nvPr>
+        </p:nvSpPr>
+        <p:spPr>
+          <a:xfrm>
+            <a:off x="8610600" y="6356350"/>
+            <a:ext cx="2743200" cy="365125"/>
+          </a:xfrm>
+          <a:prstGeom prst="rect">
+            <a:avLst/>
+          </a:prstGeom>
+          <a:noFill/>
+          <a:ln>
+            <a:noFill/>
+          </a:ln>
+        </p:spPr>
+        <p:txBody>
+          <a:bodyPr spcFirstLastPara="1" wrap="square" lIns="91425" tIns="45700" rIns="91425" bIns="45700" anchor="ctr" anchorCtr="0">
+            <a:noAutofit/>
+          </a:bodyPr>
+          <a:lstStyle>
+            <a:lvl1pPr marL="0" marR="0" lvl="0" indent="0" algn="r">
+              <a:lnSpc>
+                <a:spcPct val="100000"/>
+              </a:lnSpc>
+              <a:spcBef>
+                <a:spcPts val="0"/>
+              </a:spcBef>
+              <a:spcAft>
+                <a:spcPts val="0"/>
+              </a:spcAft>
+              <a:buClr>
+                <a:srgbClr val="000000"/>
+              </a:buClr>
+              <a:buSzPts val="1200"/>
+              <a:buFont typeface="Arial"/>
+              <a:buNone/>
+              <a:defRPr sz="1200" b="0" i="0" u="none" strike="noStrike" cap="none">
+                <a:solidFill>
+                  <a:srgbClr val="888888"/>
+                </a:solidFill>
+                <a:latin typeface="Calibri"/>
+                <a:ea typeface="Calibri"/>
+                <a:cs typeface="Calibri"/>
+                <a:sym typeface="Calibri"/>
+              </a:defRPr>
+            </a:lvl1pPr>
+            <a:lvl2pPr marL="0" marR="0" lvl="1" indent="0" algn="r">
+              <a:lnSpc>
+                <a:spcPct val="100000"/>
+              </a:lnSpc>
+              <a:spcBef>
+                <a:spcPts val="0"/>
+              </a:spcBef>
+              <a:spcAft>
+                <a:spcPts val="0"/>
+              </a:spcAft>
+              <a:buClr>
+                <a:srgbClr val="000000"/>
+              </a:buClr>
+              <a:buSzPts val="1200"/>
+              <a:buFont typeface="Arial"/>
+              <a:buNone/>
+              <a:defRPr sz="1200" b="0" i="0" u="none" strike="noStrike" cap="none">
+                <a:solidFill>
+                  <a:srgbClr val="888888"/>
+                </a:solidFill>
+                <a:latin typeface="Calibri"/>
+                <a:ea typeface="Calibri"/>
+                <a:cs typeface="Calibri"/>
+                <a:sym typeface="Calibri"/>
+              </a:defRPr>
+            </a:lvl2pPr>
+            <a:lvl3pPr marL="0" marR="0" lvl="2" indent="0" algn="r">
+              <a:lnSpc>
+                <a:spcPct val="100000"/>
+              </a:lnSpc>
+              <a:spcBef>
+                <a:spcPts val="0"/>
+              </a:spcBef>
+              <a:spcAft>
+                <a:spcPts val="0"/>
+              </a:spcAft>
+              <a:buClr>
+                <a:srgbClr val="000000"/>
+              </a:buClr>
+              <a:buSzPts val="1200"/>
+              <a:buFont typeface="Arial"/>
+              <a:buNone/>
+              <a:defRPr sz="1200" b="0" i="0" u="none" strike="noStrike" cap="none">
+                <a:solidFill>
+                  <a:srgbClr val="888888"/>
+                </a:solidFill>
+                <a:latin typeface="Calibri"/>
+                <a:ea typeface="Calibri"/>
+                <a:cs typeface="Calibri"/>
+                <a:sym typeface="Calibri"/>
+              </a:defRPr>
+            </a:lvl3pPr>
+            <a:lvl4pPr marL="0" marR="0" lvl="3" indent="0" algn="r">
+              <a:lnSpc>
+                <a:spcPct val="100000"/>
+              </a:lnSpc>
+              <a:spcBef>
+                <a:spcPts val="0"/>
+              </a:spcBef>
+              <a:spcAft>
+                <a:spcPts val="0"/>
+              </a:spcAft>
+              <a:buClr>
+                <a:srgbClr val="000000"/>
+              </a:buClr>
+              <a:buSzPts val="1200"/>
+              <a:buFont typeface="Arial"/>
+              <a:buNone/>
+              <a:defRPr sz="1200" b="0" i="0" u="none" strike="noStrike" cap="none">
+                <a:solidFill>
+                  <a:srgbClr val="888888"/>
+                </a:solidFill>
+                <a:latin typeface="Calibri"/>
+                <a:ea typeface="Calibri"/>
+                <a:cs typeface="Calibri"/>
+                <a:sym typeface="Calibri"/>
+              </a:defRPr>
+            </a:lvl4pPr>
+            <a:lvl5pPr marL="0" marR="0" lvl="4" indent="0" algn="r">
+              <a:lnSpc>
+                <a:spcPct val="100000"/>
+              </a:lnSpc>
+              <a:spcBef>
+                <a:spcPts val="0"/>
+              </a:spcBef>
+              <a:spcAft>
+                <a:spcPts val="0"/>
+              </a:spcAft>
+              <a:buClr>
+                <a:srgbClr val="000000"/>
+              </a:buClr>
+              <a:buSzPts val="1200"/>
+              <a:buFont typeface="Arial"/>
+              <a:buNone/>
+              <a:defRPr sz="1200" b="0" i="0" u="none" strike="noStrike" cap="none">
+                <a:solidFill>
+                  <a:srgbClr val="888888"/>
+                </a:solidFill>
+                <a:latin typeface="Calibri"/>
+                <a:ea typeface="Calibri"/>
+                <a:cs typeface="Calibri"/>
+                <a:sym typeface="Calibri"/>
+              </a:defRPr>
+            </a:lvl5pPr>
+            <a:lvl6pPr marL="0" marR="0" lvl="5" indent="0" algn="r">
+              <a:lnSpc>
+                <a:spcPct val="100000"/>
+              </a:lnSpc>
+              <a:spcBef>
+                <a:spcPts val="0"/>
+              </a:spcBef>
+              <a:spcAft>
+                <a:spcPts val="0"/>
+              </a:spcAft>
+              <a:buClr>
+                <a:srgbClr val="000000"/>
+              </a:buClr>
+              <a:buSzPts val="1200"/>
+              <a:buFont typeface="Arial"/>
+              <a:buNone/>
+              <a:defRPr sz="1200" b="0" i="0" u="none" strike="noStrike" cap="none">
+                <a:solidFill>
+                  <a:srgbClr val="888888"/>
+                </a:solidFill>
+                <a:latin typeface="Calibri"/>
+                <a:ea typeface="Calibri"/>
+                <a:cs typeface="Calibri"/>
+                <a:sym typeface="Calibri"/>
+              </a:defRPr>
+            </a:lvl6pPr>
+            <a:lvl7pPr marL="0" marR="0" lvl="6" indent="0" algn="r">
+              <a:lnSpc>
+                <a:spcPct val="100000"/>
+              </a:lnSpc>
+              <a:spcBef>
+                <a:spcPts val="0"/>
+              </a:spcBef>
+              <a:spcAft>
+                <a:spcPts val="0"/>
+              </a:spcAft>
+              <a:buClr>
+                <a:srgbClr val="000000"/>
+              </a:buClr>
+              <a:buSzPts val="1200"/>
+              <a:buFont typeface="Arial"/>
+              <a:buNone/>
+              <a:defRPr sz="1200" b="0" i="0" u="none" strike="noStrike" cap="none">
+                <a:solidFill>
+                  <a:srgbClr val="888888"/>
+                </a:solidFill>
+                <a:latin typeface="Calibri"/>
+                <a:ea typeface="Calibri"/>
+                <a:cs typeface="Calibri"/>
+                <a:sym typeface="Calibri"/>
+              </a:defRPr>
+            </a:lvl7pPr>
+            <a:lvl8pPr marL="0" marR="0" lvl="7" indent="0" algn="r">
+              <a:lnSpc>
+                <a:spcPct val="100000"/>
+              </a:lnSpc>
+              <a:spcBef>
+                <a:spcPts val="0"/>
+              </a:spcBef>
+              <a:spcAft>
+                <a:spcPts val="0"/>
+              </a:spcAft>
+              <a:buClr>
+                <a:srgbClr val="000000"/>
+              </a:buClr>
+              <a:buSzPts val="1200"/>
+              <a:buFont typeface="Arial"/>
+              <a:buNone/>
+              <a:defRPr sz="1200" b="0" i="0" u="none" strike="noStrike" cap="none">
+                <a:solidFill>
+                  <a:srgbClr val="888888"/>
+                </a:solidFill>
+                <a:latin typeface="Calibri"/>
+                <a:ea typeface="Calibri"/>
+                <a:cs typeface="Calibri"/>
+                <a:sym typeface="Calibri"/>
+              </a:defRPr>
+            </a:lvl8pPr>
+            <a:lvl9pPr marL="0" marR="0" lvl="8" indent="0" algn="r">
+              <a:lnSpc>
+                <a:spcPct val="100000"/>
+              </a:lnSpc>
+              <a:spcBef>
+                <a:spcPts val="0"/>
+              </a:spcBef>
+              <a:spcAft>
+                <a:spcPts val="0"/>
+              </a:spcAft>
+              <a:buClr>
+                <a:srgbClr val="000000"/>
+              </a:buClr>
+              <a:buSzPts val="1200"/>
+              <a:buFont typeface="Arial"/>
+              <a:buNone/>
+              <a:defRPr sz="1200" b="0" i="0" u="none" strike="noStrike" cap="none">
+                <a:solidFill>
+                  <a:srgbClr val="888888"/>
+                </a:solidFill>
+                <a:latin typeface="Calibri"/>
+                <a:ea typeface="Calibri"/>
+                <a:cs typeface="Calibri"/>
+                <a:sym typeface="Calibri"/>
+              </a:defRPr>
+            </a:lvl9pPr>
+          </a:lstStyle>
+          <a:p>
+            <a:pPr marL="0" lvl="0" indent="0" algn="r" rtl="0">
+              <a:spcBef>
+                <a:spcPts val="0"/>
+              </a:spcBef>
+              <a:spcAft>
+                <a:spcPts val="0"/>
+              </a:spcAft>
+              <a:buNone/>
+            </a:pPr>
+            <a:fld id="{00000000-1234-1234-1234-123412341234}" type="slidenum">
+              <a:rPr lang="en-US"/>
+              <a:t>‹#›</a:t>
+            </a:fld>
+            <a:endParaRPr/>
+          </a:p>
+        </p:txBody>
+      </p:sp>
+    </p:spTree>
+  </p:cSld>
+  <p:clrMapOvr>
+    <a:masterClrMapping/>
+  </p:clrMapOvr>
+</p:sldLayout>
+</file>
+
+<file path=ppt/slideLayouts/slideLayout9.xml><?xml version="1.0" encoding="utf-8"?>
+<p:sldLayout xmlns:a="http://schemas.openxmlformats.org/drawingml/2006/main" xmlns:r="http://schemas.openxmlformats.org/officeDocument/2006/relationships" xmlns:p="http://schemas.openxmlformats.org/presentationml/2006/main" matchingName="Content with Caption" type="objTx">
+  <p:cSld name="OBJECT_WITH_CAPTION_TEXT">
+    <p:spTree>
+      <p:nvGrpSpPr>
+        <p:cNvPr id="1" name="Shape 54"/>
+        <p:cNvGrpSpPr/>
+        <p:nvPr/>
+      </p:nvGrpSpPr>
+      <p:grpSpPr>
+        <a:xfrm>
+          <a:off x="0" y="0"/>
+          <a:ext cx="0" cy="0"/>
+          <a:chOff x="0" y="0"/>
+          <a:chExt cx="0" cy="0"/>
+        </a:xfrm>
+      </p:grpSpPr>
+      <p:sp>
+        <p:nvSpPr>
+          <p:cNvPr id="55" name="Google Shape;55;p9"/>
+          <p:cNvSpPr txBox="1">
+            <a:spLocks noGrp="1"/>
+          </p:cNvSpPr>
+          <p:nvPr>
+            <p:ph type="title"/>
+          </p:nvPr>
+        </p:nvSpPr>
+        <p:spPr>
+          <a:xfrm>
+            <a:off x="839788" y="457200"/>
+            <a:ext cx="3932237" cy="1600200"/>
+          </a:xfrm>
+          <a:prstGeom prst="rect">
+            <a:avLst/>
+          </a:prstGeom>
+          <a:noFill/>
+          <a:ln>
+            <a:noFill/>
+          </a:ln>
+        </p:spPr>
+        <p:txBody>
+          <a:bodyPr spcFirstLastPara="1" wrap="square" lIns="91425" tIns="45700" rIns="91425" bIns="45700" anchor="b" anchorCtr="0">
+            <a:normAutofit/>
+          </a:bodyPr>
+          <a:lstStyle>
+            <a:lvl1pPr lvl="0" algn="l">
+              <a:lnSpc>
+                <a:spcPct val="90000"/>
+              </a:lnSpc>
+              <a:spcBef>
+                <a:spcPts val="0"/>
+              </a:spcBef>
+              <a:spcAft>
+                <a:spcPts val="0"/>
+              </a:spcAft>
+              <a:buClr>
+                <a:schemeClr val="dk1"/>
+              </a:buClr>
+              <a:buSzPts val="3200"/>
+              <a:buFont typeface="Calibri"/>
+              <a:buNone/>
+              <a:defRPr sz="3200"/>
+            </a:lvl1pPr>
+            <a:lvl2pPr lvl="1" algn="l">
+              <a:lnSpc>
+                <a:spcPct val="100000"/>
+              </a:lnSpc>
+              <a:spcBef>
+                <a:spcPts val="0"/>
+              </a:spcBef>
+              <a:spcAft>
+                <a:spcPts val="0"/>
+              </a:spcAft>
+              <a:buSzPts val="1400"/>
+              <a:buNone/>
+              <a:defRPr/>
+            </a:lvl2pPr>
+            <a:lvl3pPr lvl="2" algn="l">
+              <a:lnSpc>
+                <a:spcPct val="100000"/>
+              </a:lnSpc>
+              <a:spcBef>
+                <a:spcPts val="0"/>
+              </a:spcBef>
+              <a:spcAft>
+                <a:spcPts val="0"/>
+              </a:spcAft>
+              <a:buSzPts val="1400"/>
+              <a:buNone/>
+              <a:defRPr/>
+            </a:lvl3pPr>
+            <a:lvl4pPr lvl="3" algn="l">
+              <a:lnSpc>
+                <a:spcPct val="100000"/>
+              </a:lnSpc>
+              <a:spcBef>
+                <a:spcPts val="0"/>
+              </a:spcBef>
+              <a:spcAft>
+                <a:spcPts val="0"/>
+              </a:spcAft>
+              <a:buSzPts val="1400"/>
+              <a:buNone/>
+              <a:defRPr/>
+            </a:lvl4pPr>
+            <a:lvl5pPr lvl="4" algn="l">
+              <a:lnSpc>
+                <a:spcPct val="100000"/>
+              </a:lnSpc>
+              <a:spcBef>
+                <a:spcPts val="0"/>
+              </a:spcBef>
+              <a:spcAft>
+                <a:spcPts val="0"/>
+              </a:spcAft>
+              <a:buSzPts val="1400"/>
+              <a:buNone/>
+              <a:defRPr/>
+            </a:lvl5pPr>
+            <a:lvl6pPr lvl="5" algn="l">
+              <a:lnSpc>
+                <a:spcPct val="100000"/>
+              </a:lnSpc>
+              <a:spcBef>
+                <a:spcPts val="0"/>
+              </a:spcBef>
+              <a:spcAft>
+                <a:spcPts val="0"/>
+              </a:spcAft>
+              <a:buSzPts val="1400"/>
+              <a:buNone/>
+              <a:defRPr/>
+            </a:lvl6pPr>
+            <a:lvl7pPr lvl="6" algn="l">
+              <a:lnSpc>
+                <a:spcPct val="100000"/>
+              </a:lnSpc>
+              <a:spcBef>
+                <a:spcPts val="0"/>
+              </a:spcBef>
+              <a:spcAft>
+                <a:spcPts val="0"/>
+              </a:spcAft>
+              <a:buSzPts val="1400"/>
+              <a:buNone/>
+              <a:defRPr/>
+            </a:lvl7pPr>
+            <a:lvl8pPr lvl="7" algn="l">
+              <a:lnSpc>
+                <a:spcPct val="100000"/>
+              </a:lnSpc>
+              <a:spcBef>
+                <a:spcPts val="0"/>
+              </a:spcBef>
+              <a:spcAft>
+                <a:spcPts val="0"/>
+              </a:spcAft>
+              <a:buSzPts val="1400"/>
+              <a:buNone/>
+              <a:defRPr/>
+            </a:lvl8pPr>
+            <a:lvl9pPr lvl="8" algn="l">
+              <a:lnSpc>
+                <a:spcPct val="100000"/>
+              </a:lnSpc>
+              <a:spcBef>
+                <a:spcPts val="0"/>
+              </a:spcBef>
+              <a:spcAft>
+                <a:spcPts val="0"/>
+              </a:spcAft>
+              <a:buSzPts val="1400"/>
+              <a:buNone/>
+              <a:defRPr/>
+            </a:lvl9pPr>
+          </a:lstStyle>
+          <a:p>
+            <a:endParaRPr/>
+          </a:p>
+        </p:txBody>
+      </p:sp>
+      <p:sp>
+        <p:nvSpPr>
+          <p:cNvPr id="56" name="Google Shape;56;p9"/>
+          <p:cNvSpPr txBox="1">
+            <a:spLocks noGrp="1"/>
+          </p:cNvSpPr>
+          <p:nvPr>
+            <p:ph type="body" idx="1"/>
+          </p:nvPr>
+        </p:nvSpPr>
+        <p:spPr>
+          <a:xfrm>
+            <a:off x="5183188" y="987425"/>
+            <a:ext cx="6172200" cy="4873625"/>
+          </a:xfrm>
+          <a:prstGeom prst="rect">
+            <a:avLst/>
+          </a:prstGeom>
+          <a:noFill/>
+          <a:ln>
+            <a:noFill/>
+          </a:ln>
+        </p:spPr>
+        <p:txBody>
+          <a:bodyPr spcFirstLastPara="1" wrap="square" lIns="91425" tIns="45700" rIns="91425" bIns="45700" anchor="t" anchorCtr="0">
+            <a:normAutofit/>
+          </a:bodyPr>
+          <a:lstStyle>
+            <a:lvl1pPr marL="457200" lvl="0" indent="-431800" algn="l">
+              <a:lnSpc>
+                <a:spcPct val="90000"/>
+              </a:lnSpc>
+              <a:spcBef>
+                <a:spcPts val="1000"/>
+              </a:spcBef>
+              <a:spcAft>
+                <a:spcPts val="0"/>
+              </a:spcAft>
+              <a:buClr>
+                <a:schemeClr val="dk1"/>
+              </a:buClr>
+              <a:buSzPts val="3200"/>
+              <a:buChar char="•"/>
+              <a:defRPr sz="3200"/>
+            </a:lvl1pPr>
+            <a:lvl2pPr marL="914400" lvl="1" indent="-406400" algn="l">
+              <a:lnSpc>
+                <a:spcPct val="90000"/>
+              </a:lnSpc>
+              <a:spcBef>
+                <a:spcPts val="500"/>
+              </a:spcBef>
+              <a:spcAft>
+                <a:spcPts val="0"/>
+              </a:spcAft>
+              <a:buClr>
+                <a:schemeClr val="dk1"/>
+              </a:buClr>
+              <a:buSzPts val="2800"/>
+              <a:buChar char="•"/>
+              <a:defRPr sz="2800"/>
+            </a:lvl2pPr>
+            <a:lvl3pPr marL="1371600" lvl="2" indent="-381000" algn="l">
+              <a:lnSpc>
+                <a:spcPct val="90000"/>
+              </a:lnSpc>
+              <a:spcBef>
+                <a:spcPts val="500"/>
+              </a:spcBef>
+              <a:spcAft>
+                <a:spcPts val="0"/>
+              </a:spcAft>
+              <a:buClr>
+                <a:schemeClr val="dk1"/>
+              </a:buClr>
+              <a:buSzPts val="2400"/>
+              <a:buChar char="•"/>
+              <a:defRPr sz="2400"/>
+            </a:lvl3pPr>
+            <a:lvl4pPr marL="1828800" lvl="3" indent="-355600" algn="l">
+              <a:lnSpc>
+                <a:spcPct val="90000"/>
+              </a:lnSpc>
+              <a:spcBef>
+                <a:spcPts val="500"/>
+              </a:spcBef>
+              <a:spcAft>
+                <a:spcPts val="0"/>
+              </a:spcAft>
+              <a:buClr>
+                <a:schemeClr val="dk1"/>
+              </a:buClr>
+              <a:buSzPts val="2000"/>
+              <a:buChar char="•"/>
+              <a:defRPr sz="2000"/>
+            </a:lvl4pPr>
+            <a:lvl5pPr marL="2286000" lvl="4" indent="-355600" algn="l">
+              <a:lnSpc>
+                <a:spcPct val="90000"/>
+              </a:lnSpc>
+              <a:spcBef>
+                <a:spcPts val="500"/>
+              </a:spcBef>
+              <a:spcAft>
+                <a:spcPts val="0"/>
+              </a:spcAft>
+              <a:buClr>
+                <a:schemeClr val="dk1"/>
+              </a:buClr>
+              <a:buSzPts val="2000"/>
+              <a:buChar char="•"/>
+              <a:defRPr sz="2000"/>
+            </a:lvl5pPr>
+            <a:lvl6pPr marL="2743200" lvl="5" indent="-355600" algn="l">
+              <a:lnSpc>
+                <a:spcPct val="90000"/>
+              </a:lnSpc>
+              <a:spcBef>
+                <a:spcPts val="500"/>
+              </a:spcBef>
+              <a:spcAft>
+                <a:spcPts val="0"/>
+              </a:spcAft>
+              <a:buClr>
+                <a:schemeClr val="dk1"/>
+              </a:buClr>
+              <a:buSzPts val="2000"/>
+              <a:buChar char="•"/>
+              <a:defRPr sz="2000"/>
+            </a:lvl6pPr>
+            <a:lvl7pPr marL="3200400" lvl="6" indent="-355600" algn="l">
+              <a:lnSpc>
+                <a:spcPct val="90000"/>
+              </a:lnSpc>
+              <a:spcBef>
+                <a:spcPts val="500"/>
+              </a:spcBef>
+              <a:spcAft>
+                <a:spcPts val="0"/>
+              </a:spcAft>
+              <a:buClr>
+                <a:schemeClr val="dk1"/>
+              </a:buClr>
+              <a:buSzPts val="2000"/>
+              <a:buChar char="•"/>
+              <a:defRPr sz="2000"/>
+            </a:lvl7pPr>
+            <a:lvl8pPr marL="3657600" lvl="7" indent="-355600" algn="l">
+              <a:lnSpc>
+                <a:spcPct val="90000"/>
+              </a:lnSpc>
+              <a:spcBef>
+                <a:spcPts val="500"/>
+              </a:spcBef>
+              <a:spcAft>
+                <a:spcPts val="0"/>
+              </a:spcAft>
+              <a:buClr>
+                <a:schemeClr val="dk1"/>
+              </a:buClr>
+              <a:buSzPts val="2000"/>
+              <a:buChar char="•"/>
+              <a:defRPr sz="2000"/>
+            </a:lvl8pPr>
+            <a:lvl9pPr marL="4114800" lvl="8" indent="-355600" algn="l">
+              <a:lnSpc>
+                <a:spcPct val="90000"/>
+              </a:lnSpc>
+              <a:spcBef>
+                <a:spcPts val="500"/>
+              </a:spcBef>
+              <a:spcAft>
+                <a:spcPts val="0"/>
+              </a:spcAft>
+              <a:buClr>
+                <a:schemeClr val="dk1"/>
+              </a:buClr>
+              <a:buSzPts val="2000"/>
+              <a:buChar char="•"/>
+              <a:defRPr sz="2000"/>
+            </a:lvl9pPr>
+          </a:lstStyle>
+          <a:p>
+            <a:endParaRPr/>
+          </a:p>
+        </p:txBody>
+      </p:sp>
+      <p:sp>
+        <p:nvSpPr>
+          <p:cNvPr id="57" name="Google Shape;57;p9"/>
+          <p:cNvSpPr txBox="1">
+            <a:spLocks noGrp="1"/>
+          </p:cNvSpPr>
+          <p:nvPr>
+            <p:ph type="body" idx="2"/>
+          </p:nvPr>
+        </p:nvSpPr>
+        <p:spPr>
+          <a:xfrm>
+            <a:off x="839788" y="2057400"/>
+            <a:ext cx="3932237" cy="3811588"/>
+          </a:xfrm>
+          <a:prstGeom prst="rect">
+            <a:avLst/>
+          </a:prstGeom>
+          <a:noFill/>
+          <a:ln>
+            <a:noFill/>
+          </a:ln>
+        </p:spPr>
+        <p:txBody>
+          <a:bodyPr spcFirstLastPara="1" wrap="square" lIns="91425" tIns="45700" rIns="91425" bIns="45700" anchor="t" anchorCtr="0">
+            <a:normAutofit/>
+          </a:bodyPr>
+          <a:lstStyle>
+            <a:lvl1pPr marL="457200" lvl="0" indent="-228600" algn="l">
+              <a:lnSpc>
+                <a:spcPct val="90000"/>
+              </a:lnSpc>
+              <a:spcBef>
+                <a:spcPts val="1000"/>
+              </a:spcBef>
+              <a:spcAft>
+                <a:spcPts val="0"/>
+              </a:spcAft>
+              <a:buClr>
+                <a:schemeClr val="dk1"/>
+              </a:buClr>
+              <a:buSzPts val="1600"/>
+              <a:buNone/>
+              <a:defRPr sz="1600"/>
+            </a:lvl1pPr>
+            <a:lvl2pPr marL="914400" lvl="1" indent="-228600" algn="l">
+              <a:lnSpc>
+                <a:spcPct val="90000"/>
+              </a:lnSpc>
+              <a:spcBef>
+                <a:spcPts val="500"/>
+              </a:spcBef>
+              <a:spcAft>
+                <a:spcPts val="0"/>
+              </a:spcAft>
+              <a:buClr>
+                <a:schemeClr val="dk1"/>
+              </a:buClr>
+              <a:buSzPts val="1400"/>
+              <a:buNone/>
+              <a:defRPr sz="1400"/>
+            </a:lvl2pPr>
+            <a:lvl3pPr marL="1371600" lvl="2" indent="-228600" algn="l">
+              <a:lnSpc>
+                <a:spcPct val="90000"/>
+              </a:lnSpc>
+              <a:spcBef>
+                <a:spcPts val="500"/>
+              </a:spcBef>
+              <a:spcAft>
+                <a:spcPts val="0"/>
+              </a:spcAft>
+              <a:buClr>
+                <a:schemeClr val="dk1"/>
+              </a:buClr>
+              <a:buSzPts val="1200"/>
+              <a:buNone/>
+              <a:defRPr sz="1200"/>
+            </a:lvl3pPr>
+            <a:lvl4pPr marL="1828800" lvl="3" indent="-228600" algn="l">
+              <a:lnSpc>
+                <a:spcPct val="90000"/>
+              </a:lnSpc>
+              <a:spcBef>
+                <a:spcPts val="500"/>
+              </a:spcBef>
+              <a:spcAft>
+                <a:spcPts val="0"/>
+              </a:spcAft>
+              <a:buClr>
+                <a:schemeClr val="dk1"/>
+              </a:buClr>
+              <a:buSzPts val="1000"/>
+              <a:buNone/>
+              <a:defRPr sz="1000"/>
+            </a:lvl4pPr>
+            <a:lvl5pPr marL="2286000" lvl="4" indent="-228600" algn="l">
+              <a:lnSpc>
+                <a:spcPct val="90000"/>
+              </a:lnSpc>
+              <a:spcBef>
+                <a:spcPts val="500"/>
+              </a:spcBef>
+              <a:spcAft>
+                <a:spcPts val="0"/>
+              </a:spcAft>
+              <a:buClr>
+                <a:schemeClr val="dk1"/>
+              </a:buClr>
+              <a:buSzPts val="1000"/>
+              <a:buNone/>
+              <a:defRPr sz="1000"/>
+            </a:lvl5pPr>
+            <a:lvl6pPr marL="2743200" lvl="5" indent="-228600" algn="l">
+              <a:lnSpc>
+                <a:spcPct val="90000"/>
+              </a:lnSpc>
+              <a:spcBef>
+                <a:spcPts val="500"/>
+              </a:spcBef>
+              <a:spcAft>
+                <a:spcPts val="0"/>
+              </a:spcAft>
+              <a:buClr>
+                <a:schemeClr val="dk1"/>
+              </a:buClr>
+              <a:buSzPts val="1000"/>
+              <a:buNone/>
+              <a:defRPr sz="1000"/>
+            </a:lvl6pPr>
+            <a:lvl7pPr marL="3200400" lvl="6" indent="-228600" algn="l">
+              <a:lnSpc>
+                <a:spcPct val="90000"/>
+              </a:lnSpc>
+              <a:spcBef>
+                <a:spcPts val="500"/>
+              </a:spcBef>
+              <a:spcAft>
+                <a:spcPts val="0"/>
+              </a:spcAft>
+              <a:buClr>
+                <a:schemeClr val="dk1"/>
+              </a:buClr>
+              <a:buSzPts val="1000"/>
+              <a:buNone/>
+              <a:defRPr sz="1000"/>
+            </a:lvl7pPr>
+            <a:lvl8pPr marL="3657600" lvl="7" indent="-228600" algn="l">
+              <a:lnSpc>
+                <a:spcPct val="90000"/>
+              </a:lnSpc>
+              <a:spcBef>
+                <a:spcPts val="500"/>
+              </a:spcBef>
+              <a:spcAft>
+                <a:spcPts val="0"/>
+              </a:spcAft>
+              <a:buClr>
+                <a:schemeClr val="dk1"/>
+              </a:buClr>
+              <a:buSzPts val="1000"/>
+              <a:buNone/>
+              <a:defRPr sz="1000"/>
+            </a:lvl8pPr>
+            <a:lvl9pPr marL="4114800" lvl="8" indent="-228600" algn="l">
+              <a:lnSpc>
+                <a:spcPct val="90000"/>
+              </a:lnSpc>
+              <a:spcBef>
+                <a:spcPts val="500"/>
+              </a:spcBef>
+              <a:spcAft>
+                <a:spcPts val="0"/>
+              </a:spcAft>
+              <a:buClr>
+                <a:schemeClr val="dk1"/>
+              </a:buClr>
+              <a:buSzPts val="1000"/>
+              <a:buNone/>
+              <a:defRPr sz="1000"/>
+            </a:lvl9pPr>
+          </a:lstStyle>
+          <a:p>
+            <a:endParaRPr/>
+          </a:p>
+        </p:txBody>
+      </p:sp>
+      <p:sp>
+        <p:nvSpPr>
+          <p:cNvPr id="58" name="Google Shape;58;p9"/>
+          <p:cNvSpPr txBox="1">
+            <a:spLocks noGrp="1"/>
+          </p:cNvSpPr>
+          <p:nvPr>
+            <p:ph type="dt" idx="10"/>
+          </p:nvPr>
+        </p:nvSpPr>
+        <p:spPr>
+          <a:xfrm>
+            <a:off x="838200" y="6356350"/>
+            <a:ext cx="2743200" cy="365125"/>
+          </a:xfrm>
+          <a:prstGeom prst="rect">
+            <a:avLst/>
+          </a:prstGeom>
+          <a:noFill/>
+          <a:ln>
+            <a:noFill/>
+          </a:ln>
+        </p:spPr>
+        <p:txBody>
+          <a:bodyPr spcFirstLastPara="1" wrap="square" lIns="91425" tIns="45700" rIns="91425" bIns="45700" anchor="ctr" anchorCtr="0">
+            <a:noAutofit/>
+          </a:bodyPr>
+          <a:lstStyle>
+            <a:lvl1pPr lvl="0" algn="l">
+              <a:lnSpc>
+                <a:spcPct val="100000"/>
+              </a:lnSpc>
+              <a:spcBef>
+                <a:spcPts val="0"/>
+              </a:spcBef>
+              <a:spcAft>
+                <a:spcPts val="0"/>
+              </a:spcAft>
+              <a:buSzPts val="1400"/>
+              <a:buNone/>
+              <a:defRPr/>
+            </a:lvl1pPr>
+            <a:lvl2pPr lvl="1" algn="l">
+              <a:lnSpc>
+                <a:spcPct val="100000"/>
+              </a:lnSpc>
+              <a:spcBef>
+                <a:spcPts val="0"/>
+              </a:spcBef>
+              <a:spcAft>
+                <a:spcPts val="0"/>
+              </a:spcAft>
+              <a:buSzPts val="1400"/>
+              <a:buNone/>
+              <a:defRPr/>
+            </a:lvl2pPr>
+            <a:lvl3pPr lvl="2" algn="l">
+              <a:lnSpc>
+                <a:spcPct val="100000"/>
+              </a:lnSpc>
+              <a:spcBef>
+                <a:spcPts val="0"/>
+              </a:spcBef>
+              <a:spcAft>
+                <a:spcPts val="0"/>
+              </a:spcAft>
+              <a:buSzPts val="1400"/>
+              <a:buNone/>
+              <a:defRPr/>
+            </a:lvl3pPr>
+            <a:lvl4pPr lvl="3" algn="l">
+              <a:lnSpc>
+                <a:spcPct val="100000"/>
+              </a:lnSpc>
+              <a:spcBef>
+                <a:spcPts val="0"/>
+              </a:spcBef>
+              <a:spcAft>
+                <a:spcPts val="0"/>
+              </a:spcAft>
+              <a:buSzPts val="1400"/>
+              <a:buNone/>
+              <a:defRPr/>
+            </a:lvl4pPr>
+            <a:lvl5pPr lvl="4" algn="l">
+              <a:lnSpc>
+                <a:spcPct val="100000"/>
+              </a:lnSpc>
+              <a:spcBef>
+                <a:spcPts val="0"/>
+              </a:spcBef>
+              <a:spcAft>
+                <a:spcPts val="0"/>
+              </a:spcAft>
+              <a:buSzPts val="1400"/>
+              <a:buNone/>
+              <a:defRPr/>
+            </a:lvl5pPr>
+            <a:lvl6pPr lvl="5" algn="l">
+              <a:lnSpc>
+                <a:spcPct val="100000"/>
+              </a:lnSpc>
+              <a:spcBef>
+                <a:spcPts val="0"/>
+              </a:spcBef>
+              <a:spcAft>
+                <a:spcPts val="0"/>
+              </a:spcAft>
+              <a:buSzPts val="1400"/>
+              <a:buNone/>
+              <a:defRPr/>
+            </a:lvl6pPr>
+            <a:lvl7pPr lvl="6" algn="l">
+              <a:lnSpc>
+                <a:spcPct val="100000"/>
+              </a:lnSpc>
+              <a:spcBef>
+                <a:spcPts val="0"/>
+              </a:spcBef>
+              <a:spcAft>
+                <a:spcPts val="0"/>
+              </a:spcAft>
+              <a:buSzPts val="1400"/>
+              <a:buNone/>
+              <a:defRPr/>
+            </a:lvl7pPr>
+            <a:lvl8pPr lvl="7" algn="l">
+              <a:lnSpc>
+                <a:spcPct val="100000"/>
+              </a:lnSpc>
+              <a:spcBef>
+                <a:spcPts val="0"/>
+              </a:spcBef>
+              <a:spcAft>
+                <a:spcPts val="0"/>
+              </a:spcAft>
+              <a:buSzPts val="1400"/>
+              <a:buNone/>
+              <a:defRPr/>
+            </a:lvl8pPr>
+            <a:lvl9pPr lvl="8" algn="l">
+              <a:lnSpc>
+                <a:spcPct val="100000"/>
+              </a:lnSpc>
+              <a:spcBef>
+                <a:spcPts val="0"/>
+              </a:spcBef>
+              <a:spcAft>
+                <a:spcPts val="0"/>
+              </a:spcAft>
+              <a:buSzPts val="1400"/>
+              <a:buNone/>
+              <a:defRPr/>
+            </a:lvl9pPr>
+          </a:lstStyle>
+          <a:p>
+            <a:endParaRPr/>
+          </a:p>
+        </p:txBody>
+      </p:sp>
+      <p:sp>
+        <p:nvSpPr>
+          <p:cNvPr id="59" name="Google Shape;59;p9"/>
+          <p:cNvSpPr txBox="1">
+            <a:spLocks noGrp="1"/>
+          </p:cNvSpPr>
+          <p:nvPr>
+            <p:ph type="ftr" idx="11"/>
+          </p:nvPr>
+        </p:nvSpPr>
+        <p:spPr>
+          <a:xfrm>
+            <a:off x="4038600" y="6356350"/>
+            <a:ext cx="4114800" cy="365125"/>
+          </a:xfrm>
+          <a:prstGeom prst="rect">
+            <a:avLst/>
+          </a:prstGeom>
+          <a:noFill/>
+          <a:ln>
+            <a:noFill/>
+          </a:ln>
+        </p:spPr>
+        <p:txBody>
+          <a:bodyPr spcFirstLastPara="1" wrap="square" lIns="91425" tIns="45700" rIns="91425" bIns="45700" anchor="ctr" anchorCtr="0">
+            <a:noAutofit/>
+          </a:bodyPr>
+          <a:lstStyle>
+            <a:lvl1pPr lvl="0" algn="ctr">
+              <a:lnSpc>
+                <a:spcPct val="100000"/>
+              </a:lnSpc>
+              <a:spcBef>
+                <a:spcPts val="0"/>
+              </a:spcBef>
+              <a:spcAft>
+                <a:spcPts val="0"/>
+              </a:spcAft>
+              <a:buSzPts val="1400"/>
+              <a:buNone/>
+              <a:defRPr/>
+            </a:lvl1pPr>
+            <a:lvl2pPr lvl="1" algn="l">
+              <a:lnSpc>
+                <a:spcPct val="100000"/>
+              </a:lnSpc>
+              <a:spcBef>
+                <a:spcPts val="0"/>
+              </a:spcBef>
+              <a:spcAft>
+                <a:spcPts val="0"/>
+              </a:spcAft>
+              <a:buSzPts val="1400"/>
+              <a:buNone/>
+              <a:defRPr/>
+            </a:lvl2pPr>
+            <a:lvl3pPr lvl="2" algn="l">
+              <a:lnSpc>
+                <a:spcPct val="100000"/>
+              </a:lnSpc>
+              <a:spcBef>
+                <a:spcPts val="0"/>
+              </a:spcBef>
+              <a:spcAft>
+                <a:spcPts val="0"/>
+              </a:spcAft>
+              <a:buSzPts val="1400"/>
+              <a:buNone/>
+              <a:defRPr/>
+            </a:lvl3pPr>
+            <a:lvl4pPr lvl="3" algn="l">
+              <a:lnSpc>
+                <a:spcPct val="100000"/>
+              </a:lnSpc>
+              <a:spcBef>
+                <a:spcPts val="0"/>
+              </a:spcBef>
+              <a:spcAft>
+                <a:spcPts val="0"/>
+              </a:spcAft>
+              <a:buSzPts val="1400"/>
+              <a:buNone/>
+              <a:defRPr/>
+            </a:lvl4pPr>
+            <a:lvl5pPr lvl="4" algn="l">
+              <a:lnSpc>
+                <a:spcPct val="100000"/>
+              </a:lnSpc>
+              <a:spcBef>
+                <a:spcPts val="0"/>
+              </a:spcBef>
+              <a:spcAft>
+                <a:spcPts val="0"/>
+              </a:spcAft>
+              <a:buSzPts val="1400"/>
+              <a:buNone/>
+              <a:defRPr/>
+            </a:lvl5pPr>
+            <a:lvl6pPr lvl="5" algn="l">
+              <a:lnSpc>
+                <a:spcPct val="100000"/>
+              </a:lnSpc>
+              <a:spcBef>
+                <a:spcPts val="0"/>
+              </a:spcBef>
+              <a:spcAft>
+                <a:spcPts val="0"/>
+              </a:spcAft>
+              <a:buSzPts val="1400"/>
+              <a:buNone/>
+              <a:defRPr/>
+            </a:lvl6pPr>
+            <a:lvl7pPr lvl="6" algn="l">
+              <a:lnSpc>
+                <a:spcPct val="100000"/>
+              </a:lnSpc>
+              <a:spcBef>
+                <a:spcPts val="0"/>
+              </a:spcBef>
+              <a:spcAft>
+                <a:spcPts val="0"/>
+              </a:spcAft>
+              <a:buSzPts val="1400"/>
+              <a:buNone/>
+              <a:defRPr/>
+            </a:lvl7pPr>
+            <a:lvl8pPr lvl="7" algn="l">
+              <a:lnSpc>
+                <a:spcPct val="100000"/>
+              </a:lnSpc>
+              <a:spcBef>
+                <a:spcPts val="0"/>
+              </a:spcBef>
+              <a:spcAft>
+                <a:spcPts val="0"/>
+              </a:spcAft>
+              <a:buSzPts val="1400"/>
+              <a:buNone/>
+              <a:defRPr/>
+            </a:lvl8pPr>
+            <a:lvl9pPr lvl="8" algn="l">
+              <a:lnSpc>
+                <a:spcPct val="100000"/>
+              </a:lnSpc>
+              <a:spcBef>
+                <a:spcPts val="0"/>
+              </a:spcBef>
+              <a:spcAft>
+                <a:spcPts val="0"/>
+              </a:spcAft>
+              <a:buSzPts val="1400"/>
+              <a:buNone/>
+              <a:defRPr/>
+            </a:lvl9pPr>
+          </a:lstStyle>
+          <a:p>
+            <a:endParaRPr/>
+          </a:p>
+        </p:txBody>
+      </p:sp>
+      <p:sp>
+        <p:nvSpPr>
+          <p:cNvPr id="60" name="Google Shape;60;p9"/>
           <p:cNvSpPr txBox="1">
             <a:spLocks noGrp="1"/>
           </p:cNvSpPr>
@@ -15354,12 +13223,11 @@
     <p:sldLayoutId id="2147483653" r:id="rId5"/>
     <p:sldLayoutId id="2147483650" r:id="rId6"/>
     <p:sldLayoutId id="2147483654" r:id="rId7"/>
-    <p:sldLayoutId id="2147483651" r:id="rId8"/>
-    <p:sldLayoutId id="2147483652" r:id="rId9"/>
-    <p:sldLayoutId id="2147483655" r:id="rId10"/>
-    <p:sldLayoutId id="2147483656" r:id="rId11"/>
-    <p:sldLayoutId id="2147483657" r:id="rId12"/>
-    <p:sldLayoutId id="2147483658" r:id="rId13"/>
+    <p:sldLayoutId id="2147483652" r:id="rId8"/>
+    <p:sldLayoutId id="2147483655" r:id="rId9"/>
+    <p:sldLayoutId id="2147483656" r:id="rId10"/>
+    <p:sldLayoutId id="2147483657" r:id="rId11"/>
+    <p:sldLayoutId id="2147483658" r:id="rId12"/>
   </p:sldLayoutIdLst>
   <p:hf sldNum="0" hdr="0" ftr="0" dt="0"/>
   <p:txStyles>
@@ -16121,6 +13989,274 @@
           </a:p>
         </p:txBody>
       </p:sp>
+      <p:sp>
+        <p:nvSpPr>
+          <p:cNvPr id="4" name="Freeform 8">
+            <a:extLst>
+              <a:ext uri="{FF2B5EF4-FFF2-40B4-BE49-F238E27FC236}">
+                <a16:creationId xmlns:a16="http://schemas.microsoft.com/office/drawing/2014/main" id="{1B381FA3-7332-87F2-9ABD-1C2B17A51C9D}"/>
+              </a:ext>
+            </a:extLst>
+          </p:cNvPr>
+          <p:cNvSpPr>
+            <a:spLocks noChangeAspect="1"/>
+          </p:cNvSpPr>
+          <p:nvPr/>
+        </p:nvSpPr>
+        <p:spPr>
+          <a:xfrm>
+            <a:off x="10035396" y="2676859"/>
+            <a:ext cx="2156604" cy="4572000"/>
+          </a:xfrm>
+          <a:custGeom>
+            <a:avLst/>
+            <a:gdLst/>
+            <a:ahLst/>
+            <a:cxnLst/>
+            <a:rect l="l" t="t" r="r" b="b"/>
+            <a:pathLst>
+              <a:path w="4681958" h="9925751">
+                <a:moveTo>
+                  <a:pt x="0" y="0"/>
+                </a:moveTo>
+                <a:lnTo>
+                  <a:pt x="4681958" y="0"/>
+                </a:lnTo>
+                <a:lnTo>
+                  <a:pt x="4681958" y="9925751"/>
+                </a:lnTo>
+                <a:lnTo>
+                  <a:pt x="0" y="9925751"/>
+                </a:lnTo>
+                <a:lnTo>
+                  <a:pt x="0" y="0"/>
+                </a:lnTo>
+                <a:close/>
+              </a:path>
+            </a:pathLst>
+          </a:custGeom>
+          <a:blipFill>
+            <a:blip r:embed="rId2">
+              <a:extLst>
+                <a:ext uri="{96DAC541-7B7A-43D3-8B79-37D633B846F1}">
+                  <asvg:svgBlip xmlns:asvg="http://schemas.microsoft.com/office/drawing/2016/SVG/main" r:embed="rId3"/>
+                </a:ext>
+              </a:extLst>
+            </a:blip>
+            <a:stretch>
+              <a:fillRect/>
+            </a:stretch>
+          </a:blipFill>
+        </p:spPr>
+        <p:txBody>
+          <a:bodyPr/>
+          <a:lstStyle/>
+          <a:p>
+            <a:endParaRPr lang="en-GB"/>
+          </a:p>
+        </p:txBody>
+      </p:sp>
+      <p:sp>
+        <p:nvSpPr>
+          <p:cNvPr id="5" name="Freeform 11">
+            <a:extLst>
+              <a:ext uri="{FF2B5EF4-FFF2-40B4-BE49-F238E27FC236}">
+                <a16:creationId xmlns:a16="http://schemas.microsoft.com/office/drawing/2014/main" id="{0E06C100-A706-C749-8A84-4013772FCCA7}"/>
+              </a:ext>
+            </a:extLst>
+          </p:cNvPr>
+          <p:cNvSpPr>
+            <a:spLocks noChangeAspect="1"/>
+          </p:cNvSpPr>
+          <p:nvPr/>
+        </p:nvSpPr>
+        <p:spPr>
+          <a:xfrm>
+            <a:off x="320041" y="2782867"/>
+            <a:ext cx="1784580" cy="4572000"/>
+          </a:xfrm>
+          <a:custGeom>
+            <a:avLst/>
+            <a:gdLst/>
+            <a:ahLst/>
+            <a:cxnLst/>
+            <a:rect l="l" t="t" r="r" b="b"/>
+            <a:pathLst>
+              <a:path w="3302838" h="8461697">
+                <a:moveTo>
+                  <a:pt x="0" y="0"/>
+                </a:moveTo>
+                <a:lnTo>
+                  <a:pt x="3302838" y="0"/>
+                </a:lnTo>
+                <a:lnTo>
+                  <a:pt x="3302838" y="8461697"/>
+                </a:lnTo>
+                <a:lnTo>
+                  <a:pt x="0" y="8461697"/>
+                </a:lnTo>
+                <a:lnTo>
+                  <a:pt x="0" y="0"/>
+                </a:lnTo>
+                <a:close/>
+              </a:path>
+            </a:pathLst>
+          </a:custGeom>
+          <a:blipFill>
+            <a:blip r:embed="rId4">
+              <a:extLst>
+                <a:ext uri="{96DAC541-7B7A-43D3-8B79-37D633B846F1}">
+                  <asvg:svgBlip xmlns:asvg="http://schemas.microsoft.com/office/drawing/2016/SVG/main" r:embed="rId5"/>
+                </a:ext>
+              </a:extLst>
+            </a:blip>
+            <a:stretch>
+              <a:fillRect/>
+            </a:stretch>
+          </a:blipFill>
+        </p:spPr>
+        <p:txBody>
+          <a:bodyPr/>
+          <a:lstStyle/>
+          <a:p>
+            <a:endParaRPr lang="en-GB"/>
+          </a:p>
+        </p:txBody>
+      </p:sp>
+      <p:sp>
+        <p:nvSpPr>
+          <p:cNvPr id="6" name="Freeform 5">
+            <a:extLst>
+              <a:ext uri="{FF2B5EF4-FFF2-40B4-BE49-F238E27FC236}">
+                <a16:creationId xmlns:a16="http://schemas.microsoft.com/office/drawing/2014/main" id="{85FF6767-BC5E-BDE5-E203-2FA4703C4283}"/>
+              </a:ext>
+            </a:extLst>
+          </p:cNvPr>
+          <p:cNvSpPr>
+            <a:spLocks noChangeAspect="1"/>
+          </p:cNvSpPr>
+          <p:nvPr/>
+        </p:nvSpPr>
+        <p:spPr>
+          <a:xfrm rot="765443">
+            <a:off x="3056685" y="5348911"/>
+            <a:ext cx="1160427" cy="1105571"/>
+          </a:xfrm>
+          <a:custGeom>
+            <a:avLst/>
+            <a:gdLst/>
+            <a:ahLst/>
+            <a:cxnLst/>
+            <a:rect l="l" t="t" r="r" b="b"/>
+            <a:pathLst>
+              <a:path w="1825951" h="1739634">
+                <a:moveTo>
+                  <a:pt x="0" y="0"/>
+                </a:moveTo>
+                <a:lnTo>
+                  <a:pt x="1825951" y="0"/>
+                </a:lnTo>
+                <a:lnTo>
+                  <a:pt x="1825951" y="1739634"/>
+                </a:lnTo>
+                <a:lnTo>
+                  <a:pt x="0" y="1739634"/>
+                </a:lnTo>
+                <a:lnTo>
+                  <a:pt x="0" y="0"/>
+                </a:lnTo>
+                <a:close/>
+              </a:path>
+            </a:pathLst>
+          </a:custGeom>
+          <a:blipFill>
+            <a:blip r:embed="rId6">
+              <a:extLst>
+                <a:ext uri="{96DAC541-7B7A-43D3-8B79-37D633B846F1}">
+                  <asvg:svgBlip xmlns:asvg="http://schemas.microsoft.com/office/drawing/2016/SVG/main" r:embed="rId7"/>
+                </a:ext>
+              </a:extLst>
+            </a:blip>
+            <a:stretch>
+              <a:fillRect/>
+            </a:stretch>
+          </a:blipFill>
+        </p:spPr>
+        <p:txBody>
+          <a:bodyPr/>
+          <a:lstStyle/>
+          <a:p>
+            <a:endParaRPr lang="en-GB"/>
+          </a:p>
+        </p:txBody>
+      </p:sp>
+      <p:sp>
+        <p:nvSpPr>
+          <p:cNvPr id="7" name="Freeform 3">
+            <a:extLst>
+              <a:ext uri="{FF2B5EF4-FFF2-40B4-BE49-F238E27FC236}">
+                <a16:creationId xmlns:a16="http://schemas.microsoft.com/office/drawing/2014/main" id="{3467F291-86D8-BD42-3D2F-B0166B1A497F}"/>
+              </a:ext>
+            </a:extLst>
+          </p:cNvPr>
+          <p:cNvSpPr>
+            <a:spLocks noChangeAspect="1"/>
+          </p:cNvSpPr>
+          <p:nvPr/>
+        </p:nvSpPr>
+        <p:spPr>
+          <a:xfrm rot="2700000">
+            <a:off x="10845510" y="95188"/>
+            <a:ext cx="984946" cy="1020189"/>
+          </a:xfrm>
+          <a:custGeom>
+            <a:avLst/>
+            <a:gdLst/>
+            <a:ahLst/>
+            <a:cxnLst/>
+            <a:rect l="l" t="t" r="r" b="b"/>
+            <a:pathLst>
+              <a:path w="1816894" h="1881905">
+                <a:moveTo>
+                  <a:pt x="0" y="0"/>
+                </a:moveTo>
+                <a:lnTo>
+                  <a:pt x="1816894" y="0"/>
+                </a:lnTo>
+                <a:lnTo>
+                  <a:pt x="1816894" y="1881905"/>
+                </a:lnTo>
+                <a:lnTo>
+                  <a:pt x="0" y="1881905"/>
+                </a:lnTo>
+                <a:lnTo>
+                  <a:pt x="0" y="0"/>
+                </a:lnTo>
+                <a:close/>
+              </a:path>
+            </a:pathLst>
+          </a:custGeom>
+          <a:blipFill>
+            <a:blip r:embed="rId8">
+              <a:extLst>
+                <a:ext uri="{96DAC541-7B7A-43D3-8B79-37D633B846F1}">
+                  <asvg:svgBlip xmlns:asvg="http://schemas.microsoft.com/office/drawing/2016/SVG/main" r:embed="rId9"/>
+                </a:ext>
+              </a:extLst>
+            </a:blip>
+            <a:stretch>
+              <a:fillRect/>
+            </a:stretch>
+          </a:blipFill>
+        </p:spPr>
+        <p:txBody>
+          <a:bodyPr/>
+          <a:lstStyle/>
+          <a:p>
+            <a:endParaRPr lang="en-GB"/>
+          </a:p>
+        </p:txBody>
+      </p:sp>
     </p:spTree>
     <p:extLst>
       <p:ext uri="{BB962C8B-B14F-4D97-AF65-F5344CB8AC3E}">
@@ -16197,6 +14333,73 @@
           <a:bodyPr>
             <a:normAutofit fontScale="85000" lnSpcReduction="20000"/>
           </a:bodyPr>
+          <a:lstStyle/>
+          <a:p>
+            <a:endParaRPr lang="en-GB"/>
+          </a:p>
+        </p:txBody>
+      </p:sp>
+      <p:sp>
+        <p:nvSpPr>
+          <p:cNvPr id="20" name="Freeform 12">
+            <a:extLst>
+              <a:ext uri="{FF2B5EF4-FFF2-40B4-BE49-F238E27FC236}">
+                <a16:creationId xmlns:a16="http://schemas.microsoft.com/office/drawing/2014/main" id="{FCC2E323-B2C4-1430-18E2-EE29197A0779}"/>
+              </a:ext>
+            </a:extLst>
+          </p:cNvPr>
+          <p:cNvSpPr>
+            <a:spLocks noChangeAspect="1"/>
+          </p:cNvSpPr>
+          <p:nvPr/>
+        </p:nvSpPr>
+        <p:spPr>
+          <a:xfrm>
+            <a:off x="8930002" y="1784350"/>
+            <a:ext cx="2652398" cy="4572000"/>
+          </a:xfrm>
+          <a:custGeom>
+            <a:avLst/>
+            <a:gdLst/>
+            <a:ahLst/>
+            <a:cxnLst/>
+            <a:rect l="l" t="t" r="r" b="b"/>
+            <a:pathLst>
+              <a:path w="4792456" h="8260869">
+                <a:moveTo>
+                  <a:pt x="0" y="0"/>
+                </a:moveTo>
+                <a:lnTo>
+                  <a:pt x="4792455" y="0"/>
+                </a:lnTo>
+                <a:lnTo>
+                  <a:pt x="4792455" y="8260869"/>
+                </a:lnTo>
+                <a:lnTo>
+                  <a:pt x="0" y="8260869"/>
+                </a:lnTo>
+                <a:lnTo>
+                  <a:pt x="0" y="0"/>
+                </a:lnTo>
+                <a:close/>
+              </a:path>
+            </a:pathLst>
+          </a:custGeom>
+          <a:blipFill>
+            <a:blip r:embed="rId2">
+              <a:extLst>
+                <a:ext uri="{96DAC541-7B7A-43D3-8B79-37D633B846F1}">
+                  <asvg:svgBlip xmlns:asvg="http://schemas.microsoft.com/office/drawing/2016/SVG/main" r:embed="rId3"/>
+                </a:ext>
+              </a:extLst>
+            </a:blip>
+            <a:stretch>
+              <a:fillRect/>
+            </a:stretch>
+          </a:blipFill>
+        </p:spPr>
+        <p:txBody>
+          <a:bodyPr/>
           <a:lstStyle/>
           <a:p>
             <a:endParaRPr lang="en-GB"/>
@@ -16360,6 +14563,73 @@
           <a:lstStyle/>
           <a:p>
             <a:endParaRPr lang="en-GB" dirty="0"/>
+          </a:p>
+        </p:txBody>
+      </p:sp>
+      <p:sp>
+        <p:nvSpPr>
+          <p:cNvPr id="8" name="Freeform 18">
+            <a:extLst>
+              <a:ext uri="{FF2B5EF4-FFF2-40B4-BE49-F238E27FC236}">
+                <a16:creationId xmlns:a16="http://schemas.microsoft.com/office/drawing/2014/main" id="{B8124B9D-9F77-D868-AC33-95991DA6456D}"/>
+              </a:ext>
+            </a:extLst>
+          </p:cNvPr>
+          <p:cNvSpPr>
+            <a:spLocks noChangeAspect="1"/>
+          </p:cNvSpPr>
+          <p:nvPr/>
+        </p:nvSpPr>
+        <p:spPr>
+          <a:xfrm flipH="1">
+            <a:off x="8915492" y="2780362"/>
+            <a:ext cx="2150564" cy="4572000"/>
+          </a:xfrm>
+          <a:custGeom>
+            <a:avLst/>
+            <a:gdLst/>
+            <a:ahLst/>
+            <a:cxnLst/>
+            <a:rect l="l" t="t" r="r" b="b"/>
+            <a:pathLst>
+              <a:path w="3756941" h="7987084">
+                <a:moveTo>
+                  <a:pt x="0" y="0"/>
+                </a:moveTo>
+                <a:lnTo>
+                  <a:pt x="3756941" y="0"/>
+                </a:lnTo>
+                <a:lnTo>
+                  <a:pt x="3756941" y="7987084"/>
+                </a:lnTo>
+                <a:lnTo>
+                  <a:pt x="0" y="7987084"/>
+                </a:lnTo>
+                <a:lnTo>
+                  <a:pt x="0" y="0"/>
+                </a:lnTo>
+                <a:close/>
+              </a:path>
+            </a:pathLst>
+          </a:custGeom>
+          <a:blipFill>
+            <a:blip r:embed="rId2">
+              <a:extLst>
+                <a:ext uri="{96DAC541-7B7A-43D3-8B79-37D633B846F1}">
+                  <asvg:svgBlip xmlns:asvg="http://schemas.microsoft.com/office/drawing/2016/SVG/main" r:embed="rId3"/>
+                </a:ext>
+              </a:extLst>
+            </a:blip>
+            <a:stretch>
+              <a:fillRect/>
+            </a:stretch>
+          </a:blipFill>
+        </p:spPr>
+        <p:txBody>
+          <a:bodyPr/>
+          <a:lstStyle/>
+          <a:p>
+            <a:endParaRPr lang="en-GB"/>
           </a:p>
         </p:txBody>
       </p:sp>
@@ -17245,103 +15515,65 @@
           </a:p>
         </p:txBody>
       </p:sp>
-    </p:spTree>
-    <p:extLst>
-      <p:ext uri="{BB962C8B-B14F-4D97-AF65-F5344CB8AC3E}">
-        <p14:creationId xmlns:p14="http://schemas.microsoft.com/office/powerpoint/2010/main" val="967270726"/>
-      </p:ext>
-    </p:extLst>
-  </p:cSld>
-  <p:clrMapOvr>
-    <a:masterClrMapping/>
-  </p:clrMapOvr>
-</p:sld>
-</file>
-
-<file path=ppt/slides/slide7.xml><?xml version="1.0" encoding="utf-8"?>
-<p:sld xmlns:a="http://schemas.openxmlformats.org/drawingml/2006/main" xmlns:r="http://schemas.openxmlformats.org/officeDocument/2006/relationships" xmlns:p="http://schemas.openxmlformats.org/presentationml/2006/main">
-  <p:cSld>
-    <p:spTree>
-      <p:nvGrpSpPr>
-        <p:cNvPr id="1" name=""/>
-        <p:cNvGrpSpPr/>
-        <p:nvPr/>
-      </p:nvGrpSpPr>
-      <p:grpSpPr>
-        <a:xfrm>
-          <a:off x="0" y="0"/>
-          <a:ext cx="0" cy="0"/>
-          <a:chOff x="0" y="0"/>
-          <a:chExt cx="0" cy="0"/>
-        </a:xfrm>
-      </p:grpSpPr>
       <p:sp>
         <p:nvSpPr>
-          <p:cNvPr id="2" name="Title 1">
+          <p:cNvPr id="7" name="Freeform 7">
             <a:extLst>
               <a:ext uri="{FF2B5EF4-FFF2-40B4-BE49-F238E27FC236}">
-                <a16:creationId xmlns:a16="http://schemas.microsoft.com/office/drawing/2014/main" id="{90AE6D98-E9B9-61F5-DADC-B3361CE55824}"/>
+                <a16:creationId xmlns:a16="http://schemas.microsoft.com/office/drawing/2014/main" id="{138EAC00-8F6D-971A-A32E-C058A9F91624}"/>
               </a:ext>
             </a:extLst>
           </p:cNvPr>
           <p:cNvSpPr>
-            <a:spLocks noGrp="1"/>
+            <a:spLocks noChangeAspect="1"/>
           </p:cNvSpPr>
-          <p:nvPr>
-            <p:ph type="title"/>
-          </p:nvPr>
+          <p:nvPr/>
         </p:nvSpPr>
-        <p:spPr/>
-        <p:txBody>
-          <a:bodyPr/>
-          <a:lstStyle/>
-          <a:p>
-            <a:endParaRPr lang="en-GB"/>
-          </a:p>
-        </p:txBody>
-      </p:sp>
-      <p:sp>
-        <p:nvSpPr>
-          <p:cNvPr id="3" name="Text Placeholder 2">
-            <a:extLst>
-              <a:ext uri="{FF2B5EF4-FFF2-40B4-BE49-F238E27FC236}">
-                <a16:creationId xmlns:a16="http://schemas.microsoft.com/office/drawing/2014/main" id="{EEEC3ACC-392C-6E36-7B7E-126180BAAF7E}"/>
-              </a:ext>
-            </a:extLst>
-          </p:cNvPr>
-          <p:cNvSpPr>
-            <a:spLocks noGrp="1"/>
-          </p:cNvSpPr>
-          <p:nvPr>
-            <p:ph type="body" idx="1"/>
-          </p:nvPr>
-        </p:nvSpPr>
-        <p:spPr/>
-        <p:txBody>
-          <a:bodyPr/>
-          <a:lstStyle/>
-          <a:p>
-            <a:endParaRPr lang="en-GB"/>
-          </a:p>
-        </p:txBody>
-      </p:sp>
-      <p:sp>
-        <p:nvSpPr>
-          <p:cNvPr id="4" name="Text Placeholder 3">
-            <a:extLst>
-              <a:ext uri="{FF2B5EF4-FFF2-40B4-BE49-F238E27FC236}">
-                <a16:creationId xmlns:a16="http://schemas.microsoft.com/office/drawing/2014/main" id="{89635672-8EC5-A13D-7A2D-CD70884BBBE7}"/>
-              </a:ext>
-            </a:extLst>
-          </p:cNvPr>
-          <p:cNvSpPr>
-            <a:spLocks noGrp="1"/>
-          </p:cNvSpPr>
-          <p:nvPr>
-            <p:ph type="body" idx="2"/>
-          </p:nvPr>
-        </p:nvSpPr>
-        <p:spPr/>
+        <p:spPr>
+          <a:xfrm>
+            <a:off x="8936725" y="1784350"/>
+            <a:ext cx="2090949" cy="4572000"/>
+          </a:xfrm>
+          <a:custGeom>
+            <a:avLst/>
+            <a:gdLst/>
+            <a:ahLst/>
+            <a:cxnLst/>
+            <a:rect l="l" t="t" r="r" b="b"/>
+            <a:pathLst>
+              <a:path w="3825613" h="8364959">
+                <a:moveTo>
+                  <a:pt x="0" y="0"/>
+                </a:moveTo>
+                <a:lnTo>
+                  <a:pt x="3825613" y="0"/>
+                </a:lnTo>
+                <a:lnTo>
+                  <a:pt x="3825613" y="8364959"/>
+                </a:lnTo>
+                <a:lnTo>
+                  <a:pt x="0" y="8364959"/>
+                </a:lnTo>
+                <a:lnTo>
+                  <a:pt x="0" y="0"/>
+                </a:lnTo>
+                <a:close/>
+              </a:path>
+            </a:pathLst>
+          </a:custGeom>
+          <a:blipFill>
+            <a:blip r:embed="rId2">
+              <a:extLst>
+                <a:ext uri="{96DAC541-7B7A-43D3-8B79-37D633B846F1}">
+                  <asvg:svgBlip xmlns:asvg="http://schemas.microsoft.com/office/drawing/2016/SVG/main" r:embed="rId3"/>
+                </a:ext>
+              </a:extLst>
+            </a:blip>
+            <a:stretch>
+              <a:fillRect/>
+            </a:stretch>
+          </a:blipFill>
+        </p:spPr>
         <p:txBody>
           <a:bodyPr/>
           <a:lstStyle/>
@@ -17353,7 +15585,7 @@
     </p:spTree>
     <p:extLst>
       <p:ext uri="{BB962C8B-B14F-4D97-AF65-F5344CB8AC3E}">
-        <p14:creationId xmlns:p14="http://schemas.microsoft.com/office/powerpoint/2010/main" val="4095535346"/>
+        <p14:creationId xmlns:p14="http://schemas.microsoft.com/office/powerpoint/2010/main" val="967270726"/>
       </p:ext>
     </p:extLst>
   </p:cSld>
